--- a/AI_06_Conclusion.pptx
+++ b/AI_06_Conclusion.pptx
@@ -5,17 +5,21 @@
     <p:sldMasterId id="2147483648" r:id="rId1"/>
   </p:sldMasterIdLst>
   <p:sldIdLst>
-    <p:sldId id="276" r:id="rId2"/>
-    <p:sldId id="297" r:id="rId3"/>
-    <p:sldId id="284" r:id="rId4"/>
+    <p:sldId id="356" r:id="rId2"/>
+    <p:sldId id="284" r:id="rId3"/>
+    <p:sldId id="298" r:id="rId4"/>
     <p:sldId id="302" r:id="rId5"/>
     <p:sldId id="300" r:id="rId6"/>
-    <p:sldId id="301" r:id="rId7"/>
-    <p:sldId id="278" r:id="rId8"/>
-    <p:sldId id="332" r:id="rId9"/>
-    <p:sldId id="338" r:id="rId10"/>
-    <p:sldId id="322" r:id="rId11"/>
-    <p:sldId id="340" r:id="rId12"/>
+    <p:sldId id="339" r:id="rId7"/>
+    <p:sldId id="357" r:id="rId8"/>
+    <p:sldId id="301" r:id="rId9"/>
+    <p:sldId id="276" r:id="rId10"/>
+    <p:sldId id="297" r:id="rId11"/>
+    <p:sldId id="278" r:id="rId12"/>
+    <p:sldId id="332" r:id="rId13"/>
+    <p:sldId id="338" r:id="rId14"/>
+    <p:sldId id="322" r:id="rId15"/>
+    <p:sldId id="340" r:id="rId16"/>
   </p:sldIdLst>
   <p:sldSz cx="12192000" cy="6858000"/>
   <p:notesSz cx="6858000" cy="9144000"/>
@@ -114,6 +118,11 @@
       </a:defRPr>
     </a:lvl9pPr>
   </p:defaultTextStyle>
+  <p:extLst>
+    <p:ext uri="{EFAFB233-063F-42B5-8137-9DF3F51BA10A}">
+      <p15:sldGuideLst xmlns:p15="http://schemas.microsoft.com/office/powerpoint/2012/main"/>
+    </p:ext>
+  </p:extLst>
 </p:presentation>
 </file>
 
@@ -264,7 +273,7 @@
           <a:p>
             <a:fld id="{636D50FB-5A8B-4889-B1B1-F253DF8483FF}" type="datetimeFigureOut">
               <a:rPr lang="ko-KR" altLang="en-US" smtClean="0"/>
-              <a:t>2023-07-15</a:t>
+              <a:t>2023-07-16</a:t>
             </a:fld>
             <a:endParaRPr lang="ko-KR" altLang="en-US"/>
           </a:p>
@@ -462,7 +471,7 @@
           <a:p>
             <a:fld id="{636D50FB-5A8B-4889-B1B1-F253DF8483FF}" type="datetimeFigureOut">
               <a:rPr lang="ko-KR" altLang="en-US" smtClean="0"/>
-              <a:t>2023-07-15</a:t>
+              <a:t>2023-07-16</a:t>
             </a:fld>
             <a:endParaRPr lang="ko-KR" altLang="en-US"/>
           </a:p>
@@ -670,7 +679,7 @@
           <a:p>
             <a:fld id="{636D50FB-5A8B-4889-B1B1-F253DF8483FF}" type="datetimeFigureOut">
               <a:rPr lang="ko-KR" altLang="en-US" smtClean="0"/>
-              <a:t>2023-07-15</a:t>
+              <a:t>2023-07-16</a:t>
             </a:fld>
             <a:endParaRPr lang="ko-KR" altLang="en-US"/>
           </a:p>
@@ -868,7 +877,7 @@
           <a:p>
             <a:fld id="{636D50FB-5A8B-4889-B1B1-F253DF8483FF}" type="datetimeFigureOut">
               <a:rPr lang="ko-KR" altLang="en-US" smtClean="0"/>
-              <a:t>2023-07-15</a:t>
+              <a:t>2023-07-16</a:t>
             </a:fld>
             <a:endParaRPr lang="ko-KR" altLang="en-US"/>
           </a:p>
@@ -1143,7 +1152,7 @@
           <a:p>
             <a:fld id="{636D50FB-5A8B-4889-B1B1-F253DF8483FF}" type="datetimeFigureOut">
               <a:rPr lang="ko-KR" altLang="en-US" smtClean="0"/>
-              <a:t>2023-07-15</a:t>
+              <a:t>2023-07-16</a:t>
             </a:fld>
             <a:endParaRPr lang="ko-KR" altLang="en-US"/>
           </a:p>
@@ -1408,7 +1417,7 @@
           <a:p>
             <a:fld id="{636D50FB-5A8B-4889-B1B1-F253DF8483FF}" type="datetimeFigureOut">
               <a:rPr lang="ko-KR" altLang="en-US" smtClean="0"/>
-              <a:t>2023-07-15</a:t>
+              <a:t>2023-07-16</a:t>
             </a:fld>
             <a:endParaRPr lang="ko-KR" altLang="en-US"/>
           </a:p>
@@ -1820,7 +1829,7 @@
           <a:p>
             <a:fld id="{636D50FB-5A8B-4889-B1B1-F253DF8483FF}" type="datetimeFigureOut">
               <a:rPr lang="ko-KR" altLang="en-US" smtClean="0"/>
-              <a:t>2023-07-15</a:t>
+              <a:t>2023-07-16</a:t>
             </a:fld>
             <a:endParaRPr lang="ko-KR" altLang="en-US"/>
           </a:p>
@@ -1961,7 +1970,7 @@
           <a:p>
             <a:fld id="{636D50FB-5A8B-4889-B1B1-F253DF8483FF}" type="datetimeFigureOut">
               <a:rPr lang="ko-KR" altLang="en-US" smtClean="0"/>
-              <a:t>2023-07-15</a:t>
+              <a:t>2023-07-16</a:t>
             </a:fld>
             <a:endParaRPr lang="ko-KR" altLang="en-US"/>
           </a:p>
@@ -2074,7 +2083,7 @@
           <a:p>
             <a:fld id="{636D50FB-5A8B-4889-B1B1-F253DF8483FF}" type="datetimeFigureOut">
               <a:rPr lang="ko-KR" altLang="en-US" smtClean="0"/>
-              <a:t>2023-07-15</a:t>
+              <a:t>2023-07-16</a:t>
             </a:fld>
             <a:endParaRPr lang="ko-KR" altLang="en-US"/>
           </a:p>
@@ -2385,7 +2394,7 @@
           <a:p>
             <a:fld id="{636D50FB-5A8B-4889-B1B1-F253DF8483FF}" type="datetimeFigureOut">
               <a:rPr lang="ko-KR" altLang="en-US" smtClean="0"/>
-              <a:t>2023-07-15</a:t>
+              <a:t>2023-07-16</a:t>
             </a:fld>
             <a:endParaRPr lang="ko-KR" altLang="en-US"/>
           </a:p>
@@ -2673,7 +2682,7 @@
           <a:p>
             <a:fld id="{636D50FB-5A8B-4889-B1B1-F253DF8483FF}" type="datetimeFigureOut">
               <a:rPr lang="ko-KR" altLang="en-US" smtClean="0"/>
-              <a:t>2023-07-15</a:t>
+              <a:t>2023-07-16</a:t>
             </a:fld>
             <a:endParaRPr lang="ko-KR" altLang="en-US"/>
           </a:p>
@@ -2914,7 +2923,7 @@
           <a:p>
             <a:fld id="{636D50FB-5A8B-4889-B1B1-F253DF8483FF}" type="datetimeFigureOut">
               <a:rPr lang="ko-KR" altLang="en-US" smtClean="0"/>
-              <a:t>2023-07-15</a:t>
+              <a:t>2023-07-16</a:t>
             </a:fld>
             <a:endParaRPr lang="ko-KR" altLang="en-US"/>
           </a:p>
@@ -3333,10 +3342,2670 @@
       </p:grpSpPr>
       <p:sp>
         <p:nvSpPr>
+          <p:cNvPr id="4" name="직사각형 3">
+            <a:extLst>
+              <a:ext uri="{FF2B5EF4-FFF2-40B4-BE49-F238E27FC236}">
+                <a16:creationId xmlns:a16="http://schemas.microsoft.com/office/drawing/2014/main" id="{03369733-1D7A-413E-ACA1-18D6B4C2A308}"/>
+              </a:ext>
+            </a:extLst>
+          </p:cNvPr>
+          <p:cNvSpPr/>
+          <p:nvPr/>
+        </p:nvSpPr>
+        <p:spPr>
+          <a:xfrm>
+            <a:off x="3102220" y="1138601"/>
+            <a:ext cx="1776046" cy="465993"/>
+          </a:xfrm>
+          <a:prstGeom prst="rect">
+            <a:avLst/>
+          </a:prstGeom>
+        </p:spPr>
+        <p:style>
+          <a:lnRef idx="2">
+            <a:schemeClr val="accent1">
+              <a:shade val="50000"/>
+            </a:schemeClr>
+          </a:lnRef>
+          <a:fillRef idx="1">
+            <a:schemeClr val="accent1"/>
+          </a:fillRef>
+          <a:effectRef idx="0">
+            <a:schemeClr val="accent1"/>
+          </a:effectRef>
+          <a:fontRef idx="minor">
+            <a:schemeClr val="lt1"/>
+          </a:fontRef>
+        </p:style>
+        <p:txBody>
+          <a:bodyPr rtlCol="0" anchor="ctr"/>
+          <a:lstStyle/>
+          <a:p>
+            <a:pPr algn="ctr"/>
+            <a:r>
+              <a:rPr lang="en-US" altLang="ko-KR" dirty="0"/>
+              <a:t>DeepMind</a:t>
+            </a:r>
+            <a:endParaRPr lang="ko-KR" altLang="en-US" dirty="0"/>
+          </a:p>
+        </p:txBody>
+      </p:sp>
+      <p:sp>
+        <p:nvSpPr>
+          <p:cNvPr id="5" name="직사각형 4">
+            <a:extLst>
+              <a:ext uri="{FF2B5EF4-FFF2-40B4-BE49-F238E27FC236}">
+                <a16:creationId xmlns:a16="http://schemas.microsoft.com/office/drawing/2014/main" id="{245D836C-C39E-4F72-B375-9C83FAF66733}"/>
+              </a:ext>
+            </a:extLst>
+          </p:cNvPr>
+          <p:cNvSpPr/>
+          <p:nvPr/>
+        </p:nvSpPr>
+        <p:spPr>
+          <a:xfrm>
+            <a:off x="6048061" y="3550607"/>
+            <a:ext cx="1776046" cy="465993"/>
+          </a:xfrm>
+          <a:prstGeom prst="rect">
+            <a:avLst/>
+          </a:prstGeom>
+        </p:spPr>
+        <p:style>
+          <a:lnRef idx="2">
+            <a:schemeClr val="accent1">
+              <a:shade val="50000"/>
+            </a:schemeClr>
+          </a:lnRef>
+          <a:fillRef idx="1">
+            <a:schemeClr val="accent1"/>
+          </a:fillRef>
+          <a:effectRef idx="0">
+            <a:schemeClr val="accent1"/>
+          </a:effectRef>
+          <a:fontRef idx="minor">
+            <a:schemeClr val="lt1"/>
+          </a:fontRef>
+        </p:style>
+        <p:txBody>
+          <a:bodyPr rtlCol="0" anchor="ctr"/>
+          <a:lstStyle/>
+          <a:p>
+            <a:pPr algn="ctr"/>
+            <a:r>
+              <a:rPr lang="en-US" altLang="ko-KR" dirty="0" err="1"/>
+              <a:t>OpenAI</a:t>
+            </a:r>
+            <a:endParaRPr lang="ko-KR" altLang="en-US" dirty="0"/>
+          </a:p>
+        </p:txBody>
+      </p:sp>
+      <p:sp>
+        <p:nvSpPr>
+          <p:cNvPr id="6" name="직사각형 5">
+            <a:extLst>
+              <a:ext uri="{FF2B5EF4-FFF2-40B4-BE49-F238E27FC236}">
+                <a16:creationId xmlns:a16="http://schemas.microsoft.com/office/drawing/2014/main" id="{FBA80506-C03E-4F5E-AE7A-6E84588FC2BB}"/>
+              </a:ext>
+            </a:extLst>
+          </p:cNvPr>
+          <p:cNvSpPr/>
+          <p:nvPr/>
+        </p:nvSpPr>
+        <p:spPr>
+          <a:xfrm>
+            <a:off x="1337066" y="2696348"/>
+            <a:ext cx="2003236" cy="465993"/>
+          </a:xfrm>
+          <a:prstGeom prst="rect">
+            <a:avLst/>
+          </a:prstGeom>
+        </p:spPr>
+        <p:style>
+          <a:lnRef idx="2">
+            <a:schemeClr val="accent1">
+              <a:shade val="50000"/>
+            </a:schemeClr>
+          </a:lnRef>
+          <a:fillRef idx="1">
+            <a:schemeClr val="accent1"/>
+          </a:fillRef>
+          <a:effectRef idx="0">
+            <a:schemeClr val="accent1"/>
+          </a:effectRef>
+          <a:fontRef idx="minor">
+            <a:schemeClr val="lt1"/>
+          </a:fontRef>
+        </p:style>
+        <p:txBody>
+          <a:bodyPr rtlCol="0" anchor="ctr"/>
+          <a:lstStyle/>
+          <a:p>
+            <a:pPr algn="ctr"/>
+            <a:r>
+              <a:rPr lang="en-US" altLang="ko-KR" dirty="0"/>
+              <a:t>Google</a:t>
+            </a:r>
+            <a:endParaRPr lang="ko-KR" altLang="en-US" dirty="0"/>
+          </a:p>
+        </p:txBody>
+      </p:sp>
+      <p:sp>
+        <p:nvSpPr>
+          <p:cNvPr id="7" name="직사각형 6">
+            <a:extLst>
+              <a:ext uri="{FF2B5EF4-FFF2-40B4-BE49-F238E27FC236}">
+                <a16:creationId xmlns:a16="http://schemas.microsoft.com/office/drawing/2014/main" id="{BDB979B4-8A25-4203-8101-D96E9A448E4C}"/>
+              </a:ext>
+            </a:extLst>
+          </p:cNvPr>
+          <p:cNvSpPr/>
+          <p:nvPr/>
+        </p:nvSpPr>
+        <p:spPr>
+          <a:xfrm>
+            <a:off x="9127295" y="4213406"/>
+            <a:ext cx="1776046" cy="465993"/>
+          </a:xfrm>
+          <a:prstGeom prst="rect">
+            <a:avLst/>
+          </a:prstGeom>
+        </p:spPr>
+        <p:style>
+          <a:lnRef idx="2">
+            <a:schemeClr val="accent1">
+              <a:shade val="50000"/>
+            </a:schemeClr>
+          </a:lnRef>
+          <a:fillRef idx="1">
+            <a:schemeClr val="accent1"/>
+          </a:fillRef>
+          <a:effectRef idx="0">
+            <a:schemeClr val="accent1"/>
+          </a:effectRef>
+          <a:fontRef idx="minor">
+            <a:schemeClr val="lt1"/>
+          </a:fontRef>
+        </p:style>
+        <p:txBody>
+          <a:bodyPr rtlCol="0" anchor="ctr"/>
+          <a:lstStyle/>
+          <a:p>
+            <a:pPr algn="ctr"/>
+            <a:r>
+              <a:rPr lang="en-US" altLang="ko-KR" dirty="0"/>
+              <a:t>Twitter</a:t>
+            </a:r>
+            <a:endParaRPr lang="ko-KR" altLang="en-US" dirty="0"/>
+          </a:p>
+        </p:txBody>
+      </p:sp>
+      <p:sp>
+        <p:nvSpPr>
+          <p:cNvPr id="8" name="직사각형 7">
+            <a:extLst>
+              <a:ext uri="{FF2B5EF4-FFF2-40B4-BE49-F238E27FC236}">
+                <a16:creationId xmlns:a16="http://schemas.microsoft.com/office/drawing/2014/main" id="{A498E37E-BB49-4460-B7EA-E28B30712481}"/>
+              </a:ext>
+            </a:extLst>
+          </p:cNvPr>
+          <p:cNvSpPr/>
+          <p:nvPr/>
+        </p:nvSpPr>
+        <p:spPr>
+          <a:xfrm>
+            <a:off x="5104000" y="4688008"/>
+            <a:ext cx="1776046" cy="465993"/>
+          </a:xfrm>
+          <a:prstGeom prst="rect">
+            <a:avLst/>
+          </a:prstGeom>
+        </p:spPr>
+        <p:style>
+          <a:lnRef idx="2">
+            <a:schemeClr val="accent1">
+              <a:shade val="50000"/>
+            </a:schemeClr>
+          </a:lnRef>
+          <a:fillRef idx="1">
+            <a:schemeClr val="accent1"/>
+          </a:fillRef>
+          <a:effectRef idx="0">
+            <a:schemeClr val="accent1"/>
+          </a:effectRef>
+          <a:fontRef idx="minor">
+            <a:schemeClr val="lt1"/>
+          </a:fontRef>
+        </p:style>
+        <p:txBody>
+          <a:bodyPr rtlCol="0" anchor="ctr"/>
+          <a:lstStyle/>
+          <a:p>
+            <a:pPr algn="ctr"/>
+            <a:r>
+              <a:rPr lang="en-US" altLang="ko-KR" dirty="0"/>
+              <a:t>Microsoft</a:t>
+            </a:r>
+            <a:endParaRPr lang="ko-KR" altLang="en-US" dirty="0"/>
+          </a:p>
+        </p:txBody>
+      </p:sp>
+      <p:sp>
+        <p:nvSpPr>
+          <p:cNvPr id="9" name="직사각형 8">
+            <a:extLst>
+              <a:ext uri="{FF2B5EF4-FFF2-40B4-BE49-F238E27FC236}">
+                <a16:creationId xmlns:a16="http://schemas.microsoft.com/office/drawing/2014/main" id="{5BE0D7D7-C452-4BC9-8AF6-BE4A4DF1FB4C}"/>
+              </a:ext>
+            </a:extLst>
+          </p:cNvPr>
+          <p:cNvSpPr/>
+          <p:nvPr/>
+        </p:nvSpPr>
+        <p:spPr>
+          <a:xfrm>
+            <a:off x="9192359" y="6069621"/>
+            <a:ext cx="1776046" cy="465993"/>
+          </a:xfrm>
+          <a:prstGeom prst="rect">
+            <a:avLst/>
+          </a:prstGeom>
+        </p:spPr>
+        <p:style>
+          <a:lnRef idx="2">
+            <a:schemeClr val="accent6">
+              <a:shade val="50000"/>
+            </a:schemeClr>
+          </a:lnRef>
+          <a:fillRef idx="1">
+            <a:schemeClr val="accent6"/>
+          </a:fillRef>
+          <a:effectRef idx="0">
+            <a:schemeClr val="accent6"/>
+          </a:effectRef>
+          <a:fontRef idx="minor">
+            <a:schemeClr val="lt1"/>
+          </a:fontRef>
+        </p:style>
+        <p:txBody>
+          <a:bodyPr rtlCol="0" anchor="ctr"/>
+          <a:lstStyle/>
+          <a:p>
+            <a:pPr algn="ctr"/>
+            <a:r>
+              <a:rPr lang="en-US" altLang="ko-KR" dirty="0"/>
+              <a:t>x.AI</a:t>
+            </a:r>
+            <a:endParaRPr lang="ko-KR" altLang="en-US" dirty="0"/>
+          </a:p>
+        </p:txBody>
+      </p:sp>
+      <p:sp>
+        <p:nvSpPr>
+          <p:cNvPr id="11" name="직사각형 10">
+            <a:extLst>
+              <a:ext uri="{FF2B5EF4-FFF2-40B4-BE49-F238E27FC236}">
+                <a16:creationId xmlns:a16="http://schemas.microsoft.com/office/drawing/2014/main" id="{49E4D080-F9BE-4251-B85A-35E27D82A95B}"/>
+              </a:ext>
+            </a:extLst>
+          </p:cNvPr>
+          <p:cNvSpPr/>
+          <p:nvPr/>
+        </p:nvSpPr>
+        <p:spPr>
+          <a:xfrm>
+            <a:off x="1282810" y="6069621"/>
+            <a:ext cx="2003236" cy="465993"/>
+          </a:xfrm>
+          <a:prstGeom prst="rect">
+            <a:avLst/>
+          </a:prstGeom>
+        </p:spPr>
+        <p:style>
+          <a:lnRef idx="2">
+            <a:schemeClr val="accent6">
+              <a:shade val="50000"/>
+            </a:schemeClr>
+          </a:lnRef>
+          <a:fillRef idx="1">
+            <a:schemeClr val="accent6"/>
+          </a:fillRef>
+          <a:effectRef idx="0">
+            <a:schemeClr val="accent6"/>
+          </a:effectRef>
+          <a:fontRef idx="minor">
+            <a:schemeClr val="lt1"/>
+          </a:fontRef>
+        </p:style>
+        <p:txBody>
+          <a:bodyPr rtlCol="0" anchor="ctr"/>
+          <a:lstStyle/>
+          <a:p>
+            <a:pPr algn="ctr"/>
+            <a:r>
+              <a:rPr lang="en-US" altLang="ko-KR" dirty="0"/>
+              <a:t>Bard</a:t>
+            </a:r>
+            <a:endParaRPr lang="ko-KR" altLang="en-US" dirty="0"/>
+          </a:p>
+        </p:txBody>
+      </p:sp>
+      <p:sp>
+        <p:nvSpPr>
+          <p:cNvPr id="12" name="화살표: 아래쪽 11">
+            <a:extLst>
+              <a:ext uri="{FF2B5EF4-FFF2-40B4-BE49-F238E27FC236}">
+                <a16:creationId xmlns:a16="http://schemas.microsoft.com/office/drawing/2014/main" id="{36325DDE-FD8F-4C26-A222-8EF91BA62528}"/>
+              </a:ext>
+            </a:extLst>
+          </p:cNvPr>
+          <p:cNvSpPr/>
+          <p:nvPr/>
+        </p:nvSpPr>
+        <p:spPr>
+          <a:xfrm>
+            <a:off x="2214392" y="3237724"/>
+            <a:ext cx="110196" cy="2714669"/>
+          </a:xfrm>
+          <a:prstGeom prst="downArrow">
+            <a:avLst/>
+          </a:prstGeom>
+        </p:spPr>
+        <p:style>
+          <a:lnRef idx="2">
+            <a:schemeClr val="accent1">
+              <a:shade val="50000"/>
+            </a:schemeClr>
+          </a:lnRef>
+          <a:fillRef idx="1">
+            <a:schemeClr val="accent1"/>
+          </a:fillRef>
+          <a:effectRef idx="0">
+            <a:schemeClr val="accent1"/>
+          </a:effectRef>
+          <a:fontRef idx="minor">
+            <a:schemeClr val="lt1"/>
+          </a:fontRef>
+        </p:style>
+        <p:txBody>
+          <a:bodyPr rtlCol="0" anchor="ctr"/>
+          <a:lstStyle/>
+          <a:p>
+            <a:pPr algn="ctr"/>
+            <a:endParaRPr lang="ko-KR" altLang="en-US"/>
+          </a:p>
+        </p:txBody>
+      </p:sp>
+      <p:sp>
+        <p:nvSpPr>
+          <p:cNvPr id="13" name="화살표: 아래쪽 12">
+            <a:extLst>
+              <a:ext uri="{FF2B5EF4-FFF2-40B4-BE49-F238E27FC236}">
+                <a16:creationId xmlns:a16="http://schemas.microsoft.com/office/drawing/2014/main" id="{07AE824B-2982-4608-9147-BE3EA27E4191}"/>
+              </a:ext>
+            </a:extLst>
+          </p:cNvPr>
+          <p:cNvSpPr/>
+          <p:nvPr/>
+        </p:nvSpPr>
+        <p:spPr>
+          <a:xfrm flipH="1">
+            <a:off x="5881825" y="5213845"/>
+            <a:ext cx="110195" cy="760529"/>
+          </a:xfrm>
+          <a:prstGeom prst="downArrow">
+            <a:avLst/>
+          </a:prstGeom>
+        </p:spPr>
+        <p:style>
+          <a:lnRef idx="2">
+            <a:schemeClr val="accent1">
+              <a:shade val="50000"/>
+            </a:schemeClr>
+          </a:lnRef>
+          <a:fillRef idx="1">
+            <a:schemeClr val="accent1"/>
+          </a:fillRef>
+          <a:effectRef idx="0">
+            <a:schemeClr val="accent1"/>
+          </a:effectRef>
+          <a:fontRef idx="minor">
+            <a:schemeClr val="lt1"/>
+          </a:fontRef>
+        </p:style>
+        <p:txBody>
+          <a:bodyPr rtlCol="0" anchor="ctr"/>
+          <a:lstStyle/>
+          <a:p>
+            <a:pPr algn="ctr"/>
+            <a:endParaRPr lang="ko-KR" altLang="en-US"/>
+          </a:p>
+        </p:txBody>
+      </p:sp>
+      <p:sp>
+        <p:nvSpPr>
+          <p:cNvPr id="14" name="화살표: 아래쪽 13">
+            <a:extLst>
+              <a:ext uri="{FF2B5EF4-FFF2-40B4-BE49-F238E27FC236}">
+                <a16:creationId xmlns:a16="http://schemas.microsoft.com/office/drawing/2014/main" id="{5BB53BAA-BB8E-49AC-AF67-486BE119BDBA}"/>
+              </a:ext>
+            </a:extLst>
+          </p:cNvPr>
+          <p:cNvSpPr/>
+          <p:nvPr/>
+        </p:nvSpPr>
+        <p:spPr>
+          <a:xfrm>
+            <a:off x="9960220" y="4760401"/>
+            <a:ext cx="110197" cy="1213973"/>
+          </a:xfrm>
+          <a:prstGeom prst="downArrow">
+            <a:avLst/>
+          </a:prstGeom>
+        </p:spPr>
+        <p:style>
+          <a:lnRef idx="2">
+            <a:schemeClr val="accent1">
+              <a:shade val="50000"/>
+            </a:schemeClr>
+          </a:lnRef>
+          <a:fillRef idx="1">
+            <a:schemeClr val="accent1"/>
+          </a:fillRef>
+          <a:effectRef idx="0">
+            <a:schemeClr val="accent1"/>
+          </a:effectRef>
+          <a:fontRef idx="minor">
+            <a:schemeClr val="lt1"/>
+          </a:fontRef>
+        </p:style>
+        <p:txBody>
+          <a:bodyPr rtlCol="0" anchor="ctr"/>
+          <a:lstStyle/>
+          <a:p>
+            <a:pPr algn="ctr"/>
+            <a:endParaRPr lang="ko-KR" altLang="en-US"/>
+          </a:p>
+        </p:txBody>
+      </p:sp>
+      <p:sp>
+        <p:nvSpPr>
+          <p:cNvPr id="15" name="직사각형 14">
+            <a:extLst>
+              <a:ext uri="{FF2B5EF4-FFF2-40B4-BE49-F238E27FC236}">
+                <a16:creationId xmlns:a16="http://schemas.microsoft.com/office/drawing/2014/main" id="{3C00BB09-1286-4653-AA31-39352FD3209D}"/>
+              </a:ext>
+            </a:extLst>
+          </p:cNvPr>
+          <p:cNvSpPr/>
+          <p:nvPr/>
+        </p:nvSpPr>
+        <p:spPr>
+          <a:xfrm>
+            <a:off x="9552843" y="141375"/>
+            <a:ext cx="2089638" cy="461665"/>
+          </a:xfrm>
+          <a:prstGeom prst="rect">
+            <a:avLst/>
+          </a:prstGeom>
+        </p:spPr>
+        <p:txBody>
+          <a:bodyPr wrap="square">
+            <a:spAutoFit/>
+          </a:bodyPr>
+          <a:lstStyle/>
+          <a:p>
+            <a:pPr fontAlgn="ctr"/>
+            <a:r>
+              <a:rPr lang="en-US" altLang="ko-KR" sz="1200" dirty="0"/>
+              <a:t>Artificial Intelligence 1950</a:t>
+            </a:r>
+          </a:p>
+          <a:p>
+            <a:pPr fontAlgn="ctr"/>
+            <a:r>
+              <a:rPr lang="en-US" altLang="ko-KR" sz="1200" dirty="0"/>
+              <a:t>Machine learning</a:t>
+            </a:r>
+            <a:endParaRPr lang="ko-KR" altLang="ko-KR" sz="1200" dirty="0"/>
+          </a:p>
+        </p:txBody>
+      </p:sp>
+      <p:sp>
+        <p:nvSpPr>
+          <p:cNvPr id="16" name="직사각형 15">
+            <a:extLst>
+              <a:ext uri="{FF2B5EF4-FFF2-40B4-BE49-F238E27FC236}">
+                <a16:creationId xmlns:a16="http://schemas.microsoft.com/office/drawing/2014/main" id="{E830D79E-A797-4A05-8B8B-BC871E442459}"/>
+              </a:ext>
+            </a:extLst>
+          </p:cNvPr>
+          <p:cNvSpPr/>
+          <p:nvPr/>
+        </p:nvSpPr>
+        <p:spPr>
+          <a:xfrm>
+            <a:off x="517282" y="141374"/>
+            <a:ext cx="1485900" cy="646331"/>
+          </a:xfrm>
+          <a:prstGeom prst="rect">
+            <a:avLst/>
+          </a:prstGeom>
+        </p:spPr>
+        <p:txBody>
+          <a:bodyPr wrap="square">
+            <a:spAutoFit/>
+          </a:bodyPr>
+          <a:lstStyle/>
+          <a:p>
+            <a:pPr fontAlgn="ctr"/>
+            <a:r>
+              <a:rPr lang="en-US" altLang="ko-KR" sz="1200" dirty="0"/>
+              <a:t>Perceptron 1957</a:t>
+            </a:r>
+          </a:p>
+          <a:p>
+            <a:pPr fontAlgn="ctr"/>
+            <a:r>
+              <a:rPr lang="en-US" altLang="ko-KR" sz="1200" dirty="0"/>
+              <a:t>Neural Networks</a:t>
+            </a:r>
+          </a:p>
+          <a:p>
+            <a:pPr fontAlgn="ctr"/>
+            <a:r>
+              <a:rPr lang="en-US" altLang="ko-KR" sz="1200" dirty="0"/>
+              <a:t>Deep Learning</a:t>
+            </a:r>
+            <a:endParaRPr lang="ko-KR" altLang="ko-KR" sz="1200" dirty="0"/>
+          </a:p>
+        </p:txBody>
+      </p:sp>
+      <p:sp>
+        <p:nvSpPr>
+          <p:cNvPr id="17" name="직사각형 16">
+            <a:extLst>
+              <a:ext uri="{FF2B5EF4-FFF2-40B4-BE49-F238E27FC236}">
+                <a16:creationId xmlns:a16="http://schemas.microsoft.com/office/drawing/2014/main" id="{7EC89886-ED40-4857-BB29-0AB80DB7038F}"/>
+              </a:ext>
+            </a:extLst>
+          </p:cNvPr>
+          <p:cNvSpPr/>
+          <p:nvPr/>
+        </p:nvSpPr>
+        <p:spPr>
+          <a:xfrm>
+            <a:off x="4831374" y="1116619"/>
+            <a:ext cx="2089638" cy="276999"/>
+          </a:xfrm>
+          <a:prstGeom prst="rect">
+            <a:avLst/>
+          </a:prstGeom>
+        </p:spPr>
+        <p:txBody>
+          <a:bodyPr wrap="square">
+            <a:spAutoFit/>
+          </a:bodyPr>
+          <a:lstStyle/>
+          <a:p>
+            <a:pPr fontAlgn="ctr"/>
+            <a:r>
+              <a:rPr lang="en-US" altLang="ko-KR" sz="1200" dirty="0"/>
+              <a:t>2010</a:t>
+            </a:r>
+            <a:endParaRPr lang="ko-KR" altLang="ko-KR" sz="1200" dirty="0"/>
+          </a:p>
+        </p:txBody>
+      </p:sp>
+      <p:sp>
+        <p:nvSpPr>
+          <p:cNvPr id="18" name="직사각형 17">
+            <a:extLst>
+              <a:ext uri="{FF2B5EF4-FFF2-40B4-BE49-F238E27FC236}">
+                <a16:creationId xmlns:a16="http://schemas.microsoft.com/office/drawing/2014/main" id="{D34D4612-5C2F-4C32-B23A-F4337EBAC3D4}"/>
+              </a:ext>
+            </a:extLst>
+          </p:cNvPr>
+          <p:cNvSpPr/>
+          <p:nvPr/>
+        </p:nvSpPr>
+        <p:spPr>
+          <a:xfrm>
+            <a:off x="7824107" y="3506604"/>
+            <a:ext cx="2089638" cy="276999"/>
+          </a:xfrm>
+          <a:prstGeom prst="rect">
+            <a:avLst/>
+          </a:prstGeom>
+        </p:spPr>
+        <p:txBody>
+          <a:bodyPr wrap="square">
+            <a:spAutoFit/>
+          </a:bodyPr>
+          <a:lstStyle/>
+          <a:p>
+            <a:pPr fontAlgn="ctr"/>
+            <a:r>
+              <a:rPr lang="en-US" altLang="ko-KR" sz="1200" dirty="0"/>
+              <a:t>2015 Elon Musk</a:t>
+            </a:r>
+            <a:endParaRPr lang="ko-KR" altLang="ko-KR" sz="1200" dirty="0"/>
+          </a:p>
+        </p:txBody>
+      </p:sp>
+      <p:sp>
+        <p:nvSpPr>
+          <p:cNvPr id="19" name="직사각형 18">
+            <a:extLst>
+              <a:ext uri="{FF2B5EF4-FFF2-40B4-BE49-F238E27FC236}">
+                <a16:creationId xmlns:a16="http://schemas.microsoft.com/office/drawing/2014/main" id="{8FDCDCC5-64BE-4BF7-B960-29B1DD5B9C18}"/>
+              </a:ext>
+            </a:extLst>
+          </p:cNvPr>
+          <p:cNvSpPr/>
+          <p:nvPr/>
+        </p:nvSpPr>
+        <p:spPr>
+          <a:xfrm>
+            <a:off x="10597662" y="6066662"/>
+            <a:ext cx="2089638" cy="276999"/>
+          </a:xfrm>
+          <a:prstGeom prst="rect">
+            <a:avLst/>
+          </a:prstGeom>
+        </p:spPr>
+        <p:txBody>
+          <a:bodyPr wrap="square">
+            <a:spAutoFit/>
+          </a:bodyPr>
+          <a:lstStyle/>
+          <a:p>
+            <a:pPr fontAlgn="ctr"/>
+            <a:r>
+              <a:rPr lang="en-US" altLang="ko-KR" sz="1200" dirty="0"/>
+              <a:t>2023</a:t>
+            </a:r>
+            <a:endParaRPr lang="ko-KR" altLang="ko-KR" sz="1200" dirty="0"/>
+          </a:p>
+        </p:txBody>
+      </p:sp>
+      <p:cxnSp>
+        <p:nvCxnSpPr>
+          <p:cNvPr id="21" name="직선 화살표 연결선 20">
+            <a:extLst>
+              <a:ext uri="{FF2B5EF4-FFF2-40B4-BE49-F238E27FC236}">
+                <a16:creationId xmlns:a16="http://schemas.microsoft.com/office/drawing/2014/main" id="{4DD736BC-91DD-4B3A-A874-7D45FA6A0896}"/>
+              </a:ext>
+            </a:extLst>
+          </p:cNvPr>
+          <p:cNvCxnSpPr/>
+          <p:nvPr/>
+        </p:nvCxnSpPr>
+        <p:spPr>
+          <a:xfrm>
+            <a:off x="1800959" y="668215"/>
+            <a:ext cx="1301261" cy="448404"/>
+          </a:xfrm>
+          <a:prstGeom prst="straightConnector1">
+            <a:avLst/>
+          </a:prstGeom>
+          <a:ln>
+            <a:tailEnd type="triangle"/>
+          </a:ln>
+        </p:spPr>
+        <p:style>
+          <a:lnRef idx="1">
+            <a:schemeClr val="accent1"/>
+          </a:lnRef>
+          <a:fillRef idx="0">
+            <a:schemeClr val="accent1"/>
+          </a:fillRef>
+          <a:effectRef idx="0">
+            <a:schemeClr val="accent1"/>
+          </a:effectRef>
+          <a:fontRef idx="minor">
+            <a:schemeClr val="tx1"/>
+          </a:fontRef>
+        </p:style>
+      </p:cxnSp>
+      <p:cxnSp>
+        <p:nvCxnSpPr>
+          <p:cNvPr id="23" name="직선 화살표 연결선 22">
+            <a:extLst>
+              <a:ext uri="{FF2B5EF4-FFF2-40B4-BE49-F238E27FC236}">
+                <a16:creationId xmlns:a16="http://schemas.microsoft.com/office/drawing/2014/main" id="{5A7A9F46-158B-498A-BB4C-0C874FF01FA6}"/>
+              </a:ext>
+            </a:extLst>
+          </p:cNvPr>
+          <p:cNvCxnSpPr/>
+          <p:nvPr/>
+        </p:nvCxnSpPr>
+        <p:spPr>
+          <a:xfrm flipH="1">
+            <a:off x="5370636" y="372207"/>
+            <a:ext cx="4097215" cy="882911"/>
+          </a:xfrm>
+          <a:prstGeom prst="straightConnector1">
+            <a:avLst/>
+          </a:prstGeom>
+          <a:ln>
+            <a:tailEnd type="triangle"/>
+          </a:ln>
+        </p:spPr>
+        <p:style>
+          <a:lnRef idx="1">
+            <a:schemeClr val="accent1"/>
+          </a:lnRef>
+          <a:fillRef idx="0">
+            <a:schemeClr val="accent1"/>
+          </a:fillRef>
+          <a:effectRef idx="0">
+            <a:schemeClr val="accent1"/>
+          </a:effectRef>
+          <a:fontRef idx="minor">
+            <a:schemeClr val="tx1"/>
+          </a:fontRef>
+        </p:style>
+      </p:cxnSp>
+      <p:cxnSp>
+        <p:nvCxnSpPr>
+          <p:cNvPr id="25" name="직선 화살표 연결선 24">
+            <a:extLst>
+              <a:ext uri="{FF2B5EF4-FFF2-40B4-BE49-F238E27FC236}">
+                <a16:creationId xmlns:a16="http://schemas.microsoft.com/office/drawing/2014/main" id="{68A9CB02-02DE-4919-BBE2-B56B18653480}"/>
+              </a:ext>
+            </a:extLst>
+          </p:cNvPr>
+          <p:cNvCxnSpPr>
+            <a:cxnSpLocks/>
+          </p:cNvCxnSpPr>
+          <p:nvPr/>
+        </p:nvCxnSpPr>
+        <p:spPr>
+          <a:xfrm flipH="1">
+            <a:off x="7217559" y="372207"/>
+            <a:ext cx="2250293" cy="3116542"/>
+          </a:xfrm>
+          <a:prstGeom prst="straightConnector1">
+            <a:avLst/>
+          </a:prstGeom>
+          <a:ln>
+            <a:tailEnd type="triangle"/>
+          </a:ln>
+        </p:spPr>
+        <p:style>
+          <a:lnRef idx="1">
+            <a:schemeClr val="accent1"/>
+          </a:lnRef>
+          <a:fillRef idx="0">
+            <a:schemeClr val="accent1"/>
+          </a:fillRef>
+          <a:effectRef idx="0">
+            <a:schemeClr val="accent1"/>
+          </a:effectRef>
+          <a:fontRef idx="minor">
+            <a:schemeClr val="tx1"/>
+          </a:fontRef>
+        </p:style>
+      </p:cxnSp>
+      <p:cxnSp>
+        <p:nvCxnSpPr>
+          <p:cNvPr id="27" name="직선 화살표 연결선 26">
+            <a:extLst>
+              <a:ext uri="{FF2B5EF4-FFF2-40B4-BE49-F238E27FC236}">
+                <a16:creationId xmlns:a16="http://schemas.microsoft.com/office/drawing/2014/main" id="{0700923C-D9AA-448F-99ED-A1B07805DCA9}"/>
+              </a:ext>
+            </a:extLst>
+          </p:cNvPr>
+          <p:cNvCxnSpPr>
+            <a:cxnSpLocks/>
+          </p:cNvCxnSpPr>
+          <p:nvPr/>
+        </p:nvCxnSpPr>
+        <p:spPr>
+          <a:xfrm flipH="1">
+            <a:off x="2451589" y="1179660"/>
+            <a:ext cx="1781798" cy="1434367"/>
+          </a:xfrm>
+          <a:prstGeom prst="straightConnector1">
+            <a:avLst/>
+          </a:prstGeom>
+          <a:ln>
+            <a:tailEnd type="triangle"/>
+          </a:ln>
+        </p:spPr>
+        <p:style>
+          <a:lnRef idx="1">
+            <a:schemeClr val="accent1"/>
+          </a:lnRef>
+          <a:fillRef idx="0">
+            <a:schemeClr val="accent1"/>
+          </a:fillRef>
+          <a:effectRef idx="0">
+            <a:schemeClr val="accent1"/>
+          </a:effectRef>
+          <a:fontRef idx="minor">
+            <a:schemeClr val="tx1"/>
+          </a:fontRef>
+        </p:style>
+      </p:cxnSp>
+      <p:sp>
+        <p:nvSpPr>
+          <p:cNvPr id="28" name="직사각형 27">
+            <a:extLst>
+              <a:ext uri="{FF2B5EF4-FFF2-40B4-BE49-F238E27FC236}">
+                <a16:creationId xmlns:a16="http://schemas.microsoft.com/office/drawing/2014/main" id="{8977EC8D-1637-4A5F-945D-EAB04B0F25F5}"/>
+              </a:ext>
+            </a:extLst>
+          </p:cNvPr>
+          <p:cNvSpPr/>
+          <p:nvPr/>
+        </p:nvSpPr>
+        <p:spPr>
+          <a:xfrm>
+            <a:off x="3300434" y="2614027"/>
+            <a:ext cx="2089638" cy="276999"/>
+          </a:xfrm>
+          <a:prstGeom prst="rect">
+            <a:avLst/>
+          </a:prstGeom>
+        </p:spPr>
+        <p:txBody>
+          <a:bodyPr wrap="square">
+            <a:spAutoFit/>
+          </a:bodyPr>
+          <a:lstStyle/>
+          <a:p>
+            <a:pPr fontAlgn="ctr"/>
+            <a:r>
+              <a:rPr lang="en-US" altLang="ko-KR" sz="1200" dirty="0"/>
+              <a:t>2014</a:t>
+            </a:r>
+            <a:endParaRPr lang="ko-KR" altLang="ko-KR" sz="1200" dirty="0"/>
+          </a:p>
+        </p:txBody>
+      </p:sp>
+      <p:cxnSp>
+        <p:nvCxnSpPr>
+          <p:cNvPr id="31" name="직선 화살표 연결선 30">
+            <a:extLst>
+              <a:ext uri="{FF2B5EF4-FFF2-40B4-BE49-F238E27FC236}">
+                <a16:creationId xmlns:a16="http://schemas.microsoft.com/office/drawing/2014/main" id="{0E810A58-7F50-47E8-A343-D97CF574995D}"/>
+              </a:ext>
+            </a:extLst>
+          </p:cNvPr>
+          <p:cNvCxnSpPr>
+            <a:cxnSpLocks/>
+          </p:cNvCxnSpPr>
+          <p:nvPr/>
+        </p:nvCxnSpPr>
+        <p:spPr>
+          <a:xfrm flipH="1">
+            <a:off x="6292785" y="4111435"/>
+            <a:ext cx="422520" cy="516729"/>
+          </a:xfrm>
+          <a:prstGeom prst="straightConnector1">
+            <a:avLst/>
+          </a:prstGeom>
+          <a:ln>
+            <a:tailEnd type="triangle"/>
+          </a:ln>
+        </p:spPr>
+        <p:style>
+          <a:lnRef idx="1">
+            <a:schemeClr val="accent1"/>
+          </a:lnRef>
+          <a:fillRef idx="0">
+            <a:schemeClr val="accent1"/>
+          </a:fillRef>
+          <a:effectRef idx="0">
+            <a:schemeClr val="accent1"/>
+          </a:effectRef>
+          <a:fontRef idx="minor">
+            <a:schemeClr val="tx1"/>
+          </a:fontRef>
+        </p:style>
+      </p:cxnSp>
+      <p:sp>
+        <p:nvSpPr>
+          <p:cNvPr id="37" name="직사각형 36">
+            <a:extLst>
+              <a:ext uri="{FF2B5EF4-FFF2-40B4-BE49-F238E27FC236}">
+                <a16:creationId xmlns:a16="http://schemas.microsoft.com/office/drawing/2014/main" id="{F83B3876-916C-460C-9D11-CBAB94DA5B33}"/>
+              </a:ext>
+            </a:extLst>
+          </p:cNvPr>
+          <p:cNvSpPr/>
+          <p:nvPr/>
+        </p:nvSpPr>
+        <p:spPr>
+          <a:xfrm>
+            <a:off x="777005" y="4213406"/>
+            <a:ext cx="1485899" cy="646331"/>
+          </a:xfrm>
+          <a:prstGeom prst="rect">
+            <a:avLst/>
+          </a:prstGeom>
+        </p:spPr>
+        <p:txBody>
+          <a:bodyPr wrap="square">
+            <a:spAutoFit/>
+          </a:bodyPr>
+          <a:lstStyle/>
+          <a:p>
+            <a:pPr algn="r" fontAlgn="ctr"/>
+            <a:r>
+              <a:rPr lang="en-US" altLang="ko-KR" sz="1200" dirty="0"/>
+              <a:t>AlphaGo 2016</a:t>
+            </a:r>
+          </a:p>
+          <a:p>
+            <a:pPr algn="r" fontAlgn="ctr"/>
+            <a:r>
+              <a:rPr lang="en-US" altLang="ko-KR" sz="1200" dirty="0" err="1"/>
+              <a:t>AlphaZero</a:t>
+            </a:r>
+            <a:r>
+              <a:rPr lang="en-US" altLang="ko-KR" sz="1200" dirty="0"/>
+              <a:t> 2017</a:t>
+            </a:r>
+          </a:p>
+          <a:p>
+            <a:pPr algn="r" fontAlgn="ctr"/>
+            <a:endParaRPr lang="en-US" altLang="ko-KR" sz="1200" dirty="0"/>
+          </a:p>
+        </p:txBody>
+      </p:sp>
+      <p:cxnSp>
+        <p:nvCxnSpPr>
+          <p:cNvPr id="39" name="직선 화살표 연결선 38">
+            <a:extLst>
+              <a:ext uri="{FF2B5EF4-FFF2-40B4-BE49-F238E27FC236}">
+                <a16:creationId xmlns:a16="http://schemas.microsoft.com/office/drawing/2014/main" id="{9B062B3C-FC24-43BA-9029-6D61C690D5AE}"/>
+              </a:ext>
+            </a:extLst>
+          </p:cNvPr>
+          <p:cNvCxnSpPr>
+            <a:cxnSpLocks/>
+            <a:stCxn id="52" idx="3"/>
+          </p:cNvCxnSpPr>
+          <p:nvPr/>
+        </p:nvCxnSpPr>
+        <p:spPr>
+          <a:xfrm flipV="1">
+            <a:off x="3643988" y="5717314"/>
+            <a:ext cx="2014904" cy="1"/>
+          </a:xfrm>
+          <a:prstGeom prst="straightConnector1">
+            <a:avLst/>
+          </a:prstGeom>
+          <a:ln>
+            <a:tailEnd type="triangle"/>
+          </a:ln>
+        </p:spPr>
+        <p:style>
+          <a:lnRef idx="1">
+            <a:schemeClr val="accent1"/>
+          </a:lnRef>
+          <a:fillRef idx="0">
+            <a:schemeClr val="accent1"/>
+          </a:fillRef>
+          <a:effectRef idx="0">
+            <a:schemeClr val="accent1"/>
+          </a:effectRef>
+          <a:fontRef idx="minor">
+            <a:schemeClr val="tx1"/>
+          </a:fontRef>
+        </p:style>
+      </p:cxnSp>
+      <p:sp>
+        <p:nvSpPr>
+          <p:cNvPr id="40" name="직사각형 39">
+            <a:extLst>
+              <a:ext uri="{FF2B5EF4-FFF2-40B4-BE49-F238E27FC236}">
+                <a16:creationId xmlns:a16="http://schemas.microsoft.com/office/drawing/2014/main" id="{825166AF-0B64-462F-BCF9-201E29A6571A}"/>
+              </a:ext>
+            </a:extLst>
+          </p:cNvPr>
+          <p:cNvSpPr/>
+          <p:nvPr/>
+        </p:nvSpPr>
+        <p:spPr>
+          <a:xfrm>
+            <a:off x="5144966" y="6069621"/>
+            <a:ext cx="1776046" cy="465993"/>
+          </a:xfrm>
+          <a:prstGeom prst="rect">
+            <a:avLst/>
+          </a:prstGeom>
+        </p:spPr>
+        <p:style>
+          <a:lnRef idx="2">
+            <a:schemeClr val="accent6">
+              <a:shade val="50000"/>
+            </a:schemeClr>
+          </a:lnRef>
+          <a:fillRef idx="1">
+            <a:schemeClr val="accent6"/>
+          </a:fillRef>
+          <a:effectRef idx="0">
+            <a:schemeClr val="accent6"/>
+          </a:effectRef>
+          <a:fontRef idx="minor">
+            <a:schemeClr val="lt1"/>
+          </a:fontRef>
+        </p:style>
+        <p:txBody>
+          <a:bodyPr rtlCol="0" anchor="ctr"/>
+          <a:lstStyle/>
+          <a:p>
+            <a:pPr algn="ctr"/>
+            <a:r>
+              <a:rPr lang="en-US" altLang="ko-KR" dirty="0"/>
+              <a:t>chat GPT</a:t>
+            </a:r>
+            <a:endParaRPr lang="ko-KR" altLang="en-US" dirty="0"/>
+          </a:p>
+        </p:txBody>
+      </p:sp>
+      <p:sp>
+        <p:nvSpPr>
+          <p:cNvPr id="41" name="직사각형 40">
+            <a:extLst>
+              <a:ext uri="{FF2B5EF4-FFF2-40B4-BE49-F238E27FC236}">
+                <a16:creationId xmlns:a16="http://schemas.microsoft.com/office/drawing/2014/main" id="{A8F53F03-AE49-4F46-913D-C7AAA5CEADC5}"/>
+              </a:ext>
+            </a:extLst>
+          </p:cNvPr>
+          <p:cNvSpPr/>
+          <p:nvPr/>
+        </p:nvSpPr>
+        <p:spPr>
+          <a:xfrm>
+            <a:off x="6900497" y="6066662"/>
+            <a:ext cx="2089638" cy="276999"/>
+          </a:xfrm>
+          <a:prstGeom prst="rect">
+            <a:avLst/>
+          </a:prstGeom>
+        </p:spPr>
+        <p:txBody>
+          <a:bodyPr wrap="square">
+            <a:spAutoFit/>
+          </a:bodyPr>
+          <a:lstStyle/>
+          <a:p>
+            <a:pPr fontAlgn="ctr"/>
+            <a:r>
+              <a:rPr lang="en-US" altLang="ko-KR" sz="1200" dirty="0"/>
+              <a:t>2020</a:t>
+            </a:r>
+            <a:endParaRPr lang="ko-KR" altLang="ko-KR" sz="1200" dirty="0"/>
+          </a:p>
+        </p:txBody>
+      </p:sp>
+      <p:sp>
+        <p:nvSpPr>
+          <p:cNvPr id="42" name="직사각형 41">
+            <a:extLst>
+              <a:ext uri="{FF2B5EF4-FFF2-40B4-BE49-F238E27FC236}">
+                <a16:creationId xmlns:a16="http://schemas.microsoft.com/office/drawing/2014/main" id="{8202A562-20DB-43B3-93EC-CC2969CAA740}"/>
+              </a:ext>
+            </a:extLst>
+          </p:cNvPr>
+          <p:cNvSpPr/>
+          <p:nvPr/>
+        </p:nvSpPr>
+        <p:spPr>
+          <a:xfrm>
+            <a:off x="3286046" y="6063263"/>
+            <a:ext cx="1879435" cy="277000"/>
+          </a:xfrm>
+          <a:prstGeom prst="rect">
+            <a:avLst/>
+          </a:prstGeom>
+        </p:spPr>
+        <p:txBody>
+          <a:bodyPr wrap="square">
+            <a:spAutoFit/>
+          </a:bodyPr>
+          <a:lstStyle/>
+          <a:p>
+            <a:pPr fontAlgn="ctr"/>
+            <a:r>
+              <a:rPr lang="en-US" altLang="ko-KR" sz="1200" dirty="0"/>
+              <a:t>2023</a:t>
+            </a:r>
+            <a:endParaRPr lang="ko-KR" altLang="ko-KR" sz="1200" dirty="0"/>
+          </a:p>
+        </p:txBody>
+      </p:sp>
+      <p:cxnSp>
+        <p:nvCxnSpPr>
+          <p:cNvPr id="51" name="직선 화살표 연결선 50">
+            <a:extLst>
+              <a:ext uri="{FF2B5EF4-FFF2-40B4-BE49-F238E27FC236}">
+                <a16:creationId xmlns:a16="http://schemas.microsoft.com/office/drawing/2014/main" id="{49C9CCF0-7756-4A04-B369-EA4D4AD2BB62}"/>
+              </a:ext>
+            </a:extLst>
+          </p:cNvPr>
+          <p:cNvCxnSpPr>
+            <a:cxnSpLocks/>
+          </p:cNvCxnSpPr>
+          <p:nvPr/>
+        </p:nvCxnSpPr>
+        <p:spPr>
+          <a:xfrm>
+            <a:off x="9127295" y="3744961"/>
+            <a:ext cx="888023" cy="377399"/>
+          </a:xfrm>
+          <a:prstGeom prst="straightConnector1">
+            <a:avLst/>
+          </a:prstGeom>
+          <a:ln>
+            <a:tailEnd type="triangle"/>
+          </a:ln>
+        </p:spPr>
+        <p:style>
+          <a:lnRef idx="1">
+            <a:schemeClr val="accent1"/>
+          </a:lnRef>
+          <a:fillRef idx="0">
+            <a:schemeClr val="accent1"/>
+          </a:fillRef>
+          <a:effectRef idx="0">
+            <a:schemeClr val="accent1"/>
+          </a:effectRef>
+          <a:fontRef idx="minor">
+            <a:schemeClr val="tx1"/>
+          </a:fontRef>
+        </p:style>
+      </p:cxnSp>
+      <p:sp>
+        <p:nvSpPr>
+          <p:cNvPr id="52" name="직사각형 51">
+            <a:extLst>
+              <a:ext uri="{FF2B5EF4-FFF2-40B4-BE49-F238E27FC236}">
+                <a16:creationId xmlns:a16="http://schemas.microsoft.com/office/drawing/2014/main" id="{955EF9FE-3CB4-43A5-BDEA-5613EF01D8F8}"/>
+              </a:ext>
+            </a:extLst>
+          </p:cNvPr>
+          <p:cNvSpPr/>
+          <p:nvPr/>
+        </p:nvSpPr>
+        <p:spPr>
+          <a:xfrm>
+            <a:off x="2239757" y="5578815"/>
+            <a:ext cx="1404231" cy="276999"/>
+          </a:xfrm>
+          <a:prstGeom prst="rect">
+            <a:avLst/>
+          </a:prstGeom>
+        </p:spPr>
+        <p:txBody>
+          <a:bodyPr wrap="none">
+            <a:spAutoFit/>
+          </a:bodyPr>
+          <a:lstStyle/>
+          <a:p>
+            <a:pPr algn="r" fontAlgn="ctr"/>
+            <a:r>
+              <a:rPr lang="en-US" altLang="ko-KR" sz="1200" dirty="0">
+                <a:effectLst>
+                  <a:outerShdw blurRad="38100" dist="38100" dir="2700000" algn="tl">
+                    <a:srgbClr val="000000">
+                      <a:alpha val="43137"/>
+                    </a:srgbClr>
+                  </a:outerShdw>
+                </a:effectLst>
+              </a:rPr>
+              <a:t>Transformer 2018</a:t>
+            </a:r>
+            <a:endParaRPr lang="ko-KR" altLang="ko-KR" sz="1200" dirty="0">
+              <a:effectLst>
+                <a:outerShdw blurRad="38100" dist="38100" dir="2700000" algn="tl">
+                  <a:srgbClr val="000000">
+                    <a:alpha val="43137"/>
+                  </a:srgbClr>
+                </a:outerShdw>
+              </a:effectLst>
+            </a:endParaRPr>
+          </a:p>
+        </p:txBody>
+      </p:sp>
+      <p:sp>
+        <p:nvSpPr>
+          <p:cNvPr id="65" name="직사각형 64">
+            <a:extLst>
+              <a:ext uri="{FF2B5EF4-FFF2-40B4-BE49-F238E27FC236}">
+                <a16:creationId xmlns:a16="http://schemas.microsoft.com/office/drawing/2014/main" id="{9F17BBE1-DB2B-4F29-8BC5-135C4159FB8A}"/>
+              </a:ext>
+            </a:extLst>
+          </p:cNvPr>
+          <p:cNvSpPr/>
+          <p:nvPr/>
+        </p:nvSpPr>
+        <p:spPr>
+          <a:xfrm>
+            <a:off x="3241610" y="1868186"/>
+            <a:ext cx="2007281" cy="276999"/>
+          </a:xfrm>
+          <a:prstGeom prst="rect">
+            <a:avLst/>
+          </a:prstGeom>
+        </p:spPr>
+        <p:txBody>
+          <a:bodyPr wrap="none">
+            <a:spAutoFit/>
+          </a:bodyPr>
+          <a:lstStyle/>
+          <a:p>
+            <a:r>
+              <a:rPr lang="en-US" altLang="ko-KR" sz="1200" dirty="0"/>
+              <a:t>ImageNet Challenge 2012</a:t>
+            </a:r>
+            <a:endParaRPr lang="ko-KR" altLang="en-US" sz="1200" dirty="0"/>
+          </a:p>
+        </p:txBody>
+      </p:sp>
+    </p:spTree>
+    <p:extLst>
+      <p:ext uri="{BB962C8B-B14F-4D97-AF65-F5344CB8AC3E}">
+        <p14:creationId xmlns:p14="http://schemas.microsoft.com/office/powerpoint/2010/main" val="4109791516"/>
+      </p:ext>
+    </p:extLst>
+  </p:cSld>
+  <p:clrMapOvr>
+    <a:masterClrMapping/>
+  </p:clrMapOvr>
+</p:sld>
+</file>
+
+<file path=ppt/slides/slide10.xml><?xml version="1.0" encoding="utf-8"?>
+<p:sld xmlns:a="http://schemas.openxmlformats.org/drawingml/2006/main" xmlns:r="http://schemas.openxmlformats.org/officeDocument/2006/relationships" xmlns:p="http://schemas.openxmlformats.org/presentationml/2006/main">
+  <p:cSld>
+    <p:spTree>
+      <p:nvGrpSpPr>
+        <p:cNvPr id="1" name=""/>
+        <p:cNvGrpSpPr/>
+        <p:nvPr/>
+      </p:nvGrpSpPr>
+      <p:grpSpPr>
+        <a:xfrm>
+          <a:off x="0" y="0"/>
+          <a:ext cx="0" cy="0"/>
+          <a:chOff x="0" y="0"/>
+          <a:chExt cx="0" cy="0"/>
+        </a:xfrm>
+      </p:grpSpPr>
+      <p:sp>
+        <p:nvSpPr>
+          <p:cNvPr id="3" name="내용 개체 틀 2">
+            <a:extLst>
+              <a:ext uri="{FF2B5EF4-FFF2-40B4-BE49-F238E27FC236}">
+                <a16:creationId xmlns:a16="http://schemas.microsoft.com/office/drawing/2014/main" id="{80628268-3A1F-45BF-80F8-82F91504C284}"/>
+              </a:ext>
+            </a:extLst>
+          </p:cNvPr>
+          <p:cNvSpPr>
+            <a:spLocks noGrp="1"/>
+          </p:cNvSpPr>
+          <p:nvPr>
+            <p:ph idx="1"/>
+          </p:nvPr>
+        </p:nvSpPr>
+        <p:spPr>
+          <a:xfrm>
+            <a:off x="707572" y="681135"/>
+            <a:ext cx="10955694" cy="4030922"/>
+          </a:xfrm>
+        </p:spPr>
+        <p:txBody>
+          <a:bodyPr>
+            <a:normAutofit/>
+          </a:bodyPr>
+          <a:lstStyle/>
+          <a:p>
+            <a:r>
+              <a:rPr lang="en-US" altLang="ko-KR" dirty="0"/>
+              <a:t>Conventional Search Engine:</a:t>
+            </a:r>
+          </a:p>
+          <a:p>
+            <a:pPr lvl="1"/>
+            <a:r>
+              <a:rPr lang="en-US" altLang="ko-KR" sz="1000" dirty="0"/>
+              <a:t>Relies on keyword matching and indexing.</a:t>
+            </a:r>
+          </a:p>
+          <a:p>
+            <a:pPr lvl="1"/>
+            <a:r>
+              <a:rPr lang="en-US" altLang="ko-KR" sz="1000" dirty="0"/>
+              <a:t>Results are based on factors like keyword density and page rankings.</a:t>
+            </a:r>
+          </a:p>
+          <a:p>
+            <a:pPr lvl="1"/>
+            <a:r>
+              <a:rPr lang="en-US" altLang="ko-KR" sz="1000" dirty="0"/>
+              <a:t>Provides a list of relevant web pages.</a:t>
+            </a:r>
+          </a:p>
+          <a:p>
+            <a:pPr lvl="1"/>
+            <a:r>
+              <a:rPr lang="en-US" altLang="ko-KR" sz="1000" dirty="0"/>
+              <a:t>Emphasizes popularity and authority of web pages.</a:t>
+            </a:r>
+          </a:p>
+          <a:p>
+            <a:pPr lvl="1"/>
+            <a:r>
+              <a:rPr lang="en-US" altLang="ko-KR" sz="1600" dirty="0"/>
+              <a:t>Does not focus on understanding the meaning or context of the search query.</a:t>
+            </a:r>
+          </a:p>
+          <a:p>
+            <a:r>
+              <a:rPr lang="en-US" altLang="ko-KR" dirty="0"/>
+              <a:t>Semantic Search Engine:</a:t>
+            </a:r>
+          </a:p>
+          <a:p>
+            <a:pPr lvl="1"/>
+            <a:r>
+              <a:rPr lang="en-US" altLang="ko-KR" sz="900" dirty="0"/>
+              <a:t>Analyzes the meaning and context of the search query.</a:t>
+            </a:r>
+          </a:p>
+          <a:p>
+            <a:pPr lvl="1"/>
+            <a:r>
+              <a:rPr lang="en-US" altLang="ko-KR" sz="900" dirty="0"/>
+              <a:t>Considers user's location, search history, and other factors.</a:t>
+            </a:r>
+          </a:p>
+          <a:p>
+            <a:pPr lvl="1"/>
+            <a:r>
+              <a:rPr lang="en-US" altLang="ko-KR" sz="900" dirty="0"/>
+              <a:t>Provides more personalized and context-aware results.</a:t>
+            </a:r>
+          </a:p>
+          <a:p>
+            <a:pPr lvl="1"/>
+            <a:r>
+              <a:rPr lang="en-US" altLang="ko-KR" sz="900" dirty="0"/>
+              <a:t>Understands relationships between words and concepts.</a:t>
+            </a:r>
+          </a:p>
+          <a:p>
+            <a:pPr lvl="1"/>
+            <a:r>
+              <a:rPr lang="en-US" altLang="ko-KR" sz="900" dirty="0"/>
+              <a:t>Uses natural language processing (NLP) techniques.</a:t>
+            </a:r>
+          </a:p>
+          <a:p>
+            <a:pPr lvl="1"/>
+            <a:r>
+              <a:rPr lang="en-US" altLang="ko-KR" sz="900" dirty="0"/>
+              <a:t>Presents rich snippets and leverages knowledge graphs for additional context.</a:t>
+            </a:r>
+          </a:p>
+          <a:p>
+            <a:pPr lvl="1"/>
+            <a:r>
+              <a:rPr lang="en-US" altLang="ko-KR" sz="1600" dirty="0"/>
+              <a:t>Aims to deliver more accurate and meaningful search results.</a:t>
+            </a:r>
+          </a:p>
+          <a:p>
+            <a:endParaRPr lang="ko-KR" altLang="en-US" dirty="0"/>
+          </a:p>
+        </p:txBody>
+      </p:sp>
+      <p:sp>
+        <p:nvSpPr>
+          <p:cNvPr id="6" name="Rectangle 1">
+            <a:extLst>
+              <a:ext uri="{FF2B5EF4-FFF2-40B4-BE49-F238E27FC236}">
+                <a16:creationId xmlns:a16="http://schemas.microsoft.com/office/drawing/2014/main" id="{7ADBA410-52DB-427C-8FE6-B9C2D7581F2F}"/>
+              </a:ext>
+            </a:extLst>
+          </p:cNvPr>
+          <p:cNvSpPr>
+            <a:spLocks noChangeArrowheads="1"/>
+          </p:cNvSpPr>
+          <p:nvPr/>
+        </p:nvSpPr>
+        <p:spPr bwMode="auto">
+          <a:xfrm>
+            <a:off x="528734" y="4591406"/>
+            <a:ext cx="11199846" cy="1938992"/>
+          </a:xfrm>
+          <a:prstGeom prst="rect">
+            <a:avLst/>
+          </a:prstGeom>
+          <a:noFill/>
+          <a:ln>
+            <a:noFill/>
+          </a:ln>
+          <a:effectLst/>
+          <a:extLst>
+            <a:ext uri="{909E8E84-426E-40DD-AFC4-6F175D3DCCD1}">
+              <a14:hiddenFill xmlns:a14="http://schemas.microsoft.com/office/drawing/2010/main">
+                <a:solidFill>
+                  <a:schemeClr val="accent1"/>
+                </a:solidFill>
+              </a14:hiddenFill>
+            </a:ext>
+            <a:ext uri="{91240B29-F687-4F45-9708-019B960494DF}">
+              <a14:hiddenLine xmlns:a14="http://schemas.microsoft.com/office/drawing/2010/main" w="9525">
+                <a:solidFill>
+                  <a:schemeClr val="tx1"/>
+                </a:solidFill>
+                <a:miter lim="800000"/>
+                <a:headEnd/>
+                <a:tailEnd/>
+              </a14:hiddenLine>
+            </a:ext>
+            <a:ext uri="{AF507438-7753-43E0-B8FC-AC1667EBCBE1}">
+              <a14:hiddenEffects xmlns:a14="http://schemas.microsoft.com/office/drawing/2010/main">
+                <a:effectLst>
+                  <a:outerShdw dist="35921" dir="2700000" algn="ctr" rotWithShape="0">
+                    <a:schemeClr val="bg2"/>
+                  </a:outerShdw>
+                </a:effectLst>
+              </a14:hiddenEffects>
+            </a:ext>
+          </a:extLst>
+        </p:spPr>
+        <p:txBody>
+          <a:bodyPr vert="horz" wrap="square" lIns="91440" tIns="45720" rIns="91440" bIns="45720" numCol="1" anchor="ctr" anchorCtr="0" compatLnSpc="1">
+            <a:prstTxWarp prst="textNoShape">
+              <a:avLst/>
+            </a:prstTxWarp>
+            <a:spAutoFit/>
+          </a:bodyPr>
+          <a:lstStyle>
+            <a:lvl1pPr eaLnBrk="0" fontAlgn="base" hangingPunct="0">
+              <a:spcBef>
+                <a:spcPct val="0"/>
+              </a:spcBef>
+              <a:spcAft>
+                <a:spcPct val="0"/>
+              </a:spcAft>
+              <a:defRPr>
+                <a:solidFill>
+                  <a:schemeClr val="tx1"/>
+                </a:solidFill>
+                <a:latin typeface="Arial" panose="020B0604020202020204" pitchFamily="34" charset="0"/>
+              </a:defRPr>
+            </a:lvl1pPr>
+            <a:lvl2pPr eaLnBrk="0" fontAlgn="base" hangingPunct="0">
+              <a:spcBef>
+                <a:spcPct val="0"/>
+              </a:spcBef>
+              <a:spcAft>
+                <a:spcPct val="0"/>
+              </a:spcAft>
+              <a:defRPr>
+                <a:solidFill>
+                  <a:schemeClr val="tx1"/>
+                </a:solidFill>
+                <a:latin typeface="Arial" panose="020B0604020202020204" pitchFamily="34" charset="0"/>
+              </a:defRPr>
+            </a:lvl2pPr>
+            <a:lvl3pPr eaLnBrk="0" fontAlgn="base" hangingPunct="0">
+              <a:spcBef>
+                <a:spcPct val="0"/>
+              </a:spcBef>
+              <a:spcAft>
+                <a:spcPct val="0"/>
+              </a:spcAft>
+              <a:defRPr>
+                <a:solidFill>
+                  <a:schemeClr val="tx1"/>
+                </a:solidFill>
+                <a:latin typeface="Arial" panose="020B0604020202020204" pitchFamily="34" charset="0"/>
+              </a:defRPr>
+            </a:lvl3pPr>
+            <a:lvl4pPr eaLnBrk="0" fontAlgn="base" hangingPunct="0">
+              <a:spcBef>
+                <a:spcPct val="0"/>
+              </a:spcBef>
+              <a:spcAft>
+                <a:spcPct val="0"/>
+              </a:spcAft>
+              <a:defRPr>
+                <a:solidFill>
+                  <a:schemeClr val="tx1"/>
+                </a:solidFill>
+                <a:latin typeface="Arial" panose="020B0604020202020204" pitchFamily="34" charset="0"/>
+              </a:defRPr>
+            </a:lvl4pPr>
+            <a:lvl5pPr eaLnBrk="0" fontAlgn="base" hangingPunct="0">
+              <a:spcBef>
+                <a:spcPct val="0"/>
+              </a:spcBef>
+              <a:spcAft>
+                <a:spcPct val="0"/>
+              </a:spcAft>
+              <a:defRPr>
+                <a:solidFill>
+                  <a:schemeClr val="tx1"/>
+                </a:solidFill>
+                <a:latin typeface="Arial" panose="020B0604020202020204" pitchFamily="34" charset="0"/>
+              </a:defRPr>
+            </a:lvl5pPr>
+            <a:lvl6pPr eaLnBrk="0" fontAlgn="base" hangingPunct="0">
+              <a:spcBef>
+                <a:spcPct val="0"/>
+              </a:spcBef>
+              <a:spcAft>
+                <a:spcPct val="0"/>
+              </a:spcAft>
+              <a:defRPr>
+                <a:solidFill>
+                  <a:schemeClr val="tx1"/>
+                </a:solidFill>
+                <a:latin typeface="Arial" panose="020B0604020202020204" pitchFamily="34" charset="0"/>
+              </a:defRPr>
+            </a:lvl6pPr>
+            <a:lvl7pPr eaLnBrk="0" fontAlgn="base" hangingPunct="0">
+              <a:spcBef>
+                <a:spcPct val="0"/>
+              </a:spcBef>
+              <a:spcAft>
+                <a:spcPct val="0"/>
+              </a:spcAft>
+              <a:defRPr>
+                <a:solidFill>
+                  <a:schemeClr val="tx1"/>
+                </a:solidFill>
+                <a:latin typeface="Arial" panose="020B0604020202020204" pitchFamily="34" charset="0"/>
+              </a:defRPr>
+            </a:lvl7pPr>
+            <a:lvl8pPr eaLnBrk="0" fontAlgn="base" hangingPunct="0">
+              <a:spcBef>
+                <a:spcPct val="0"/>
+              </a:spcBef>
+              <a:spcAft>
+                <a:spcPct val="0"/>
+              </a:spcAft>
+              <a:defRPr>
+                <a:solidFill>
+                  <a:schemeClr val="tx1"/>
+                </a:solidFill>
+                <a:latin typeface="Arial" panose="020B0604020202020204" pitchFamily="34" charset="0"/>
+              </a:defRPr>
+            </a:lvl8pPr>
+            <a:lvl9pPr eaLnBrk="0" fontAlgn="base" hangingPunct="0">
+              <a:spcBef>
+                <a:spcPct val="0"/>
+              </a:spcBef>
+              <a:spcAft>
+                <a:spcPct val="0"/>
+              </a:spcAft>
+              <a:defRPr>
+                <a:solidFill>
+                  <a:schemeClr val="tx1"/>
+                </a:solidFill>
+                <a:latin typeface="Arial" panose="020B0604020202020204" pitchFamily="34" charset="0"/>
+              </a:defRPr>
+            </a:lvl9pPr>
+          </a:lstStyle>
+          <a:p>
+            <a:pPr marL="0" marR="0" lvl="0" indent="0" algn="l" defTabSz="914400" rtl="0" eaLnBrk="0" fontAlgn="base" latinLnBrk="0" hangingPunct="0">
+              <a:lnSpc>
+                <a:spcPct val="100000"/>
+              </a:lnSpc>
+              <a:spcBef>
+                <a:spcPct val="0"/>
+              </a:spcBef>
+              <a:spcAft>
+                <a:spcPct val="0"/>
+              </a:spcAft>
+              <a:buClrTx/>
+              <a:buSzTx/>
+              <a:buFontTx/>
+              <a:buNone/>
+              <a:tabLst/>
+            </a:pPr>
+            <a:r>
+              <a:rPr kumimoji="0" lang="ko-KR" altLang="ko-KR" sz="2400" b="0" i="0" u="none" strike="noStrike" cap="none" normalizeH="0" baseline="0" dirty="0" err="1">
+                <a:ln>
+                  <a:noFill/>
+                </a:ln>
+                <a:solidFill>
+                  <a:schemeClr val="tx1"/>
+                </a:solidFill>
+                <a:effectLst/>
+                <a:highlight>
+                  <a:srgbClr val="FFFF00"/>
+                </a:highlight>
+                <a:latin typeface="Arial" panose="020B0604020202020204" pitchFamily="34" charset="0"/>
+                <a:ea typeface="Söhne"/>
+              </a:rPr>
+              <a:t>In</a:t>
+            </a:r>
+            <a:r>
+              <a:rPr kumimoji="0" lang="ko-KR" altLang="ko-KR" sz="2400" b="0" i="0" u="none" strike="noStrike" cap="none" normalizeH="0" baseline="0" dirty="0">
+                <a:ln>
+                  <a:noFill/>
+                </a:ln>
+                <a:solidFill>
+                  <a:schemeClr val="tx1"/>
+                </a:solidFill>
+                <a:effectLst/>
+                <a:highlight>
+                  <a:srgbClr val="FFFF00"/>
+                </a:highlight>
+                <a:latin typeface="Arial" panose="020B0604020202020204" pitchFamily="34" charset="0"/>
+                <a:ea typeface="Söhne"/>
+              </a:rPr>
+              <a:t> </a:t>
+            </a:r>
+            <a:r>
+              <a:rPr kumimoji="0" lang="ko-KR" altLang="ko-KR" sz="2400" b="0" i="0" u="none" strike="noStrike" cap="none" normalizeH="0" baseline="0" dirty="0" err="1">
+                <a:ln>
+                  <a:noFill/>
+                </a:ln>
+                <a:solidFill>
+                  <a:schemeClr val="tx1"/>
+                </a:solidFill>
+                <a:effectLst/>
+                <a:highlight>
+                  <a:srgbClr val="FFFF00"/>
+                </a:highlight>
+                <a:latin typeface="Arial" panose="020B0604020202020204" pitchFamily="34" charset="0"/>
+                <a:ea typeface="Söhne"/>
+              </a:rPr>
+              <a:t>summary</a:t>
+            </a:r>
+            <a:r>
+              <a:rPr kumimoji="0" lang="ko-KR" altLang="ko-KR" sz="2400" b="0" i="0" u="none" strike="noStrike" cap="none" normalizeH="0" baseline="0" dirty="0">
+                <a:ln>
+                  <a:noFill/>
+                </a:ln>
+                <a:solidFill>
+                  <a:schemeClr val="tx1"/>
+                </a:solidFill>
+                <a:effectLst/>
+                <a:highlight>
+                  <a:srgbClr val="FFFF00"/>
+                </a:highlight>
+                <a:latin typeface="Arial" panose="020B0604020202020204" pitchFamily="34" charset="0"/>
+                <a:ea typeface="Söhne"/>
+              </a:rPr>
+              <a:t>, </a:t>
+            </a:r>
+            <a:r>
+              <a:rPr kumimoji="0" lang="ko-KR" altLang="ko-KR" sz="2400" b="0" i="0" u="none" strike="noStrike" cap="none" normalizeH="0" baseline="0" dirty="0" err="1">
+                <a:ln>
+                  <a:noFill/>
+                </a:ln>
+                <a:solidFill>
+                  <a:schemeClr val="tx1"/>
+                </a:solidFill>
+                <a:effectLst/>
+                <a:highlight>
+                  <a:srgbClr val="FFFF00"/>
+                </a:highlight>
+                <a:latin typeface="Arial" panose="020B0604020202020204" pitchFamily="34" charset="0"/>
+                <a:ea typeface="Söhne"/>
+              </a:rPr>
+              <a:t>conventional</a:t>
+            </a:r>
+            <a:r>
+              <a:rPr kumimoji="0" lang="ko-KR" altLang="ko-KR" sz="2400" b="0" i="0" u="none" strike="noStrike" cap="none" normalizeH="0" baseline="0" dirty="0">
+                <a:ln>
+                  <a:noFill/>
+                </a:ln>
+                <a:solidFill>
+                  <a:schemeClr val="tx1"/>
+                </a:solidFill>
+                <a:effectLst/>
+                <a:highlight>
+                  <a:srgbClr val="FFFF00"/>
+                </a:highlight>
+                <a:latin typeface="Arial" panose="020B0604020202020204" pitchFamily="34" charset="0"/>
+                <a:ea typeface="Söhne"/>
+              </a:rPr>
+              <a:t> </a:t>
+            </a:r>
+            <a:r>
+              <a:rPr kumimoji="0" lang="ko-KR" altLang="ko-KR" sz="2400" b="0" i="0" u="none" strike="noStrike" cap="none" normalizeH="0" baseline="0" dirty="0" err="1">
+                <a:ln>
+                  <a:noFill/>
+                </a:ln>
+                <a:solidFill>
+                  <a:schemeClr val="tx1"/>
+                </a:solidFill>
+                <a:effectLst/>
+                <a:highlight>
+                  <a:srgbClr val="FFFF00"/>
+                </a:highlight>
+                <a:latin typeface="Arial" panose="020B0604020202020204" pitchFamily="34" charset="0"/>
+                <a:ea typeface="Söhne"/>
+              </a:rPr>
+              <a:t>search</a:t>
+            </a:r>
+            <a:r>
+              <a:rPr kumimoji="0" lang="ko-KR" altLang="ko-KR" sz="2400" b="0" i="0" u="none" strike="noStrike" cap="none" normalizeH="0" baseline="0" dirty="0">
+                <a:ln>
+                  <a:noFill/>
+                </a:ln>
+                <a:solidFill>
+                  <a:schemeClr val="tx1"/>
+                </a:solidFill>
+                <a:effectLst/>
+                <a:highlight>
+                  <a:srgbClr val="FFFF00"/>
+                </a:highlight>
+                <a:latin typeface="Arial" panose="020B0604020202020204" pitchFamily="34" charset="0"/>
+                <a:ea typeface="Söhne"/>
+              </a:rPr>
+              <a:t> </a:t>
+            </a:r>
+            <a:r>
+              <a:rPr kumimoji="0" lang="ko-KR" altLang="ko-KR" sz="2400" b="0" i="0" u="none" strike="noStrike" cap="none" normalizeH="0" baseline="0" dirty="0" err="1">
+                <a:ln>
+                  <a:noFill/>
+                </a:ln>
+                <a:solidFill>
+                  <a:schemeClr val="tx1"/>
+                </a:solidFill>
+                <a:effectLst/>
+                <a:highlight>
+                  <a:srgbClr val="FFFF00"/>
+                </a:highlight>
+                <a:latin typeface="Arial" panose="020B0604020202020204" pitchFamily="34" charset="0"/>
+                <a:ea typeface="Söhne"/>
+              </a:rPr>
+              <a:t>engines</a:t>
+            </a:r>
+            <a:r>
+              <a:rPr kumimoji="0" lang="ko-KR" altLang="ko-KR" sz="2400" b="0" i="0" u="none" strike="noStrike" cap="none" normalizeH="0" baseline="0" dirty="0">
+                <a:ln>
+                  <a:noFill/>
+                </a:ln>
+                <a:solidFill>
+                  <a:schemeClr val="tx1"/>
+                </a:solidFill>
+                <a:effectLst/>
+                <a:highlight>
+                  <a:srgbClr val="FFFF00"/>
+                </a:highlight>
+                <a:latin typeface="Arial" panose="020B0604020202020204" pitchFamily="34" charset="0"/>
+                <a:ea typeface="Söhne"/>
+              </a:rPr>
+              <a:t> </a:t>
+            </a:r>
+            <a:r>
+              <a:rPr kumimoji="0" lang="ko-KR" altLang="ko-KR" sz="2400" b="0" i="0" u="none" strike="noStrike" cap="none" normalizeH="0" baseline="0" dirty="0" err="1">
+                <a:ln>
+                  <a:noFill/>
+                </a:ln>
+                <a:solidFill>
+                  <a:schemeClr val="tx1"/>
+                </a:solidFill>
+                <a:effectLst/>
+                <a:highlight>
+                  <a:srgbClr val="FFFF00"/>
+                </a:highlight>
+                <a:latin typeface="Arial" panose="020B0604020202020204" pitchFamily="34" charset="0"/>
+                <a:ea typeface="Söhne"/>
+              </a:rPr>
+              <a:t>primarily</a:t>
+            </a:r>
+            <a:r>
+              <a:rPr kumimoji="0" lang="ko-KR" altLang="ko-KR" sz="2400" b="0" i="0" u="none" strike="noStrike" cap="none" normalizeH="0" baseline="0" dirty="0">
+                <a:ln>
+                  <a:noFill/>
+                </a:ln>
+                <a:solidFill>
+                  <a:schemeClr val="tx1"/>
+                </a:solidFill>
+                <a:effectLst/>
+                <a:highlight>
+                  <a:srgbClr val="FFFF00"/>
+                </a:highlight>
+                <a:latin typeface="Arial" panose="020B0604020202020204" pitchFamily="34" charset="0"/>
+                <a:ea typeface="Söhne"/>
+              </a:rPr>
+              <a:t> </a:t>
+            </a:r>
+            <a:r>
+              <a:rPr kumimoji="0" lang="ko-KR" altLang="ko-KR" sz="2400" b="0" i="0" u="none" strike="noStrike" cap="none" normalizeH="0" baseline="0" dirty="0" err="1">
+                <a:ln>
+                  <a:noFill/>
+                </a:ln>
+                <a:solidFill>
+                  <a:schemeClr val="tx1"/>
+                </a:solidFill>
+                <a:effectLst/>
+                <a:highlight>
+                  <a:srgbClr val="FFFF00"/>
+                </a:highlight>
+                <a:latin typeface="Arial" panose="020B0604020202020204" pitchFamily="34" charset="0"/>
+                <a:ea typeface="Söhne"/>
+              </a:rPr>
+              <a:t>rely</a:t>
+            </a:r>
+            <a:r>
+              <a:rPr kumimoji="0" lang="ko-KR" altLang="ko-KR" sz="2400" b="0" i="0" u="none" strike="noStrike" cap="none" normalizeH="0" baseline="0" dirty="0">
+                <a:ln>
+                  <a:noFill/>
+                </a:ln>
+                <a:solidFill>
+                  <a:schemeClr val="tx1"/>
+                </a:solidFill>
+                <a:effectLst/>
+                <a:highlight>
+                  <a:srgbClr val="FFFF00"/>
+                </a:highlight>
+                <a:latin typeface="Arial" panose="020B0604020202020204" pitchFamily="34" charset="0"/>
+                <a:ea typeface="Söhne"/>
+              </a:rPr>
+              <a:t> </a:t>
+            </a:r>
+            <a:r>
+              <a:rPr kumimoji="0" lang="ko-KR" altLang="ko-KR" sz="2400" b="0" i="0" u="none" strike="noStrike" cap="none" normalizeH="0" baseline="0" dirty="0" err="1">
+                <a:ln>
+                  <a:noFill/>
+                </a:ln>
+                <a:solidFill>
+                  <a:schemeClr val="tx1"/>
+                </a:solidFill>
+                <a:effectLst/>
+                <a:highlight>
+                  <a:srgbClr val="FFFF00"/>
+                </a:highlight>
+                <a:latin typeface="Arial" panose="020B0604020202020204" pitchFamily="34" charset="0"/>
+                <a:ea typeface="Söhne"/>
+              </a:rPr>
+              <a:t>on</a:t>
+            </a:r>
+            <a:r>
+              <a:rPr kumimoji="0" lang="ko-KR" altLang="ko-KR" sz="2400" b="0" i="0" u="none" strike="noStrike" cap="none" normalizeH="0" baseline="0" dirty="0">
+                <a:ln>
+                  <a:noFill/>
+                </a:ln>
+                <a:solidFill>
+                  <a:schemeClr val="tx1"/>
+                </a:solidFill>
+                <a:effectLst/>
+                <a:highlight>
+                  <a:srgbClr val="FFFF00"/>
+                </a:highlight>
+                <a:latin typeface="Arial" panose="020B0604020202020204" pitchFamily="34" charset="0"/>
+                <a:ea typeface="Söhne"/>
+              </a:rPr>
+              <a:t> </a:t>
+            </a:r>
+            <a:r>
+              <a:rPr kumimoji="0" lang="ko-KR" altLang="ko-KR" sz="2400" b="0" i="0" u="none" strike="noStrike" cap="none" normalizeH="0" baseline="0" dirty="0" err="1">
+                <a:ln>
+                  <a:noFill/>
+                </a:ln>
+                <a:solidFill>
+                  <a:schemeClr val="tx1"/>
+                </a:solidFill>
+                <a:effectLst/>
+                <a:highlight>
+                  <a:srgbClr val="FFFF00"/>
+                </a:highlight>
+                <a:latin typeface="Arial" panose="020B0604020202020204" pitchFamily="34" charset="0"/>
+                <a:ea typeface="Söhne"/>
+              </a:rPr>
+              <a:t>keyword</a:t>
+            </a:r>
+            <a:r>
+              <a:rPr kumimoji="0" lang="ko-KR" altLang="ko-KR" sz="2400" b="0" i="0" u="none" strike="noStrike" cap="none" normalizeH="0" baseline="0" dirty="0">
+                <a:ln>
+                  <a:noFill/>
+                </a:ln>
+                <a:solidFill>
+                  <a:schemeClr val="tx1"/>
+                </a:solidFill>
+                <a:effectLst/>
+                <a:highlight>
+                  <a:srgbClr val="FFFF00"/>
+                </a:highlight>
+                <a:latin typeface="Arial" panose="020B0604020202020204" pitchFamily="34" charset="0"/>
+                <a:ea typeface="Söhne"/>
+              </a:rPr>
+              <a:t> </a:t>
+            </a:r>
+            <a:r>
+              <a:rPr kumimoji="0" lang="ko-KR" altLang="ko-KR" sz="2400" b="0" i="0" u="none" strike="noStrike" cap="none" normalizeH="0" baseline="0" dirty="0" err="1">
+                <a:ln>
+                  <a:noFill/>
+                </a:ln>
+                <a:solidFill>
+                  <a:schemeClr val="tx1"/>
+                </a:solidFill>
+                <a:effectLst/>
+                <a:highlight>
+                  <a:srgbClr val="FFFF00"/>
+                </a:highlight>
+                <a:latin typeface="Arial" panose="020B0604020202020204" pitchFamily="34" charset="0"/>
+                <a:ea typeface="Söhne"/>
+              </a:rPr>
+              <a:t>matching</a:t>
+            </a:r>
+            <a:r>
+              <a:rPr kumimoji="0" lang="ko-KR" altLang="ko-KR" sz="2400" b="0" i="0" u="none" strike="noStrike" cap="none" normalizeH="0" baseline="0" dirty="0">
+                <a:ln>
+                  <a:noFill/>
+                </a:ln>
+                <a:solidFill>
+                  <a:schemeClr val="tx1"/>
+                </a:solidFill>
+                <a:effectLst/>
+                <a:highlight>
+                  <a:srgbClr val="FFFF00"/>
+                </a:highlight>
+                <a:latin typeface="Arial" panose="020B0604020202020204" pitchFamily="34" charset="0"/>
+                <a:ea typeface="Söhne"/>
+              </a:rPr>
+              <a:t>, </a:t>
+            </a:r>
+            <a:r>
+              <a:rPr kumimoji="0" lang="ko-KR" altLang="ko-KR" sz="2400" b="0" i="0" u="none" strike="noStrike" cap="none" normalizeH="0" baseline="0" dirty="0" err="1">
+                <a:ln>
+                  <a:noFill/>
+                </a:ln>
+                <a:solidFill>
+                  <a:schemeClr val="tx1"/>
+                </a:solidFill>
+                <a:effectLst/>
+                <a:highlight>
+                  <a:srgbClr val="FFFF00"/>
+                </a:highlight>
+                <a:latin typeface="Arial" panose="020B0604020202020204" pitchFamily="34" charset="0"/>
+                <a:ea typeface="Söhne"/>
+              </a:rPr>
+              <a:t>while</a:t>
+            </a:r>
+            <a:r>
+              <a:rPr kumimoji="0" lang="ko-KR" altLang="ko-KR" sz="2400" b="0" i="0" u="none" strike="noStrike" cap="none" normalizeH="0" baseline="0" dirty="0">
+                <a:ln>
+                  <a:noFill/>
+                </a:ln>
+                <a:solidFill>
+                  <a:schemeClr val="tx1"/>
+                </a:solidFill>
+                <a:effectLst/>
+                <a:highlight>
+                  <a:srgbClr val="FFFF00"/>
+                </a:highlight>
+                <a:latin typeface="Arial" panose="020B0604020202020204" pitchFamily="34" charset="0"/>
+                <a:ea typeface="Söhne"/>
+              </a:rPr>
+              <a:t> </a:t>
+            </a:r>
+            <a:r>
+              <a:rPr kumimoji="0" lang="ko-KR" altLang="ko-KR" sz="2400" b="0" i="0" u="none" strike="noStrike" cap="none" normalizeH="0" baseline="0" dirty="0" err="1">
+                <a:ln>
+                  <a:noFill/>
+                </a:ln>
+                <a:solidFill>
+                  <a:schemeClr val="tx1"/>
+                </a:solidFill>
+                <a:effectLst/>
+                <a:highlight>
+                  <a:srgbClr val="FFFF00"/>
+                </a:highlight>
+                <a:latin typeface="Arial" panose="020B0604020202020204" pitchFamily="34" charset="0"/>
+                <a:ea typeface="Söhne"/>
+              </a:rPr>
+              <a:t>semantic</a:t>
+            </a:r>
+            <a:r>
+              <a:rPr kumimoji="0" lang="ko-KR" altLang="ko-KR" sz="2400" b="0" i="0" u="none" strike="noStrike" cap="none" normalizeH="0" baseline="0" dirty="0">
+                <a:ln>
+                  <a:noFill/>
+                </a:ln>
+                <a:solidFill>
+                  <a:schemeClr val="tx1"/>
+                </a:solidFill>
+                <a:effectLst/>
+                <a:highlight>
+                  <a:srgbClr val="FFFF00"/>
+                </a:highlight>
+                <a:latin typeface="Arial" panose="020B0604020202020204" pitchFamily="34" charset="0"/>
+                <a:ea typeface="Söhne"/>
+              </a:rPr>
+              <a:t> </a:t>
+            </a:r>
+            <a:r>
+              <a:rPr kumimoji="0" lang="ko-KR" altLang="ko-KR" sz="2400" b="0" i="0" u="none" strike="noStrike" cap="none" normalizeH="0" baseline="0" dirty="0" err="1">
+                <a:ln>
+                  <a:noFill/>
+                </a:ln>
+                <a:solidFill>
+                  <a:schemeClr val="tx1"/>
+                </a:solidFill>
+                <a:effectLst/>
+                <a:highlight>
+                  <a:srgbClr val="FFFF00"/>
+                </a:highlight>
+                <a:latin typeface="Arial" panose="020B0604020202020204" pitchFamily="34" charset="0"/>
+                <a:ea typeface="Söhne"/>
+              </a:rPr>
+              <a:t>search</a:t>
+            </a:r>
+            <a:r>
+              <a:rPr kumimoji="0" lang="ko-KR" altLang="ko-KR" sz="2400" b="0" i="0" u="none" strike="noStrike" cap="none" normalizeH="0" baseline="0" dirty="0">
+                <a:ln>
+                  <a:noFill/>
+                </a:ln>
+                <a:solidFill>
+                  <a:schemeClr val="tx1"/>
+                </a:solidFill>
+                <a:effectLst/>
+                <a:highlight>
+                  <a:srgbClr val="FFFF00"/>
+                </a:highlight>
+                <a:latin typeface="Arial" panose="020B0604020202020204" pitchFamily="34" charset="0"/>
+                <a:ea typeface="Söhne"/>
+              </a:rPr>
+              <a:t> </a:t>
+            </a:r>
+            <a:r>
+              <a:rPr kumimoji="0" lang="ko-KR" altLang="ko-KR" sz="2400" b="0" i="0" u="none" strike="noStrike" cap="none" normalizeH="0" baseline="0" dirty="0" err="1">
+                <a:ln>
+                  <a:noFill/>
+                </a:ln>
+                <a:solidFill>
+                  <a:schemeClr val="tx1"/>
+                </a:solidFill>
+                <a:effectLst/>
+                <a:highlight>
+                  <a:srgbClr val="FFFF00"/>
+                </a:highlight>
+                <a:latin typeface="Arial" panose="020B0604020202020204" pitchFamily="34" charset="0"/>
+                <a:ea typeface="Söhne"/>
+              </a:rPr>
+              <a:t>engines</a:t>
+            </a:r>
+            <a:r>
+              <a:rPr kumimoji="0" lang="ko-KR" altLang="ko-KR" sz="2400" b="0" i="0" u="none" strike="noStrike" cap="none" normalizeH="0" baseline="0" dirty="0">
+                <a:ln>
+                  <a:noFill/>
+                </a:ln>
+                <a:solidFill>
+                  <a:schemeClr val="tx1"/>
+                </a:solidFill>
+                <a:effectLst/>
+                <a:highlight>
+                  <a:srgbClr val="FFFF00"/>
+                </a:highlight>
+                <a:latin typeface="Arial" panose="020B0604020202020204" pitchFamily="34" charset="0"/>
+                <a:ea typeface="Söhne"/>
+              </a:rPr>
+              <a:t> </a:t>
+            </a:r>
+            <a:r>
+              <a:rPr kumimoji="0" lang="ko-KR" altLang="ko-KR" sz="2400" b="0" i="0" u="none" strike="noStrike" cap="none" normalizeH="0" baseline="0" dirty="0" err="1">
+                <a:ln>
+                  <a:noFill/>
+                </a:ln>
+                <a:solidFill>
+                  <a:schemeClr val="tx1"/>
+                </a:solidFill>
+                <a:effectLst/>
+                <a:highlight>
+                  <a:srgbClr val="FFFF00"/>
+                </a:highlight>
+                <a:latin typeface="Arial" panose="020B0604020202020204" pitchFamily="34" charset="0"/>
+                <a:ea typeface="Söhne"/>
+              </a:rPr>
+              <a:t>aim</a:t>
+            </a:r>
+            <a:r>
+              <a:rPr kumimoji="0" lang="ko-KR" altLang="ko-KR" sz="2400" b="0" i="0" u="none" strike="noStrike" cap="none" normalizeH="0" baseline="0" dirty="0">
+                <a:ln>
+                  <a:noFill/>
+                </a:ln>
+                <a:solidFill>
+                  <a:schemeClr val="tx1"/>
+                </a:solidFill>
+                <a:effectLst/>
+                <a:highlight>
+                  <a:srgbClr val="FFFF00"/>
+                </a:highlight>
+                <a:latin typeface="Arial" panose="020B0604020202020204" pitchFamily="34" charset="0"/>
+                <a:ea typeface="Söhne"/>
+              </a:rPr>
+              <a:t> </a:t>
+            </a:r>
+            <a:r>
+              <a:rPr kumimoji="0" lang="ko-KR" altLang="ko-KR" sz="2400" b="0" i="0" u="none" strike="noStrike" cap="none" normalizeH="0" baseline="0" dirty="0" err="1">
+                <a:ln>
+                  <a:noFill/>
+                </a:ln>
+                <a:solidFill>
+                  <a:schemeClr val="tx1"/>
+                </a:solidFill>
+                <a:effectLst/>
+                <a:highlight>
+                  <a:srgbClr val="FFFF00"/>
+                </a:highlight>
+                <a:latin typeface="Arial" panose="020B0604020202020204" pitchFamily="34" charset="0"/>
+                <a:ea typeface="Söhne"/>
+              </a:rPr>
+              <a:t>to</a:t>
+            </a:r>
+            <a:r>
+              <a:rPr kumimoji="0" lang="ko-KR" altLang="ko-KR" sz="2400" b="0" i="0" u="none" strike="noStrike" cap="none" normalizeH="0" baseline="0" dirty="0">
+                <a:ln>
+                  <a:noFill/>
+                </a:ln>
+                <a:solidFill>
+                  <a:schemeClr val="tx1"/>
+                </a:solidFill>
+                <a:effectLst/>
+                <a:highlight>
+                  <a:srgbClr val="FFFF00"/>
+                </a:highlight>
+                <a:latin typeface="Arial" panose="020B0604020202020204" pitchFamily="34" charset="0"/>
+                <a:ea typeface="Söhne"/>
+              </a:rPr>
+              <a:t> </a:t>
+            </a:r>
+            <a:r>
+              <a:rPr kumimoji="0" lang="ko-KR" altLang="ko-KR" sz="2400" b="0" i="0" u="none" strike="noStrike" cap="none" normalizeH="0" baseline="0" dirty="0" err="1">
+                <a:ln>
+                  <a:noFill/>
+                </a:ln>
+                <a:solidFill>
+                  <a:schemeClr val="tx1"/>
+                </a:solidFill>
+                <a:effectLst/>
+                <a:highlight>
+                  <a:srgbClr val="FFFF00"/>
+                </a:highlight>
+                <a:latin typeface="Arial" panose="020B0604020202020204" pitchFamily="34" charset="0"/>
+                <a:ea typeface="Söhne"/>
+              </a:rPr>
+              <a:t>understand</a:t>
+            </a:r>
+            <a:r>
+              <a:rPr kumimoji="0" lang="ko-KR" altLang="ko-KR" sz="2400" b="0" i="0" u="none" strike="noStrike" cap="none" normalizeH="0" baseline="0" dirty="0">
+                <a:ln>
+                  <a:noFill/>
+                </a:ln>
+                <a:solidFill>
+                  <a:schemeClr val="tx1"/>
+                </a:solidFill>
+                <a:effectLst/>
+                <a:highlight>
+                  <a:srgbClr val="FFFF00"/>
+                </a:highlight>
+                <a:latin typeface="Arial" panose="020B0604020202020204" pitchFamily="34" charset="0"/>
+                <a:ea typeface="Söhne"/>
+              </a:rPr>
+              <a:t> </a:t>
+            </a:r>
+            <a:r>
+              <a:rPr kumimoji="0" lang="ko-KR" altLang="ko-KR" sz="2400" b="0" i="0" u="none" strike="noStrike" cap="none" normalizeH="0" baseline="0" dirty="0" err="1">
+                <a:ln>
+                  <a:noFill/>
+                </a:ln>
+                <a:solidFill>
+                  <a:schemeClr val="tx1"/>
+                </a:solidFill>
+                <a:effectLst/>
+                <a:highlight>
+                  <a:srgbClr val="FFFF00"/>
+                </a:highlight>
+                <a:latin typeface="Arial" panose="020B0604020202020204" pitchFamily="34" charset="0"/>
+                <a:ea typeface="Söhne"/>
+              </a:rPr>
+              <a:t>the</a:t>
+            </a:r>
+            <a:r>
+              <a:rPr kumimoji="0" lang="ko-KR" altLang="ko-KR" sz="2400" b="0" i="0" u="none" strike="noStrike" cap="none" normalizeH="0" baseline="0" dirty="0">
+                <a:ln>
+                  <a:noFill/>
+                </a:ln>
+                <a:solidFill>
+                  <a:schemeClr val="tx1"/>
+                </a:solidFill>
+                <a:effectLst/>
+                <a:highlight>
+                  <a:srgbClr val="FFFF00"/>
+                </a:highlight>
+                <a:latin typeface="Arial" panose="020B0604020202020204" pitchFamily="34" charset="0"/>
+                <a:ea typeface="Söhne"/>
+              </a:rPr>
+              <a:t> </a:t>
+            </a:r>
+            <a:r>
+              <a:rPr kumimoji="0" lang="ko-KR" altLang="ko-KR" sz="2400" b="0" i="0" u="none" strike="noStrike" cap="none" normalizeH="0" baseline="0" dirty="0" err="1">
+                <a:ln>
+                  <a:noFill/>
+                </a:ln>
+                <a:solidFill>
+                  <a:schemeClr val="tx1"/>
+                </a:solidFill>
+                <a:effectLst/>
+                <a:highlight>
+                  <a:srgbClr val="FFFF00"/>
+                </a:highlight>
+                <a:latin typeface="Arial" panose="020B0604020202020204" pitchFamily="34" charset="0"/>
+                <a:ea typeface="Söhne"/>
+              </a:rPr>
+              <a:t>meaning</a:t>
+            </a:r>
+            <a:r>
+              <a:rPr kumimoji="0" lang="ko-KR" altLang="ko-KR" sz="2400" b="0" i="0" u="none" strike="noStrike" cap="none" normalizeH="0" baseline="0" dirty="0">
+                <a:ln>
+                  <a:noFill/>
+                </a:ln>
+                <a:solidFill>
+                  <a:schemeClr val="tx1"/>
+                </a:solidFill>
+                <a:effectLst/>
+                <a:highlight>
+                  <a:srgbClr val="FFFF00"/>
+                </a:highlight>
+                <a:latin typeface="Arial" panose="020B0604020202020204" pitchFamily="34" charset="0"/>
+                <a:ea typeface="Söhne"/>
+              </a:rPr>
+              <a:t> and </a:t>
+            </a:r>
+            <a:r>
+              <a:rPr kumimoji="0" lang="ko-KR" altLang="ko-KR" sz="2400" b="0" i="0" u="none" strike="noStrike" cap="none" normalizeH="0" baseline="0" dirty="0" err="1">
+                <a:ln>
+                  <a:noFill/>
+                </a:ln>
+                <a:solidFill>
+                  <a:schemeClr val="tx1"/>
+                </a:solidFill>
+                <a:effectLst/>
+                <a:highlight>
+                  <a:srgbClr val="FFFF00"/>
+                </a:highlight>
+                <a:latin typeface="Arial" panose="020B0604020202020204" pitchFamily="34" charset="0"/>
+                <a:ea typeface="Söhne"/>
+              </a:rPr>
+              <a:t>intent</a:t>
+            </a:r>
+            <a:r>
+              <a:rPr kumimoji="0" lang="ko-KR" altLang="ko-KR" sz="2400" b="0" i="0" u="none" strike="noStrike" cap="none" normalizeH="0" baseline="0" dirty="0">
+                <a:ln>
+                  <a:noFill/>
+                </a:ln>
+                <a:solidFill>
+                  <a:schemeClr val="tx1"/>
+                </a:solidFill>
+                <a:effectLst/>
+                <a:highlight>
+                  <a:srgbClr val="FFFF00"/>
+                </a:highlight>
+                <a:latin typeface="Arial" panose="020B0604020202020204" pitchFamily="34" charset="0"/>
+                <a:ea typeface="Söhne"/>
+              </a:rPr>
+              <a:t> </a:t>
+            </a:r>
+            <a:r>
+              <a:rPr kumimoji="0" lang="ko-KR" altLang="ko-KR" sz="2400" b="0" i="0" u="none" strike="noStrike" cap="none" normalizeH="0" baseline="0" dirty="0" err="1">
+                <a:ln>
+                  <a:noFill/>
+                </a:ln>
+                <a:solidFill>
+                  <a:schemeClr val="tx1"/>
+                </a:solidFill>
+                <a:effectLst/>
+                <a:highlight>
+                  <a:srgbClr val="FFFF00"/>
+                </a:highlight>
+                <a:latin typeface="Arial" panose="020B0604020202020204" pitchFamily="34" charset="0"/>
+                <a:ea typeface="Söhne"/>
+              </a:rPr>
+              <a:t>behind</a:t>
+            </a:r>
+            <a:r>
+              <a:rPr kumimoji="0" lang="ko-KR" altLang="ko-KR" sz="2400" b="0" i="0" u="none" strike="noStrike" cap="none" normalizeH="0" baseline="0" dirty="0">
+                <a:ln>
+                  <a:noFill/>
+                </a:ln>
+                <a:solidFill>
+                  <a:schemeClr val="tx1"/>
+                </a:solidFill>
+                <a:effectLst/>
+                <a:highlight>
+                  <a:srgbClr val="FFFF00"/>
+                </a:highlight>
+                <a:latin typeface="Arial" panose="020B0604020202020204" pitchFamily="34" charset="0"/>
+                <a:ea typeface="Söhne"/>
+              </a:rPr>
+              <a:t> </a:t>
+            </a:r>
+            <a:r>
+              <a:rPr kumimoji="0" lang="ko-KR" altLang="ko-KR" sz="2400" b="0" i="0" u="none" strike="noStrike" cap="none" normalizeH="0" baseline="0" dirty="0" err="1">
+                <a:ln>
+                  <a:noFill/>
+                </a:ln>
+                <a:solidFill>
+                  <a:schemeClr val="tx1"/>
+                </a:solidFill>
+                <a:effectLst/>
+                <a:highlight>
+                  <a:srgbClr val="FFFF00"/>
+                </a:highlight>
+                <a:latin typeface="Arial" panose="020B0604020202020204" pitchFamily="34" charset="0"/>
+                <a:ea typeface="Söhne"/>
+              </a:rPr>
+              <a:t>search</a:t>
+            </a:r>
+            <a:r>
+              <a:rPr kumimoji="0" lang="ko-KR" altLang="ko-KR" sz="2400" b="0" i="0" u="none" strike="noStrike" cap="none" normalizeH="0" baseline="0" dirty="0">
+                <a:ln>
+                  <a:noFill/>
+                </a:ln>
+                <a:solidFill>
+                  <a:schemeClr val="tx1"/>
+                </a:solidFill>
+                <a:effectLst/>
+                <a:highlight>
+                  <a:srgbClr val="FFFF00"/>
+                </a:highlight>
+                <a:latin typeface="Arial" panose="020B0604020202020204" pitchFamily="34" charset="0"/>
+                <a:ea typeface="Söhne"/>
+              </a:rPr>
+              <a:t> </a:t>
+            </a:r>
+            <a:r>
+              <a:rPr kumimoji="0" lang="ko-KR" altLang="ko-KR" sz="2400" b="0" i="0" u="none" strike="noStrike" cap="none" normalizeH="0" baseline="0" dirty="0" err="1">
+                <a:ln>
+                  <a:noFill/>
+                </a:ln>
+                <a:solidFill>
+                  <a:schemeClr val="tx1"/>
+                </a:solidFill>
+                <a:effectLst/>
+                <a:highlight>
+                  <a:srgbClr val="FFFF00"/>
+                </a:highlight>
+                <a:latin typeface="Arial" panose="020B0604020202020204" pitchFamily="34" charset="0"/>
+                <a:ea typeface="Söhne"/>
+              </a:rPr>
+              <a:t>queries</a:t>
+            </a:r>
+            <a:r>
+              <a:rPr kumimoji="0" lang="ko-KR" altLang="ko-KR" sz="2400" b="0" i="0" u="none" strike="noStrike" cap="none" normalizeH="0" baseline="0" dirty="0">
+                <a:ln>
+                  <a:noFill/>
+                </a:ln>
+                <a:solidFill>
+                  <a:schemeClr val="tx1"/>
+                </a:solidFill>
+                <a:effectLst/>
+                <a:highlight>
+                  <a:srgbClr val="FFFF00"/>
+                </a:highlight>
+                <a:latin typeface="Arial" panose="020B0604020202020204" pitchFamily="34" charset="0"/>
+                <a:ea typeface="Söhne"/>
+              </a:rPr>
+              <a:t>, </a:t>
+            </a:r>
+            <a:r>
+              <a:rPr kumimoji="0" lang="ko-KR" altLang="ko-KR" sz="2400" b="0" i="0" u="none" strike="noStrike" cap="none" normalizeH="0" baseline="0" dirty="0" err="1">
+                <a:ln>
+                  <a:noFill/>
+                </a:ln>
+                <a:solidFill>
+                  <a:schemeClr val="tx1"/>
+                </a:solidFill>
+                <a:effectLst/>
+                <a:highlight>
+                  <a:srgbClr val="FFFF00"/>
+                </a:highlight>
+                <a:latin typeface="Arial" panose="020B0604020202020204" pitchFamily="34" charset="0"/>
+                <a:ea typeface="Söhne"/>
+              </a:rPr>
+              <a:t>providing</a:t>
+            </a:r>
+            <a:r>
+              <a:rPr kumimoji="0" lang="ko-KR" altLang="ko-KR" sz="2400" b="0" i="0" u="none" strike="noStrike" cap="none" normalizeH="0" baseline="0" dirty="0">
+                <a:ln>
+                  <a:noFill/>
+                </a:ln>
+                <a:solidFill>
+                  <a:schemeClr val="tx1"/>
+                </a:solidFill>
+                <a:effectLst/>
+                <a:highlight>
+                  <a:srgbClr val="FFFF00"/>
+                </a:highlight>
+                <a:latin typeface="Arial" panose="020B0604020202020204" pitchFamily="34" charset="0"/>
+                <a:ea typeface="Söhne"/>
+              </a:rPr>
+              <a:t> </a:t>
+            </a:r>
+            <a:r>
+              <a:rPr kumimoji="0" lang="ko-KR" altLang="ko-KR" sz="2400" b="0" i="0" u="none" strike="noStrike" cap="none" normalizeH="0" baseline="0" dirty="0" err="1">
+                <a:ln>
+                  <a:noFill/>
+                </a:ln>
+                <a:solidFill>
+                  <a:schemeClr val="tx1"/>
+                </a:solidFill>
+                <a:effectLst/>
+                <a:highlight>
+                  <a:srgbClr val="FFFF00"/>
+                </a:highlight>
+                <a:latin typeface="Arial" panose="020B0604020202020204" pitchFamily="34" charset="0"/>
+                <a:ea typeface="Söhne"/>
+              </a:rPr>
+              <a:t>more</a:t>
+            </a:r>
+            <a:r>
+              <a:rPr kumimoji="0" lang="ko-KR" altLang="ko-KR" sz="2400" b="0" i="0" u="none" strike="noStrike" cap="none" normalizeH="0" baseline="0" dirty="0">
+                <a:ln>
+                  <a:noFill/>
+                </a:ln>
+                <a:solidFill>
+                  <a:schemeClr val="tx1"/>
+                </a:solidFill>
+                <a:effectLst/>
+                <a:highlight>
+                  <a:srgbClr val="FFFF00"/>
+                </a:highlight>
+                <a:latin typeface="Arial" panose="020B0604020202020204" pitchFamily="34" charset="0"/>
+                <a:ea typeface="Söhne"/>
+              </a:rPr>
+              <a:t> </a:t>
+            </a:r>
+            <a:r>
+              <a:rPr kumimoji="0" lang="ko-KR" altLang="ko-KR" sz="2400" b="0" i="0" u="none" strike="noStrike" cap="none" normalizeH="0" baseline="0" dirty="0" err="1">
+                <a:ln>
+                  <a:noFill/>
+                </a:ln>
+                <a:solidFill>
+                  <a:schemeClr val="tx1"/>
+                </a:solidFill>
+                <a:effectLst/>
+                <a:highlight>
+                  <a:srgbClr val="FFFF00"/>
+                </a:highlight>
+                <a:latin typeface="Arial" panose="020B0604020202020204" pitchFamily="34" charset="0"/>
+                <a:ea typeface="Söhne"/>
+              </a:rPr>
+              <a:t>contextually</a:t>
+            </a:r>
+            <a:r>
+              <a:rPr kumimoji="0" lang="ko-KR" altLang="ko-KR" sz="2400" b="0" i="0" u="none" strike="noStrike" cap="none" normalizeH="0" baseline="0" dirty="0">
+                <a:ln>
+                  <a:noFill/>
+                </a:ln>
+                <a:solidFill>
+                  <a:schemeClr val="tx1"/>
+                </a:solidFill>
+                <a:effectLst/>
+                <a:highlight>
+                  <a:srgbClr val="FFFF00"/>
+                </a:highlight>
+                <a:latin typeface="Arial" panose="020B0604020202020204" pitchFamily="34" charset="0"/>
+                <a:ea typeface="Söhne"/>
+              </a:rPr>
+              <a:t> </a:t>
+            </a:r>
+            <a:r>
+              <a:rPr kumimoji="0" lang="ko-KR" altLang="ko-KR" sz="2400" b="0" i="0" u="none" strike="noStrike" cap="none" normalizeH="0" baseline="0" dirty="0" err="1">
+                <a:ln>
+                  <a:noFill/>
+                </a:ln>
+                <a:solidFill>
+                  <a:schemeClr val="tx1"/>
+                </a:solidFill>
+                <a:effectLst/>
+                <a:highlight>
+                  <a:srgbClr val="FFFF00"/>
+                </a:highlight>
+                <a:latin typeface="Arial" panose="020B0604020202020204" pitchFamily="34" charset="0"/>
+                <a:ea typeface="Söhne"/>
+              </a:rPr>
+              <a:t>relevant</a:t>
+            </a:r>
+            <a:r>
+              <a:rPr kumimoji="0" lang="ko-KR" altLang="ko-KR" sz="2400" b="0" i="0" u="none" strike="noStrike" cap="none" normalizeH="0" baseline="0" dirty="0">
+                <a:ln>
+                  <a:noFill/>
+                </a:ln>
+                <a:solidFill>
+                  <a:schemeClr val="tx1"/>
+                </a:solidFill>
+                <a:effectLst/>
+                <a:highlight>
+                  <a:srgbClr val="FFFF00"/>
+                </a:highlight>
+                <a:latin typeface="Arial" panose="020B0604020202020204" pitchFamily="34" charset="0"/>
+                <a:ea typeface="Söhne"/>
+              </a:rPr>
+              <a:t> </a:t>
+            </a:r>
+            <a:r>
+              <a:rPr kumimoji="0" lang="ko-KR" altLang="ko-KR" sz="2400" b="0" i="0" u="none" strike="noStrike" cap="none" normalizeH="0" baseline="0" dirty="0" err="1">
+                <a:ln>
+                  <a:noFill/>
+                </a:ln>
+                <a:solidFill>
+                  <a:schemeClr val="tx1"/>
+                </a:solidFill>
+                <a:effectLst/>
+                <a:highlight>
+                  <a:srgbClr val="FFFF00"/>
+                </a:highlight>
+                <a:latin typeface="Arial" panose="020B0604020202020204" pitchFamily="34" charset="0"/>
+                <a:ea typeface="Söhne"/>
+              </a:rPr>
+              <a:t>results</a:t>
+            </a:r>
+            <a:r>
+              <a:rPr kumimoji="0" lang="ko-KR" altLang="ko-KR" sz="2400" b="0" i="0" u="none" strike="noStrike" cap="none" normalizeH="0" baseline="0" dirty="0">
+                <a:ln>
+                  <a:noFill/>
+                </a:ln>
+                <a:solidFill>
+                  <a:schemeClr val="tx1"/>
+                </a:solidFill>
+                <a:effectLst/>
+                <a:highlight>
+                  <a:srgbClr val="FFFF00"/>
+                </a:highlight>
+                <a:latin typeface="Arial" panose="020B0604020202020204" pitchFamily="34" charset="0"/>
+                <a:ea typeface="Söhne"/>
+              </a:rPr>
+              <a:t>.</a:t>
+            </a:r>
+          </a:p>
+          <a:p>
+            <a:pPr marL="0" marR="0" lvl="0" indent="0" algn="l" defTabSz="914400" rtl="0" eaLnBrk="0" fontAlgn="base" latinLnBrk="0" hangingPunct="0">
+              <a:lnSpc>
+                <a:spcPct val="100000"/>
+              </a:lnSpc>
+              <a:spcBef>
+                <a:spcPct val="0"/>
+              </a:spcBef>
+              <a:spcAft>
+                <a:spcPct val="0"/>
+              </a:spcAft>
+              <a:buClrTx/>
+              <a:buSzTx/>
+              <a:buFontTx/>
+              <a:buNone/>
+              <a:tabLst/>
+            </a:pPr>
+            <a:br>
+              <a:rPr kumimoji="0" lang="ko-KR" altLang="ko-KR" sz="2400" b="0" i="0" u="none" strike="noStrike" cap="none" normalizeH="0" baseline="0" dirty="0">
+                <a:ln>
+                  <a:noFill/>
+                </a:ln>
+                <a:solidFill>
+                  <a:schemeClr val="tx1"/>
+                </a:solidFill>
+                <a:effectLst/>
+                <a:latin typeface="Arial" panose="020B0604020202020204" pitchFamily="34" charset="0"/>
+                <a:ea typeface="Söhne"/>
+              </a:rPr>
+            </a:br>
+            <a:endParaRPr kumimoji="0" lang="ko-KR" altLang="ko-KR" sz="2400" b="0" i="0" u="none" strike="noStrike" cap="none" normalizeH="0" baseline="0" dirty="0">
+              <a:ln>
+                <a:noFill/>
+              </a:ln>
+              <a:solidFill>
+                <a:schemeClr val="tx1"/>
+              </a:solidFill>
+              <a:effectLst/>
+              <a:latin typeface="Arial" panose="020B0604020202020204" pitchFamily="34" charset="0"/>
+            </a:endParaRPr>
+          </a:p>
+        </p:txBody>
+      </p:sp>
+    </p:spTree>
+    <p:extLst>
+      <p:ext uri="{BB962C8B-B14F-4D97-AF65-F5344CB8AC3E}">
+        <p14:creationId xmlns:p14="http://schemas.microsoft.com/office/powerpoint/2010/main" val="3584030007"/>
+      </p:ext>
+    </p:extLst>
+  </p:cSld>
+  <p:clrMapOvr>
+    <a:masterClrMapping/>
+  </p:clrMapOvr>
+</p:sld>
+</file>
+
+<file path=ppt/slides/slide11.xml><?xml version="1.0" encoding="utf-8"?>
+<p:sld xmlns:a="http://schemas.openxmlformats.org/drawingml/2006/main" xmlns:r="http://schemas.openxmlformats.org/officeDocument/2006/relationships" xmlns:p="http://schemas.openxmlformats.org/presentationml/2006/main">
+  <p:cSld>
+    <p:spTree>
+      <p:nvGrpSpPr>
+        <p:cNvPr id="1" name=""/>
+        <p:cNvGrpSpPr/>
+        <p:nvPr/>
+      </p:nvGrpSpPr>
+      <p:grpSpPr>
+        <a:xfrm>
+          <a:off x="0" y="0"/>
+          <a:ext cx="0" cy="0"/>
+          <a:chOff x="0" y="0"/>
+          <a:chExt cx="0" cy="0"/>
+        </a:xfrm>
+      </p:grpSpPr>
+      <p:sp>
+        <p:nvSpPr>
           <p:cNvPr id="2" name="제목 1">
             <a:extLst>
               <a:ext uri="{FF2B5EF4-FFF2-40B4-BE49-F238E27FC236}">
-                <a16:creationId xmlns:a16="http://schemas.microsoft.com/office/drawing/2014/main" id="{93D6B248-0092-41B9-B53E-7829EE3C9DA5}"/>
+                <a16:creationId xmlns:a16="http://schemas.microsoft.com/office/drawing/2014/main" id="{BB4525D2-F44A-4AC0-B26F-C1CF3B774CBF}"/>
               </a:ext>
             </a:extLst>
           </p:cNvPr>
@@ -3352,7 +6021,11 @@
           <a:bodyPr/>
           <a:lstStyle/>
           <a:p>
-            <a:endParaRPr lang="ko-KR" altLang="en-US"/>
+            <a:r>
+              <a:rPr lang="en-US" altLang="ko-KR" dirty="0"/>
+              <a:t>chat GPT</a:t>
+            </a:r>
+            <a:endParaRPr lang="ko-KR" altLang="en-US" dirty="0"/>
           </a:p>
         </p:txBody>
       </p:sp>
@@ -3361,7 +6034,7 @@
           <p:cNvPr id="3" name="내용 개체 틀 2">
             <a:extLst>
               <a:ext uri="{FF2B5EF4-FFF2-40B4-BE49-F238E27FC236}">
-                <a16:creationId xmlns:a16="http://schemas.microsoft.com/office/drawing/2014/main" id="{EAC7316B-DE68-4CDD-950B-E8A9D71CF314}"/>
+                <a16:creationId xmlns:a16="http://schemas.microsoft.com/office/drawing/2014/main" id="{E4BE8763-09BB-462A-8B96-E8A3DE4DF49F}"/>
               </a:ext>
             </a:extLst>
           </p:cNvPr>
@@ -3374,19 +6047,516 @@
         </p:nvSpPr>
         <p:spPr/>
         <p:txBody>
-          <a:bodyPr/>
-          <a:lstStyle/>
-          <a:p>
-            <a:endParaRPr lang="ko-KR" altLang="en-US"/>
+          <a:bodyPr>
+            <a:normAutofit/>
+          </a:bodyPr>
+          <a:lstStyle/>
+          <a:p>
+            <a:r>
+              <a:rPr lang="ko-KR" altLang="ko-KR" b="1" i="1" dirty="0" err="1"/>
+              <a:t>Generative</a:t>
+            </a:r>
+            <a:r>
+              <a:rPr lang="ko-KR" altLang="ko-KR" b="1" i="1" dirty="0"/>
+              <a:t> </a:t>
+            </a:r>
+            <a:r>
+              <a:rPr lang="ko-KR" altLang="ko-KR" b="1" i="1" dirty="0" err="1"/>
+              <a:t>Pre-trained</a:t>
+            </a:r>
+            <a:r>
+              <a:rPr lang="ko-KR" altLang="ko-KR" b="1" i="1" dirty="0"/>
+              <a:t> </a:t>
+            </a:r>
+            <a:r>
+              <a:rPr lang="ko-KR" altLang="ko-KR" b="1" i="1" dirty="0" err="1"/>
+              <a:t>Transformer</a:t>
+            </a:r>
+            <a:endParaRPr lang="en-US" altLang="ko-KR" b="1" i="1" dirty="0"/>
+          </a:p>
+          <a:p>
+            <a:endParaRPr lang="en-US" altLang="ko-KR" b="1" i="1" dirty="0"/>
+          </a:p>
+          <a:p>
+            <a:r>
+              <a:rPr lang="ko-KR" altLang="ko-KR" sz="2400" dirty="0" err="1"/>
+              <a:t>In</a:t>
+            </a:r>
+            <a:r>
+              <a:rPr lang="ko-KR" altLang="ko-KR" sz="2400" dirty="0"/>
+              <a:t> </a:t>
+            </a:r>
+            <a:r>
+              <a:rPr lang="ko-KR" altLang="ko-KR" sz="2400" dirty="0" err="1"/>
+              <a:t>a</a:t>
+            </a:r>
+            <a:r>
+              <a:rPr lang="ko-KR" altLang="ko-KR" sz="2400" dirty="0"/>
+              <a:t> </a:t>
+            </a:r>
+            <a:r>
+              <a:rPr lang="ko-KR" altLang="ko-KR" sz="2400" dirty="0" err="1"/>
+              <a:t>nutshell</a:t>
+            </a:r>
+            <a:r>
+              <a:rPr lang="ko-KR" altLang="ko-KR" sz="2400" dirty="0"/>
+              <a:t>, </a:t>
+            </a:r>
+            <a:r>
+              <a:rPr lang="ko-KR" altLang="ko-KR" sz="2400" dirty="0" err="1"/>
+              <a:t>Chat</a:t>
+            </a:r>
+            <a:r>
+              <a:rPr lang="ko-KR" altLang="ko-KR" sz="2400" dirty="0"/>
+              <a:t> GPT </a:t>
+            </a:r>
+            <a:r>
+              <a:rPr lang="ko-KR" altLang="ko-KR" sz="2400" dirty="0" err="1"/>
+              <a:t>is</a:t>
+            </a:r>
+            <a:r>
+              <a:rPr lang="ko-KR" altLang="ko-KR" sz="2400" dirty="0"/>
+              <a:t> </a:t>
+            </a:r>
+            <a:r>
+              <a:rPr lang="ko-KR" altLang="ko-KR" sz="2400" dirty="0" err="1"/>
+              <a:t>an</a:t>
+            </a:r>
+            <a:r>
+              <a:rPr lang="ko-KR" altLang="ko-KR" sz="2400" dirty="0"/>
+              <a:t> </a:t>
+            </a:r>
+            <a:endParaRPr lang="en-US" altLang="ko-KR" sz="2400" dirty="0"/>
+          </a:p>
+          <a:p>
+            <a:endParaRPr lang="ko-KR" altLang="ko-KR" sz="2400" dirty="0"/>
+          </a:p>
+          <a:p>
+            <a:pPr marL="457200" lvl="1" indent="0">
+              <a:buNone/>
+            </a:pPr>
+            <a:r>
+              <a:rPr lang="ko-KR" altLang="ko-KR" dirty="0" err="1"/>
+              <a:t>artificial</a:t>
+            </a:r>
+            <a:r>
+              <a:rPr lang="ko-KR" altLang="ko-KR" dirty="0"/>
+              <a:t> </a:t>
+            </a:r>
+            <a:r>
+              <a:rPr lang="ko-KR" altLang="ko-KR" dirty="0" err="1"/>
+              <a:t>intelligence</a:t>
+            </a:r>
+            <a:r>
+              <a:rPr lang="ko-KR" altLang="ko-KR" dirty="0"/>
+              <a:t> (AI) </a:t>
+            </a:r>
+            <a:r>
+              <a:rPr lang="ko-KR" altLang="ko-KR" dirty="0" err="1"/>
+              <a:t>content</a:t>
+            </a:r>
+            <a:r>
+              <a:rPr lang="ko-KR" altLang="ko-KR" dirty="0"/>
+              <a:t> </a:t>
+            </a:r>
+            <a:r>
+              <a:rPr lang="ko-KR" altLang="ko-KR" dirty="0" err="1"/>
+              <a:t>generator</a:t>
+            </a:r>
+            <a:r>
+              <a:rPr lang="ko-KR" altLang="ko-KR" dirty="0"/>
+              <a:t> </a:t>
+            </a:r>
+            <a:endParaRPr lang="en-US" altLang="ko-KR" dirty="0"/>
+          </a:p>
+          <a:p>
+            <a:pPr marL="457200" lvl="1" indent="0">
+              <a:buNone/>
+            </a:pPr>
+            <a:endParaRPr lang="ko-KR" altLang="ko-KR" dirty="0"/>
+          </a:p>
+          <a:p>
+            <a:pPr marL="457200" lvl="1" indent="0">
+              <a:buNone/>
+            </a:pPr>
+            <a:r>
+              <a:rPr lang="ko-KR" altLang="ko-KR" dirty="0" err="1"/>
+              <a:t>that</a:t>
+            </a:r>
+            <a:r>
+              <a:rPr lang="ko-KR" altLang="ko-KR" dirty="0"/>
+              <a:t> </a:t>
+            </a:r>
+            <a:r>
+              <a:rPr lang="ko-KR" altLang="ko-KR" dirty="0" err="1"/>
+              <a:t>semi-autonomously</a:t>
+            </a:r>
+            <a:r>
+              <a:rPr lang="ko-KR" altLang="ko-KR" dirty="0"/>
+              <a:t> </a:t>
+            </a:r>
+            <a:r>
+              <a:rPr lang="ko-KR" altLang="ko-KR" dirty="0" err="1"/>
+              <a:t>creates</a:t>
+            </a:r>
+            <a:r>
+              <a:rPr lang="ko-KR" altLang="ko-KR" dirty="0"/>
+              <a:t> </a:t>
+            </a:r>
+            <a:r>
+              <a:rPr lang="ko-KR" altLang="ko-KR" dirty="0" err="1"/>
+              <a:t>phrases</a:t>
+            </a:r>
+            <a:r>
+              <a:rPr lang="ko-KR" altLang="ko-KR" dirty="0"/>
+              <a:t> and </a:t>
+            </a:r>
+            <a:r>
+              <a:rPr lang="ko-KR" altLang="ko-KR" dirty="0" err="1"/>
+              <a:t>articles</a:t>
+            </a:r>
+            <a:r>
+              <a:rPr lang="ko-KR" altLang="ko-KR" dirty="0"/>
+              <a:t> </a:t>
+            </a:r>
+            <a:endParaRPr lang="en-US" altLang="ko-KR" dirty="0"/>
+          </a:p>
+          <a:p>
+            <a:pPr marL="457200" lvl="1" indent="0">
+              <a:buNone/>
+            </a:pPr>
+            <a:endParaRPr lang="en-US" altLang="ko-KR" dirty="0"/>
+          </a:p>
+          <a:p>
+            <a:pPr marL="457200" lvl="1" indent="0">
+              <a:buNone/>
+            </a:pPr>
+            <a:r>
+              <a:rPr lang="ko-KR" altLang="ko-KR" sz="3600" dirty="0" err="1">
+                <a:solidFill>
+                  <a:schemeClr val="accent5">
+                    <a:lumMod val="75000"/>
+                  </a:schemeClr>
+                </a:solidFill>
+                <a:highlight>
+                  <a:srgbClr val="C0C0C0"/>
+                </a:highlight>
+              </a:rPr>
+              <a:t>based</a:t>
+            </a:r>
+            <a:r>
+              <a:rPr lang="ko-KR" altLang="ko-KR" sz="3600" dirty="0">
+                <a:solidFill>
+                  <a:schemeClr val="accent5">
+                    <a:lumMod val="75000"/>
+                  </a:schemeClr>
+                </a:solidFill>
+                <a:highlight>
+                  <a:srgbClr val="C0C0C0"/>
+                </a:highlight>
+              </a:rPr>
+              <a:t> </a:t>
+            </a:r>
+            <a:r>
+              <a:rPr lang="ko-KR" altLang="ko-KR" sz="3600" dirty="0" err="1">
+                <a:solidFill>
+                  <a:schemeClr val="accent5">
+                    <a:lumMod val="75000"/>
+                  </a:schemeClr>
+                </a:solidFill>
+                <a:highlight>
+                  <a:srgbClr val="C0C0C0"/>
+                </a:highlight>
+              </a:rPr>
+              <a:t>on</a:t>
+            </a:r>
+            <a:r>
+              <a:rPr lang="ko-KR" altLang="ko-KR" sz="3600" dirty="0">
+                <a:solidFill>
+                  <a:schemeClr val="accent5">
+                    <a:lumMod val="75000"/>
+                  </a:schemeClr>
+                </a:solidFill>
+                <a:highlight>
+                  <a:srgbClr val="C0C0C0"/>
+                </a:highlight>
+              </a:rPr>
+              <a:t> </a:t>
+            </a:r>
+            <a:r>
+              <a:rPr lang="ko-KR" altLang="ko-KR" sz="3600" dirty="0" err="1">
+                <a:solidFill>
+                  <a:schemeClr val="accent5">
+                    <a:lumMod val="75000"/>
+                  </a:schemeClr>
+                </a:solidFill>
+                <a:highlight>
+                  <a:srgbClr val="C0C0C0"/>
+                </a:highlight>
+              </a:rPr>
+              <a:t>user</a:t>
+            </a:r>
+            <a:r>
+              <a:rPr lang="ko-KR" altLang="ko-KR" sz="3600" dirty="0">
+                <a:solidFill>
+                  <a:schemeClr val="accent5">
+                    <a:lumMod val="75000"/>
+                  </a:schemeClr>
+                </a:solidFill>
+                <a:highlight>
+                  <a:srgbClr val="C0C0C0"/>
+                </a:highlight>
+              </a:rPr>
+              <a:t> </a:t>
+            </a:r>
+            <a:r>
+              <a:rPr lang="ko-KR" altLang="ko-KR" sz="3600" dirty="0" err="1">
+                <a:solidFill>
+                  <a:schemeClr val="accent5">
+                    <a:lumMod val="75000"/>
+                  </a:schemeClr>
+                </a:solidFill>
+                <a:highlight>
+                  <a:srgbClr val="C0C0C0"/>
+                </a:highlight>
+              </a:rPr>
+              <a:t>input</a:t>
+            </a:r>
+            <a:r>
+              <a:rPr lang="ko-KR" altLang="ko-KR" sz="3600" dirty="0">
+                <a:solidFill>
+                  <a:schemeClr val="accent5">
+                    <a:lumMod val="75000"/>
+                  </a:schemeClr>
+                </a:solidFill>
+                <a:highlight>
+                  <a:srgbClr val="C0C0C0"/>
+                </a:highlight>
+              </a:rPr>
+              <a:t>.</a:t>
+            </a:r>
+            <a:r>
+              <a:rPr lang="en-US" altLang="ko-KR" sz="3600" dirty="0">
+                <a:solidFill>
+                  <a:schemeClr val="accent5">
+                    <a:lumMod val="75000"/>
+                  </a:schemeClr>
+                </a:solidFill>
+                <a:highlight>
+                  <a:srgbClr val="C0C0C0"/>
+                </a:highlight>
+              </a:rPr>
+              <a:t> </a:t>
+            </a:r>
+          </a:p>
+          <a:p>
+            <a:endParaRPr lang="ko-KR" altLang="en-US" dirty="0"/>
+          </a:p>
+        </p:txBody>
+      </p:sp>
+    </p:spTree>
+    <p:extLst>
+      <p:ext uri="{BB962C8B-B14F-4D97-AF65-F5344CB8AC3E}">
+        <p14:creationId xmlns:p14="http://schemas.microsoft.com/office/powerpoint/2010/main" val="1556132469"/>
+      </p:ext>
+    </p:extLst>
+  </p:cSld>
+  <p:clrMapOvr>
+    <a:masterClrMapping/>
+  </p:clrMapOvr>
+</p:sld>
+</file>
+
+<file path=ppt/slides/slide12.xml><?xml version="1.0" encoding="utf-8"?>
+<p:sld xmlns:a="http://schemas.openxmlformats.org/drawingml/2006/main" xmlns:r="http://schemas.openxmlformats.org/officeDocument/2006/relationships" xmlns:p="http://schemas.openxmlformats.org/presentationml/2006/main">
+  <p:cSld>
+    <p:spTree>
+      <p:nvGrpSpPr>
+        <p:cNvPr id="1" name=""/>
+        <p:cNvGrpSpPr/>
+        <p:nvPr/>
+      </p:nvGrpSpPr>
+      <p:grpSpPr>
+        <a:xfrm>
+          <a:off x="0" y="0"/>
+          <a:ext cx="0" cy="0"/>
+          <a:chOff x="0" y="0"/>
+          <a:chExt cx="0" cy="0"/>
+        </a:xfrm>
+      </p:grpSpPr>
+      <p:sp>
+        <p:nvSpPr>
+          <p:cNvPr id="2" name="제목 1">
+            <a:extLst>
+              <a:ext uri="{FF2B5EF4-FFF2-40B4-BE49-F238E27FC236}">
+                <a16:creationId xmlns:a16="http://schemas.microsoft.com/office/drawing/2014/main" id="{42977001-2C0D-46C0-80FA-B66D7627B73E}"/>
+              </a:ext>
+            </a:extLst>
+          </p:cNvPr>
+          <p:cNvSpPr>
+            <a:spLocks noGrp="1"/>
+          </p:cNvSpPr>
+          <p:nvPr>
+            <p:ph type="title"/>
+          </p:nvPr>
+        </p:nvSpPr>
+        <p:spPr/>
+        <p:txBody>
+          <a:bodyPr>
+            <a:normAutofit fontScale="90000"/>
+          </a:bodyPr>
+          <a:lstStyle/>
+          <a:p>
+            <a:pPr algn="ctr"/>
+            <a:r>
+              <a:rPr lang="en-US" altLang="ko-KR" sz="2200" b="1" dirty="0"/>
+              <a:t>NVIDIA</a:t>
+            </a:r>
+            <a:r>
+              <a:rPr lang="ko-KR" altLang="en-US" sz="2200" b="1" dirty="0"/>
+              <a:t>의 과학시간 </a:t>
+            </a:r>
+            <a:r>
+              <a:rPr lang="en-US" altLang="ko-KR" sz="2200" b="1" dirty="0"/>
+              <a:t>- GPU</a:t>
+            </a:r>
+            <a:r>
+              <a:rPr lang="ko-KR" altLang="en-US" sz="2200" b="1" dirty="0"/>
+              <a:t>와 </a:t>
+            </a:r>
+            <a:r>
+              <a:rPr lang="en-US" altLang="ko-KR" sz="2200" b="1" dirty="0"/>
+              <a:t>CPU</a:t>
+            </a:r>
+            <a:r>
+              <a:rPr lang="ko-KR" altLang="en-US" sz="2200" b="1" dirty="0"/>
+              <a:t>의 차이</a:t>
+            </a:r>
+            <a:br>
+              <a:rPr lang="en-US" altLang="ko-KR" sz="2200" b="1" dirty="0"/>
+            </a:br>
+            <a:r>
+              <a:rPr lang="en-US" altLang="ko-KR" sz="2200" dirty="0"/>
+              <a:t>Https://www.youtube.com/watch?v=1BAZf3PsjWA</a:t>
+            </a:r>
+            <a:br>
+              <a:rPr lang="ko-KR" altLang="en-US" sz="2200" dirty="0"/>
+            </a:br>
+            <a:br>
+              <a:rPr lang="ko-KR" altLang="en-US" b="1" dirty="0"/>
+            </a:br>
+            <a:endParaRPr lang="ko-KR" altLang="en-US" dirty="0"/>
+          </a:p>
+        </p:txBody>
+      </p:sp>
+      <p:sp>
+        <p:nvSpPr>
+          <p:cNvPr id="5" name="직사각형 4">
+            <a:extLst>
+              <a:ext uri="{FF2B5EF4-FFF2-40B4-BE49-F238E27FC236}">
+                <a16:creationId xmlns:a16="http://schemas.microsoft.com/office/drawing/2014/main" id="{C6782B65-F149-436B-BCB2-D17746E51E50}"/>
+              </a:ext>
+            </a:extLst>
+          </p:cNvPr>
+          <p:cNvSpPr/>
+          <p:nvPr/>
+        </p:nvSpPr>
+        <p:spPr>
+          <a:xfrm>
+            <a:off x="9428470" y="1100189"/>
+            <a:ext cx="2307042" cy="646331"/>
+          </a:xfrm>
+          <a:prstGeom prst="rect">
+            <a:avLst/>
+          </a:prstGeom>
+        </p:spPr>
+        <p:txBody>
+          <a:bodyPr wrap="none">
+            <a:spAutoFit/>
+          </a:bodyPr>
+          <a:lstStyle/>
+          <a:p>
+            <a:r>
+              <a:rPr lang="ko-KR" altLang="en-US" dirty="0">
+                <a:solidFill>
+                  <a:srgbClr val="080E14"/>
+                </a:solidFill>
+                <a:latin typeface="Nanum Gothic"/>
+              </a:rPr>
+              <a:t> </a:t>
+            </a:r>
+            <a:r>
+              <a:rPr lang="en-US" altLang="ko-KR" dirty="0">
+                <a:solidFill>
+                  <a:srgbClr val="080E14"/>
+                </a:solidFill>
+                <a:latin typeface="Nanum Gothic"/>
+              </a:rPr>
+              <a:t>chat GPT </a:t>
+            </a:r>
+            <a:r>
+              <a:rPr lang="ko-KR" altLang="en-US" dirty="0">
+                <a:solidFill>
+                  <a:srgbClr val="080E14"/>
+                </a:solidFill>
+                <a:latin typeface="Nanum Gothic"/>
+              </a:rPr>
+              <a:t>월간 활성 </a:t>
+            </a:r>
+            <a:endParaRPr lang="en-US" altLang="ko-KR" dirty="0">
+              <a:solidFill>
+                <a:srgbClr val="080E14"/>
+              </a:solidFill>
+              <a:latin typeface="Nanum Gothic"/>
+            </a:endParaRPr>
+          </a:p>
+          <a:p>
+            <a:r>
+              <a:rPr lang="ko-KR" altLang="en-US" dirty="0">
+                <a:solidFill>
+                  <a:srgbClr val="080E14"/>
+                </a:solidFill>
+                <a:latin typeface="Nanum Gothic"/>
+              </a:rPr>
+              <a:t>사용자 수</a:t>
+            </a:r>
+            <a:r>
+              <a:rPr lang="en-US" altLang="ko-KR" dirty="0">
+                <a:solidFill>
+                  <a:srgbClr val="080E14"/>
+                </a:solidFill>
+                <a:latin typeface="Nanum Gothic"/>
+              </a:rPr>
+              <a:t> 1</a:t>
+            </a:r>
+            <a:r>
+              <a:rPr lang="ko-KR" altLang="en-US" dirty="0" err="1">
+                <a:solidFill>
+                  <a:srgbClr val="080E14"/>
+                </a:solidFill>
+                <a:latin typeface="Nanum Gothic"/>
+              </a:rPr>
+              <a:t>억명</a:t>
+            </a:r>
+            <a:r>
+              <a:rPr lang="ko-KR" altLang="en-US" dirty="0">
+                <a:solidFill>
+                  <a:srgbClr val="080E14"/>
+                </a:solidFill>
+                <a:latin typeface="Nanum Gothic"/>
+              </a:rPr>
+              <a:t> 돌파</a:t>
+            </a:r>
+            <a:endParaRPr lang="ko-KR" altLang="en-US" dirty="0"/>
           </a:p>
         </p:txBody>
       </p:sp>
       <p:pic>
         <p:nvPicPr>
-          <p:cNvPr id="4" name="그림 3">
-            <a:extLst>
-              <a:ext uri="{FF2B5EF4-FFF2-40B4-BE49-F238E27FC236}">
-                <a16:creationId xmlns:a16="http://schemas.microsoft.com/office/drawing/2014/main" id="{C8F29F76-4600-43AD-AA48-CAD3EDCE7045}"/>
+          <p:cNvPr id="7" name="그림 6">
+            <a:extLst>
+              <a:ext uri="{FF2B5EF4-FFF2-40B4-BE49-F238E27FC236}">
+                <a16:creationId xmlns:a16="http://schemas.microsoft.com/office/drawing/2014/main" id="{E357E8CE-E643-4E15-92E6-48AB78266F1C}"/>
               </a:ext>
             </a:extLst>
           </p:cNvPr>
@@ -3403,8 +6573,8 @@
         </p:blipFill>
         <p:spPr>
           <a:xfrm>
-            <a:off x="469900" y="64609"/>
-            <a:ext cx="11061700" cy="6614864"/>
+            <a:off x="228906" y="1737754"/>
+            <a:ext cx="11332666" cy="4368458"/>
           </a:xfrm>
           <a:prstGeom prst="rect">
             <a:avLst/>
@@ -3413,10 +6583,10 @@
       </p:pic>
       <p:sp>
         <p:nvSpPr>
-          <p:cNvPr id="5" name="직사각형 4">
-            <a:extLst>
-              <a:ext uri="{FF2B5EF4-FFF2-40B4-BE49-F238E27FC236}">
-                <a16:creationId xmlns:a16="http://schemas.microsoft.com/office/drawing/2014/main" id="{3E3B8BC1-6270-4F1C-8F5E-4CE245E68679}"/>
+          <p:cNvPr id="6" name="화살표: 아래쪽 5">
+            <a:extLst>
+              <a:ext uri="{FF2B5EF4-FFF2-40B4-BE49-F238E27FC236}">
+                <a16:creationId xmlns:a16="http://schemas.microsoft.com/office/drawing/2014/main" id="{D46B626F-FE7D-45B9-925E-E15DD5A06220}"/>
               </a:ext>
             </a:extLst>
           </p:cNvPr>
@@ -3425,33 +6595,42 @@
         </p:nvSpPr>
         <p:spPr>
           <a:xfrm>
-            <a:off x="2590800" y="6123543"/>
-            <a:ext cx="8851900" cy="369332"/>
+            <a:off x="10581991" y="1746520"/>
+            <a:ext cx="136343" cy="1953164"/>
           </a:xfrm>
-          <a:prstGeom prst="rect">
+          <a:prstGeom prst="downArrow">
             <a:avLst/>
           </a:prstGeom>
         </p:spPr>
-        <p:txBody>
-          <a:bodyPr wrap="square">
-            <a:spAutoFit/>
-          </a:bodyPr>
-          <a:lstStyle/>
-          <a:p>
-            <a:r>
-              <a:rPr lang="en-US" altLang="ko-KR" dirty="0">
-                <a:hlinkClick r:id="rId3"/>
-              </a:rPr>
-              <a:t>https://contents.premium.naver.com/chatgpt/buff/contents/230622235641423mo</a:t>
-            </a:r>
-            <a:endParaRPr lang="ko-KR" altLang="en-US" dirty="0"/>
+        <p:style>
+          <a:lnRef idx="2">
+            <a:schemeClr val="accent1">
+              <a:shade val="50000"/>
+            </a:schemeClr>
+          </a:lnRef>
+          <a:fillRef idx="1">
+            <a:schemeClr val="accent1"/>
+          </a:fillRef>
+          <a:effectRef idx="0">
+            <a:schemeClr val="accent1"/>
+          </a:effectRef>
+          <a:fontRef idx="minor">
+            <a:schemeClr val="lt1"/>
+          </a:fontRef>
+        </p:style>
+        <p:txBody>
+          <a:bodyPr rtlCol="0" anchor="ctr"/>
+          <a:lstStyle/>
+          <a:p>
+            <a:pPr algn="ctr"/>
+            <a:endParaRPr lang="ko-KR" altLang="en-US"/>
           </a:p>
         </p:txBody>
       </p:sp>
     </p:spTree>
     <p:extLst>
       <p:ext uri="{BB962C8B-B14F-4D97-AF65-F5344CB8AC3E}">
-        <p14:creationId xmlns:p14="http://schemas.microsoft.com/office/powerpoint/2010/main" val="1103785561"/>
+        <p14:creationId xmlns:p14="http://schemas.microsoft.com/office/powerpoint/2010/main" val="893666001"/>
       </p:ext>
     </p:extLst>
   </p:cSld>
@@ -3461,7 +6640,113 @@
 </p:sld>
 </file>
 
-<file path=ppt/slides/slide10.xml><?xml version="1.0" encoding="utf-8"?>
+<file path=ppt/slides/slide13.xml><?xml version="1.0" encoding="utf-8"?>
+<p:sld xmlns:a="http://schemas.openxmlformats.org/drawingml/2006/main" xmlns:r="http://schemas.openxmlformats.org/officeDocument/2006/relationships" xmlns:p="http://schemas.openxmlformats.org/presentationml/2006/main">
+  <p:cSld>
+    <p:spTree>
+      <p:nvGrpSpPr>
+        <p:cNvPr id="1" name=""/>
+        <p:cNvGrpSpPr/>
+        <p:nvPr/>
+      </p:nvGrpSpPr>
+      <p:grpSpPr>
+        <a:xfrm>
+          <a:off x="0" y="0"/>
+          <a:ext cx="0" cy="0"/>
+          <a:chOff x="0" y="0"/>
+          <a:chExt cx="0" cy="0"/>
+        </a:xfrm>
+      </p:grpSpPr>
+      <p:sp>
+        <p:nvSpPr>
+          <p:cNvPr id="2" name="제목 1">
+            <a:extLst>
+              <a:ext uri="{FF2B5EF4-FFF2-40B4-BE49-F238E27FC236}">
+                <a16:creationId xmlns:a16="http://schemas.microsoft.com/office/drawing/2014/main" id="{22E6C03B-93BD-4C81-9629-DE6D3FDEC005}"/>
+              </a:ext>
+            </a:extLst>
+          </p:cNvPr>
+          <p:cNvSpPr>
+            <a:spLocks noGrp="1"/>
+          </p:cNvSpPr>
+          <p:nvPr>
+            <p:ph type="title"/>
+          </p:nvPr>
+        </p:nvSpPr>
+        <p:spPr/>
+        <p:txBody>
+          <a:bodyPr/>
+          <a:lstStyle/>
+          <a:p>
+            <a:r>
+              <a:rPr lang="en-US" altLang="ko-KR" dirty="0"/>
+              <a:t>CPU  vs GPU</a:t>
+            </a:r>
+            <a:endParaRPr lang="ko-KR" altLang="en-US" dirty="0"/>
+          </a:p>
+        </p:txBody>
+      </p:sp>
+      <p:pic>
+        <p:nvPicPr>
+          <p:cNvPr id="1026" name="Picture 2" descr="목 &#10;정 &#10;의 &#10;역 &#10;할 &#10;작 &#10;동 &#10;방 &#10;식 &#10;코 &#10;이 &#10;적 &#10;용 &#10;문 &#10;야 &#10;CPU &#10;CPU는 Central Processing unit의 약자로. 컴 &#10;퓨터의 중앙 지리 장치입니다. CP니는 컴퓨터 &#10;의 작동을 제어하며 모든 프로세스를 관리합 &#10;니다 巳] &#10;CPU는 컴퓨터 내의 모든 프로세스를 관리하 &#10;고 자허하는 역할을 합니다- 이에는 입력한 &#10;기의 등록부터 장 관리. 파일 시스템 듬 다양 &#10;한 작업이 포함됩니다- 21 &#10;CPU는 식별 저리 방식으로 동작하며. 한 번 &#10;에 하나의 작업을 서리합니ch 각 코어는 독 &#10;립적으로 작업을 수행하며, 이는 대우 빠른 &#10;속도로 전환팀니다. !회 &#10;대부분의 프로세서는 4개에서 8개의 코어를 &#10;가지고 있지만, 고성능 CPU는 최대 64거의 &#10;코어를 가진 수 있습니다. [11 &#10;CPL-IE 컴퓨터의 일반석인 작동에 사용되몌 &#10;직렬 치리가 필요한 대부분의 작업에 사용된 &#10;니다. 예를 들에 웹 브라우저를 실행하거나 &#10;문서를 작성하는 테 사용됩니다| 口 &#10;GP니는 Graphical Processing unit의 약자로, 그래 &#10;픽 카드라고도 불립니다. GPU는 회면에 표시되는 &#10;그래픽을 저리8卜는 역할을 합니다, 田 &#10;GP니는 그래픽을 처리하고. 특히 30 그래픽에 적 &#10;합하며. 효율석인 병렬 저리를 가능하게 합니다, &#10;대량의 데이터를 빠르게 처리할 수 았에 더 &#10;신 러닝이나 그립토 마이닝에도 사용됩니다. [11 &#10;GPI-I는 병렬 저리 방식을 사용하며 한 번에 수전 &#10;개의 작업을 동시에 저리합니다- 이리한 특상 때문 &#10;에 GPI.JE 대량의 작은 부분으로 이루어진 큰 작업 &#10;을 치리하는 테 더 적합합니다. 口 &#10;CPU는 수백에서 수전 개의 코어를 가지고 있으며, &#10;이를 통해 대량의 병별 저리를 수행합니다, 21 &#10;GPI.J는 그래픽이 중요한 게임. 고급 그래픽 소프트 &#10;-입어. 30 모텔링 등에 사용됩니다. 또한 대량의 병 &#10;맇 지리가 필요한 작업. 대신 러닝. 크립토 마이닝 &#10;등에도 적용됩니다. 田 ">
+            <a:extLst>
+              <a:ext uri="{FF2B5EF4-FFF2-40B4-BE49-F238E27FC236}">
+                <a16:creationId xmlns:a16="http://schemas.microsoft.com/office/drawing/2014/main" id="{BCDCBB26-09E8-4878-81F0-E577AA8BC28B}"/>
+              </a:ext>
+            </a:extLst>
+          </p:cNvPr>
+          <p:cNvPicPr>
+            <a:picLocks noChangeAspect="1" noChangeArrowheads="1"/>
+          </p:cNvPicPr>
+          <p:nvPr/>
+        </p:nvPicPr>
+        <p:blipFill>
+          <a:blip r:embed="rId2">
+            <a:extLst>
+              <a:ext uri="{28A0092B-C50C-407E-A947-70E740481C1C}">
+                <a14:useLocalDpi xmlns:a14="http://schemas.microsoft.com/office/drawing/2010/main" val="0"/>
+              </a:ext>
+            </a:extLst>
+          </a:blip>
+          <a:srcRect/>
+          <a:stretch>
+            <a:fillRect/>
+          </a:stretch>
+        </p:blipFill>
+        <p:spPr bwMode="auto">
+          <a:xfrm>
+            <a:off x="3138488" y="1266573"/>
+            <a:ext cx="6903134" cy="5591427"/>
+          </a:xfrm>
+          <a:prstGeom prst="rect">
+            <a:avLst/>
+          </a:prstGeom>
+          <a:noFill/>
+          <a:extLst>
+            <a:ext uri="{909E8E84-426E-40DD-AFC4-6F175D3DCCD1}">
+              <a14:hiddenFill xmlns:a14="http://schemas.microsoft.com/office/drawing/2010/main">
+                <a:solidFill>
+                  <a:srgbClr val="FFFFFF"/>
+                </a:solidFill>
+              </a14:hiddenFill>
+            </a:ext>
+          </a:extLst>
+        </p:spPr>
+      </p:pic>
+    </p:spTree>
+    <p:extLst>
+      <p:ext uri="{BB962C8B-B14F-4D97-AF65-F5344CB8AC3E}">
+        <p14:creationId xmlns:p14="http://schemas.microsoft.com/office/powerpoint/2010/main" val="1782597896"/>
+      </p:ext>
+    </p:extLst>
+  </p:cSld>
+  <p:clrMapOvr>
+    <a:masterClrMapping/>
+  </p:clrMapOvr>
+</p:sld>
+</file>
+
+<file path=ppt/slides/slide14.xml><?xml version="1.0" encoding="utf-8"?>
 <p:sld xmlns:a="http://schemas.openxmlformats.org/drawingml/2006/main" xmlns:r="http://schemas.openxmlformats.org/officeDocument/2006/relationships" xmlns:p="http://schemas.openxmlformats.org/presentationml/2006/main">
   <p:cSld>
     <p:spTree>
@@ -3523,7 +6808,7 @@
 </p:sld>
 </file>
 
-<file path=ppt/slides/slide11.xml><?xml version="1.0" encoding="utf-8"?>
+<file path=ppt/slides/slide15.xml><?xml version="1.0" encoding="utf-8"?>
 <p:sld xmlns:a="http://schemas.openxmlformats.org/drawingml/2006/main" xmlns:r="http://schemas.openxmlformats.org/officeDocument/2006/relationships" xmlns:p="http://schemas.openxmlformats.org/presentationml/2006/main">
   <p:cSld>
     <p:spTree>
@@ -3602,10 +6887,46 @@
       </p:grpSpPr>
       <p:sp>
         <p:nvSpPr>
+          <p:cNvPr id="2" name="제목 1">
+            <a:extLst>
+              <a:ext uri="{FF2B5EF4-FFF2-40B4-BE49-F238E27FC236}">
+                <a16:creationId xmlns:a16="http://schemas.microsoft.com/office/drawing/2014/main" id="{91ED3563-2FE7-48C7-8E5D-61C998CECBF3}"/>
+              </a:ext>
+            </a:extLst>
+          </p:cNvPr>
+          <p:cNvSpPr>
+            <a:spLocks noGrp="1"/>
+          </p:cNvSpPr>
+          <p:nvPr>
+            <p:ph type="title"/>
+          </p:nvPr>
+        </p:nvSpPr>
+        <p:spPr/>
+        <p:txBody>
+          <a:bodyPr/>
+          <a:lstStyle/>
+          <a:p>
+            <a:r>
+              <a:rPr lang="en-US" altLang="ko-KR" dirty="0"/>
+              <a:t>Limitations of </a:t>
+            </a:r>
+            <a:r>
+              <a:rPr lang="en-US" altLang="ko-KR" dirty="0" err="1"/>
+              <a:t>ChatGPT</a:t>
+            </a:r>
+            <a:br>
+              <a:rPr lang="en-US" altLang="ko-KR"/>
+            </a:br>
+            <a:endParaRPr lang="ko-KR" altLang="en-US"/>
+          </a:p>
+        </p:txBody>
+      </p:sp>
+      <p:sp>
+        <p:nvSpPr>
           <p:cNvPr id="3" name="내용 개체 틀 2">
             <a:extLst>
               <a:ext uri="{FF2B5EF4-FFF2-40B4-BE49-F238E27FC236}">
-                <a16:creationId xmlns:a16="http://schemas.microsoft.com/office/drawing/2014/main" id="{80628268-3A1F-45BF-80F8-82F91504C284}"/>
+                <a16:creationId xmlns:a16="http://schemas.microsoft.com/office/drawing/2014/main" id="{79371D52-116E-467B-B422-091987890594}"/>
               </a:ext>
             </a:extLst>
           </p:cNvPr>
@@ -3616,1326 +6937,113 @@
             <p:ph idx="1"/>
           </p:nvPr>
         </p:nvSpPr>
-        <p:spPr>
-          <a:xfrm>
-            <a:off x="707572" y="681135"/>
-            <a:ext cx="10955694" cy="4030922"/>
-          </a:xfrm>
-        </p:spPr>
+        <p:spPr/>
         <p:txBody>
           <a:bodyPr>
-            <a:normAutofit/>
+            <a:normAutofit fontScale="47500" lnSpcReduction="20000"/>
           </a:bodyPr>
           <a:lstStyle/>
           <a:p>
             <a:r>
               <a:rPr lang="en-US" altLang="ko-KR" dirty="0"/>
-              <a:t>Conventional Search Engine:</a:t>
-            </a:r>
-          </a:p>
-          <a:p>
-            <a:pPr lvl="1"/>
-            <a:r>
-              <a:rPr lang="en-US" altLang="ko-KR" sz="1000" dirty="0"/>
-              <a:t>Relies on keyword matching and indexing.</a:t>
-            </a:r>
-          </a:p>
-          <a:p>
-            <a:pPr lvl="1"/>
-            <a:r>
-              <a:rPr lang="en-US" altLang="ko-KR" sz="1000" dirty="0"/>
-              <a:t>Results are based on factors like keyword density and page rankings.</a:t>
-            </a:r>
-          </a:p>
-          <a:p>
-            <a:pPr lvl="1"/>
-            <a:r>
-              <a:rPr lang="en-US" altLang="ko-KR" sz="1000" dirty="0"/>
-              <a:t>Provides a list of relevant web pages.</a:t>
-            </a:r>
-          </a:p>
-          <a:p>
-            <a:pPr lvl="1"/>
-            <a:r>
-              <a:rPr lang="en-US" altLang="ko-KR" sz="1000" dirty="0"/>
-              <a:t>Emphasizes popularity and authority of web pages.</a:t>
-            </a:r>
-          </a:p>
-          <a:p>
-            <a:pPr lvl="1"/>
-            <a:r>
-              <a:rPr lang="en-US" altLang="ko-KR" sz="1600" dirty="0"/>
-              <a:t>Does not focus on understanding the meaning or context of the search query.</a:t>
+              <a:t>Lack of context awareness</a:t>
             </a:r>
           </a:p>
           <a:p>
             <a:r>
               <a:rPr lang="en-US" altLang="ko-KR" dirty="0"/>
-              <a:t>Semantic Search Engine:</a:t>
-            </a:r>
-          </a:p>
-          <a:p>
-            <a:pPr lvl="1"/>
-            <a:r>
-              <a:rPr lang="en-US" altLang="ko-KR" sz="900" dirty="0"/>
-              <a:t>Analyzes the meaning and context of the search query.</a:t>
-            </a:r>
-          </a:p>
-          <a:p>
-            <a:pPr lvl="1"/>
-            <a:r>
-              <a:rPr lang="en-US" altLang="ko-KR" sz="900" dirty="0"/>
-              <a:t>Considers user's location, search history, and other factors.</a:t>
-            </a:r>
-          </a:p>
-          <a:p>
-            <a:pPr lvl="1"/>
-            <a:r>
-              <a:rPr lang="en-US" altLang="ko-KR" sz="900" dirty="0"/>
-              <a:t>Provides more personalized and context-aware results.</a:t>
-            </a:r>
-          </a:p>
-          <a:p>
-            <a:pPr lvl="1"/>
-            <a:r>
-              <a:rPr lang="en-US" altLang="ko-KR" sz="900" dirty="0"/>
-              <a:t>Understands relationships between words and concepts.</a:t>
-            </a:r>
-          </a:p>
-          <a:p>
-            <a:pPr lvl="1"/>
-            <a:r>
-              <a:rPr lang="en-US" altLang="ko-KR" sz="900" dirty="0"/>
-              <a:t>Uses natural language processing (NLP) techniques.</a:t>
-            </a:r>
-          </a:p>
-          <a:p>
-            <a:pPr lvl="1"/>
-            <a:r>
-              <a:rPr lang="en-US" altLang="ko-KR" sz="900" dirty="0"/>
-              <a:t>Presents rich snippets and leverages knowledge graphs for additional context.</a:t>
-            </a:r>
-          </a:p>
-          <a:p>
-            <a:pPr lvl="1"/>
-            <a:r>
-              <a:rPr lang="en-US" altLang="ko-KR" sz="1600" dirty="0"/>
-              <a:t>Aims to deliver more accurate and meaningful search results.</a:t>
+              <a:t>One limitation of </a:t>
+            </a:r>
+            <a:r>
+              <a:rPr lang="en-US" altLang="ko-KR" dirty="0" err="1"/>
+              <a:t>ChatGPT</a:t>
+            </a:r>
+            <a:r>
+              <a:rPr lang="en-US" altLang="ko-KR" dirty="0"/>
+              <a:t> is that it is not always able to fully understand the context of a given text.</a:t>
+            </a:r>
+          </a:p>
+          <a:p>
+            <a:r>
+              <a:rPr lang="en-US" altLang="ko-KR" dirty="0"/>
+              <a:t>This can lead to the generation of text that is not appropriate or does not make sense in the given context.</a:t>
+            </a:r>
+          </a:p>
+          <a:p>
+            <a:r>
+              <a:rPr lang="en-US" altLang="ko-KR" dirty="0"/>
+              <a:t>This is particularly a limitation when the model is used in a conversational setting, where understanding the context of a conversation is crucial.</a:t>
+            </a:r>
+          </a:p>
+          <a:p>
+            <a:r>
+              <a:rPr lang="en-US" altLang="ko-KR" dirty="0"/>
+              <a:t>Limited ability to handle tasks that require common sense knowledge</a:t>
+            </a:r>
+          </a:p>
+          <a:p>
+            <a:r>
+              <a:rPr lang="en-US" altLang="ko-KR" dirty="0" err="1"/>
+              <a:t>ChatGPT</a:t>
+            </a:r>
+            <a:r>
+              <a:rPr lang="en-US" altLang="ko-KR" dirty="0"/>
+              <a:t> has been trained on a large dataset of text data, but it does not have access to common sense knowledge that humans possess.</a:t>
+            </a:r>
+          </a:p>
+          <a:p>
+            <a:r>
+              <a:rPr lang="en-US" altLang="ko-KR" dirty="0"/>
+              <a:t>This can limit its ability to perform certain tasks that require knowledge of the world, such as understanding idioms or sarcasm.</a:t>
+            </a:r>
+          </a:p>
+          <a:p>
+            <a:r>
+              <a:rPr lang="en-US" altLang="ko-KR" dirty="0"/>
+              <a:t>This limitation can be overcome by fine-tuning the model with task-specific data, but it still may not perform as well as a human in certain tasks.</a:t>
+            </a:r>
+          </a:p>
+          <a:p>
+            <a:r>
+              <a:rPr lang="en-US" altLang="ko-KR" dirty="0"/>
+              <a:t>Potential ethical concerns surrounding the use of AI-generated text</a:t>
+            </a:r>
+          </a:p>
+          <a:p>
+            <a:r>
+              <a:rPr lang="en-US" altLang="ko-KR" dirty="0"/>
+              <a:t>The use of AI-generated text raises ethical concerns such as potential manipulation of public opinion or spreading misinformation.</a:t>
+            </a:r>
+          </a:p>
+          <a:p>
+            <a:r>
+              <a:rPr lang="en-US" altLang="ko-KR" dirty="0"/>
+              <a:t>As the generated text can be difficult to distinguish from text written by a human, it may be used for malicious purposes such as impersonation or propaganda.</a:t>
+            </a:r>
+          </a:p>
+          <a:p>
+            <a:r>
+              <a:rPr lang="en-US" altLang="ko-KR" dirty="0"/>
+              <a:t>It is important to consider these ethical concerns when developing and deploying </a:t>
+            </a:r>
+            <a:r>
+              <a:rPr lang="en-US" altLang="ko-KR" dirty="0" err="1"/>
+              <a:t>ChatGPT</a:t>
+            </a:r>
+            <a:r>
+              <a:rPr lang="en-US" altLang="ko-KR" dirty="0"/>
+              <a:t> models, and to have proper measures in place to detect and prevent any potential misuse of the technology.</a:t>
             </a:r>
           </a:p>
           <a:p>
             <a:endParaRPr lang="ko-KR" altLang="en-US" dirty="0"/>
-          </a:p>
-        </p:txBody>
-      </p:sp>
-      <p:sp>
-        <p:nvSpPr>
-          <p:cNvPr id="6" name="Rectangle 1">
-            <a:extLst>
-              <a:ext uri="{FF2B5EF4-FFF2-40B4-BE49-F238E27FC236}">
-                <a16:creationId xmlns:a16="http://schemas.microsoft.com/office/drawing/2014/main" id="{7ADBA410-52DB-427C-8FE6-B9C2D7581F2F}"/>
-              </a:ext>
-            </a:extLst>
-          </p:cNvPr>
-          <p:cNvSpPr>
-            <a:spLocks noChangeArrowheads="1"/>
-          </p:cNvSpPr>
-          <p:nvPr/>
-        </p:nvSpPr>
-        <p:spPr bwMode="auto">
-          <a:xfrm>
-            <a:off x="528734" y="4591406"/>
-            <a:ext cx="11199846" cy="1938992"/>
-          </a:xfrm>
-          <a:prstGeom prst="rect">
-            <a:avLst/>
-          </a:prstGeom>
-          <a:noFill/>
-          <a:ln>
-            <a:noFill/>
-          </a:ln>
-          <a:effectLst/>
-          <a:extLst>
-            <a:ext uri="{909E8E84-426E-40DD-AFC4-6F175D3DCCD1}">
-              <a14:hiddenFill xmlns:a14="http://schemas.microsoft.com/office/drawing/2010/main">
-                <a:solidFill>
-                  <a:schemeClr val="accent1"/>
-                </a:solidFill>
-              </a14:hiddenFill>
-            </a:ext>
-            <a:ext uri="{91240B29-F687-4F45-9708-019B960494DF}">
-              <a14:hiddenLine xmlns:a14="http://schemas.microsoft.com/office/drawing/2010/main" w="9525">
-                <a:solidFill>
-                  <a:schemeClr val="tx1"/>
-                </a:solidFill>
-                <a:miter lim="800000"/>
-                <a:headEnd/>
-                <a:tailEnd/>
-              </a14:hiddenLine>
-            </a:ext>
-            <a:ext uri="{AF507438-7753-43E0-B8FC-AC1667EBCBE1}">
-              <a14:hiddenEffects xmlns:a14="http://schemas.microsoft.com/office/drawing/2010/main">
-                <a:effectLst>
-                  <a:outerShdw dist="35921" dir="2700000" algn="ctr" rotWithShape="0">
-                    <a:schemeClr val="bg2"/>
-                  </a:outerShdw>
-                </a:effectLst>
-              </a14:hiddenEffects>
-            </a:ext>
-          </a:extLst>
-        </p:spPr>
-        <p:txBody>
-          <a:bodyPr vert="horz" wrap="square" lIns="91440" tIns="45720" rIns="91440" bIns="45720" numCol="1" anchor="ctr" anchorCtr="0" compatLnSpc="1">
-            <a:prstTxWarp prst="textNoShape">
-              <a:avLst/>
-            </a:prstTxWarp>
-            <a:spAutoFit/>
-          </a:bodyPr>
-          <a:lstStyle>
-            <a:lvl1pPr eaLnBrk="0" fontAlgn="base" hangingPunct="0">
-              <a:spcBef>
-                <a:spcPct val="0"/>
-              </a:spcBef>
-              <a:spcAft>
-                <a:spcPct val="0"/>
-              </a:spcAft>
-              <a:defRPr>
-                <a:solidFill>
-                  <a:schemeClr val="tx1"/>
-                </a:solidFill>
-                <a:latin typeface="Arial" panose="020B0604020202020204" pitchFamily="34" charset="0"/>
-              </a:defRPr>
-            </a:lvl1pPr>
-            <a:lvl2pPr eaLnBrk="0" fontAlgn="base" hangingPunct="0">
-              <a:spcBef>
-                <a:spcPct val="0"/>
-              </a:spcBef>
-              <a:spcAft>
-                <a:spcPct val="0"/>
-              </a:spcAft>
-              <a:defRPr>
-                <a:solidFill>
-                  <a:schemeClr val="tx1"/>
-                </a:solidFill>
-                <a:latin typeface="Arial" panose="020B0604020202020204" pitchFamily="34" charset="0"/>
-              </a:defRPr>
-            </a:lvl2pPr>
-            <a:lvl3pPr eaLnBrk="0" fontAlgn="base" hangingPunct="0">
-              <a:spcBef>
-                <a:spcPct val="0"/>
-              </a:spcBef>
-              <a:spcAft>
-                <a:spcPct val="0"/>
-              </a:spcAft>
-              <a:defRPr>
-                <a:solidFill>
-                  <a:schemeClr val="tx1"/>
-                </a:solidFill>
-                <a:latin typeface="Arial" panose="020B0604020202020204" pitchFamily="34" charset="0"/>
-              </a:defRPr>
-            </a:lvl3pPr>
-            <a:lvl4pPr eaLnBrk="0" fontAlgn="base" hangingPunct="0">
-              <a:spcBef>
-                <a:spcPct val="0"/>
-              </a:spcBef>
-              <a:spcAft>
-                <a:spcPct val="0"/>
-              </a:spcAft>
-              <a:defRPr>
-                <a:solidFill>
-                  <a:schemeClr val="tx1"/>
-                </a:solidFill>
-                <a:latin typeface="Arial" panose="020B0604020202020204" pitchFamily="34" charset="0"/>
-              </a:defRPr>
-            </a:lvl4pPr>
-            <a:lvl5pPr eaLnBrk="0" fontAlgn="base" hangingPunct="0">
-              <a:spcBef>
-                <a:spcPct val="0"/>
-              </a:spcBef>
-              <a:spcAft>
-                <a:spcPct val="0"/>
-              </a:spcAft>
-              <a:defRPr>
-                <a:solidFill>
-                  <a:schemeClr val="tx1"/>
-                </a:solidFill>
-                <a:latin typeface="Arial" panose="020B0604020202020204" pitchFamily="34" charset="0"/>
-              </a:defRPr>
-            </a:lvl5pPr>
-            <a:lvl6pPr eaLnBrk="0" fontAlgn="base" hangingPunct="0">
-              <a:spcBef>
-                <a:spcPct val="0"/>
-              </a:spcBef>
-              <a:spcAft>
-                <a:spcPct val="0"/>
-              </a:spcAft>
-              <a:defRPr>
-                <a:solidFill>
-                  <a:schemeClr val="tx1"/>
-                </a:solidFill>
-                <a:latin typeface="Arial" panose="020B0604020202020204" pitchFamily="34" charset="0"/>
-              </a:defRPr>
-            </a:lvl6pPr>
-            <a:lvl7pPr eaLnBrk="0" fontAlgn="base" hangingPunct="0">
-              <a:spcBef>
-                <a:spcPct val="0"/>
-              </a:spcBef>
-              <a:spcAft>
-                <a:spcPct val="0"/>
-              </a:spcAft>
-              <a:defRPr>
-                <a:solidFill>
-                  <a:schemeClr val="tx1"/>
-                </a:solidFill>
-                <a:latin typeface="Arial" panose="020B0604020202020204" pitchFamily="34" charset="0"/>
-              </a:defRPr>
-            </a:lvl7pPr>
-            <a:lvl8pPr eaLnBrk="0" fontAlgn="base" hangingPunct="0">
-              <a:spcBef>
-                <a:spcPct val="0"/>
-              </a:spcBef>
-              <a:spcAft>
-                <a:spcPct val="0"/>
-              </a:spcAft>
-              <a:defRPr>
-                <a:solidFill>
-                  <a:schemeClr val="tx1"/>
-                </a:solidFill>
-                <a:latin typeface="Arial" panose="020B0604020202020204" pitchFamily="34" charset="0"/>
-              </a:defRPr>
-            </a:lvl8pPr>
-            <a:lvl9pPr eaLnBrk="0" fontAlgn="base" hangingPunct="0">
-              <a:spcBef>
-                <a:spcPct val="0"/>
-              </a:spcBef>
-              <a:spcAft>
-                <a:spcPct val="0"/>
-              </a:spcAft>
-              <a:defRPr>
-                <a:solidFill>
-                  <a:schemeClr val="tx1"/>
-                </a:solidFill>
-                <a:latin typeface="Arial" panose="020B0604020202020204" pitchFamily="34" charset="0"/>
-              </a:defRPr>
-            </a:lvl9pPr>
-          </a:lstStyle>
-          <a:p>
-            <a:pPr marL="0" marR="0" lvl="0" indent="0" algn="l" defTabSz="914400" rtl="0" eaLnBrk="0" fontAlgn="base" latinLnBrk="0" hangingPunct="0">
-              <a:lnSpc>
-                <a:spcPct val="100000"/>
-              </a:lnSpc>
-              <a:spcBef>
-                <a:spcPct val="0"/>
-              </a:spcBef>
-              <a:spcAft>
-                <a:spcPct val="0"/>
-              </a:spcAft>
-              <a:buClrTx/>
-              <a:buSzTx/>
-              <a:buFontTx/>
-              <a:buNone/>
-              <a:tabLst/>
-            </a:pPr>
-            <a:r>
-              <a:rPr kumimoji="0" lang="ko-KR" altLang="ko-KR" sz="2400" b="0" i="0" u="none" strike="noStrike" cap="none" normalizeH="0" baseline="0" dirty="0" err="1">
-                <a:ln>
-                  <a:noFill/>
-                </a:ln>
-                <a:solidFill>
-                  <a:schemeClr val="tx1"/>
-                </a:solidFill>
-                <a:effectLst/>
-                <a:highlight>
-                  <a:srgbClr val="FFFF00"/>
-                </a:highlight>
-                <a:latin typeface="Arial" panose="020B0604020202020204" pitchFamily="34" charset="0"/>
-                <a:ea typeface="Söhne"/>
-              </a:rPr>
-              <a:t>In</a:t>
-            </a:r>
-            <a:r>
-              <a:rPr kumimoji="0" lang="ko-KR" altLang="ko-KR" sz="2400" b="0" i="0" u="none" strike="noStrike" cap="none" normalizeH="0" baseline="0" dirty="0">
-                <a:ln>
-                  <a:noFill/>
-                </a:ln>
-                <a:solidFill>
-                  <a:schemeClr val="tx1"/>
-                </a:solidFill>
-                <a:effectLst/>
-                <a:highlight>
-                  <a:srgbClr val="FFFF00"/>
-                </a:highlight>
-                <a:latin typeface="Arial" panose="020B0604020202020204" pitchFamily="34" charset="0"/>
-                <a:ea typeface="Söhne"/>
-              </a:rPr>
-              <a:t> </a:t>
-            </a:r>
-            <a:r>
-              <a:rPr kumimoji="0" lang="ko-KR" altLang="ko-KR" sz="2400" b="0" i="0" u="none" strike="noStrike" cap="none" normalizeH="0" baseline="0" dirty="0" err="1">
-                <a:ln>
-                  <a:noFill/>
-                </a:ln>
-                <a:solidFill>
-                  <a:schemeClr val="tx1"/>
-                </a:solidFill>
-                <a:effectLst/>
-                <a:highlight>
-                  <a:srgbClr val="FFFF00"/>
-                </a:highlight>
-                <a:latin typeface="Arial" panose="020B0604020202020204" pitchFamily="34" charset="0"/>
-                <a:ea typeface="Söhne"/>
-              </a:rPr>
-              <a:t>summary</a:t>
-            </a:r>
-            <a:r>
-              <a:rPr kumimoji="0" lang="ko-KR" altLang="ko-KR" sz="2400" b="0" i="0" u="none" strike="noStrike" cap="none" normalizeH="0" baseline="0" dirty="0">
-                <a:ln>
-                  <a:noFill/>
-                </a:ln>
-                <a:solidFill>
-                  <a:schemeClr val="tx1"/>
-                </a:solidFill>
-                <a:effectLst/>
-                <a:highlight>
-                  <a:srgbClr val="FFFF00"/>
-                </a:highlight>
-                <a:latin typeface="Arial" panose="020B0604020202020204" pitchFamily="34" charset="0"/>
-                <a:ea typeface="Söhne"/>
-              </a:rPr>
-              <a:t>, </a:t>
-            </a:r>
-            <a:r>
-              <a:rPr kumimoji="0" lang="ko-KR" altLang="ko-KR" sz="2400" b="0" i="0" u="none" strike="noStrike" cap="none" normalizeH="0" baseline="0" dirty="0" err="1">
-                <a:ln>
-                  <a:noFill/>
-                </a:ln>
-                <a:solidFill>
-                  <a:schemeClr val="tx1"/>
-                </a:solidFill>
-                <a:effectLst/>
-                <a:highlight>
-                  <a:srgbClr val="FFFF00"/>
-                </a:highlight>
-                <a:latin typeface="Arial" panose="020B0604020202020204" pitchFamily="34" charset="0"/>
-                <a:ea typeface="Söhne"/>
-              </a:rPr>
-              <a:t>conventional</a:t>
-            </a:r>
-            <a:r>
-              <a:rPr kumimoji="0" lang="ko-KR" altLang="ko-KR" sz="2400" b="0" i="0" u="none" strike="noStrike" cap="none" normalizeH="0" baseline="0" dirty="0">
-                <a:ln>
-                  <a:noFill/>
-                </a:ln>
-                <a:solidFill>
-                  <a:schemeClr val="tx1"/>
-                </a:solidFill>
-                <a:effectLst/>
-                <a:highlight>
-                  <a:srgbClr val="FFFF00"/>
-                </a:highlight>
-                <a:latin typeface="Arial" panose="020B0604020202020204" pitchFamily="34" charset="0"/>
-                <a:ea typeface="Söhne"/>
-              </a:rPr>
-              <a:t> </a:t>
-            </a:r>
-            <a:r>
-              <a:rPr kumimoji="0" lang="ko-KR" altLang="ko-KR" sz="2400" b="0" i="0" u="none" strike="noStrike" cap="none" normalizeH="0" baseline="0" dirty="0" err="1">
-                <a:ln>
-                  <a:noFill/>
-                </a:ln>
-                <a:solidFill>
-                  <a:schemeClr val="tx1"/>
-                </a:solidFill>
-                <a:effectLst/>
-                <a:highlight>
-                  <a:srgbClr val="FFFF00"/>
-                </a:highlight>
-                <a:latin typeface="Arial" panose="020B0604020202020204" pitchFamily="34" charset="0"/>
-                <a:ea typeface="Söhne"/>
-              </a:rPr>
-              <a:t>search</a:t>
-            </a:r>
-            <a:r>
-              <a:rPr kumimoji="0" lang="ko-KR" altLang="ko-KR" sz="2400" b="0" i="0" u="none" strike="noStrike" cap="none" normalizeH="0" baseline="0" dirty="0">
-                <a:ln>
-                  <a:noFill/>
-                </a:ln>
-                <a:solidFill>
-                  <a:schemeClr val="tx1"/>
-                </a:solidFill>
-                <a:effectLst/>
-                <a:highlight>
-                  <a:srgbClr val="FFFF00"/>
-                </a:highlight>
-                <a:latin typeface="Arial" panose="020B0604020202020204" pitchFamily="34" charset="0"/>
-                <a:ea typeface="Söhne"/>
-              </a:rPr>
-              <a:t> </a:t>
-            </a:r>
-            <a:r>
-              <a:rPr kumimoji="0" lang="ko-KR" altLang="ko-KR" sz="2400" b="0" i="0" u="none" strike="noStrike" cap="none" normalizeH="0" baseline="0" dirty="0" err="1">
-                <a:ln>
-                  <a:noFill/>
-                </a:ln>
-                <a:solidFill>
-                  <a:schemeClr val="tx1"/>
-                </a:solidFill>
-                <a:effectLst/>
-                <a:highlight>
-                  <a:srgbClr val="FFFF00"/>
-                </a:highlight>
-                <a:latin typeface="Arial" panose="020B0604020202020204" pitchFamily="34" charset="0"/>
-                <a:ea typeface="Söhne"/>
-              </a:rPr>
-              <a:t>engines</a:t>
-            </a:r>
-            <a:r>
-              <a:rPr kumimoji="0" lang="ko-KR" altLang="ko-KR" sz="2400" b="0" i="0" u="none" strike="noStrike" cap="none" normalizeH="0" baseline="0" dirty="0">
-                <a:ln>
-                  <a:noFill/>
-                </a:ln>
-                <a:solidFill>
-                  <a:schemeClr val="tx1"/>
-                </a:solidFill>
-                <a:effectLst/>
-                <a:highlight>
-                  <a:srgbClr val="FFFF00"/>
-                </a:highlight>
-                <a:latin typeface="Arial" panose="020B0604020202020204" pitchFamily="34" charset="0"/>
-                <a:ea typeface="Söhne"/>
-              </a:rPr>
-              <a:t> </a:t>
-            </a:r>
-            <a:r>
-              <a:rPr kumimoji="0" lang="ko-KR" altLang="ko-KR" sz="2400" b="0" i="0" u="none" strike="noStrike" cap="none" normalizeH="0" baseline="0" dirty="0" err="1">
-                <a:ln>
-                  <a:noFill/>
-                </a:ln>
-                <a:solidFill>
-                  <a:schemeClr val="tx1"/>
-                </a:solidFill>
-                <a:effectLst/>
-                <a:highlight>
-                  <a:srgbClr val="FFFF00"/>
-                </a:highlight>
-                <a:latin typeface="Arial" panose="020B0604020202020204" pitchFamily="34" charset="0"/>
-                <a:ea typeface="Söhne"/>
-              </a:rPr>
-              <a:t>primarily</a:t>
-            </a:r>
-            <a:r>
-              <a:rPr kumimoji="0" lang="ko-KR" altLang="ko-KR" sz="2400" b="0" i="0" u="none" strike="noStrike" cap="none" normalizeH="0" baseline="0" dirty="0">
-                <a:ln>
-                  <a:noFill/>
-                </a:ln>
-                <a:solidFill>
-                  <a:schemeClr val="tx1"/>
-                </a:solidFill>
-                <a:effectLst/>
-                <a:highlight>
-                  <a:srgbClr val="FFFF00"/>
-                </a:highlight>
-                <a:latin typeface="Arial" panose="020B0604020202020204" pitchFamily="34" charset="0"/>
-                <a:ea typeface="Söhne"/>
-              </a:rPr>
-              <a:t> </a:t>
-            </a:r>
-            <a:r>
-              <a:rPr kumimoji="0" lang="ko-KR" altLang="ko-KR" sz="2400" b="0" i="0" u="none" strike="noStrike" cap="none" normalizeH="0" baseline="0" dirty="0" err="1">
-                <a:ln>
-                  <a:noFill/>
-                </a:ln>
-                <a:solidFill>
-                  <a:schemeClr val="tx1"/>
-                </a:solidFill>
-                <a:effectLst/>
-                <a:highlight>
-                  <a:srgbClr val="FFFF00"/>
-                </a:highlight>
-                <a:latin typeface="Arial" panose="020B0604020202020204" pitchFamily="34" charset="0"/>
-                <a:ea typeface="Söhne"/>
-              </a:rPr>
-              <a:t>rely</a:t>
-            </a:r>
-            <a:r>
-              <a:rPr kumimoji="0" lang="ko-KR" altLang="ko-KR" sz="2400" b="0" i="0" u="none" strike="noStrike" cap="none" normalizeH="0" baseline="0" dirty="0">
-                <a:ln>
-                  <a:noFill/>
-                </a:ln>
-                <a:solidFill>
-                  <a:schemeClr val="tx1"/>
-                </a:solidFill>
-                <a:effectLst/>
-                <a:highlight>
-                  <a:srgbClr val="FFFF00"/>
-                </a:highlight>
-                <a:latin typeface="Arial" panose="020B0604020202020204" pitchFamily="34" charset="0"/>
-                <a:ea typeface="Söhne"/>
-              </a:rPr>
-              <a:t> </a:t>
-            </a:r>
-            <a:r>
-              <a:rPr kumimoji="0" lang="ko-KR" altLang="ko-KR" sz="2400" b="0" i="0" u="none" strike="noStrike" cap="none" normalizeH="0" baseline="0" dirty="0" err="1">
-                <a:ln>
-                  <a:noFill/>
-                </a:ln>
-                <a:solidFill>
-                  <a:schemeClr val="tx1"/>
-                </a:solidFill>
-                <a:effectLst/>
-                <a:highlight>
-                  <a:srgbClr val="FFFF00"/>
-                </a:highlight>
-                <a:latin typeface="Arial" panose="020B0604020202020204" pitchFamily="34" charset="0"/>
-                <a:ea typeface="Söhne"/>
-              </a:rPr>
-              <a:t>on</a:t>
-            </a:r>
-            <a:r>
-              <a:rPr kumimoji="0" lang="ko-KR" altLang="ko-KR" sz="2400" b="0" i="0" u="none" strike="noStrike" cap="none" normalizeH="0" baseline="0" dirty="0">
-                <a:ln>
-                  <a:noFill/>
-                </a:ln>
-                <a:solidFill>
-                  <a:schemeClr val="tx1"/>
-                </a:solidFill>
-                <a:effectLst/>
-                <a:highlight>
-                  <a:srgbClr val="FFFF00"/>
-                </a:highlight>
-                <a:latin typeface="Arial" panose="020B0604020202020204" pitchFamily="34" charset="0"/>
-                <a:ea typeface="Söhne"/>
-              </a:rPr>
-              <a:t> </a:t>
-            </a:r>
-            <a:r>
-              <a:rPr kumimoji="0" lang="ko-KR" altLang="ko-KR" sz="2400" b="0" i="0" u="none" strike="noStrike" cap="none" normalizeH="0" baseline="0" dirty="0" err="1">
-                <a:ln>
-                  <a:noFill/>
-                </a:ln>
-                <a:solidFill>
-                  <a:schemeClr val="tx1"/>
-                </a:solidFill>
-                <a:effectLst/>
-                <a:highlight>
-                  <a:srgbClr val="FFFF00"/>
-                </a:highlight>
-                <a:latin typeface="Arial" panose="020B0604020202020204" pitchFamily="34" charset="0"/>
-                <a:ea typeface="Söhne"/>
-              </a:rPr>
-              <a:t>keyword</a:t>
-            </a:r>
-            <a:r>
-              <a:rPr kumimoji="0" lang="ko-KR" altLang="ko-KR" sz="2400" b="0" i="0" u="none" strike="noStrike" cap="none" normalizeH="0" baseline="0" dirty="0">
-                <a:ln>
-                  <a:noFill/>
-                </a:ln>
-                <a:solidFill>
-                  <a:schemeClr val="tx1"/>
-                </a:solidFill>
-                <a:effectLst/>
-                <a:highlight>
-                  <a:srgbClr val="FFFF00"/>
-                </a:highlight>
-                <a:latin typeface="Arial" panose="020B0604020202020204" pitchFamily="34" charset="0"/>
-                <a:ea typeface="Söhne"/>
-              </a:rPr>
-              <a:t> </a:t>
-            </a:r>
-            <a:r>
-              <a:rPr kumimoji="0" lang="ko-KR" altLang="ko-KR" sz="2400" b="0" i="0" u="none" strike="noStrike" cap="none" normalizeH="0" baseline="0" dirty="0" err="1">
-                <a:ln>
-                  <a:noFill/>
-                </a:ln>
-                <a:solidFill>
-                  <a:schemeClr val="tx1"/>
-                </a:solidFill>
-                <a:effectLst/>
-                <a:highlight>
-                  <a:srgbClr val="FFFF00"/>
-                </a:highlight>
-                <a:latin typeface="Arial" panose="020B0604020202020204" pitchFamily="34" charset="0"/>
-                <a:ea typeface="Söhne"/>
-              </a:rPr>
-              <a:t>matching</a:t>
-            </a:r>
-            <a:r>
-              <a:rPr kumimoji="0" lang="ko-KR" altLang="ko-KR" sz="2400" b="0" i="0" u="none" strike="noStrike" cap="none" normalizeH="0" baseline="0" dirty="0">
-                <a:ln>
-                  <a:noFill/>
-                </a:ln>
-                <a:solidFill>
-                  <a:schemeClr val="tx1"/>
-                </a:solidFill>
-                <a:effectLst/>
-                <a:highlight>
-                  <a:srgbClr val="FFFF00"/>
-                </a:highlight>
-                <a:latin typeface="Arial" panose="020B0604020202020204" pitchFamily="34" charset="0"/>
-                <a:ea typeface="Söhne"/>
-              </a:rPr>
-              <a:t>, </a:t>
-            </a:r>
-            <a:r>
-              <a:rPr kumimoji="0" lang="ko-KR" altLang="ko-KR" sz="2400" b="0" i="0" u="none" strike="noStrike" cap="none" normalizeH="0" baseline="0" dirty="0" err="1">
-                <a:ln>
-                  <a:noFill/>
-                </a:ln>
-                <a:solidFill>
-                  <a:schemeClr val="tx1"/>
-                </a:solidFill>
-                <a:effectLst/>
-                <a:highlight>
-                  <a:srgbClr val="FFFF00"/>
-                </a:highlight>
-                <a:latin typeface="Arial" panose="020B0604020202020204" pitchFamily="34" charset="0"/>
-                <a:ea typeface="Söhne"/>
-              </a:rPr>
-              <a:t>while</a:t>
-            </a:r>
-            <a:r>
-              <a:rPr kumimoji="0" lang="ko-KR" altLang="ko-KR" sz="2400" b="0" i="0" u="none" strike="noStrike" cap="none" normalizeH="0" baseline="0" dirty="0">
-                <a:ln>
-                  <a:noFill/>
-                </a:ln>
-                <a:solidFill>
-                  <a:schemeClr val="tx1"/>
-                </a:solidFill>
-                <a:effectLst/>
-                <a:highlight>
-                  <a:srgbClr val="FFFF00"/>
-                </a:highlight>
-                <a:latin typeface="Arial" panose="020B0604020202020204" pitchFamily="34" charset="0"/>
-                <a:ea typeface="Söhne"/>
-              </a:rPr>
-              <a:t> </a:t>
-            </a:r>
-            <a:r>
-              <a:rPr kumimoji="0" lang="ko-KR" altLang="ko-KR" sz="2400" b="0" i="0" u="none" strike="noStrike" cap="none" normalizeH="0" baseline="0" dirty="0" err="1">
-                <a:ln>
-                  <a:noFill/>
-                </a:ln>
-                <a:solidFill>
-                  <a:schemeClr val="tx1"/>
-                </a:solidFill>
-                <a:effectLst/>
-                <a:highlight>
-                  <a:srgbClr val="FFFF00"/>
-                </a:highlight>
-                <a:latin typeface="Arial" panose="020B0604020202020204" pitchFamily="34" charset="0"/>
-                <a:ea typeface="Söhne"/>
-              </a:rPr>
-              <a:t>semantic</a:t>
-            </a:r>
-            <a:r>
-              <a:rPr kumimoji="0" lang="ko-KR" altLang="ko-KR" sz="2400" b="0" i="0" u="none" strike="noStrike" cap="none" normalizeH="0" baseline="0" dirty="0">
-                <a:ln>
-                  <a:noFill/>
-                </a:ln>
-                <a:solidFill>
-                  <a:schemeClr val="tx1"/>
-                </a:solidFill>
-                <a:effectLst/>
-                <a:highlight>
-                  <a:srgbClr val="FFFF00"/>
-                </a:highlight>
-                <a:latin typeface="Arial" panose="020B0604020202020204" pitchFamily="34" charset="0"/>
-                <a:ea typeface="Söhne"/>
-              </a:rPr>
-              <a:t> </a:t>
-            </a:r>
-            <a:r>
-              <a:rPr kumimoji="0" lang="ko-KR" altLang="ko-KR" sz="2400" b="0" i="0" u="none" strike="noStrike" cap="none" normalizeH="0" baseline="0" dirty="0" err="1">
-                <a:ln>
-                  <a:noFill/>
-                </a:ln>
-                <a:solidFill>
-                  <a:schemeClr val="tx1"/>
-                </a:solidFill>
-                <a:effectLst/>
-                <a:highlight>
-                  <a:srgbClr val="FFFF00"/>
-                </a:highlight>
-                <a:latin typeface="Arial" panose="020B0604020202020204" pitchFamily="34" charset="0"/>
-                <a:ea typeface="Söhne"/>
-              </a:rPr>
-              <a:t>search</a:t>
-            </a:r>
-            <a:r>
-              <a:rPr kumimoji="0" lang="ko-KR" altLang="ko-KR" sz="2400" b="0" i="0" u="none" strike="noStrike" cap="none" normalizeH="0" baseline="0" dirty="0">
-                <a:ln>
-                  <a:noFill/>
-                </a:ln>
-                <a:solidFill>
-                  <a:schemeClr val="tx1"/>
-                </a:solidFill>
-                <a:effectLst/>
-                <a:highlight>
-                  <a:srgbClr val="FFFF00"/>
-                </a:highlight>
-                <a:latin typeface="Arial" panose="020B0604020202020204" pitchFamily="34" charset="0"/>
-                <a:ea typeface="Söhne"/>
-              </a:rPr>
-              <a:t> </a:t>
-            </a:r>
-            <a:r>
-              <a:rPr kumimoji="0" lang="ko-KR" altLang="ko-KR" sz="2400" b="0" i="0" u="none" strike="noStrike" cap="none" normalizeH="0" baseline="0" dirty="0" err="1">
-                <a:ln>
-                  <a:noFill/>
-                </a:ln>
-                <a:solidFill>
-                  <a:schemeClr val="tx1"/>
-                </a:solidFill>
-                <a:effectLst/>
-                <a:highlight>
-                  <a:srgbClr val="FFFF00"/>
-                </a:highlight>
-                <a:latin typeface="Arial" panose="020B0604020202020204" pitchFamily="34" charset="0"/>
-                <a:ea typeface="Söhne"/>
-              </a:rPr>
-              <a:t>engines</a:t>
-            </a:r>
-            <a:r>
-              <a:rPr kumimoji="0" lang="ko-KR" altLang="ko-KR" sz="2400" b="0" i="0" u="none" strike="noStrike" cap="none" normalizeH="0" baseline="0" dirty="0">
-                <a:ln>
-                  <a:noFill/>
-                </a:ln>
-                <a:solidFill>
-                  <a:schemeClr val="tx1"/>
-                </a:solidFill>
-                <a:effectLst/>
-                <a:highlight>
-                  <a:srgbClr val="FFFF00"/>
-                </a:highlight>
-                <a:latin typeface="Arial" panose="020B0604020202020204" pitchFamily="34" charset="0"/>
-                <a:ea typeface="Söhne"/>
-              </a:rPr>
-              <a:t> </a:t>
-            </a:r>
-            <a:r>
-              <a:rPr kumimoji="0" lang="ko-KR" altLang="ko-KR" sz="2400" b="0" i="0" u="none" strike="noStrike" cap="none" normalizeH="0" baseline="0" dirty="0" err="1">
-                <a:ln>
-                  <a:noFill/>
-                </a:ln>
-                <a:solidFill>
-                  <a:schemeClr val="tx1"/>
-                </a:solidFill>
-                <a:effectLst/>
-                <a:highlight>
-                  <a:srgbClr val="FFFF00"/>
-                </a:highlight>
-                <a:latin typeface="Arial" panose="020B0604020202020204" pitchFamily="34" charset="0"/>
-                <a:ea typeface="Söhne"/>
-              </a:rPr>
-              <a:t>aim</a:t>
-            </a:r>
-            <a:r>
-              <a:rPr kumimoji="0" lang="ko-KR" altLang="ko-KR" sz="2400" b="0" i="0" u="none" strike="noStrike" cap="none" normalizeH="0" baseline="0" dirty="0">
-                <a:ln>
-                  <a:noFill/>
-                </a:ln>
-                <a:solidFill>
-                  <a:schemeClr val="tx1"/>
-                </a:solidFill>
-                <a:effectLst/>
-                <a:highlight>
-                  <a:srgbClr val="FFFF00"/>
-                </a:highlight>
-                <a:latin typeface="Arial" panose="020B0604020202020204" pitchFamily="34" charset="0"/>
-                <a:ea typeface="Söhne"/>
-              </a:rPr>
-              <a:t> </a:t>
-            </a:r>
-            <a:r>
-              <a:rPr kumimoji="0" lang="ko-KR" altLang="ko-KR" sz="2400" b="0" i="0" u="none" strike="noStrike" cap="none" normalizeH="0" baseline="0" dirty="0" err="1">
-                <a:ln>
-                  <a:noFill/>
-                </a:ln>
-                <a:solidFill>
-                  <a:schemeClr val="tx1"/>
-                </a:solidFill>
-                <a:effectLst/>
-                <a:highlight>
-                  <a:srgbClr val="FFFF00"/>
-                </a:highlight>
-                <a:latin typeface="Arial" panose="020B0604020202020204" pitchFamily="34" charset="0"/>
-                <a:ea typeface="Söhne"/>
-              </a:rPr>
-              <a:t>to</a:t>
-            </a:r>
-            <a:r>
-              <a:rPr kumimoji="0" lang="ko-KR" altLang="ko-KR" sz="2400" b="0" i="0" u="none" strike="noStrike" cap="none" normalizeH="0" baseline="0" dirty="0">
-                <a:ln>
-                  <a:noFill/>
-                </a:ln>
-                <a:solidFill>
-                  <a:schemeClr val="tx1"/>
-                </a:solidFill>
-                <a:effectLst/>
-                <a:highlight>
-                  <a:srgbClr val="FFFF00"/>
-                </a:highlight>
-                <a:latin typeface="Arial" panose="020B0604020202020204" pitchFamily="34" charset="0"/>
-                <a:ea typeface="Söhne"/>
-              </a:rPr>
-              <a:t> </a:t>
-            </a:r>
-            <a:r>
-              <a:rPr kumimoji="0" lang="ko-KR" altLang="ko-KR" sz="2400" b="0" i="0" u="none" strike="noStrike" cap="none" normalizeH="0" baseline="0" dirty="0" err="1">
-                <a:ln>
-                  <a:noFill/>
-                </a:ln>
-                <a:solidFill>
-                  <a:schemeClr val="tx1"/>
-                </a:solidFill>
-                <a:effectLst/>
-                <a:highlight>
-                  <a:srgbClr val="FFFF00"/>
-                </a:highlight>
-                <a:latin typeface="Arial" panose="020B0604020202020204" pitchFamily="34" charset="0"/>
-                <a:ea typeface="Söhne"/>
-              </a:rPr>
-              <a:t>understand</a:t>
-            </a:r>
-            <a:r>
-              <a:rPr kumimoji="0" lang="ko-KR" altLang="ko-KR" sz="2400" b="0" i="0" u="none" strike="noStrike" cap="none" normalizeH="0" baseline="0" dirty="0">
-                <a:ln>
-                  <a:noFill/>
-                </a:ln>
-                <a:solidFill>
-                  <a:schemeClr val="tx1"/>
-                </a:solidFill>
-                <a:effectLst/>
-                <a:highlight>
-                  <a:srgbClr val="FFFF00"/>
-                </a:highlight>
-                <a:latin typeface="Arial" panose="020B0604020202020204" pitchFamily="34" charset="0"/>
-                <a:ea typeface="Söhne"/>
-              </a:rPr>
-              <a:t> </a:t>
-            </a:r>
-            <a:r>
-              <a:rPr kumimoji="0" lang="ko-KR" altLang="ko-KR" sz="2400" b="0" i="0" u="none" strike="noStrike" cap="none" normalizeH="0" baseline="0" dirty="0" err="1">
-                <a:ln>
-                  <a:noFill/>
-                </a:ln>
-                <a:solidFill>
-                  <a:schemeClr val="tx1"/>
-                </a:solidFill>
-                <a:effectLst/>
-                <a:highlight>
-                  <a:srgbClr val="FFFF00"/>
-                </a:highlight>
-                <a:latin typeface="Arial" panose="020B0604020202020204" pitchFamily="34" charset="0"/>
-                <a:ea typeface="Söhne"/>
-              </a:rPr>
-              <a:t>the</a:t>
-            </a:r>
-            <a:r>
-              <a:rPr kumimoji="0" lang="ko-KR" altLang="ko-KR" sz="2400" b="0" i="0" u="none" strike="noStrike" cap="none" normalizeH="0" baseline="0" dirty="0">
-                <a:ln>
-                  <a:noFill/>
-                </a:ln>
-                <a:solidFill>
-                  <a:schemeClr val="tx1"/>
-                </a:solidFill>
-                <a:effectLst/>
-                <a:highlight>
-                  <a:srgbClr val="FFFF00"/>
-                </a:highlight>
-                <a:latin typeface="Arial" panose="020B0604020202020204" pitchFamily="34" charset="0"/>
-                <a:ea typeface="Söhne"/>
-              </a:rPr>
-              <a:t> </a:t>
-            </a:r>
-            <a:r>
-              <a:rPr kumimoji="0" lang="ko-KR" altLang="ko-KR" sz="2400" b="0" i="0" u="none" strike="noStrike" cap="none" normalizeH="0" baseline="0" dirty="0" err="1">
-                <a:ln>
-                  <a:noFill/>
-                </a:ln>
-                <a:solidFill>
-                  <a:schemeClr val="tx1"/>
-                </a:solidFill>
-                <a:effectLst/>
-                <a:highlight>
-                  <a:srgbClr val="FFFF00"/>
-                </a:highlight>
-                <a:latin typeface="Arial" panose="020B0604020202020204" pitchFamily="34" charset="0"/>
-                <a:ea typeface="Söhne"/>
-              </a:rPr>
-              <a:t>meaning</a:t>
-            </a:r>
-            <a:r>
-              <a:rPr kumimoji="0" lang="ko-KR" altLang="ko-KR" sz="2400" b="0" i="0" u="none" strike="noStrike" cap="none" normalizeH="0" baseline="0" dirty="0">
-                <a:ln>
-                  <a:noFill/>
-                </a:ln>
-                <a:solidFill>
-                  <a:schemeClr val="tx1"/>
-                </a:solidFill>
-                <a:effectLst/>
-                <a:highlight>
-                  <a:srgbClr val="FFFF00"/>
-                </a:highlight>
-                <a:latin typeface="Arial" panose="020B0604020202020204" pitchFamily="34" charset="0"/>
-                <a:ea typeface="Söhne"/>
-              </a:rPr>
-              <a:t> and </a:t>
-            </a:r>
-            <a:r>
-              <a:rPr kumimoji="0" lang="ko-KR" altLang="ko-KR" sz="2400" b="0" i="0" u="none" strike="noStrike" cap="none" normalizeH="0" baseline="0" dirty="0" err="1">
-                <a:ln>
-                  <a:noFill/>
-                </a:ln>
-                <a:solidFill>
-                  <a:schemeClr val="tx1"/>
-                </a:solidFill>
-                <a:effectLst/>
-                <a:highlight>
-                  <a:srgbClr val="FFFF00"/>
-                </a:highlight>
-                <a:latin typeface="Arial" panose="020B0604020202020204" pitchFamily="34" charset="0"/>
-                <a:ea typeface="Söhne"/>
-              </a:rPr>
-              <a:t>intent</a:t>
-            </a:r>
-            <a:r>
-              <a:rPr kumimoji="0" lang="ko-KR" altLang="ko-KR" sz="2400" b="0" i="0" u="none" strike="noStrike" cap="none" normalizeH="0" baseline="0" dirty="0">
-                <a:ln>
-                  <a:noFill/>
-                </a:ln>
-                <a:solidFill>
-                  <a:schemeClr val="tx1"/>
-                </a:solidFill>
-                <a:effectLst/>
-                <a:highlight>
-                  <a:srgbClr val="FFFF00"/>
-                </a:highlight>
-                <a:latin typeface="Arial" panose="020B0604020202020204" pitchFamily="34" charset="0"/>
-                <a:ea typeface="Söhne"/>
-              </a:rPr>
-              <a:t> </a:t>
-            </a:r>
-            <a:r>
-              <a:rPr kumimoji="0" lang="ko-KR" altLang="ko-KR" sz="2400" b="0" i="0" u="none" strike="noStrike" cap="none" normalizeH="0" baseline="0" dirty="0" err="1">
-                <a:ln>
-                  <a:noFill/>
-                </a:ln>
-                <a:solidFill>
-                  <a:schemeClr val="tx1"/>
-                </a:solidFill>
-                <a:effectLst/>
-                <a:highlight>
-                  <a:srgbClr val="FFFF00"/>
-                </a:highlight>
-                <a:latin typeface="Arial" panose="020B0604020202020204" pitchFamily="34" charset="0"/>
-                <a:ea typeface="Söhne"/>
-              </a:rPr>
-              <a:t>behind</a:t>
-            </a:r>
-            <a:r>
-              <a:rPr kumimoji="0" lang="ko-KR" altLang="ko-KR" sz="2400" b="0" i="0" u="none" strike="noStrike" cap="none" normalizeH="0" baseline="0" dirty="0">
-                <a:ln>
-                  <a:noFill/>
-                </a:ln>
-                <a:solidFill>
-                  <a:schemeClr val="tx1"/>
-                </a:solidFill>
-                <a:effectLst/>
-                <a:highlight>
-                  <a:srgbClr val="FFFF00"/>
-                </a:highlight>
-                <a:latin typeface="Arial" panose="020B0604020202020204" pitchFamily="34" charset="0"/>
-                <a:ea typeface="Söhne"/>
-              </a:rPr>
-              <a:t> </a:t>
-            </a:r>
-            <a:r>
-              <a:rPr kumimoji="0" lang="ko-KR" altLang="ko-KR" sz="2400" b="0" i="0" u="none" strike="noStrike" cap="none" normalizeH="0" baseline="0" dirty="0" err="1">
-                <a:ln>
-                  <a:noFill/>
-                </a:ln>
-                <a:solidFill>
-                  <a:schemeClr val="tx1"/>
-                </a:solidFill>
-                <a:effectLst/>
-                <a:highlight>
-                  <a:srgbClr val="FFFF00"/>
-                </a:highlight>
-                <a:latin typeface="Arial" panose="020B0604020202020204" pitchFamily="34" charset="0"/>
-                <a:ea typeface="Söhne"/>
-              </a:rPr>
-              <a:t>search</a:t>
-            </a:r>
-            <a:r>
-              <a:rPr kumimoji="0" lang="ko-KR" altLang="ko-KR" sz="2400" b="0" i="0" u="none" strike="noStrike" cap="none" normalizeH="0" baseline="0" dirty="0">
-                <a:ln>
-                  <a:noFill/>
-                </a:ln>
-                <a:solidFill>
-                  <a:schemeClr val="tx1"/>
-                </a:solidFill>
-                <a:effectLst/>
-                <a:highlight>
-                  <a:srgbClr val="FFFF00"/>
-                </a:highlight>
-                <a:latin typeface="Arial" panose="020B0604020202020204" pitchFamily="34" charset="0"/>
-                <a:ea typeface="Söhne"/>
-              </a:rPr>
-              <a:t> </a:t>
-            </a:r>
-            <a:r>
-              <a:rPr kumimoji="0" lang="ko-KR" altLang="ko-KR" sz="2400" b="0" i="0" u="none" strike="noStrike" cap="none" normalizeH="0" baseline="0" dirty="0" err="1">
-                <a:ln>
-                  <a:noFill/>
-                </a:ln>
-                <a:solidFill>
-                  <a:schemeClr val="tx1"/>
-                </a:solidFill>
-                <a:effectLst/>
-                <a:highlight>
-                  <a:srgbClr val="FFFF00"/>
-                </a:highlight>
-                <a:latin typeface="Arial" panose="020B0604020202020204" pitchFamily="34" charset="0"/>
-                <a:ea typeface="Söhne"/>
-              </a:rPr>
-              <a:t>queries</a:t>
-            </a:r>
-            <a:r>
-              <a:rPr kumimoji="0" lang="ko-KR" altLang="ko-KR" sz="2400" b="0" i="0" u="none" strike="noStrike" cap="none" normalizeH="0" baseline="0" dirty="0">
-                <a:ln>
-                  <a:noFill/>
-                </a:ln>
-                <a:solidFill>
-                  <a:schemeClr val="tx1"/>
-                </a:solidFill>
-                <a:effectLst/>
-                <a:highlight>
-                  <a:srgbClr val="FFFF00"/>
-                </a:highlight>
-                <a:latin typeface="Arial" panose="020B0604020202020204" pitchFamily="34" charset="0"/>
-                <a:ea typeface="Söhne"/>
-              </a:rPr>
-              <a:t>, </a:t>
-            </a:r>
-            <a:r>
-              <a:rPr kumimoji="0" lang="ko-KR" altLang="ko-KR" sz="2400" b="0" i="0" u="none" strike="noStrike" cap="none" normalizeH="0" baseline="0" dirty="0" err="1">
-                <a:ln>
-                  <a:noFill/>
-                </a:ln>
-                <a:solidFill>
-                  <a:schemeClr val="tx1"/>
-                </a:solidFill>
-                <a:effectLst/>
-                <a:highlight>
-                  <a:srgbClr val="FFFF00"/>
-                </a:highlight>
-                <a:latin typeface="Arial" panose="020B0604020202020204" pitchFamily="34" charset="0"/>
-                <a:ea typeface="Söhne"/>
-              </a:rPr>
-              <a:t>providing</a:t>
-            </a:r>
-            <a:r>
-              <a:rPr kumimoji="0" lang="ko-KR" altLang="ko-KR" sz="2400" b="0" i="0" u="none" strike="noStrike" cap="none" normalizeH="0" baseline="0" dirty="0">
-                <a:ln>
-                  <a:noFill/>
-                </a:ln>
-                <a:solidFill>
-                  <a:schemeClr val="tx1"/>
-                </a:solidFill>
-                <a:effectLst/>
-                <a:highlight>
-                  <a:srgbClr val="FFFF00"/>
-                </a:highlight>
-                <a:latin typeface="Arial" panose="020B0604020202020204" pitchFamily="34" charset="0"/>
-                <a:ea typeface="Söhne"/>
-              </a:rPr>
-              <a:t> </a:t>
-            </a:r>
-            <a:r>
-              <a:rPr kumimoji="0" lang="ko-KR" altLang="ko-KR" sz="2400" b="0" i="0" u="none" strike="noStrike" cap="none" normalizeH="0" baseline="0" dirty="0" err="1">
-                <a:ln>
-                  <a:noFill/>
-                </a:ln>
-                <a:solidFill>
-                  <a:schemeClr val="tx1"/>
-                </a:solidFill>
-                <a:effectLst/>
-                <a:highlight>
-                  <a:srgbClr val="FFFF00"/>
-                </a:highlight>
-                <a:latin typeface="Arial" panose="020B0604020202020204" pitchFamily="34" charset="0"/>
-                <a:ea typeface="Söhne"/>
-              </a:rPr>
-              <a:t>more</a:t>
-            </a:r>
-            <a:r>
-              <a:rPr kumimoji="0" lang="ko-KR" altLang="ko-KR" sz="2400" b="0" i="0" u="none" strike="noStrike" cap="none" normalizeH="0" baseline="0" dirty="0">
-                <a:ln>
-                  <a:noFill/>
-                </a:ln>
-                <a:solidFill>
-                  <a:schemeClr val="tx1"/>
-                </a:solidFill>
-                <a:effectLst/>
-                <a:highlight>
-                  <a:srgbClr val="FFFF00"/>
-                </a:highlight>
-                <a:latin typeface="Arial" panose="020B0604020202020204" pitchFamily="34" charset="0"/>
-                <a:ea typeface="Söhne"/>
-              </a:rPr>
-              <a:t> </a:t>
-            </a:r>
-            <a:r>
-              <a:rPr kumimoji="0" lang="ko-KR" altLang="ko-KR" sz="2400" b="0" i="0" u="none" strike="noStrike" cap="none" normalizeH="0" baseline="0" dirty="0" err="1">
-                <a:ln>
-                  <a:noFill/>
-                </a:ln>
-                <a:solidFill>
-                  <a:schemeClr val="tx1"/>
-                </a:solidFill>
-                <a:effectLst/>
-                <a:highlight>
-                  <a:srgbClr val="FFFF00"/>
-                </a:highlight>
-                <a:latin typeface="Arial" panose="020B0604020202020204" pitchFamily="34" charset="0"/>
-                <a:ea typeface="Söhne"/>
-              </a:rPr>
-              <a:t>contextually</a:t>
-            </a:r>
-            <a:r>
-              <a:rPr kumimoji="0" lang="ko-KR" altLang="ko-KR" sz="2400" b="0" i="0" u="none" strike="noStrike" cap="none" normalizeH="0" baseline="0" dirty="0">
-                <a:ln>
-                  <a:noFill/>
-                </a:ln>
-                <a:solidFill>
-                  <a:schemeClr val="tx1"/>
-                </a:solidFill>
-                <a:effectLst/>
-                <a:highlight>
-                  <a:srgbClr val="FFFF00"/>
-                </a:highlight>
-                <a:latin typeface="Arial" panose="020B0604020202020204" pitchFamily="34" charset="0"/>
-                <a:ea typeface="Söhne"/>
-              </a:rPr>
-              <a:t> </a:t>
-            </a:r>
-            <a:r>
-              <a:rPr kumimoji="0" lang="ko-KR" altLang="ko-KR" sz="2400" b="0" i="0" u="none" strike="noStrike" cap="none" normalizeH="0" baseline="0" dirty="0" err="1">
-                <a:ln>
-                  <a:noFill/>
-                </a:ln>
-                <a:solidFill>
-                  <a:schemeClr val="tx1"/>
-                </a:solidFill>
-                <a:effectLst/>
-                <a:highlight>
-                  <a:srgbClr val="FFFF00"/>
-                </a:highlight>
-                <a:latin typeface="Arial" panose="020B0604020202020204" pitchFamily="34" charset="0"/>
-                <a:ea typeface="Söhne"/>
-              </a:rPr>
-              <a:t>relevant</a:t>
-            </a:r>
-            <a:r>
-              <a:rPr kumimoji="0" lang="ko-KR" altLang="ko-KR" sz="2400" b="0" i="0" u="none" strike="noStrike" cap="none" normalizeH="0" baseline="0" dirty="0">
-                <a:ln>
-                  <a:noFill/>
-                </a:ln>
-                <a:solidFill>
-                  <a:schemeClr val="tx1"/>
-                </a:solidFill>
-                <a:effectLst/>
-                <a:highlight>
-                  <a:srgbClr val="FFFF00"/>
-                </a:highlight>
-                <a:latin typeface="Arial" panose="020B0604020202020204" pitchFamily="34" charset="0"/>
-                <a:ea typeface="Söhne"/>
-              </a:rPr>
-              <a:t> </a:t>
-            </a:r>
-            <a:r>
-              <a:rPr kumimoji="0" lang="ko-KR" altLang="ko-KR" sz="2400" b="0" i="0" u="none" strike="noStrike" cap="none" normalizeH="0" baseline="0" dirty="0" err="1">
-                <a:ln>
-                  <a:noFill/>
-                </a:ln>
-                <a:solidFill>
-                  <a:schemeClr val="tx1"/>
-                </a:solidFill>
-                <a:effectLst/>
-                <a:highlight>
-                  <a:srgbClr val="FFFF00"/>
-                </a:highlight>
-                <a:latin typeface="Arial" panose="020B0604020202020204" pitchFamily="34" charset="0"/>
-                <a:ea typeface="Söhne"/>
-              </a:rPr>
-              <a:t>results</a:t>
-            </a:r>
-            <a:r>
-              <a:rPr kumimoji="0" lang="ko-KR" altLang="ko-KR" sz="2400" b="0" i="0" u="none" strike="noStrike" cap="none" normalizeH="0" baseline="0" dirty="0">
-                <a:ln>
-                  <a:noFill/>
-                </a:ln>
-                <a:solidFill>
-                  <a:schemeClr val="tx1"/>
-                </a:solidFill>
-                <a:effectLst/>
-                <a:highlight>
-                  <a:srgbClr val="FFFF00"/>
-                </a:highlight>
-                <a:latin typeface="Arial" panose="020B0604020202020204" pitchFamily="34" charset="0"/>
-                <a:ea typeface="Söhne"/>
-              </a:rPr>
-              <a:t>.</a:t>
-            </a:r>
-          </a:p>
-          <a:p>
-            <a:pPr marL="0" marR="0" lvl="0" indent="0" algn="l" defTabSz="914400" rtl="0" eaLnBrk="0" fontAlgn="base" latinLnBrk="0" hangingPunct="0">
-              <a:lnSpc>
-                <a:spcPct val="100000"/>
-              </a:lnSpc>
-              <a:spcBef>
-                <a:spcPct val="0"/>
-              </a:spcBef>
-              <a:spcAft>
-                <a:spcPct val="0"/>
-              </a:spcAft>
-              <a:buClrTx/>
-              <a:buSzTx/>
-              <a:buFontTx/>
-              <a:buNone/>
-              <a:tabLst/>
-            </a:pPr>
-            <a:br>
-              <a:rPr kumimoji="0" lang="ko-KR" altLang="ko-KR" sz="2400" b="0" i="0" u="none" strike="noStrike" cap="none" normalizeH="0" baseline="0" dirty="0">
-                <a:ln>
-                  <a:noFill/>
-                </a:ln>
-                <a:solidFill>
-                  <a:schemeClr val="tx1"/>
-                </a:solidFill>
-                <a:effectLst/>
-                <a:latin typeface="Arial" panose="020B0604020202020204" pitchFamily="34" charset="0"/>
-                <a:ea typeface="Söhne"/>
-              </a:rPr>
-            </a:br>
-            <a:endParaRPr kumimoji="0" lang="ko-KR" altLang="ko-KR" sz="2400" b="0" i="0" u="none" strike="noStrike" cap="none" normalizeH="0" baseline="0" dirty="0">
-              <a:ln>
-                <a:noFill/>
-              </a:ln>
-              <a:solidFill>
-                <a:schemeClr val="tx1"/>
-              </a:solidFill>
-              <a:effectLst/>
-              <a:latin typeface="Arial" panose="020B0604020202020204" pitchFamily="34" charset="0"/>
-            </a:endParaRPr>
           </a:p>
         </p:txBody>
       </p:sp>
     </p:spTree>
     <p:extLst>
       <p:ext uri="{BB962C8B-B14F-4D97-AF65-F5344CB8AC3E}">
-        <p14:creationId xmlns:p14="http://schemas.microsoft.com/office/powerpoint/2010/main" val="3584030007"/>
+        <p14:creationId xmlns:p14="http://schemas.microsoft.com/office/powerpoint/2010/main" val="3553564487"/>
       </p:ext>
     </p:extLst>
   </p:cSld>
@@ -4967,7 +7075,7 @@
           <p:cNvPr id="2" name="제목 1">
             <a:extLst>
               <a:ext uri="{FF2B5EF4-FFF2-40B4-BE49-F238E27FC236}">
-                <a16:creationId xmlns:a16="http://schemas.microsoft.com/office/drawing/2014/main" id="{91ED3563-2FE7-48C7-8E5D-61C998CECBF3}"/>
+                <a16:creationId xmlns:a16="http://schemas.microsoft.com/office/drawing/2014/main" id="{12583335-4B5A-428E-90FC-174D2BEED0B5}"/>
               </a:ext>
             </a:extLst>
           </p:cNvPr>
@@ -4980,147 +7088,137 @@
         </p:nvSpPr>
         <p:spPr/>
         <p:txBody>
-          <a:bodyPr/>
-          <a:lstStyle/>
-          <a:p>
+          <a:bodyPr>
+            <a:normAutofit fontScale="90000"/>
+          </a:bodyPr>
+          <a:lstStyle/>
+          <a:p>
+            <a:pPr algn="ctr"/>
             <a:r>
               <a:rPr lang="en-US" altLang="ko-KR" dirty="0"/>
-              <a:t>Limitations of </a:t>
-            </a:r>
-            <a:r>
-              <a:rPr lang="en-US" altLang="ko-KR" dirty="0" err="1"/>
-              <a:t>ChatGPT</a:t>
+              <a:t>Leonhard Euler</a:t>
             </a:r>
             <a:br>
-              <a:rPr lang="en-US" altLang="ko-KR"/>
+              <a:rPr lang="en-US" altLang="ko-KR" dirty="0"/>
             </a:br>
-            <a:endParaRPr lang="ko-KR" altLang="en-US"/>
-          </a:p>
-        </p:txBody>
-      </p:sp>
-      <p:sp>
-        <p:nvSpPr>
-          <p:cNvPr id="3" name="내용 개체 틀 2">
-            <a:extLst>
-              <a:ext uri="{FF2B5EF4-FFF2-40B4-BE49-F238E27FC236}">
-                <a16:creationId xmlns:a16="http://schemas.microsoft.com/office/drawing/2014/main" id="{79371D52-116E-467B-B422-091987890594}"/>
-              </a:ext>
-            </a:extLst>
-          </p:cNvPr>
-          <p:cNvSpPr>
-            <a:spLocks noGrp="1"/>
-          </p:cNvSpPr>
+            <a:r>
+              <a:rPr lang="en-US" altLang="ko-KR" sz="3200" i="1" dirty="0"/>
+              <a:t> </a:t>
+            </a:r>
+            <a:r>
+              <a:rPr lang="en-US" altLang="ko-KR" sz="3200" i="1" dirty="0" err="1"/>
+              <a:t>Introductio</a:t>
+            </a:r>
+            <a:r>
+              <a:rPr lang="en-US" altLang="ko-KR" sz="3200" i="1" dirty="0"/>
+              <a:t> in </a:t>
+            </a:r>
+            <a:r>
+              <a:rPr lang="en-US" altLang="ko-KR" sz="3200" i="1" dirty="0" err="1"/>
+              <a:t>Analysin</a:t>
+            </a:r>
+            <a:r>
+              <a:rPr lang="en-US" altLang="ko-KR" sz="3200" i="1" dirty="0"/>
+              <a:t> </a:t>
+            </a:r>
+            <a:r>
+              <a:rPr lang="en-US" altLang="ko-KR" sz="3200" i="1" dirty="0" err="1"/>
+              <a:t>Infinitorum</a:t>
+            </a:r>
+            <a:r>
+              <a:rPr lang="en-US" altLang="ko-KR" sz="3200" i="1" dirty="0"/>
+              <a:t>. 1748</a:t>
+            </a:r>
+            <a:br>
+              <a:rPr lang="en-US" altLang="ko-KR" sz="3200" dirty="0"/>
+            </a:br>
+            <a:endParaRPr lang="ko-KR" altLang="en-US" sz="3200" dirty="0"/>
+          </a:p>
+        </p:txBody>
+      </p:sp>
+      <p:pic>
+        <p:nvPicPr>
+          <p:cNvPr id="4" name="내용 개체 틀 3">
+            <a:extLst>
+              <a:ext uri="{FF2B5EF4-FFF2-40B4-BE49-F238E27FC236}">
+                <a16:creationId xmlns:a16="http://schemas.microsoft.com/office/drawing/2014/main" id="{870CCDD9-40F3-4B0B-8ECC-6D048EB9FCB8}"/>
+              </a:ext>
+            </a:extLst>
+          </p:cNvPr>
+          <p:cNvPicPr>
+            <a:picLocks noGrp="1" noChangeAspect="1"/>
+          </p:cNvPicPr>
           <p:nvPr>
             <p:ph idx="1"/>
           </p:nvPr>
-        </p:nvSpPr>
-        <p:spPr/>
-        <p:txBody>
-          <a:bodyPr>
-            <a:normAutofit fontScale="47500" lnSpcReduction="20000"/>
-          </a:bodyPr>
-          <a:lstStyle/>
-          <a:p>
-            <a:r>
-              <a:rPr lang="en-US" altLang="ko-KR" dirty="0"/>
-              <a:t>Lack of context awareness</a:t>
-            </a:r>
-          </a:p>
-          <a:p>
-            <a:r>
-              <a:rPr lang="en-US" altLang="ko-KR" dirty="0"/>
-              <a:t>One limitation of </a:t>
-            </a:r>
-            <a:r>
-              <a:rPr lang="en-US" altLang="ko-KR" dirty="0" err="1"/>
-              <a:t>ChatGPT</a:t>
-            </a:r>
-            <a:r>
-              <a:rPr lang="en-US" altLang="ko-KR" dirty="0"/>
-              <a:t> is that it is not always able to fully understand the context of a given text.</a:t>
-            </a:r>
-          </a:p>
-          <a:p>
-            <a:r>
-              <a:rPr lang="en-US" altLang="ko-KR" dirty="0"/>
-              <a:t>This can lead to the generation of text that is not appropriate or does not make sense in the given context.</a:t>
-            </a:r>
-          </a:p>
-          <a:p>
-            <a:r>
-              <a:rPr lang="en-US" altLang="ko-KR" dirty="0"/>
-              <a:t>This is particularly a limitation when the model is used in a conversational setting, where understanding the context of a conversation is crucial.</a:t>
-            </a:r>
-          </a:p>
-          <a:p>
-            <a:r>
-              <a:rPr lang="en-US" altLang="ko-KR" dirty="0"/>
-              <a:t>Limited ability to handle tasks that require common sense knowledge</a:t>
-            </a:r>
-          </a:p>
-          <a:p>
-            <a:r>
-              <a:rPr lang="en-US" altLang="ko-KR" dirty="0" err="1"/>
-              <a:t>ChatGPT</a:t>
-            </a:r>
-            <a:r>
-              <a:rPr lang="en-US" altLang="ko-KR" dirty="0"/>
-              <a:t> has been trained on a large dataset of text data, but it does not have access to common sense knowledge that humans possess.</a:t>
-            </a:r>
-          </a:p>
-          <a:p>
-            <a:r>
-              <a:rPr lang="en-US" altLang="ko-KR" dirty="0"/>
-              <a:t>This can limit its ability to perform certain tasks that require knowledge of the world, such as understanding idioms or sarcasm.</a:t>
-            </a:r>
-          </a:p>
-          <a:p>
-            <a:r>
-              <a:rPr lang="en-US" altLang="ko-KR" dirty="0"/>
-              <a:t>This limitation can be overcome by fine-tuning the model with task-specific data, but it still may not perform as well as a human in certain tasks.</a:t>
-            </a:r>
-          </a:p>
-          <a:p>
-            <a:r>
-              <a:rPr lang="en-US" altLang="ko-KR" dirty="0"/>
-              <a:t>Potential ethical concerns surrounding the use of AI-generated text</a:t>
-            </a:r>
-          </a:p>
-          <a:p>
-            <a:r>
-              <a:rPr lang="en-US" altLang="ko-KR" dirty="0"/>
-              <a:t>The use of AI-generated text raises ethical concerns such as potential manipulation of public opinion or spreading misinformation.</a:t>
-            </a:r>
-          </a:p>
-          <a:p>
-            <a:r>
-              <a:rPr lang="en-US" altLang="ko-KR" dirty="0"/>
-              <a:t>As the generated text can be difficult to distinguish from text written by a human, it may be used for malicious purposes such as impersonation or propaganda.</a:t>
-            </a:r>
-          </a:p>
-          <a:p>
-            <a:r>
-              <a:rPr lang="en-US" altLang="ko-KR" dirty="0"/>
-              <a:t>It is important to consider these ethical concerns when developing and deploying </a:t>
-            </a:r>
-            <a:r>
-              <a:rPr lang="en-US" altLang="ko-KR" dirty="0" err="1"/>
-              <a:t>ChatGPT</a:t>
-            </a:r>
-            <a:r>
-              <a:rPr lang="en-US" altLang="ko-KR" dirty="0"/>
-              <a:t> models, and to have proper measures in place to detect and prevent any potential misuse of the technology.</a:t>
-            </a:r>
-          </a:p>
-          <a:p>
-            <a:endParaRPr lang="ko-KR" altLang="en-US" dirty="0"/>
-          </a:p>
-        </p:txBody>
-      </p:sp>
+        </p:nvPicPr>
+        <p:blipFill>
+          <a:blip r:embed="rId2"/>
+          <a:stretch>
+            <a:fillRect/>
+          </a:stretch>
+        </p:blipFill>
+        <p:spPr>
+          <a:xfrm>
+            <a:off x="78144" y="2142461"/>
+            <a:ext cx="6362700" cy="3400425"/>
+          </a:xfrm>
+          <a:prstGeom prst="rect">
+            <a:avLst/>
+          </a:prstGeom>
+        </p:spPr>
+      </p:pic>
+      <p:pic>
+        <p:nvPicPr>
+          <p:cNvPr id="6148" name="Picture 4">
+            <a:extLst>
+              <a:ext uri="{FF2B5EF4-FFF2-40B4-BE49-F238E27FC236}">
+                <a16:creationId xmlns:a16="http://schemas.microsoft.com/office/drawing/2014/main" id="{AD20EB6F-87D4-4AE8-B628-8157E99C3D94}"/>
+              </a:ext>
+            </a:extLst>
+          </p:cNvPr>
+          <p:cNvPicPr>
+            <a:picLocks noChangeAspect="1" noChangeArrowheads="1"/>
+          </p:cNvPicPr>
+          <p:nvPr/>
+        </p:nvPicPr>
+        <p:blipFill>
+          <a:blip r:embed="rId3">
+            <a:extLst>
+              <a:ext uri="{28A0092B-C50C-407E-A947-70E740481C1C}">
+                <a14:useLocalDpi xmlns:a14="http://schemas.microsoft.com/office/drawing/2010/main" val="0"/>
+              </a:ext>
+            </a:extLst>
+          </a:blip>
+          <a:srcRect/>
+          <a:stretch>
+            <a:fillRect/>
+          </a:stretch>
+        </p:blipFill>
+        <p:spPr bwMode="auto">
+          <a:xfrm>
+            <a:off x="7651101" y="1690688"/>
+            <a:ext cx="3537857" cy="4574815"/>
+          </a:xfrm>
+          <a:prstGeom prst="rect">
+            <a:avLst/>
+          </a:prstGeom>
+          <a:noFill/>
+          <a:extLst>
+            <a:ext uri="{909E8E84-426E-40DD-AFC4-6F175D3DCCD1}">
+              <a14:hiddenFill xmlns:a14="http://schemas.microsoft.com/office/drawing/2010/main">
+                <a:solidFill>
+                  <a:srgbClr val="FFFFFF"/>
+                </a:solidFill>
+              </a14:hiddenFill>
+            </a:ext>
+          </a:extLst>
+        </p:spPr>
+      </p:pic>
     </p:spTree>
     <p:extLst>
       <p:ext uri="{BB962C8B-B14F-4D97-AF65-F5344CB8AC3E}">
-        <p14:creationId xmlns:p14="http://schemas.microsoft.com/office/powerpoint/2010/main" val="3553564487"/>
+        <p14:creationId xmlns:p14="http://schemas.microsoft.com/office/powerpoint/2010/main" val="1524171881"/>
       </p:ext>
     </p:extLst>
   </p:cSld>
@@ -5286,7 +7384,7 @@
         </p:blipFill>
         <p:spPr bwMode="auto">
           <a:xfrm>
-            <a:off x="2709334" y="280870"/>
+            <a:off x="1394267" y="883949"/>
             <a:ext cx="9403465" cy="5090101"/>
           </a:xfrm>
           <a:prstGeom prst="rect">
@@ -5304,181 +7402,6 @@
           </a:extLst>
         </p:spPr>
       </p:pic>
-      <p:sp>
-        <p:nvSpPr>
-          <p:cNvPr id="8" name="직사각형 7">
-            <a:extLst>
-              <a:ext uri="{FF2B5EF4-FFF2-40B4-BE49-F238E27FC236}">
-                <a16:creationId xmlns:a16="http://schemas.microsoft.com/office/drawing/2014/main" id="{016EB391-A99F-4FE3-9613-6EEE1744C5B5}"/>
-              </a:ext>
-            </a:extLst>
-          </p:cNvPr>
-          <p:cNvSpPr/>
-          <p:nvPr/>
-        </p:nvSpPr>
-        <p:spPr>
-          <a:xfrm>
-            <a:off x="179671" y="4481738"/>
-            <a:ext cx="3167535" cy="461665"/>
-          </a:xfrm>
-          <a:prstGeom prst="rect">
-            <a:avLst/>
-          </a:prstGeom>
-        </p:spPr>
-        <p:txBody>
-          <a:bodyPr wrap="square">
-            <a:spAutoFit/>
-          </a:bodyPr>
-          <a:lstStyle/>
-          <a:p>
-            <a:r>
-              <a:rPr lang="en-US" altLang="ko-KR" sz="2400" dirty="0">
-                <a:solidFill>
-                  <a:srgbClr val="DADDE2"/>
-                </a:solidFill>
-                <a:highlight>
-                  <a:srgbClr val="0000FF"/>
-                </a:highlight>
-                <a:ea typeface="Söhne"/>
-              </a:rPr>
-              <a:t>U</a:t>
-            </a:r>
-            <a:r>
-              <a:rPr lang="ko-KR" altLang="ko-KR" sz="2400" dirty="0" err="1">
-                <a:solidFill>
-                  <a:srgbClr val="DADDE2"/>
-                </a:solidFill>
-                <a:highlight>
-                  <a:srgbClr val="0000FF"/>
-                </a:highlight>
-                <a:ea typeface="Söhne"/>
-              </a:rPr>
-              <a:t>nconscious</a:t>
-            </a:r>
-            <a:r>
-              <a:rPr lang="en-US" altLang="ko-KR" sz="2400" dirty="0">
-                <a:solidFill>
-                  <a:srgbClr val="DADDE2"/>
-                </a:solidFill>
-                <a:highlight>
-                  <a:srgbClr val="0000FF"/>
-                </a:highlight>
-                <a:ea typeface="Söhne"/>
-              </a:rPr>
-              <a:t>ness</a:t>
-            </a:r>
-            <a:endParaRPr lang="ko-KR" altLang="en-US" sz="2400" dirty="0">
-              <a:highlight>
-                <a:srgbClr val="0000FF"/>
-              </a:highlight>
-            </a:endParaRPr>
-          </a:p>
-        </p:txBody>
-      </p:sp>
-      <p:sp>
-        <p:nvSpPr>
-          <p:cNvPr id="9" name="직사각형 8">
-            <a:extLst>
-              <a:ext uri="{FF2B5EF4-FFF2-40B4-BE49-F238E27FC236}">
-                <a16:creationId xmlns:a16="http://schemas.microsoft.com/office/drawing/2014/main" id="{24BE651B-2593-4724-9981-5237495E4FB8}"/>
-              </a:ext>
-            </a:extLst>
-          </p:cNvPr>
-          <p:cNvSpPr/>
-          <p:nvPr/>
-        </p:nvSpPr>
-        <p:spPr>
-          <a:xfrm>
-            <a:off x="179671" y="5031239"/>
-            <a:ext cx="4958970" cy="461665"/>
-          </a:xfrm>
-          <a:prstGeom prst="rect">
-            <a:avLst/>
-          </a:prstGeom>
-        </p:spPr>
-        <p:txBody>
-          <a:bodyPr wrap="square">
-            <a:spAutoFit/>
-          </a:bodyPr>
-          <a:lstStyle/>
-          <a:p>
-            <a:r>
-              <a:rPr lang="en-US" altLang="ko-KR" sz="2400" dirty="0">
-                <a:solidFill>
-                  <a:schemeClr val="bg1"/>
-                </a:solidFill>
-                <a:highlight>
-                  <a:srgbClr val="0000FF"/>
-                </a:highlight>
-                <a:latin typeface="Malgun Gothic Semilight" panose="020B0502040204020203" pitchFamily="50" charset="-127"/>
-                <a:ea typeface="Malgun Gothic Semilight" panose="020B0502040204020203" pitchFamily="50" charset="-127"/>
-                <a:cs typeface="Malgun Gothic Semilight" panose="020B0502040204020203" pitchFamily="50" charset="-127"/>
-              </a:rPr>
-              <a:t>Human forgetting</a:t>
-            </a:r>
-            <a:endParaRPr lang="ko-KR" altLang="en-US" sz="2400" dirty="0">
-              <a:solidFill>
-                <a:schemeClr val="bg1"/>
-              </a:solidFill>
-              <a:highlight>
-                <a:srgbClr val="0000FF"/>
-              </a:highlight>
-              <a:latin typeface="Malgun Gothic Semilight" panose="020B0502040204020203" pitchFamily="50" charset="-127"/>
-              <a:ea typeface="Malgun Gothic Semilight" panose="020B0502040204020203" pitchFamily="50" charset="-127"/>
-              <a:cs typeface="Malgun Gothic Semilight" panose="020B0502040204020203" pitchFamily="50" charset="-127"/>
-            </a:endParaRPr>
-          </a:p>
-        </p:txBody>
-      </p:sp>
-      <p:sp>
-        <p:nvSpPr>
-          <p:cNvPr id="11" name="직사각형 10">
-            <a:extLst>
-              <a:ext uri="{FF2B5EF4-FFF2-40B4-BE49-F238E27FC236}">
-                <a16:creationId xmlns:a16="http://schemas.microsoft.com/office/drawing/2014/main" id="{4480D699-9CC8-43BC-BEEE-6651483262A2}"/>
-              </a:ext>
-            </a:extLst>
-          </p:cNvPr>
-          <p:cNvSpPr/>
-          <p:nvPr/>
-        </p:nvSpPr>
-        <p:spPr>
-          <a:xfrm>
-            <a:off x="179671" y="5614838"/>
-            <a:ext cx="4958970" cy="461665"/>
-          </a:xfrm>
-          <a:prstGeom prst="rect">
-            <a:avLst/>
-          </a:prstGeom>
-        </p:spPr>
-        <p:txBody>
-          <a:bodyPr wrap="square">
-            <a:spAutoFit/>
-          </a:bodyPr>
-          <a:lstStyle/>
-          <a:p>
-            <a:r>
-              <a:rPr lang="en-US" altLang="ko-KR" sz="2400" dirty="0">
-                <a:solidFill>
-                  <a:schemeClr val="bg1"/>
-                </a:solidFill>
-                <a:highlight>
-                  <a:srgbClr val="0000FF"/>
-                </a:highlight>
-              </a:rPr>
-              <a:t>Nonverbal communication</a:t>
-            </a:r>
-            <a:endParaRPr lang="ko-KR" altLang="en-US" sz="2400" dirty="0">
-              <a:solidFill>
-                <a:schemeClr val="bg1"/>
-              </a:solidFill>
-              <a:highlight>
-                <a:srgbClr val="0000FF"/>
-              </a:highlight>
-            </a:endParaRPr>
-          </a:p>
-        </p:txBody>
-      </p:sp>
     </p:spTree>
     <p:extLst>
       <p:ext uri="{BB962C8B-B14F-4D97-AF65-F5344CB8AC3E}">
@@ -5514,7 +7437,7 @@
           <p:cNvPr id="2050" name="Picture 2">
             <a:extLst>
               <a:ext uri="{FF2B5EF4-FFF2-40B4-BE49-F238E27FC236}">
-                <a16:creationId xmlns:a16="http://schemas.microsoft.com/office/drawing/2014/main" id="{B331C87C-B74A-49A5-9862-E5403D394716}"/>
+                <a16:creationId xmlns:a16="http://schemas.microsoft.com/office/drawing/2014/main" id="{E1A918AE-E67B-485B-A5D8-6F49D97B3E70}"/>
               </a:ext>
             </a:extLst>
           </p:cNvPr>
@@ -5538,8 +7461,8 @@
         </p:blipFill>
         <p:spPr bwMode="auto">
           <a:xfrm>
-            <a:off x="863619" y="691411"/>
-            <a:ext cx="4325933" cy="5475178"/>
+            <a:off x="2094320" y="971035"/>
+            <a:ext cx="9155592" cy="4915929"/>
           </a:xfrm>
           <a:prstGeom prst="rect">
             <a:avLst/>
@@ -5561,7 +7484,7 @@
           <p:cNvPr id="4" name="직사각형 3">
             <a:extLst>
               <a:ext uri="{FF2B5EF4-FFF2-40B4-BE49-F238E27FC236}">
-                <a16:creationId xmlns:a16="http://schemas.microsoft.com/office/drawing/2014/main" id="{98E4D1C4-8942-475A-ACE8-D24DEF17036D}"/>
+                <a16:creationId xmlns:a16="http://schemas.microsoft.com/office/drawing/2014/main" id="{BAE9830B-004C-4D10-9CD7-65913136F8CE}"/>
               </a:ext>
             </a:extLst>
           </p:cNvPr>
@@ -5570,8 +7493,8 @@
         </p:nvSpPr>
         <p:spPr>
           <a:xfrm>
-            <a:off x="7494876" y="6291743"/>
-            <a:ext cx="1450975" cy="369332"/>
+            <a:off x="3724711" y="1680420"/>
+            <a:ext cx="588623" cy="184666"/>
           </a:xfrm>
           <a:prstGeom prst="rect">
             <a:avLst/>
@@ -5584,28 +7507,19 @@
           <a:lstStyle/>
           <a:p>
             <a:r>
-              <a:rPr lang="en-US" altLang="ko-KR" dirty="0">
-                <a:solidFill>
-                  <a:schemeClr val="accent1"/>
-                </a:solidFill>
-                <a:latin typeface="Söhne"/>
-              </a:rPr>
-              <a:t>Yayoi Kusama</a:t>
-            </a:r>
-            <a:endParaRPr lang="ko-KR" altLang="en-US" dirty="0">
-              <a:solidFill>
-                <a:schemeClr val="accent1"/>
-              </a:solidFill>
-            </a:endParaRPr>
-          </a:p>
-        </p:txBody>
-      </p:sp>
-      <p:sp>
-        <p:nvSpPr>
-          <p:cNvPr id="7" name="직사각형 6">
-            <a:extLst>
-              <a:ext uri="{FF2B5EF4-FFF2-40B4-BE49-F238E27FC236}">
-                <a16:creationId xmlns:a16="http://schemas.microsoft.com/office/drawing/2014/main" id="{F9CA17BC-328F-4DAF-AF1B-7FAF779B63D8}"/>
+              <a:rPr lang="en-US" altLang="ko-KR" sz="600" dirty="0"/>
+              <a:t>Intelligence</a:t>
+            </a:r>
+            <a:endParaRPr lang="ko-KR" altLang="en-US" sz="600" dirty="0"/>
+          </a:p>
+        </p:txBody>
+      </p:sp>
+      <p:sp>
+        <p:nvSpPr>
+          <p:cNvPr id="6" name="직사각형 5">
+            <a:extLst>
+              <a:ext uri="{FF2B5EF4-FFF2-40B4-BE49-F238E27FC236}">
+                <a16:creationId xmlns:a16="http://schemas.microsoft.com/office/drawing/2014/main" id="{FCC284E3-272F-4AFE-8A59-4DFB3706C981}"/>
               </a:ext>
             </a:extLst>
           </p:cNvPr>
@@ -5614,8 +7528,8 @@
         </p:nvSpPr>
         <p:spPr>
           <a:xfrm>
-            <a:off x="2234767" y="6233023"/>
-            <a:ext cx="1311578" cy="369332"/>
+            <a:off x="9461929" y="4176910"/>
+            <a:ext cx="808235" cy="276999"/>
           </a:xfrm>
           <a:prstGeom prst="rect">
             <a:avLst/>
@@ -5628,82 +7542,519 @@
           <a:lstStyle/>
           <a:p>
             <a:r>
-              <a:rPr lang="en-US" altLang="ko-KR" dirty="0" err="1">
-                <a:solidFill>
-                  <a:schemeClr val="accent1"/>
-                </a:solidFill>
-                <a:latin typeface="Söhne"/>
-              </a:rPr>
-              <a:t>Whanki</a:t>
-            </a:r>
-            <a:r>
-              <a:rPr lang="en-US" altLang="ko-KR" dirty="0">
-                <a:solidFill>
-                  <a:schemeClr val="accent1"/>
-                </a:solidFill>
-                <a:latin typeface="Söhne"/>
-              </a:rPr>
-              <a:t> Kim</a:t>
-            </a:r>
-            <a:endParaRPr lang="ko-KR" altLang="en-US" dirty="0">
-              <a:solidFill>
-                <a:schemeClr val="accent1"/>
-              </a:solidFill>
-            </a:endParaRPr>
-          </a:p>
-        </p:txBody>
-      </p:sp>
-      <p:pic>
-        <p:nvPicPr>
-          <p:cNvPr id="2054" name="Picture 6">
-            <a:extLst>
-              <a:ext uri="{FF2B5EF4-FFF2-40B4-BE49-F238E27FC236}">
-                <a16:creationId xmlns:a16="http://schemas.microsoft.com/office/drawing/2014/main" id="{55712CBA-2C51-4BB8-A79D-C7326ECBA8BA}"/>
-              </a:ext>
-            </a:extLst>
-          </p:cNvPr>
-          <p:cNvPicPr>
-            <a:picLocks noChangeAspect="1" noChangeArrowheads="1"/>
-          </p:cNvPicPr>
+              <a:rPr lang="en-US" altLang="ko-KR" sz="600" dirty="0"/>
+              <a:t>Cognitive abilities</a:t>
+            </a:r>
+          </a:p>
+          <a:p>
+            <a:r>
+              <a:rPr lang="en-US" altLang="ko-KR" sz="600" dirty="0"/>
+              <a:t>Intellect</a:t>
+            </a:r>
+            <a:endParaRPr lang="ko-KR" altLang="en-US" sz="600" dirty="0"/>
+          </a:p>
+        </p:txBody>
+      </p:sp>
+      <p:sp>
+        <p:nvSpPr>
+          <p:cNvPr id="8" name="직사각형 7">
+            <a:extLst>
+              <a:ext uri="{FF2B5EF4-FFF2-40B4-BE49-F238E27FC236}">
+                <a16:creationId xmlns:a16="http://schemas.microsoft.com/office/drawing/2014/main" id="{318AFFF7-4B4B-454E-B5D5-89038E5FA320}"/>
+              </a:ext>
+            </a:extLst>
+          </p:cNvPr>
+          <p:cNvSpPr/>
           <p:nvPr/>
-        </p:nvPicPr>
-        <p:blipFill>
-          <a:blip r:embed="rId3">
-            <a:extLst>
-              <a:ext uri="{28A0092B-C50C-407E-A947-70E740481C1C}">
-                <a14:useLocalDpi xmlns:a14="http://schemas.microsoft.com/office/drawing/2010/main" val="0"/>
-              </a:ext>
-            </a:extLst>
-          </a:blip>
-          <a:srcRect/>
-          <a:stretch>
-            <a:fillRect/>
-          </a:stretch>
-        </p:blipFill>
-        <p:spPr bwMode="auto">
+        </p:nvSpPr>
+        <p:spPr>
           <a:xfrm>
-            <a:off x="3284565" y="691411"/>
-            <a:ext cx="10310929" cy="5356850"/>
+            <a:off x="3581528" y="4782363"/>
+            <a:ext cx="1067921" cy="369332"/>
           </a:xfrm>
           <a:prstGeom prst="rect">
             <a:avLst/>
           </a:prstGeom>
-          <a:noFill/>
+        </p:spPr>
+        <p:txBody>
+          <a:bodyPr wrap="none">
+            <a:spAutoFit/>
+          </a:bodyPr>
+          <a:lstStyle/>
+          <a:p>
+            <a:pPr lvl="0" eaLnBrk="0" fontAlgn="t" latinLnBrk="0" hangingPunct="0">
+              <a:spcBef>
+                <a:spcPct val="0"/>
+              </a:spcBef>
+              <a:spcAft>
+                <a:spcPct val="0"/>
+              </a:spcAft>
+            </a:pPr>
+            <a:r>
+              <a:rPr lang="ko-KR" altLang="ko-KR" sz="600" dirty="0" err="1">
+                <a:solidFill>
+                  <a:srgbClr val="000000"/>
+                </a:solidFill>
+                <a:latin typeface="Arial" panose="020B0604020202020204" pitchFamily="34" charset="0"/>
+                <a:ea typeface="noto"/>
+              </a:rPr>
+              <a:t>Unconscious</a:t>
+            </a:r>
+            <a:br>
+              <a:rPr lang="ko-KR" altLang="ko-KR" sz="600" dirty="0">
+                <a:solidFill>
+                  <a:srgbClr val="000000"/>
+                </a:solidFill>
+                <a:latin typeface="Arial" panose="020B0604020202020204" pitchFamily="34" charset="0"/>
+                <a:ea typeface="noto"/>
+              </a:rPr>
+            </a:br>
+            <a:r>
+              <a:rPr lang="ko-KR" altLang="ko-KR" sz="600" dirty="0" err="1">
+                <a:solidFill>
+                  <a:srgbClr val="000000"/>
+                </a:solidFill>
+                <a:latin typeface="Arial" panose="020B0604020202020204" pitchFamily="34" charset="0"/>
+                <a:ea typeface="noto"/>
+              </a:rPr>
+              <a:t>Forgetting</a:t>
+            </a:r>
+            <a:br>
+              <a:rPr lang="ko-KR" altLang="ko-KR" sz="600" dirty="0">
+                <a:solidFill>
+                  <a:srgbClr val="000000"/>
+                </a:solidFill>
+                <a:latin typeface="Arial" panose="020B0604020202020204" pitchFamily="34" charset="0"/>
+                <a:ea typeface="noto"/>
+              </a:rPr>
+            </a:br>
+            <a:r>
+              <a:rPr lang="ko-KR" altLang="ko-KR" sz="600" dirty="0" err="1">
+                <a:solidFill>
+                  <a:srgbClr val="000000"/>
+                </a:solidFill>
+                <a:latin typeface="Arial" panose="020B0604020202020204" pitchFamily="34" charset="0"/>
+                <a:ea typeface="noto"/>
+              </a:rPr>
+              <a:t>nonverbal</a:t>
+            </a:r>
+            <a:r>
+              <a:rPr lang="ko-KR" altLang="ko-KR" sz="600" dirty="0">
+                <a:solidFill>
+                  <a:srgbClr val="000000"/>
+                </a:solidFill>
+                <a:latin typeface="Arial" panose="020B0604020202020204" pitchFamily="34" charset="0"/>
+                <a:ea typeface="noto"/>
+              </a:rPr>
+              <a:t> </a:t>
+            </a:r>
+            <a:r>
+              <a:rPr lang="ko-KR" altLang="ko-KR" sz="600" dirty="0" err="1">
+                <a:solidFill>
+                  <a:srgbClr val="000000"/>
+                </a:solidFill>
+                <a:latin typeface="Arial" panose="020B0604020202020204" pitchFamily="34" charset="0"/>
+                <a:ea typeface="noto"/>
+              </a:rPr>
+              <a:t>communication</a:t>
+            </a:r>
+            <a:endParaRPr lang="ko-KR" altLang="ko-KR" sz="400" dirty="0">
+              <a:latin typeface="Arial" panose="020B0604020202020204" pitchFamily="34" charset="0"/>
+            </a:endParaRPr>
+          </a:p>
+        </p:txBody>
+      </p:sp>
+      <p:sp>
+        <p:nvSpPr>
+          <p:cNvPr id="7" name="Rectangle 3">
+            <a:extLst>
+              <a:ext uri="{FF2B5EF4-FFF2-40B4-BE49-F238E27FC236}">
+                <a16:creationId xmlns:a16="http://schemas.microsoft.com/office/drawing/2014/main" id="{46BE3B61-EF61-4137-9469-A2671A8DF94E}"/>
+              </a:ext>
+            </a:extLst>
+          </p:cNvPr>
+          <p:cNvSpPr>
+            <a:spLocks noChangeArrowheads="1"/>
+          </p:cNvSpPr>
+          <p:nvPr/>
+        </p:nvSpPr>
+        <p:spPr bwMode="auto">
+          <a:xfrm>
+            <a:off x="0" y="0"/>
+            <a:ext cx="4089400" cy="0"/>
+          </a:xfrm>
+          <a:prstGeom prst="rect">
+            <a:avLst/>
+          </a:prstGeom>
+          <a:solidFill>
+            <a:srgbClr val="FFFFFF"/>
+          </a:solidFill>
+          <a:ln>
+            <a:noFill/>
+          </a:ln>
+          <a:effectLst/>
           <a:extLst>
-            <a:ext uri="{909E8E84-426E-40DD-AFC4-6F175D3DCCD1}">
-              <a14:hiddenFill xmlns:a14="http://schemas.microsoft.com/office/drawing/2010/main">
-                <a:solidFill>
-                  <a:srgbClr val="FFFFFF"/>
-                </a:solidFill>
-              </a14:hiddenFill>
+            <a:ext uri="{91240B29-F687-4F45-9708-019B960494DF}">
+              <a14:hiddenLine xmlns:a14="http://schemas.microsoft.com/office/drawing/2010/main" w="9525">
+                <a:solidFill>
+                  <a:schemeClr val="tx1"/>
+                </a:solidFill>
+                <a:miter lim="800000"/>
+                <a:headEnd/>
+                <a:tailEnd/>
+              </a14:hiddenLine>
+            </a:ext>
+            <a:ext uri="{AF507438-7753-43E0-B8FC-AC1667EBCBE1}">
+              <a14:hiddenEffects xmlns:a14="http://schemas.microsoft.com/office/drawing/2010/main">
+                <a:effectLst>
+                  <a:outerShdw dist="35921" dir="2700000" algn="ctr" rotWithShape="0">
+                    <a:schemeClr val="bg2"/>
+                  </a:outerShdw>
+                </a:effectLst>
+              </a14:hiddenEffects>
             </a:ext>
           </a:extLst>
         </p:spPr>
-      </p:pic>
+        <p:txBody>
+          <a:bodyPr vert="horz" wrap="none" lIns="0" tIns="0" rIns="0" bIns="0" numCol="1" anchor="t" anchorCtr="0" compatLnSpc="1">
+            <a:prstTxWarp prst="textNoShape">
+              <a:avLst/>
+            </a:prstTxWarp>
+            <a:spAutoFit/>
+          </a:bodyPr>
+          <a:lstStyle/>
+          <a:p>
+            <a:pPr marL="0" marR="0" lvl="0" indent="0" algn="l" defTabSz="914400" rtl="0" eaLnBrk="0" fontAlgn="t" latinLnBrk="0" hangingPunct="0">
+              <a:lnSpc>
+                <a:spcPct val="100000"/>
+              </a:lnSpc>
+              <a:spcBef>
+                <a:spcPct val="0"/>
+              </a:spcBef>
+              <a:spcAft>
+                <a:spcPct val="0"/>
+              </a:spcAft>
+              <a:buClrTx/>
+              <a:buSzTx/>
+              <a:buFontTx/>
+              <a:buNone/>
+              <a:tabLst/>
+            </a:pPr>
+            <a:br>
+              <a:rPr kumimoji="0" lang="ko-KR" altLang="ko-KR" sz="900" b="0" i="0" u="none" strike="noStrike" cap="none" normalizeH="0" baseline="0">
+                <a:ln>
+                  <a:noFill/>
+                </a:ln>
+                <a:solidFill>
+                  <a:srgbClr val="000000"/>
+                </a:solidFill>
+                <a:effectLst/>
+                <a:latin typeface="Arial" panose="020B0604020202020204" pitchFamily="34" charset="0"/>
+                <a:ea typeface="noto"/>
+              </a:rPr>
+            </a:br>
+            <a:endParaRPr kumimoji="0" lang="ko-KR" altLang="ko-KR" sz="900" b="0" i="0" u="none" strike="noStrike" cap="none" normalizeH="0" baseline="0">
+              <a:ln>
+                <a:noFill/>
+              </a:ln>
+              <a:solidFill>
+                <a:srgbClr val="000000"/>
+              </a:solidFill>
+              <a:effectLst/>
+              <a:latin typeface="Arial" panose="020B0604020202020204" pitchFamily="34" charset="0"/>
+              <a:ea typeface="noto"/>
+            </a:endParaRPr>
+          </a:p>
+          <a:p>
+            <a:pPr marL="0" marR="0" lvl="0" indent="0" algn="l" defTabSz="914400" rtl="0" eaLnBrk="0" fontAlgn="base" latinLnBrk="0" hangingPunct="0">
+              <a:lnSpc>
+                <a:spcPct val="100000"/>
+              </a:lnSpc>
+              <a:spcBef>
+                <a:spcPct val="0"/>
+              </a:spcBef>
+              <a:spcAft>
+                <a:spcPct val="0"/>
+              </a:spcAft>
+              <a:buClrTx/>
+              <a:buSzTx/>
+              <a:buFontTx/>
+              <a:buNone/>
+              <a:tabLst/>
+            </a:pPr>
+            <a:endParaRPr kumimoji="0" lang="ko-KR" altLang="ko-KR" sz="1800" b="0" i="0" u="none" strike="noStrike" cap="none" normalizeH="0" baseline="0">
+              <a:ln>
+                <a:noFill/>
+              </a:ln>
+              <a:solidFill>
+                <a:schemeClr val="tx1"/>
+              </a:solidFill>
+              <a:effectLst/>
+              <a:latin typeface="Arial" panose="020B0604020202020204" pitchFamily="34" charset="0"/>
+            </a:endParaRPr>
+          </a:p>
+        </p:txBody>
+      </p:sp>
+      <p:sp>
+        <p:nvSpPr>
+          <p:cNvPr id="10" name="Rectangle 5">
+            <a:extLst>
+              <a:ext uri="{FF2B5EF4-FFF2-40B4-BE49-F238E27FC236}">
+                <a16:creationId xmlns:a16="http://schemas.microsoft.com/office/drawing/2014/main" id="{BB333309-5BFA-44B6-8E60-0F84B0BF3A07}"/>
+              </a:ext>
+            </a:extLst>
+          </p:cNvPr>
+          <p:cNvSpPr>
+            <a:spLocks noChangeArrowheads="1"/>
+          </p:cNvSpPr>
+          <p:nvPr/>
+        </p:nvSpPr>
+        <p:spPr bwMode="auto">
+          <a:xfrm>
+            <a:off x="0" y="0"/>
+            <a:ext cx="4025900" cy="0"/>
+          </a:xfrm>
+          <a:prstGeom prst="rect">
+            <a:avLst/>
+          </a:prstGeom>
+          <a:solidFill>
+            <a:srgbClr val="FFFFFF"/>
+          </a:solidFill>
+          <a:ln>
+            <a:noFill/>
+          </a:ln>
+          <a:effectLst/>
+          <a:extLst>
+            <a:ext uri="{91240B29-F687-4F45-9708-019B960494DF}">
+              <a14:hiddenLine xmlns:a14="http://schemas.microsoft.com/office/drawing/2010/main" w="9525">
+                <a:solidFill>
+                  <a:schemeClr val="tx1"/>
+                </a:solidFill>
+                <a:miter lim="800000"/>
+                <a:headEnd/>
+                <a:tailEnd/>
+              </a14:hiddenLine>
+            </a:ext>
+            <a:ext uri="{AF507438-7753-43E0-B8FC-AC1667EBCBE1}">
+              <a14:hiddenEffects xmlns:a14="http://schemas.microsoft.com/office/drawing/2010/main">
+                <a:effectLst>
+                  <a:outerShdw dist="35921" dir="2700000" algn="ctr" rotWithShape="0">
+                    <a:schemeClr val="bg2"/>
+                  </a:outerShdw>
+                </a:effectLst>
+              </a14:hiddenEffects>
+            </a:ext>
+          </a:extLst>
+        </p:spPr>
+        <p:txBody>
+          <a:bodyPr vert="horz" wrap="none" lIns="0" tIns="0" rIns="0" bIns="0" numCol="1" anchor="t" anchorCtr="0" compatLnSpc="1">
+            <a:prstTxWarp prst="textNoShape">
+              <a:avLst/>
+            </a:prstTxWarp>
+            <a:spAutoFit/>
+          </a:bodyPr>
+          <a:lstStyle/>
+          <a:p>
+            <a:endParaRPr lang="ko-KR" altLang="en-US"/>
+          </a:p>
+        </p:txBody>
+      </p:sp>
+      <p:sp>
+        <p:nvSpPr>
+          <p:cNvPr id="11" name="Rectangle 6">
+            <a:extLst>
+              <a:ext uri="{FF2B5EF4-FFF2-40B4-BE49-F238E27FC236}">
+                <a16:creationId xmlns:a16="http://schemas.microsoft.com/office/drawing/2014/main" id="{9CFDC5BF-413C-46D8-BC82-5CFB9BDF1CA8}"/>
+              </a:ext>
+            </a:extLst>
+          </p:cNvPr>
+          <p:cNvSpPr>
+            <a:spLocks noChangeArrowheads="1"/>
+          </p:cNvSpPr>
+          <p:nvPr/>
+        </p:nvSpPr>
+        <p:spPr bwMode="auto">
+          <a:xfrm>
+            <a:off x="0" y="0"/>
+            <a:ext cx="4025900" cy="0"/>
+          </a:xfrm>
+          <a:prstGeom prst="rect">
+            <a:avLst/>
+          </a:prstGeom>
+          <a:solidFill>
+            <a:srgbClr val="FFFFFF"/>
+          </a:solidFill>
+          <a:ln>
+            <a:noFill/>
+          </a:ln>
+          <a:effectLst/>
+          <a:extLst>
+            <a:ext uri="{91240B29-F687-4F45-9708-019B960494DF}">
+              <a14:hiddenLine xmlns:a14="http://schemas.microsoft.com/office/drawing/2010/main" w="9525">
+                <a:solidFill>
+                  <a:schemeClr val="tx1"/>
+                </a:solidFill>
+                <a:miter lim="800000"/>
+                <a:headEnd/>
+                <a:tailEnd/>
+              </a14:hiddenLine>
+            </a:ext>
+            <a:ext uri="{AF507438-7753-43E0-B8FC-AC1667EBCBE1}">
+              <a14:hiddenEffects xmlns:a14="http://schemas.microsoft.com/office/drawing/2010/main">
+                <a:effectLst>
+                  <a:outerShdw dist="35921" dir="2700000" algn="ctr" rotWithShape="0">
+                    <a:schemeClr val="bg2"/>
+                  </a:outerShdw>
+                </a:effectLst>
+              </a14:hiddenEffects>
+            </a:ext>
+          </a:extLst>
+        </p:spPr>
+        <p:txBody>
+          <a:bodyPr vert="horz" wrap="none" lIns="0" tIns="0" rIns="0" bIns="0" numCol="1" anchor="t" anchorCtr="0" compatLnSpc="1">
+            <a:prstTxWarp prst="textNoShape">
+              <a:avLst/>
+            </a:prstTxWarp>
+            <a:spAutoFit/>
+          </a:bodyPr>
+          <a:lstStyle/>
+          <a:p>
+            <a:endParaRPr lang="ko-KR" altLang="en-US"/>
+          </a:p>
+        </p:txBody>
+      </p:sp>
+      <p:sp>
+        <p:nvSpPr>
+          <p:cNvPr id="12" name="Rectangle 7">
+            <a:extLst>
+              <a:ext uri="{FF2B5EF4-FFF2-40B4-BE49-F238E27FC236}">
+                <a16:creationId xmlns:a16="http://schemas.microsoft.com/office/drawing/2014/main" id="{E7F448D1-E125-416A-9F74-B910963D8870}"/>
+              </a:ext>
+            </a:extLst>
+          </p:cNvPr>
+          <p:cNvSpPr>
+            <a:spLocks noChangeArrowheads="1"/>
+          </p:cNvSpPr>
+          <p:nvPr/>
+        </p:nvSpPr>
+        <p:spPr bwMode="auto">
+          <a:xfrm>
+            <a:off x="0" y="0"/>
+            <a:ext cx="4025900" cy="0"/>
+          </a:xfrm>
+          <a:prstGeom prst="rect">
+            <a:avLst/>
+          </a:prstGeom>
+          <a:solidFill>
+            <a:srgbClr val="FFFFFF"/>
+          </a:solidFill>
+          <a:ln>
+            <a:noFill/>
+          </a:ln>
+          <a:effectLst/>
+          <a:extLst>
+            <a:ext uri="{91240B29-F687-4F45-9708-019B960494DF}">
+              <a14:hiddenLine xmlns:a14="http://schemas.microsoft.com/office/drawing/2010/main" w="9525">
+                <a:solidFill>
+                  <a:schemeClr val="tx1"/>
+                </a:solidFill>
+                <a:miter lim="800000"/>
+                <a:headEnd/>
+                <a:tailEnd/>
+              </a14:hiddenLine>
+            </a:ext>
+            <a:ext uri="{AF507438-7753-43E0-B8FC-AC1667EBCBE1}">
+              <a14:hiddenEffects xmlns:a14="http://schemas.microsoft.com/office/drawing/2010/main">
+                <a:effectLst>
+                  <a:outerShdw dist="35921" dir="2700000" algn="ctr" rotWithShape="0">
+                    <a:schemeClr val="bg2"/>
+                  </a:outerShdw>
+                </a:effectLst>
+              </a14:hiddenEffects>
+            </a:ext>
+          </a:extLst>
+        </p:spPr>
+        <p:txBody>
+          <a:bodyPr vert="horz" wrap="none" lIns="0" tIns="0" rIns="0" bIns="0" numCol="1" anchor="t" anchorCtr="0" compatLnSpc="1">
+            <a:prstTxWarp prst="textNoShape">
+              <a:avLst/>
+            </a:prstTxWarp>
+            <a:spAutoFit/>
+          </a:bodyPr>
+          <a:lstStyle/>
+          <a:p>
+            <a:endParaRPr lang="ko-KR" altLang="en-US"/>
+          </a:p>
+        </p:txBody>
+      </p:sp>
+      <p:sp>
+        <p:nvSpPr>
+          <p:cNvPr id="13" name="Rectangle 8">
+            <a:extLst>
+              <a:ext uri="{FF2B5EF4-FFF2-40B4-BE49-F238E27FC236}">
+                <a16:creationId xmlns:a16="http://schemas.microsoft.com/office/drawing/2014/main" id="{E94EBB35-C6C9-4A6C-9B75-EACB1A945E51}"/>
+              </a:ext>
+            </a:extLst>
+          </p:cNvPr>
+          <p:cNvSpPr>
+            <a:spLocks noChangeArrowheads="1"/>
+          </p:cNvSpPr>
+          <p:nvPr/>
+        </p:nvSpPr>
+        <p:spPr bwMode="auto">
+          <a:xfrm>
+            <a:off x="0" y="0"/>
+            <a:ext cx="4025900" cy="0"/>
+          </a:xfrm>
+          <a:prstGeom prst="rect">
+            <a:avLst/>
+          </a:prstGeom>
+          <a:solidFill>
+            <a:srgbClr val="FFFFFF"/>
+          </a:solidFill>
+          <a:ln>
+            <a:noFill/>
+          </a:ln>
+          <a:effectLst/>
+          <a:extLst>
+            <a:ext uri="{91240B29-F687-4F45-9708-019B960494DF}">
+              <a14:hiddenLine xmlns:a14="http://schemas.microsoft.com/office/drawing/2010/main" w="9525">
+                <a:solidFill>
+                  <a:schemeClr val="tx1"/>
+                </a:solidFill>
+                <a:miter lim="800000"/>
+                <a:headEnd/>
+                <a:tailEnd/>
+              </a14:hiddenLine>
+            </a:ext>
+            <a:ext uri="{AF507438-7753-43E0-B8FC-AC1667EBCBE1}">
+              <a14:hiddenEffects xmlns:a14="http://schemas.microsoft.com/office/drawing/2010/main">
+                <a:effectLst>
+                  <a:outerShdw dist="35921" dir="2700000" algn="ctr" rotWithShape="0">
+                    <a:schemeClr val="bg2"/>
+                  </a:outerShdw>
+                </a:effectLst>
+              </a14:hiddenEffects>
+            </a:ext>
+          </a:extLst>
+        </p:spPr>
+        <p:txBody>
+          <a:bodyPr vert="horz" wrap="none" lIns="0" tIns="0" rIns="0" bIns="0" numCol="1" anchor="t" anchorCtr="0" compatLnSpc="1">
+            <a:prstTxWarp prst="textNoShape">
+              <a:avLst/>
+            </a:prstTxWarp>
+            <a:spAutoFit/>
+          </a:bodyPr>
+          <a:lstStyle/>
+          <a:p>
+            <a:endParaRPr lang="ko-KR" altLang="en-US"/>
+          </a:p>
+        </p:txBody>
+      </p:sp>
     </p:spTree>
     <p:extLst>
       <p:ext uri="{BB962C8B-B14F-4D97-AF65-F5344CB8AC3E}">
-        <p14:creationId xmlns:p14="http://schemas.microsoft.com/office/powerpoint/2010/main" val="1952610202"/>
+        <p14:creationId xmlns:p14="http://schemas.microsoft.com/office/powerpoint/2010/main" val="2559981500"/>
       </p:ext>
     </p:extLst>
   </p:cSld>
@@ -5732,362 +8083,197 @@
       </p:grpSpPr>
       <p:sp>
         <p:nvSpPr>
-          <p:cNvPr id="2" name="제목 1">
-            <a:extLst>
-              <a:ext uri="{FF2B5EF4-FFF2-40B4-BE49-F238E27FC236}">
-                <a16:creationId xmlns:a16="http://schemas.microsoft.com/office/drawing/2014/main" id="{BB4525D2-F44A-4AC0-B26F-C1CF3B774CBF}"/>
-              </a:ext>
-            </a:extLst>
-          </p:cNvPr>
-          <p:cNvSpPr>
-            <a:spLocks noGrp="1"/>
-          </p:cNvSpPr>
-          <p:nvPr>
-            <p:ph type="title"/>
-          </p:nvPr>
-        </p:nvSpPr>
-        <p:spPr/>
-        <p:txBody>
-          <a:bodyPr/>
-          <a:lstStyle/>
-          <a:p>
-            <a:r>
-              <a:rPr lang="en-US" altLang="ko-KR" dirty="0"/>
-              <a:t>chat GPT</a:t>
-            </a:r>
-            <a:endParaRPr lang="ko-KR" altLang="en-US" dirty="0"/>
-          </a:p>
-        </p:txBody>
-      </p:sp>
-      <p:sp>
-        <p:nvSpPr>
-          <p:cNvPr id="3" name="내용 개체 틀 2">
-            <a:extLst>
-              <a:ext uri="{FF2B5EF4-FFF2-40B4-BE49-F238E27FC236}">
-                <a16:creationId xmlns:a16="http://schemas.microsoft.com/office/drawing/2014/main" id="{E4BE8763-09BB-462A-8B96-E8A3DE4DF49F}"/>
-              </a:ext>
-            </a:extLst>
-          </p:cNvPr>
-          <p:cNvSpPr>
-            <a:spLocks noGrp="1"/>
-          </p:cNvSpPr>
-          <p:nvPr>
-            <p:ph idx="1"/>
-          </p:nvPr>
-        </p:nvSpPr>
-        <p:spPr/>
-        <p:txBody>
-          <a:bodyPr>
-            <a:normAutofit/>
+          <p:cNvPr id="4" name="직사각형 3">
+            <a:extLst>
+              <a:ext uri="{FF2B5EF4-FFF2-40B4-BE49-F238E27FC236}">
+                <a16:creationId xmlns:a16="http://schemas.microsoft.com/office/drawing/2014/main" id="{03F59AD1-E915-41E7-9087-F06DC837BA48}"/>
+              </a:ext>
+            </a:extLst>
+          </p:cNvPr>
+          <p:cNvSpPr/>
+          <p:nvPr/>
+        </p:nvSpPr>
+        <p:spPr>
+          <a:xfrm>
+            <a:off x="1173760" y="1136629"/>
+            <a:ext cx="10663106" cy="1107996"/>
+          </a:xfrm>
+          <a:prstGeom prst="rect">
+            <a:avLst/>
+          </a:prstGeom>
+        </p:spPr>
+        <p:txBody>
+          <a:bodyPr wrap="square">
+            <a:spAutoFit/>
           </a:bodyPr>
           <a:lstStyle/>
           <a:p>
             <a:r>
-              <a:rPr lang="ko-KR" altLang="ko-KR" b="1" i="1" dirty="0" err="1"/>
-              <a:t>Generative</a:t>
-            </a:r>
-            <a:r>
-              <a:rPr lang="ko-KR" altLang="ko-KR" b="1" i="1" dirty="0"/>
-              <a:t> </a:t>
-            </a:r>
-            <a:r>
-              <a:rPr lang="ko-KR" altLang="ko-KR" b="1" i="1" dirty="0" err="1"/>
-              <a:t>Pre-trained</a:t>
-            </a:r>
-            <a:r>
-              <a:rPr lang="ko-KR" altLang="ko-KR" b="1" i="1" dirty="0"/>
-              <a:t> </a:t>
-            </a:r>
-            <a:r>
-              <a:rPr lang="ko-KR" altLang="ko-KR" b="1" i="1" dirty="0" err="1"/>
-              <a:t>Transformer</a:t>
-            </a:r>
-            <a:endParaRPr lang="en-US" altLang="ko-KR" b="1" i="1" dirty="0"/>
-          </a:p>
-          <a:p>
-            <a:endParaRPr lang="en-US" altLang="ko-KR" b="1" i="1" dirty="0"/>
-          </a:p>
-          <a:p>
-            <a:r>
-              <a:rPr lang="ko-KR" altLang="ko-KR" sz="2400" dirty="0" err="1"/>
-              <a:t>In</a:t>
-            </a:r>
-            <a:r>
-              <a:rPr lang="ko-KR" altLang="ko-KR" sz="2400" dirty="0"/>
-              <a:t> </a:t>
-            </a:r>
-            <a:r>
-              <a:rPr lang="ko-KR" altLang="ko-KR" sz="2400" dirty="0" err="1"/>
-              <a:t>a</a:t>
-            </a:r>
-            <a:r>
-              <a:rPr lang="ko-KR" altLang="ko-KR" sz="2400" dirty="0"/>
-              <a:t> </a:t>
-            </a:r>
-            <a:r>
-              <a:rPr lang="ko-KR" altLang="ko-KR" sz="2400" dirty="0" err="1"/>
-              <a:t>nutshell</a:t>
-            </a:r>
-            <a:r>
-              <a:rPr lang="ko-KR" altLang="ko-KR" sz="2400" dirty="0"/>
-              <a:t>, </a:t>
-            </a:r>
-            <a:r>
-              <a:rPr lang="ko-KR" altLang="ko-KR" sz="2400" dirty="0" err="1"/>
-              <a:t>Chat</a:t>
-            </a:r>
-            <a:r>
-              <a:rPr lang="ko-KR" altLang="ko-KR" sz="2400" dirty="0"/>
-              <a:t> GPT </a:t>
-            </a:r>
-            <a:r>
-              <a:rPr lang="ko-KR" altLang="ko-KR" sz="2400" dirty="0" err="1"/>
-              <a:t>is</a:t>
-            </a:r>
-            <a:r>
-              <a:rPr lang="ko-KR" altLang="ko-KR" sz="2400" dirty="0"/>
-              <a:t> </a:t>
-            </a:r>
-            <a:r>
-              <a:rPr lang="ko-KR" altLang="ko-KR" sz="2400" dirty="0" err="1"/>
-              <a:t>an</a:t>
-            </a:r>
-            <a:r>
-              <a:rPr lang="ko-KR" altLang="ko-KR" sz="2400" dirty="0"/>
-              <a:t> </a:t>
-            </a:r>
-            <a:endParaRPr lang="en-US" altLang="ko-KR" sz="2400" dirty="0"/>
-          </a:p>
-          <a:p>
-            <a:endParaRPr lang="ko-KR" altLang="ko-KR" sz="2400" dirty="0"/>
-          </a:p>
-          <a:p>
-            <a:pPr marL="457200" lvl="1" indent="0">
-              <a:buNone/>
-            </a:pPr>
-            <a:r>
-              <a:rPr lang="ko-KR" altLang="ko-KR" dirty="0" err="1"/>
-              <a:t>artificial</a:t>
-            </a:r>
-            <a:r>
-              <a:rPr lang="ko-KR" altLang="ko-KR" dirty="0"/>
-              <a:t> </a:t>
-            </a:r>
-            <a:r>
-              <a:rPr lang="ko-KR" altLang="ko-KR" dirty="0" err="1"/>
-              <a:t>intelligence</a:t>
-            </a:r>
-            <a:r>
-              <a:rPr lang="ko-KR" altLang="ko-KR" dirty="0"/>
-              <a:t> (AI) </a:t>
-            </a:r>
-            <a:r>
-              <a:rPr lang="ko-KR" altLang="ko-KR" dirty="0" err="1"/>
-              <a:t>content</a:t>
-            </a:r>
-            <a:r>
-              <a:rPr lang="ko-KR" altLang="ko-KR" dirty="0"/>
-              <a:t> </a:t>
-            </a:r>
-            <a:r>
-              <a:rPr lang="ko-KR" altLang="ko-KR" dirty="0" err="1"/>
-              <a:t>generator</a:t>
-            </a:r>
-            <a:r>
-              <a:rPr lang="ko-KR" altLang="ko-KR" dirty="0"/>
-              <a:t> </a:t>
-            </a:r>
-            <a:endParaRPr lang="en-US" altLang="ko-KR" dirty="0"/>
-          </a:p>
-          <a:p>
-            <a:pPr marL="457200" lvl="1" indent="0">
-              <a:buNone/>
-            </a:pPr>
-            <a:endParaRPr lang="ko-KR" altLang="ko-KR" dirty="0"/>
-          </a:p>
-          <a:p>
-            <a:pPr marL="457200" lvl="1" indent="0">
-              <a:buNone/>
-            </a:pPr>
-            <a:r>
-              <a:rPr lang="ko-KR" altLang="ko-KR" dirty="0" err="1"/>
-              <a:t>that</a:t>
-            </a:r>
-            <a:r>
-              <a:rPr lang="ko-KR" altLang="ko-KR" dirty="0"/>
-              <a:t> </a:t>
-            </a:r>
-            <a:r>
-              <a:rPr lang="ko-KR" altLang="ko-KR" dirty="0" err="1"/>
-              <a:t>semi-autonomously</a:t>
-            </a:r>
-            <a:r>
-              <a:rPr lang="ko-KR" altLang="ko-KR" dirty="0"/>
-              <a:t> </a:t>
-            </a:r>
-            <a:r>
-              <a:rPr lang="ko-KR" altLang="ko-KR" dirty="0" err="1"/>
-              <a:t>creates</a:t>
-            </a:r>
-            <a:r>
-              <a:rPr lang="ko-KR" altLang="ko-KR" dirty="0"/>
-              <a:t> </a:t>
-            </a:r>
-            <a:r>
-              <a:rPr lang="ko-KR" altLang="ko-KR" dirty="0" err="1"/>
-              <a:t>phrases</a:t>
-            </a:r>
-            <a:r>
-              <a:rPr lang="ko-KR" altLang="ko-KR" dirty="0"/>
-              <a:t> and </a:t>
-            </a:r>
-            <a:r>
-              <a:rPr lang="ko-KR" altLang="ko-KR" dirty="0" err="1"/>
-              <a:t>articles</a:t>
-            </a:r>
-            <a:r>
-              <a:rPr lang="ko-KR" altLang="ko-KR" dirty="0"/>
-              <a:t> </a:t>
-            </a:r>
-            <a:endParaRPr lang="en-US" altLang="ko-KR" dirty="0"/>
-          </a:p>
-          <a:p>
-            <a:pPr marL="457200" lvl="1" indent="0">
-              <a:buNone/>
-            </a:pPr>
-            <a:endParaRPr lang="en-US" altLang="ko-KR" dirty="0"/>
-          </a:p>
-          <a:p>
-            <a:pPr marL="457200" lvl="1" indent="0">
-              <a:buNone/>
-            </a:pPr>
-            <a:r>
-              <a:rPr lang="ko-KR" altLang="ko-KR" sz="3600" dirty="0" err="1">
-                <a:solidFill>
-                  <a:schemeClr val="accent5">
-                    <a:lumMod val="75000"/>
-                  </a:schemeClr>
+              <a:rPr lang="en-US" altLang="ko-KR" sz="6600" dirty="0">
+                <a:solidFill>
+                  <a:srgbClr val="DADDE2"/>
                 </a:solidFill>
                 <a:highlight>
-                  <a:srgbClr val="C0C0C0"/>
+                  <a:srgbClr val="0000FF"/>
                 </a:highlight>
-              </a:rPr>
-              <a:t>based</a:t>
-            </a:r>
-            <a:r>
-              <a:rPr lang="ko-KR" altLang="ko-KR" sz="3600" dirty="0">
-                <a:solidFill>
-                  <a:schemeClr val="accent5">
-                    <a:lumMod val="75000"/>
-                  </a:schemeClr>
+                <a:ea typeface="Söhne"/>
+              </a:rPr>
+              <a:t>U</a:t>
+            </a:r>
+            <a:r>
+              <a:rPr lang="ko-KR" altLang="ko-KR" sz="6600" dirty="0" err="1">
+                <a:solidFill>
+                  <a:srgbClr val="DADDE2"/>
                 </a:solidFill>
                 <a:highlight>
-                  <a:srgbClr val="C0C0C0"/>
+                  <a:srgbClr val="0000FF"/>
                 </a:highlight>
-              </a:rPr>
-              <a:t> </a:t>
-            </a:r>
-            <a:r>
-              <a:rPr lang="ko-KR" altLang="ko-KR" sz="3600" dirty="0" err="1">
-                <a:solidFill>
-                  <a:schemeClr val="accent5">
-                    <a:lumMod val="75000"/>
-                  </a:schemeClr>
+                <a:ea typeface="Söhne"/>
+              </a:rPr>
+              <a:t>nconscious</a:t>
+            </a:r>
+            <a:r>
+              <a:rPr lang="en-US" altLang="ko-KR" sz="6600" dirty="0">
+                <a:solidFill>
+                  <a:srgbClr val="DADDE2"/>
                 </a:solidFill>
                 <a:highlight>
-                  <a:srgbClr val="C0C0C0"/>
+                  <a:srgbClr val="0000FF"/>
                 </a:highlight>
-              </a:rPr>
-              <a:t>on</a:t>
-            </a:r>
-            <a:r>
-              <a:rPr lang="ko-KR" altLang="ko-KR" sz="3600" dirty="0">
-                <a:solidFill>
-                  <a:schemeClr val="accent5">
-                    <a:lumMod val="75000"/>
-                  </a:schemeClr>
+                <a:ea typeface="Söhne"/>
+              </a:rPr>
+              <a:t>ness</a:t>
+            </a:r>
+            <a:endParaRPr lang="ko-KR" altLang="en-US" sz="6600" dirty="0">
+              <a:highlight>
+                <a:srgbClr val="0000FF"/>
+              </a:highlight>
+            </a:endParaRPr>
+          </a:p>
+        </p:txBody>
+      </p:sp>
+      <p:sp>
+        <p:nvSpPr>
+          <p:cNvPr id="5" name="직사각형 4">
+            <a:extLst>
+              <a:ext uri="{FF2B5EF4-FFF2-40B4-BE49-F238E27FC236}">
+                <a16:creationId xmlns:a16="http://schemas.microsoft.com/office/drawing/2014/main" id="{A33742E8-3B92-406A-B86E-45D6CA06986F}"/>
+              </a:ext>
+            </a:extLst>
+          </p:cNvPr>
+          <p:cNvSpPr/>
+          <p:nvPr/>
+        </p:nvSpPr>
+        <p:spPr>
+          <a:xfrm>
+            <a:off x="1173760" y="3162130"/>
+            <a:ext cx="8503325" cy="1107996"/>
+          </a:xfrm>
+          <a:prstGeom prst="rect">
+            <a:avLst/>
+          </a:prstGeom>
+        </p:spPr>
+        <p:txBody>
+          <a:bodyPr wrap="square">
+            <a:spAutoFit/>
+          </a:bodyPr>
+          <a:lstStyle/>
+          <a:p>
+            <a:r>
+              <a:rPr lang="en-US" altLang="ko-KR" sz="6600" dirty="0">
+                <a:solidFill>
+                  <a:schemeClr val="bg1"/>
                 </a:solidFill>
                 <a:highlight>
-                  <a:srgbClr val="C0C0C0"/>
+                  <a:srgbClr val="0000FF"/>
                 </a:highlight>
-              </a:rPr>
-              <a:t> </a:t>
-            </a:r>
-            <a:r>
-              <a:rPr lang="ko-KR" altLang="ko-KR" sz="3600" dirty="0" err="1">
-                <a:solidFill>
-                  <a:schemeClr val="accent5">
-                    <a:lumMod val="75000"/>
-                  </a:schemeClr>
+                <a:latin typeface="Malgun Gothic Semilight" panose="020B0502040204020203" pitchFamily="50" charset="-127"/>
+                <a:ea typeface="Malgun Gothic Semilight" panose="020B0502040204020203" pitchFamily="50" charset="-127"/>
+                <a:cs typeface="Malgun Gothic Semilight" panose="020B0502040204020203" pitchFamily="50" charset="-127"/>
+              </a:rPr>
+              <a:t>Human </a:t>
+            </a:r>
+            <a:r>
+              <a:rPr lang="en-US" altLang="ko-KR" sz="6600" b="1" dirty="0">
+                <a:solidFill>
+                  <a:schemeClr val="bg1"/>
                 </a:solidFill>
                 <a:highlight>
-                  <a:srgbClr val="C0C0C0"/>
+                  <a:srgbClr val="0000FF"/>
                 </a:highlight>
-              </a:rPr>
-              <a:t>user</a:t>
-            </a:r>
-            <a:r>
-              <a:rPr lang="ko-KR" altLang="ko-KR" sz="3600" dirty="0">
-                <a:solidFill>
-                  <a:schemeClr val="accent5">
-                    <a:lumMod val="75000"/>
-                  </a:schemeClr>
+                <a:latin typeface="Malgun Gothic Semilight" panose="020B0502040204020203" pitchFamily="50" charset="-127"/>
+                <a:ea typeface="Malgun Gothic Semilight" panose="020B0502040204020203" pitchFamily="50" charset="-127"/>
+                <a:cs typeface="Malgun Gothic Semilight" panose="020B0502040204020203" pitchFamily="50" charset="-127"/>
+              </a:rPr>
+              <a:t>forgetting</a:t>
+            </a:r>
+            <a:endParaRPr lang="ko-KR" altLang="en-US" sz="6600" b="1" dirty="0">
+              <a:solidFill>
+                <a:schemeClr val="bg1"/>
+              </a:solidFill>
+              <a:highlight>
+                <a:srgbClr val="0000FF"/>
+              </a:highlight>
+              <a:latin typeface="Malgun Gothic Semilight" panose="020B0502040204020203" pitchFamily="50" charset="-127"/>
+              <a:ea typeface="Malgun Gothic Semilight" panose="020B0502040204020203" pitchFamily="50" charset="-127"/>
+              <a:cs typeface="Malgun Gothic Semilight" panose="020B0502040204020203" pitchFamily="50" charset="-127"/>
+            </a:endParaRPr>
+          </a:p>
+        </p:txBody>
+      </p:sp>
+      <p:sp>
+        <p:nvSpPr>
+          <p:cNvPr id="6" name="직사각형 5">
+            <a:extLst>
+              <a:ext uri="{FF2B5EF4-FFF2-40B4-BE49-F238E27FC236}">
+                <a16:creationId xmlns:a16="http://schemas.microsoft.com/office/drawing/2014/main" id="{426EBE73-4DD2-4F1B-A6B1-0A1FDDF51666}"/>
+              </a:ext>
+            </a:extLst>
+          </p:cNvPr>
+          <p:cNvSpPr/>
+          <p:nvPr/>
+        </p:nvSpPr>
+        <p:spPr>
+          <a:xfrm>
+            <a:off x="1106647" y="5187631"/>
+            <a:ext cx="10515600" cy="1107996"/>
+          </a:xfrm>
+          <a:prstGeom prst="rect">
+            <a:avLst/>
+          </a:prstGeom>
+        </p:spPr>
+        <p:txBody>
+          <a:bodyPr wrap="square">
+            <a:spAutoFit/>
+          </a:bodyPr>
+          <a:lstStyle/>
+          <a:p>
+            <a:r>
+              <a:rPr lang="en-US" altLang="ko-KR" sz="6600" dirty="0">
+                <a:solidFill>
+                  <a:schemeClr val="bg1"/>
                 </a:solidFill>
                 <a:highlight>
-                  <a:srgbClr val="C0C0C0"/>
+                  <a:srgbClr val="0000FF"/>
                 </a:highlight>
               </a:rPr>
-              <a:t> </a:t>
-            </a:r>
-            <a:r>
-              <a:rPr lang="ko-KR" altLang="ko-KR" sz="3600" dirty="0" err="1">
-                <a:solidFill>
-                  <a:schemeClr val="accent5">
-                    <a:lumMod val="75000"/>
-                  </a:schemeClr>
-                </a:solidFill>
-                <a:highlight>
-                  <a:srgbClr val="C0C0C0"/>
-                </a:highlight>
-              </a:rPr>
-              <a:t>input</a:t>
-            </a:r>
-            <a:r>
-              <a:rPr lang="ko-KR" altLang="ko-KR" sz="3600" dirty="0">
-                <a:solidFill>
-                  <a:schemeClr val="accent5">
-                    <a:lumMod val="75000"/>
-                  </a:schemeClr>
-                </a:solidFill>
-                <a:highlight>
-                  <a:srgbClr val="C0C0C0"/>
-                </a:highlight>
-              </a:rPr>
-              <a:t>.</a:t>
-            </a:r>
-            <a:r>
-              <a:rPr lang="en-US" altLang="ko-KR" sz="3600" dirty="0">
-                <a:solidFill>
-                  <a:schemeClr val="accent5">
-                    <a:lumMod val="75000"/>
-                  </a:schemeClr>
-                </a:solidFill>
-                <a:highlight>
-                  <a:srgbClr val="C0C0C0"/>
-                </a:highlight>
-              </a:rPr>
-              <a:t> </a:t>
-            </a:r>
-          </a:p>
-          <a:p>
-            <a:endParaRPr lang="ko-KR" altLang="en-US" dirty="0"/>
+              <a:t>Nonverbal communication</a:t>
+            </a:r>
+            <a:endParaRPr lang="ko-KR" altLang="en-US" sz="6600" dirty="0">
+              <a:solidFill>
+                <a:schemeClr val="bg1"/>
+              </a:solidFill>
+              <a:highlight>
+                <a:srgbClr val="0000FF"/>
+              </a:highlight>
+            </a:endParaRPr>
           </a:p>
         </p:txBody>
       </p:sp>
     </p:spTree>
     <p:extLst>
       <p:ext uri="{BB962C8B-B14F-4D97-AF65-F5344CB8AC3E}">
-        <p14:creationId xmlns:p14="http://schemas.microsoft.com/office/powerpoint/2010/main" val="1556132469"/>
+        <p14:creationId xmlns:p14="http://schemas.microsoft.com/office/powerpoint/2010/main" val="4125209932"/>
       </p:ext>
     </p:extLst>
   </p:cSld>
@@ -6114,77 +8300,59 @@
           <a:chExt cx="0" cy="0"/>
         </a:xfrm>
       </p:grpSpPr>
-      <p:sp>
-        <p:nvSpPr>
-          <p:cNvPr id="2" name="제목 1">
-            <a:extLst>
-              <a:ext uri="{FF2B5EF4-FFF2-40B4-BE49-F238E27FC236}">
-                <a16:creationId xmlns:a16="http://schemas.microsoft.com/office/drawing/2014/main" id="{42977001-2C0D-46C0-80FA-B66D7627B73E}"/>
-              </a:ext>
-            </a:extLst>
-          </p:cNvPr>
-          <p:cNvSpPr>
-            <a:spLocks noGrp="1"/>
-          </p:cNvSpPr>
-          <p:nvPr>
-            <p:ph type="title"/>
-          </p:nvPr>
-        </p:nvSpPr>
-        <p:spPr/>
-        <p:txBody>
-          <a:bodyPr>
-            <a:normAutofit fontScale="90000"/>
-          </a:bodyPr>
-          <a:lstStyle/>
-          <a:p>
-            <a:pPr algn="ctr"/>
-            <a:r>
-              <a:rPr lang="en-US" altLang="ko-KR" sz="2200" b="1" dirty="0"/>
-              <a:t>NVIDIA</a:t>
-            </a:r>
-            <a:r>
-              <a:rPr lang="ko-KR" altLang="en-US" sz="2200" b="1" dirty="0"/>
-              <a:t>의 과학시간 </a:t>
-            </a:r>
-            <a:r>
-              <a:rPr lang="en-US" altLang="ko-KR" sz="2200" b="1" dirty="0"/>
-              <a:t>- GPU</a:t>
-            </a:r>
-            <a:r>
-              <a:rPr lang="ko-KR" altLang="en-US" sz="2200" b="1" dirty="0"/>
-              <a:t>와 </a:t>
-            </a:r>
-            <a:r>
-              <a:rPr lang="en-US" altLang="ko-KR" sz="2200" b="1" dirty="0"/>
-              <a:t>CPU</a:t>
-            </a:r>
-            <a:r>
-              <a:rPr lang="ko-KR" altLang="en-US" sz="2200" b="1" dirty="0"/>
-              <a:t>의 차이</a:t>
-            </a:r>
-            <a:br>
-              <a:rPr lang="en-US" altLang="ko-KR" sz="2200" b="1" dirty="0"/>
-            </a:br>
-            <a:r>
-              <a:rPr lang="en-US" altLang="ko-KR" sz="2200" dirty="0"/>
-              <a:t>Https://www.youtube.com/watch?v=1BAZf3PsjWA</a:t>
-            </a:r>
-            <a:br>
-              <a:rPr lang="ko-KR" altLang="en-US" sz="2200" dirty="0"/>
-            </a:br>
-            <a:br>
-              <a:rPr lang="ko-KR" altLang="en-US" b="1" dirty="0"/>
-            </a:br>
-            <a:endParaRPr lang="ko-KR" altLang="en-US" dirty="0"/>
-          </a:p>
-        </p:txBody>
-      </p:sp>
-      <p:sp>
-        <p:nvSpPr>
-          <p:cNvPr id="5" name="직사각형 4">
-            <a:extLst>
-              <a:ext uri="{FF2B5EF4-FFF2-40B4-BE49-F238E27FC236}">
-                <a16:creationId xmlns:a16="http://schemas.microsoft.com/office/drawing/2014/main" id="{C6782B65-F149-436B-BCB2-D17746E51E50}"/>
+      <p:pic>
+        <p:nvPicPr>
+          <p:cNvPr id="2050" name="Picture 2">
+            <a:extLst>
+              <a:ext uri="{FF2B5EF4-FFF2-40B4-BE49-F238E27FC236}">
+                <a16:creationId xmlns:a16="http://schemas.microsoft.com/office/drawing/2014/main" id="{B331C87C-B74A-49A5-9862-E5403D394716}"/>
+              </a:ext>
+            </a:extLst>
+          </p:cNvPr>
+          <p:cNvPicPr>
+            <a:picLocks noChangeAspect="1" noChangeArrowheads="1"/>
+          </p:cNvPicPr>
+          <p:nvPr/>
+        </p:nvPicPr>
+        <p:blipFill>
+          <a:blip r:embed="rId2">
+            <a:extLst>
+              <a:ext uri="{28A0092B-C50C-407E-A947-70E740481C1C}">
+                <a14:useLocalDpi xmlns:a14="http://schemas.microsoft.com/office/drawing/2010/main" val="0"/>
+              </a:ext>
+            </a:extLst>
+          </a:blip>
+          <a:srcRect/>
+          <a:stretch>
+            <a:fillRect/>
+          </a:stretch>
+        </p:blipFill>
+        <p:spPr bwMode="auto">
+          <a:xfrm>
+            <a:off x="863619" y="691411"/>
+            <a:ext cx="4325933" cy="5475178"/>
+          </a:xfrm>
+          <a:prstGeom prst="rect">
+            <a:avLst/>
+          </a:prstGeom>
+          <a:noFill/>
+          <a:extLst>
+            <a:ext uri="{909E8E84-426E-40DD-AFC4-6F175D3DCCD1}">
+              <a14:hiddenFill xmlns:a14="http://schemas.microsoft.com/office/drawing/2010/main">
+                <a:solidFill>
+                  <a:srgbClr val="FFFFFF"/>
+                </a:solidFill>
+              </a14:hiddenFill>
+            </a:ext>
+          </a:extLst>
+        </p:spPr>
+      </p:pic>
+      <p:sp>
+        <p:nvSpPr>
+          <p:cNvPr id="4" name="직사각형 3">
+            <a:extLst>
+              <a:ext uri="{FF2B5EF4-FFF2-40B4-BE49-F238E27FC236}">
+                <a16:creationId xmlns:a16="http://schemas.microsoft.com/office/drawing/2014/main" id="{98E4D1C4-8942-475A-ACE8-D24DEF17036D}"/>
               </a:ext>
             </a:extLst>
           </p:cNvPr>
@@ -6193,8 +8361,8 @@
         </p:nvSpPr>
         <p:spPr>
           <a:xfrm>
-            <a:off x="9428470" y="1100189"/>
-            <a:ext cx="2307042" cy="646331"/>
+            <a:off x="7494876" y="6291743"/>
+            <a:ext cx="1450975" cy="369332"/>
           </a:xfrm>
           <a:prstGeom prst="rect">
             <a:avLst/>
@@ -6207,160 +8375,126 @@
           <a:lstStyle/>
           <a:p>
             <a:r>
-              <a:rPr lang="ko-KR" altLang="en-US" dirty="0">
-                <a:solidFill>
-                  <a:srgbClr val="080E14"/>
-                </a:solidFill>
-                <a:latin typeface="Nanum Gothic"/>
-              </a:rPr>
-              <a:t> </a:t>
-            </a:r>
-            <a:r>
               <a:rPr lang="en-US" altLang="ko-KR" dirty="0">
                 <a:solidFill>
-                  <a:srgbClr val="080E14"/>
-                </a:solidFill>
-                <a:latin typeface="Nanum Gothic"/>
-              </a:rPr>
-              <a:t>chat GPT </a:t>
-            </a:r>
-            <a:r>
-              <a:rPr lang="ko-KR" altLang="en-US" dirty="0">
-                <a:solidFill>
-                  <a:srgbClr val="080E14"/>
-                </a:solidFill>
-                <a:latin typeface="Nanum Gothic"/>
-              </a:rPr>
-              <a:t>월간 활성 </a:t>
-            </a:r>
-            <a:endParaRPr lang="en-US" altLang="ko-KR" dirty="0">
+                  <a:schemeClr val="accent1"/>
+                </a:solidFill>
+                <a:latin typeface="Söhne"/>
+              </a:rPr>
+              <a:t>Yayoi Kusama</a:t>
+            </a:r>
+            <a:endParaRPr lang="ko-KR" altLang="en-US" dirty="0">
               <a:solidFill>
-                <a:srgbClr val="080E14"/>
+                <a:schemeClr val="accent1"/>
               </a:solidFill>
-              <a:latin typeface="Nanum Gothic"/>
             </a:endParaRPr>
           </a:p>
-          <a:p>
-            <a:r>
-              <a:rPr lang="ko-KR" altLang="en-US" dirty="0">
-                <a:solidFill>
-                  <a:srgbClr val="080E14"/>
-                </a:solidFill>
-                <a:latin typeface="Nanum Gothic"/>
-              </a:rPr>
-              <a:t>사용자 수</a:t>
-            </a:r>
-            <a:r>
-              <a:rPr lang="en-US" altLang="ko-KR" dirty="0">
-                <a:solidFill>
-                  <a:srgbClr val="080E14"/>
-                </a:solidFill>
-                <a:latin typeface="Nanum Gothic"/>
-              </a:rPr>
-              <a:t> 1</a:t>
-            </a:r>
-            <a:r>
-              <a:rPr lang="ko-KR" altLang="en-US" dirty="0" err="1">
-                <a:solidFill>
-                  <a:srgbClr val="080E14"/>
-                </a:solidFill>
-                <a:latin typeface="Nanum Gothic"/>
-              </a:rPr>
-              <a:t>억명</a:t>
-            </a:r>
-            <a:r>
-              <a:rPr lang="ko-KR" altLang="en-US" dirty="0">
-                <a:solidFill>
-                  <a:srgbClr val="080E14"/>
-                </a:solidFill>
-                <a:latin typeface="Nanum Gothic"/>
-              </a:rPr>
-              <a:t> 돌파</a:t>
-            </a:r>
-            <a:endParaRPr lang="ko-KR" altLang="en-US" dirty="0"/>
-          </a:p>
-        </p:txBody>
-      </p:sp>
-      <p:pic>
-        <p:nvPicPr>
-          <p:cNvPr id="7" name="그림 6">
-            <a:extLst>
-              <a:ext uri="{FF2B5EF4-FFF2-40B4-BE49-F238E27FC236}">
-                <a16:creationId xmlns:a16="http://schemas.microsoft.com/office/drawing/2014/main" id="{E357E8CE-E643-4E15-92E6-48AB78266F1C}"/>
-              </a:ext>
-            </a:extLst>
-          </p:cNvPr>
-          <p:cNvPicPr>
-            <a:picLocks noChangeAspect="1"/>
-          </p:cNvPicPr>
+        </p:txBody>
+      </p:sp>
+      <p:sp>
+        <p:nvSpPr>
+          <p:cNvPr id="7" name="직사각형 6">
+            <a:extLst>
+              <a:ext uri="{FF2B5EF4-FFF2-40B4-BE49-F238E27FC236}">
+                <a16:creationId xmlns:a16="http://schemas.microsoft.com/office/drawing/2014/main" id="{F9CA17BC-328F-4DAF-AF1B-7FAF779B63D8}"/>
+              </a:ext>
+            </a:extLst>
+          </p:cNvPr>
+          <p:cNvSpPr/>
           <p:nvPr/>
-        </p:nvPicPr>
-        <p:blipFill>
-          <a:blip r:embed="rId2"/>
-          <a:stretch>
-            <a:fillRect/>
-          </a:stretch>
-        </p:blipFill>
+        </p:nvSpPr>
         <p:spPr>
           <a:xfrm>
-            <a:off x="228906" y="1737754"/>
-            <a:ext cx="11332666" cy="4368458"/>
+            <a:off x="2234767" y="6233023"/>
+            <a:ext cx="1311578" cy="369332"/>
           </a:xfrm>
           <a:prstGeom prst="rect">
             <a:avLst/>
           </a:prstGeom>
         </p:spPr>
-      </p:pic>
-      <p:sp>
-        <p:nvSpPr>
-          <p:cNvPr id="6" name="화살표: 아래쪽 5">
-            <a:extLst>
-              <a:ext uri="{FF2B5EF4-FFF2-40B4-BE49-F238E27FC236}">
-                <a16:creationId xmlns:a16="http://schemas.microsoft.com/office/drawing/2014/main" id="{D46B626F-FE7D-45B9-925E-E15DD5A06220}"/>
-              </a:ext>
-            </a:extLst>
-          </p:cNvPr>
-          <p:cNvSpPr/>
+        <p:txBody>
+          <a:bodyPr wrap="none">
+            <a:spAutoFit/>
+          </a:bodyPr>
+          <a:lstStyle/>
+          <a:p>
+            <a:r>
+              <a:rPr lang="en-US" altLang="ko-KR" dirty="0" err="1">
+                <a:solidFill>
+                  <a:schemeClr val="accent1"/>
+                </a:solidFill>
+                <a:latin typeface="Söhne"/>
+              </a:rPr>
+              <a:t>Whanki</a:t>
+            </a:r>
+            <a:r>
+              <a:rPr lang="en-US" altLang="ko-KR" dirty="0">
+                <a:solidFill>
+                  <a:schemeClr val="accent1"/>
+                </a:solidFill>
+                <a:latin typeface="Söhne"/>
+              </a:rPr>
+              <a:t> Kim</a:t>
+            </a:r>
+            <a:endParaRPr lang="ko-KR" altLang="en-US" dirty="0">
+              <a:solidFill>
+                <a:schemeClr val="accent1"/>
+              </a:solidFill>
+            </a:endParaRPr>
+          </a:p>
+        </p:txBody>
+      </p:sp>
+      <p:pic>
+        <p:nvPicPr>
+          <p:cNvPr id="2054" name="Picture 6">
+            <a:extLst>
+              <a:ext uri="{FF2B5EF4-FFF2-40B4-BE49-F238E27FC236}">
+                <a16:creationId xmlns:a16="http://schemas.microsoft.com/office/drawing/2014/main" id="{55712CBA-2C51-4BB8-A79D-C7326ECBA8BA}"/>
+              </a:ext>
+            </a:extLst>
+          </p:cNvPr>
+          <p:cNvPicPr>
+            <a:picLocks noChangeAspect="1" noChangeArrowheads="1"/>
+          </p:cNvPicPr>
           <p:nvPr/>
-        </p:nvSpPr>
-        <p:spPr>
+        </p:nvPicPr>
+        <p:blipFill>
+          <a:blip r:embed="rId3">
+            <a:extLst>
+              <a:ext uri="{28A0092B-C50C-407E-A947-70E740481C1C}">
+                <a14:useLocalDpi xmlns:a14="http://schemas.microsoft.com/office/drawing/2010/main" val="0"/>
+              </a:ext>
+            </a:extLst>
+          </a:blip>
+          <a:srcRect/>
+          <a:stretch>
+            <a:fillRect/>
+          </a:stretch>
+        </p:blipFill>
+        <p:spPr bwMode="auto">
           <a:xfrm>
-            <a:off x="10581991" y="1746520"/>
-            <a:ext cx="136343" cy="1953164"/>
+            <a:off x="3284565" y="691411"/>
+            <a:ext cx="10310929" cy="5356850"/>
           </a:xfrm>
-          <a:prstGeom prst="downArrow">
+          <a:prstGeom prst="rect">
             <a:avLst/>
           </a:prstGeom>
+          <a:noFill/>
+          <a:extLst>
+            <a:ext uri="{909E8E84-426E-40DD-AFC4-6F175D3DCCD1}">
+              <a14:hiddenFill xmlns:a14="http://schemas.microsoft.com/office/drawing/2010/main">
+                <a:solidFill>
+                  <a:srgbClr val="FFFFFF"/>
+                </a:solidFill>
+              </a14:hiddenFill>
+            </a:ext>
+          </a:extLst>
         </p:spPr>
-        <p:style>
-          <a:lnRef idx="2">
-            <a:schemeClr val="accent1">
-              <a:shade val="50000"/>
-            </a:schemeClr>
-          </a:lnRef>
-          <a:fillRef idx="1">
-            <a:schemeClr val="accent1"/>
-          </a:fillRef>
-          <a:effectRef idx="0">
-            <a:schemeClr val="accent1"/>
-          </a:effectRef>
-          <a:fontRef idx="minor">
-            <a:schemeClr val="lt1"/>
-          </a:fontRef>
-        </p:style>
-        <p:txBody>
-          <a:bodyPr rtlCol="0" anchor="ctr"/>
-          <a:lstStyle/>
-          <a:p>
-            <a:pPr algn="ctr"/>
-            <a:endParaRPr lang="ko-KR" altLang="en-US"/>
-          </a:p>
-        </p:txBody>
-      </p:sp>
+      </p:pic>
     </p:spTree>
     <p:extLst>
       <p:ext uri="{BB962C8B-B14F-4D97-AF65-F5344CB8AC3E}">
-        <p14:creationId xmlns:p14="http://schemas.microsoft.com/office/powerpoint/2010/main" val="893666001"/>
+        <p14:creationId xmlns:p14="http://schemas.microsoft.com/office/powerpoint/2010/main" val="1952610202"/>
       </p:ext>
     </p:extLst>
   </p:cSld>
@@ -6392,7 +8526,7 @@
           <p:cNvPr id="2" name="제목 1">
             <a:extLst>
               <a:ext uri="{FF2B5EF4-FFF2-40B4-BE49-F238E27FC236}">
-                <a16:creationId xmlns:a16="http://schemas.microsoft.com/office/drawing/2014/main" id="{22E6C03B-93BD-4C81-9629-DE6D3FDEC005}"/>
+                <a16:creationId xmlns:a16="http://schemas.microsoft.com/office/drawing/2014/main" id="{93D6B248-0092-41B9-B53E-7829EE3C9DA5}"/>
               </a:ext>
             </a:extLst>
           </p:cNvPr>
@@ -6408,65 +8542,106 @@
           <a:bodyPr/>
           <a:lstStyle/>
           <a:p>
-            <a:r>
-              <a:rPr lang="en-US" altLang="ko-KR" dirty="0"/>
-              <a:t>CPU  vs GPU</a:t>
-            </a:r>
-            <a:endParaRPr lang="ko-KR" altLang="en-US" dirty="0"/>
+            <a:endParaRPr lang="ko-KR" altLang="en-US"/>
+          </a:p>
+        </p:txBody>
+      </p:sp>
+      <p:sp>
+        <p:nvSpPr>
+          <p:cNvPr id="3" name="내용 개체 틀 2">
+            <a:extLst>
+              <a:ext uri="{FF2B5EF4-FFF2-40B4-BE49-F238E27FC236}">
+                <a16:creationId xmlns:a16="http://schemas.microsoft.com/office/drawing/2014/main" id="{EAC7316B-DE68-4CDD-950B-E8A9D71CF314}"/>
+              </a:ext>
+            </a:extLst>
+          </p:cNvPr>
+          <p:cNvSpPr>
+            <a:spLocks noGrp="1"/>
+          </p:cNvSpPr>
+          <p:nvPr>
+            <p:ph idx="1"/>
+          </p:nvPr>
+        </p:nvSpPr>
+        <p:spPr/>
+        <p:txBody>
+          <a:bodyPr/>
+          <a:lstStyle/>
+          <a:p>
+            <a:endParaRPr lang="ko-KR" altLang="en-US"/>
           </a:p>
         </p:txBody>
       </p:sp>
       <p:pic>
         <p:nvPicPr>
-          <p:cNvPr id="1026" name="Picture 2" descr="목 &#10;정 &#10;의 &#10;역 &#10;할 &#10;작 &#10;동 &#10;방 &#10;식 &#10;코 &#10;이 &#10;적 &#10;용 &#10;문 &#10;야 &#10;CPU &#10;CPU는 Central Processing unit의 약자로. 컴 &#10;퓨터의 중앙 지리 장치입니다. CP니는 컴퓨터 &#10;의 작동을 제어하며 모든 프로세스를 관리합 &#10;니다 巳] &#10;CPU는 컴퓨터 내의 모든 프로세스를 관리하 &#10;고 자허하는 역할을 합니다- 이에는 입력한 &#10;기의 등록부터 장 관리. 파일 시스템 듬 다양 &#10;한 작업이 포함됩니다- 21 &#10;CPU는 식별 저리 방식으로 동작하며. 한 번 &#10;에 하나의 작업을 서리합니ch 각 코어는 독 &#10;립적으로 작업을 수행하며, 이는 대우 빠른 &#10;속도로 전환팀니다. !회 &#10;대부분의 프로세서는 4개에서 8개의 코어를 &#10;가지고 있지만, 고성능 CPU는 최대 64거의 &#10;코어를 가진 수 있습니다. [11 &#10;CPL-IE 컴퓨터의 일반석인 작동에 사용되몌 &#10;직렬 치리가 필요한 대부분의 작업에 사용된 &#10;니다. 예를 들에 웹 브라우저를 실행하거나 &#10;문서를 작성하는 테 사용됩니다| 口 &#10;GP니는 Graphical Processing unit의 약자로, 그래 &#10;픽 카드라고도 불립니다. GPU는 회면에 표시되는 &#10;그래픽을 저리8卜는 역할을 합니다, 田 &#10;GP니는 그래픽을 처리하고. 특히 30 그래픽에 적 &#10;합하며. 효율석인 병렬 저리를 가능하게 합니다, &#10;대량의 데이터를 빠르게 처리할 수 았에 더 &#10;신 러닝이나 그립토 마이닝에도 사용됩니다. [11 &#10;GPI-I는 병렬 저리 방식을 사용하며 한 번에 수전 &#10;개의 작업을 동시에 저리합니다- 이리한 특상 때문 &#10;에 GPI.JE 대량의 작은 부분으로 이루어진 큰 작업 &#10;을 치리하는 테 더 적합합니다. 口 &#10;CPU는 수백에서 수전 개의 코어를 가지고 있으며, &#10;이를 통해 대량의 병별 저리를 수행합니다, 21 &#10;GPI.J는 그래픽이 중요한 게임. 고급 그래픽 소프트 &#10;-입어. 30 모텔링 등에 사용됩니다. 또한 대량의 병 &#10;맇 지리가 필요한 작업. 대신 러닝. 크립토 마이닝 &#10;등에도 적용됩니다. 田 ">
-            <a:extLst>
-              <a:ext uri="{FF2B5EF4-FFF2-40B4-BE49-F238E27FC236}">
-                <a16:creationId xmlns:a16="http://schemas.microsoft.com/office/drawing/2014/main" id="{BCDCBB26-09E8-4878-81F0-E577AA8BC28B}"/>
+          <p:cNvPr id="4" name="그림 3">
+            <a:extLst>
+              <a:ext uri="{FF2B5EF4-FFF2-40B4-BE49-F238E27FC236}">
+                <a16:creationId xmlns:a16="http://schemas.microsoft.com/office/drawing/2014/main" id="{C8F29F76-4600-43AD-AA48-CAD3EDCE7045}"/>
               </a:ext>
             </a:extLst>
           </p:cNvPr>
           <p:cNvPicPr>
-            <a:picLocks noChangeAspect="1" noChangeArrowheads="1"/>
+            <a:picLocks noChangeAspect="1"/>
           </p:cNvPicPr>
           <p:nvPr/>
         </p:nvPicPr>
         <p:blipFill>
-          <a:blip r:embed="rId2">
-            <a:extLst>
-              <a:ext uri="{28A0092B-C50C-407E-A947-70E740481C1C}">
-                <a14:useLocalDpi xmlns:a14="http://schemas.microsoft.com/office/drawing/2010/main" val="0"/>
-              </a:ext>
-            </a:extLst>
-          </a:blip>
-          <a:srcRect/>
+          <a:blip r:embed="rId2"/>
           <a:stretch>
             <a:fillRect/>
           </a:stretch>
         </p:blipFill>
-        <p:spPr bwMode="auto">
+        <p:spPr>
           <a:xfrm>
-            <a:off x="3138488" y="1266573"/>
-            <a:ext cx="6903134" cy="5591427"/>
+            <a:off x="469900" y="64609"/>
+            <a:ext cx="11061700" cy="6614864"/>
           </a:xfrm>
           <a:prstGeom prst="rect">
             <a:avLst/>
           </a:prstGeom>
-          <a:noFill/>
-          <a:extLst>
-            <a:ext uri="{909E8E84-426E-40DD-AFC4-6F175D3DCCD1}">
-              <a14:hiddenFill xmlns:a14="http://schemas.microsoft.com/office/drawing/2010/main">
-                <a:solidFill>
-                  <a:srgbClr val="FFFFFF"/>
-                </a:solidFill>
-              </a14:hiddenFill>
-            </a:ext>
-          </a:extLst>
         </p:spPr>
       </p:pic>
+      <p:sp>
+        <p:nvSpPr>
+          <p:cNvPr id="5" name="직사각형 4">
+            <a:extLst>
+              <a:ext uri="{FF2B5EF4-FFF2-40B4-BE49-F238E27FC236}">
+                <a16:creationId xmlns:a16="http://schemas.microsoft.com/office/drawing/2014/main" id="{3E3B8BC1-6270-4F1C-8F5E-4CE245E68679}"/>
+              </a:ext>
+            </a:extLst>
+          </p:cNvPr>
+          <p:cNvSpPr/>
+          <p:nvPr/>
+        </p:nvSpPr>
+        <p:spPr>
+          <a:xfrm>
+            <a:off x="2590800" y="6123543"/>
+            <a:ext cx="8851900" cy="369332"/>
+          </a:xfrm>
+          <a:prstGeom prst="rect">
+            <a:avLst/>
+          </a:prstGeom>
+        </p:spPr>
+        <p:txBody>
+          <a:bodyPr wrap="square">
+            <a:spAutoFit/>
+          </a:bodyPr>
+          <a:lstStyle/>
+          <a:p>
+            <a:r>
+              <a:rPr lang="en-US" altLang="ko-KR" dirty="0">
+                <a:hlinkClick r:id="rId3"/>
+              </a:rPr>
+              <a:t>https://contents.premium.naver.com/chatgpt/buff/contents/230622235641423mo</a:t>
+            </a:r>
+            <a:endParaRPr lang="ko-KR" altLang="en-US" dirty="0"/>
+          </a:p>
+        </p:txBody>
+      </p:sp>
     </p:spTree>
     <p:extLst>
       <p:ext uri="{BB962C8B-B14F-4D97-AF65-F5344CB8AC3E}">
-        <p14:creationId xmlns:p14="http://schemas.microsoft.com/office/powerpoint/2010/main" val="1782597896"/>
+        <p14:creationId xmlns:p14="http://schemas.microsoft.com/office/powerpoint/2010/main" val="1103785561"/>
       </p:ext>
     </p:extLst>
   </p:cSld>

--- a/AI_06_Conclusion.pptx
+++ b/AI_06_Conclusion.pptx
@@ -3354,7 +3354,7 @@
         </p:nvSpPr>
         <p:spPr>
           <a:xfrm>
-            <a:off x="3102220" y="1138601"/>
+            <a:off x="4128333" y="1121573"/>
             <a:ext cx="1776046" cy="465993"/>
           </a:xfrm>
           <a:prstGeom prst="rect">
@@ -3935,7 +3935,7 @@
         </p:nvSpPr>
         <p:spPr>
           <a:xfrm>
-            <a:off x="4831374" y="1116619"/>
+            <a:off x="5876193" y="1054521"/>
             <a:ext cx="2089638" cy="276999"/>
           </a:xfrm>
           <a:prstGeom prst="rect">
@@ -4007,8 +4007,8 @@
         </p:nvSpPr>
         <p:spPr>
           <a:xfrm>
-            <a:off x="10597662" y="6066662"/>
-            <a:ext cx="2089638" cy="276999"/>
+            <a:off x="10968404" y="6066662"/>
+            <a:ext cx="1128521" cy="276999"/>
           </a:xfrm>
           <a:prstGeom prst="rect">
             <a:avLst/>
@@ -4038,13 +4038,15 @@
               </a:ext>
             </a:extLst>
           </p:cNvPr>
-          <p:cNvCxnSpPr/>
+          <p:cNvCxnSpPr>
+            <a:cxnSpLocks/>
+          </p:cNvCxnSpPr>
           <p:nvPr/>
         </p:nvCxnSpPr>
         <p:spPr>
           <a:xfrm>
             <a:off x="1800959" y="668215"/>
-            <a:ext cx="1301261" cy="448404"/>
+            <a:ext cx="2170891" cy="460037"/>
           </a:xfrm>
           <a:prstGeom prst="straightConnector1">
             <a:avLst/>
@@ -4077,13 +4079,15 @@
               </a:ext>
             </a:extLst>
           </p:cNvPr>
-          <p:cNvCxnSpPr/>
+          <p:cNvCxnSpPr>
+            <a:cxnSpLocks/>
+          </p:cNvCxnSpPr>
           <p:nvPr/>
         </p:nvCxnSpPr>
         <p:spPr>
           <a:xfrm flipH="1">
-            <a:off x="5370636" y="372207"/>
-            <a:ext cx="4097215" cy="882911"/>
+            <a:off x="6409189" y="383113"/>
+            <a:ext cx="3058663" cy="840432"/>
           </a:xfrm>
           <a:prstGeom prst="straightConnector1">
             <a:avLst/>
@@ -4164,8 +4168,8 @@
         </p:nvCxnSpPr>
         <p:spPr>
           <a:xfrm flipH="1">
-            <a:off x="2451589" y="1179660"/>
-            <a:ext cx="1781798" cy="1434367"/>
+            <a:off x="2451589" y="1704794"/>
+            <a:ext cx="2522853" cy="909233"/>
           </a:xfrm>
           <a:prstGeom prst="straightConnector1">
             <a:avLst/>
@@ -4333,7 +4337,7 @@
         </p:nvCxnSpPr>
         <p:spPr>
           <a:xfrm flipV="1">
-            <a:off x="3643988" y="5717314"/>
+            <a:off x="3655202" y="5495873"/>
             <a:ext cx="2014904" cy="1"/>
           </a:xfrm>
           <a:prstGeom prst="straightConnector1">
@@ -4497,7 +4501,7 @@
         <p:spPr>
           <a:xfrm>
             <a:off x="9127295" y="3744961"/>
-            <a:ext cx="888023" cy="377399"/>
+            <a:ext cx="786450" cy="366474"/>
           </a:xfrm>
           <a:prstGeom prst="straightConnector1">
             <a:avLst/>
@@ -4535,7 +4539,7 @@
         </p:nvSpPr>
         <p:spPr>
           <a:xfrm>
-            <a:off x="2239757" y="5578815"/>
+            <a:off x="2250971" y="5357374"/>
             <a:ext cx="1404231" cy="276999"/>
           </a:xfrm>
           <a:prstGeom prst="rect">
@@ -4587,7 +4591,7 @@
         </p:nvSpPr>
         <p:spPr>
           <a:xfrm>
-            <a:off x="3241610" y="1868186"/>
+            <a:off x="4225763" y="1937708"/>
             <a:ext cx="2007281" cy="276999"/>
           </a:xfrm>
           <a:prstGeom prst="rect">
@@ -4608,6 +4612,79 @@
           </a:p>
         </p:txBody>
       </p:sp>
+      <p:cxnSp>
+        <p:nvCxnSpPr>
+          <p:cNvPr id="29" name="직선 화살표 연결선 28">
+            <a:extLst>
+              <a:ext uri="{FF2B5EF4-FFF2-40B4-BE49-F238E27FC236}">
+                <a16:creationId xmlns:a16="http://schemas.microsoft.com/office/drawing/2014/main" id="{2D1886C8-A7B0-4974-B3BA-0EF59F1A5614}"/>
+              </a:ext>
+            </a:extLst>
+          </p:cNvPr>
+          <p:cNvCxnSpPr>
+            <a:cxnSpLocks/>
+          </p:cNvCxnSpPr>
+          <p:nvPr/>
+        </p:nvCxnSpPr>
+        <p:spPr>
+          <a:xfrm flipH="1">
+            <a:off x="6094930" y="2297028"/>
+            <a:ext cx="31649" cy="1154964"/>
+          </a:xfrm>
+          <a:prstGeom prst="straightConnector1">
+            <a:avLst/>
+          </a:prstGeom>
+          <a:ln>
+            <a:gradFill>
+              <a:gsLst>
+                <a:gs pos="26566">
+                  <a:srgbClr val="DBE4F3"/>
+                </a:gs>
+                <a:gs pos="0">
+                  <a:schemeClr val="accent1">
+                    <a:lumMod val="5000"/>
+                    <a:lumOff val="95000"/>
+                  </a:schemeClr>
+                </a:gs>
+                <a:gs pos="61000">
+                  <a:schemeClr val="accent1">
+                    <a:lumMod val="45000"/>
+                    <a:lumOff val="55000"/>
+                  </a:schemeClr>
+                </a:gs>
+                <a:gs pos="83000">
+                  <a:schemeClr val="accent1">
+                    <a:lumMod val="45000"/>
+                    <a:lumOff val="55000"/>
+                  </a:schemeClr>
+                </a:gs>
+                <a:gs pos="100000">
+                  <a:schemeClr val="accent1">
+                    <a:lumMod val="30000"/>
+                    <a:lumOff val="70000"/>
+                  </a:schemeClr>
+                </a:gs>
+              </a:gsLst>
+              <a:lin ang="5400000" scaled="1"/>
+            </a:gradFill>
+            <a:tailEnd type="triangle"/>
+          </a:ln>
+        </p:spPr>
+        <p:style>
+          <a:lnRef idx="1">
+            <a:schemeClr val="accent1"/>
+          </a:lnRef>
+          <a:fillRef idx="0">
+            <a:schemeClr val="accent1"/>
+          </a:fillRef>
+          <a:effectRef idx="0">
+            <a:schemeClr val="accent1"/>
+          </a:effectRef>
+          <a:fontRef idx="minor">
+            <a:schemeClr val="tx1"/>
+          </a:fontRef>
+        </p:style>
+      </p:cxnSp>
     </p:spTree>
     <p:extLst>
       <p:ext uri="{BB962C8B-B14F-4D97-AF65-F5344CB8AC3E}">

--- a/AI_06_Conclusion.pptx
+++ b/AI_06_Conclusion.pptx
@@ -7,19 +7,14 @@
   <p:sldIdLst>
     <p:sldId id="356" r:id="rId2"/>
     <p:sldId id="284" r:id="rId3"/>
-    <p:sldId id="298" r:id="rId4"/>
-    <p:sldId id="302" r:id="rId5"/>
-    <p:sldId id="300" r:id="rId6"/>
-    <p:sldId id="339" r:id="rId7"/>
-    <p:sldId id="357" r:id="rId8"/>
-    <p:sldId id="301" r:id="rId9"/>
-    <p:sldId id="276" r:id="rId10"/>
-    <p:sldId id="297" r:id="rId11"/>
-    <p:sldId id="278" r:id="rId12"/>
-    <p:sldId id="332" r:id="rId13"/>
-    <p:sldId id="338" r:id="rId14"/>
-    <p:sldId id="322" r:id="rId15"/>
-    <p:sldId id="340" r:id="rId16"/>
+    <p:sldId id="302" r:id="rId4"/>
+    <p:sldId id="300" r:id="rId5"/>
+    <p:sldId id="339" r:id="rId6"/>
+    <p:sldId id="357" r:id="rId7"/>
+    <p:sldId id="301" r:id="rId8"/>
+    <p:sldId id="278" r:id="rId9"/>
+    <p:sldId id="332" r:id="rId10"/>
+    <p:sldId id="340" r:id="rId11"/>
   </p:sldIdLst>
   <p:sldSz cx="12192000" cy="6858000"/>
   <p:notesSz cx="6858000" cy="9144000"/>
@@ -273,7 +268,7 @@
           <a:p>
             <a:fld id="{636D50FB-5A8B-4889-B1B1-F253DF8483FF}" type="datetimeFigureOut">
               <a:rPr lang="ko-KR" altLang="en-US" smtClean="0"/>
-              <a:t>2023-07-16</a:t>
+              <a:t>2023-07-20</a:t>
             </a:fld>
             <a:endParaRPr lang="ko-KR" altLang="en-US"/>
           </a:p>
@@ -471,7 +466,7 @@
           <a:p>
             <a:fld id="{636D50FB-5A8B-4889-B1B1-F253DF8483FF}" type="datetimeFigureOut">
               <a:rPr lang="ko-KR" altLang="en-US" smtClean="0"/>
-              <a:t>2023-07-16</a:t>
+              <a:t>2023-07-20</a:t>
             </a:fld>
             <a:endParaRPr lang="ko-KR" altLang="en-US"/>
           </a:p>
@@ -679,7 +674,7 @@
           <a:p>
             <a:fld id="{636D50FB-5A8B-4889-B1B1-F253DF8483FF}" type="datetimeFigureOut">
               <a:rPr lang="ko-KR" altLang="en-US" smtClean="0"/>
-              <a:t>2023-07-16</a:t>
+              <a:t>2023-07-20</a:t>
             </a:fld>
             <a:endParaRPr lang="ko-KR" altLang="en-US"/>
           </a:p>
@@ -877,7 +872,7 @@
           <a:p>
             <a:fld id="{636D50FB-5A8B-4889-B1B1-F253DF8483FF}" type="datetimeFigureOut">
               <a:rPr lang="ko-KR" altLang="en-US" smtClean="0"/>
-              <a:t>2023-07-16</a:t>
+              <a:t>2023-07-20</a:t>
             </a:fld>
             <a:endParaRPr lang="ko-KR" altLang="en-US"/>
           </a:p>
@@ -1152,7 +1147,7 @@
           <a:p>
             <a:fld id="{636D50FB-5A8B-4889-B1B1-F253DF8483FF}" type="datetimeFigureOut">
               <a:rPr lang="ko-KR" altLang="en-US" smtClean="0"/>
-              <a:t>2023-07-16</a:t>
+              <a:t>2023-07-20</a:t>
             </a:fld>
             <a:endParaRPr lang="ko-KR" altLang="en-US"/>
           </a:p>
@@ -1417,7 +1412,7 @@
           <a:p>
             <a:fld id="{636D50FB-5A8B-4889-B1B1-F253DF8483FF}" type="datetimeFigureOut">
               <a:rPr lang="ko-KR" altLang="en-US" smtClean="0"/>
-              <a:t>2023-07-16</a:t>
+              <a:t>2023-07-20</a:t>
             </a:fld>
             <a:endParaRPr lang="ko-KR" altLang="en-US"/>
           </a:p>
@@ -1829,7 +1824,7 @@
           <a:p>
             <a:fld id="{636D50FB-5A8B-4889-B1B1-F253DF8483FF}" type="datetimeFigureOut">
               <a:rPr lang="ko-KR" altLang="en-US" smtClean="0"/>
-              <a:t>2023-07-16</a:t>
+              <a:t>2023-07-20</a:t>
             </a:fld>
             <a:endParaRPr lang="ko-KR" altLang="en-US"/>
           </a:p>
@@ -1970,7 +1965,7 @@
           <a:p>
             <a:fld id="{636D50FB-5A8B-4889-B1B1-F253DF8483FF}" type="datetimeFigureOut">
               <a:rPr lang="ko-KR" altLang="en-US" smtClean="0"/>
-              <a:t>2023-07-16</a:t>
+              <a:t>2023-07-20</a:t>
             </a:fld>
             <a:endParaRPr lang="ko-KR" altLang="en-US"/>
           </a:p>
@@ -2083,7 +2078,7 @@
           <a:p>
             <a:fld id="{636D50FB-5A8B-4889-B1B1-F253DF8483FF}" type="datetimeFigureOut">
               <a:rPr lang="ko-KR" altLang="en-US" smtClean="0"/>
-              <a:t>2023-07-16</a:t>
+              <a:t>2023-07-20</a:t>
             </a:fld>
             <a:endParaRPr lang="ko-KR" altLang="en-US"/>
           </a:p>
@@ -2394,7 +2389,7 @@
           <a:p>
             <a:fld id="{636D50FB-5A8B-4889-B1B1-F253DF8483FF}" type="datetimeFigureOut">
               <a:rPr lang="ko-KR" altLang="en-US" smtClean="0"/>
-              <a:t>2023-07-16</a:t>
+              <a:t>2023-07-20</a:t>
             </a:fld>
             <a:endParaRPr lang="ko-KR" altLang="en-US"/>
           </a:p>
@@ -2682,7 +2677,7 @@
           <a:p>
             <a:fld id="{636D50FB-5A8B-4889-B1B1-F253DF8483FF}" type="datetimeFigureOut">
               <a:rPr lang="ko-KR" altLang="en-US" smtClean="0"/>
-              <a:t>2023-07-16</a:t>
+              <a:t>2023-07-20</a:t>
             </a:fld>
             <a:endParaRPr lang="ko-KR" altLang="en-US"/>
           </a:p>
@@ -2923,7 +2918,7 @@
           <a:p>
             <a:fld id="{636D50FB-5A8B-4889-B1B1-F253DF8483FF}" type="datetimeFigureOut">
               <a:rPr lang="ko-KR" altLang="en-US" smtClean="0"/>
-              <a:t>2023-07-16</a:t>
+              <a:t>2023-07-20</a:t>
             </a:fld>
             <a:endParaRPr lang="ko-KR" altLang="en-US"/>
           </a:p>
@@ -3354,7 +3349,7 @@
         </p:nvSpPr>
         <p:spPr>
           <a:xfrm>
-            <a:off x="4128333" y="1121573"/>
+            <a:off x="3102220" y="1138601"/>
             <a:ext cx="1776046" cy="465993"/>
           </a:xfrm>
           <a:prstGeom prst="rect">
@@ -3554,7 +3549,7 @@
         </p:nvSpPr>
         <p:spPr>
           <a:xfrm>
-            <a:off x="5104000" y="4688008"/>
+            <a:off x="5080908" y="5116703"/>
             <a:ext cx="1776046" cy="465993"/>
           </a:xfrm>
           <a:prstGeom prst="rect">
@@ -3750,8 +3745,8 @@
         </p:nvSpPr>
         <p:spPr>
           <a:xfrm flipH="1">
-            <a:off x="5881825" y="5213845"/>
-            <a:ext cx="110195" cy="760529"/>
+            <a:off x="5881824" y="5538811"/>
+            <a:ext cx="110195" cy="435563"/>
           </a:xfrm>
           <a:prstGeom prst="downArrow">
             <a:avLst/>
@@ -3935,7 +3930,7 @@
         </p:nvSpPr>
         <p:spPr>
           <a:xfrm>
-            <a:off x="5876193" y="1054521"/>
+            <a:off x="4831374" y="1116619"/>
             <a:ext cx="2089638" cy="276999"/>
           </a:xfrm>
           <a:prstGeom prst="rect">
@@ -3993,42 +3988,6 @@
           </a:p>
         </p:txBody>
       </p:sp>
-      <p:sp>
-        <p:nvSpPr>
-          <p:cNvPr id="19" name="직사각형 18">
-            <a:extLst>
-              <a:ext uri="{FF2B5EF4-FFF2-40B4-BE49-F238E27FC236}">
-                <a16:creationId xmlns:a16="http://schemas.microsoft.com/office/drawing/2014/main" id="{8FDCDCC5-64BE-4BF7-B960-29B1DD5B9C18}"/>
-              </a:ext>
-            </a:extLst>
-          </p:cNvPr>
-          <p:cNvSpPr/>
-          <p:nvPr/>
-        </p:nvSpPr>
-        <p:spPr>
-          <a:xfrm>
-            <a:off x="10968404" y="6066662"/>
-            <a:ext cx="1128521" cy="276999"/>
-          </a:xfrm>
-          <a:prstGeom prst="rect">
-            <a:avLst/>
-          </a:prstGeom>
-        </p:spPr>
-        <p:txBody>
-          <a:bodyPr wrap="square">
-            <a:spAutoFit/>
-          </a:bodyPr>
-          <a:lstStyle/>
-          <a:p>
-            <a:pPr fontAlgn="ctr"/>
-            <a:r>
-              <a:rPr lang="en-US" altLang="ko-KR" sz="1200" dirty="0"/>
-              <a:t>2023</a:t>
-            </a:r>
-            <a:endParaRPr lang="ko-KR" altLang="ko-KR" sz="1200" dirty="0"/>
-          </a:p>
-        </p:txBody>
-      </p:sp>
       <p:cxnSp>
         <p:nvCxnSpPr>
           <p:cNvPr id="21" name="직선 화살표 연결선 20">
@@ -4038,15 +3997,13 @@
               </a:ext>
             </a:extLst>
           </p:cNvPr>
-          <p:cNvCxnSpPr>
-            <a:cxnSpLocks/>
-          </p:cNvCxnSpPr>
+          <p:cNvCxnSpPr/>
           <p:nvPr/>
         </p:nvCxnSpPr>
         <p:spPr>
           <a:xfrm>
             <a:off x="1800959" y="668215"/>
-            <a:ext cx="2170891" cy="460037"/>
+            <a:ext cx="1301261" cy="448404"/>
           </a:xfrm>
           <a:prstGeom prst="straightConnector1">
             <a:avLst/>
@@ -4079,15 +4036,13 @@
               </a:ext>
             </a:extLst>
           </p:cNvPr>
-          <p:cNvCxnSpPr>
-            <a:cxnSpLocks/>
-          </p:cNvCxnSpPr>
+          <p:cNvCxnSpPr/>
           <p:nvPr/>
         </p:nvCxnSpPr>
         <p:spPr>
           <a:xfrm flipH="1">
-            <a:off x="6409189" y="383113"/>
-            <a:ext cx="3058663" cy="840432"/>
+            <a:off x="5370636" y="372207"/>
+            <a:ext cx="4097215" cy="882911"/>
           </a:xfrm>
           <a:prstGeom prst="straightConnector1">
             <a:avLst/>
@@ -4168,8 +4123,8 @@
         </p:nvCxnSpPr>
         <p:spPr>
           <a:xfrm flipH="1">
-            <a:off x="2451589" y="1704794"/>
-            <a:ext cx="2522853" cy="909233"/>
+            <a:off x="2451589" y="1179660"/>
+            <a:ext cx="1781798" cy="1434367"/>
           </a:xfrm>
           <a:prstGeom prst="straightConnector1">
             <a:avLst/>
@@ -4245,8 +4200,8 @@
         </p:nvCxnSpPr>
         <p:spPr>
           <a:xfrm flipH="1">
-            <a:off x="6292785" y="4111435"/>
-            <a:ext cx="422520" cy="516729"/>
+            <a:off x="5968931" y="4111435"/>
+            <a:ext cx="746374" cy="961857"/>
           </a:xfrm>
           <a:prstGeom prst="straightConnector1">
             <a:avLst/>
@@ -4284,7 +4239,7 @@
         </p:nvSpPr>
         <p:spPr>
           <a:xfrm>
-            <a:off x="777005" y="4213406"/>
+            <a:off x="787622" y="3929332"/>
             <a:ext cx="1485899" cy="646331"/>
           </a:xfrm>
           <a:prstGeom prst="rect">
@@ -4331,14 +4286,13 @@
           </p:cNvPr>
           <p:cNvCxnSpPr>
             <a:cxnSpLocks/>
-            <a:stCxn id="52" idx="3"/>
           </p:cNvCxnSpPr>
           <p:nvPr/>
         </p:nvCxnSpPr>
         <p:spPr>
           <a:xfrm flipV="1">
-            <a:off x="3655202" y="5495873"/>
-            <a:ext cx="2014904" cy="1"/>
+            <a:off x="3637149" y="4838266"/>
+            <a:ext cx="2410912" cy="3074"/>
           </a:xfrm>
           <a:prstGeom prst="straightConnector1">
             <a:avLst/>
@@ -4414,42 +4368,6 @@
       </p:sp>
       <p:sp>
         <p:nvSpPr>
-          <p:cNvPr id="41" name="직사각형 40">
-            <a:extLst>
-              <a:ext uri="{FF2B5EF4-FFF2-40B4-BE49-F238E27FC236}">
-                <a16:creationId xmlns:a16="http://schemas.microsoft.com/office/drawing/2014/main" id="{A8F53F03-AE49-4F46-913D-C7AAA5CEADC5}"/>
-              </a:ext>
-            </a:extLst>
-          </p:cNvPr>
-          <p:cNvSpPr/>
-          <p:nvPr/>
-        </p:nvSpPr>
-        <p:spPr>
-          <a:xfrm>
-            <a:off x="6900497" y="6066662"/>
-            <a:ext cx="2089638" cy="276999"/>
-          </a:xfrm>
-          <a:prstGeom prst="rect">
-            <a:avLst/>
-          </a:prstGeom>
-        </p:spPr>
-        <p:txBody>
-          <a:bodyPr wrap="square">
-            <a:spAutoFit/>
-          </a:bodyPr>
-          <a:lstStyle/>
-          <a:p>
-            <a:pPr fontAlgn="ctr"/>
-            <a:r>
-              <a:rPr lang="en-US" altLang="ko-KR" sz="1200" dirty="0"/>
-              <a:t>2020</a:t>
-            </a:r>
-            <a:endParaRPr lang="ko-KR" altLang="ko-KR" sz="1200" dirty="0"/>
-          </a:p>
-        </p:txBody>
-      </p:sp>
-      <p:sp>
-        <p:nvSpPr>
           <p:cNvPr id="42" name="직사각형 41">
             <a:extLst>
               <a:ext uri="{FF2B5EF4-FFF2-40B4-BE49-F238E27FC236}">
@@ -4463,7 +4381,7 @@
         <p:spPr>
           <a:xfrm>
             <a:off x="3286046" y="6063263"/>
-            <a:ext cx="1879435" cy="277000"/>
+            <a:ext cx="595489" cy="277000"/>
           </a:xfrm>
           <a:prstGeom prst="rect">
             <a:avLst/>
@@ -4501,7 +4419,7 @@
         <p:spPr>
           <a:xfrm>
             <a:off x="9127295" y="3744961"/>
-            <a:ext cx="786450" cy="366474"/>
+            <a:ext cx="888023" cy="377399"/>
           </a:xfrm>
           <a:prstGeom prst="straightConnector1">
             <a:avLst/>
@@ -4539,7 +4457,7 @@
         </p:nvSpPr>
         <p:spPr>
           <a:xfrm>
-            <a:off x="2250971" y="5357374"/>
+            <a:off x="2209745" y="4702465"/>
             <a:ext cx="1404231" cy="276999"/>
           </a:xfrm>
           <a:prstGeom prst="rect">
@@ -4591,7 +4509,7 @@
         </p:nvSpPr>
         <p:spPr>
           <a:xfrm>
-            <a:off x="4225763" y="1937708"/>
+            <a:off x="3241610" y="1868186"/>
             <a:ext cx="2007281" cy="276999"/>
           </a:xfrm>
           <a:prstGeom prst="rect">
@@ -4612,12 +4530,208 @@
           </a:p>
         </p:txBody>
       </p:sp>
+      <p:sp>
+        <p:nvSpPr>
+          <p:cNvPr id="32" name="직사각형 31">
+            <a:extLst>
+              <a:ext uri="{FF2B5EF4-FFF2-40B4-BE49-F238E27FC236}">
+                <a16:creationId xmlns:a16="http://schemas.microsoft.com/office/drawing/2014/main" id="{2388F914-7DF8-410C-BB50-B4EA486C2634}"/>
+              </a:ext>
+            </a:extLst>
+          </p:cNvPr>
+          <p:cNvSpPr/>
+          <p:nvPr/>
+        </p:nvSpPr>
+        <p:spPr>
+          <a:xfrm>
+            <a:off x="6833958" y="5073292"/>
+            <a:ext cx="2089638" cy="276999"/>
+          </a:xfrm>
+          <a:prstGeom prst="rect">
+            <a:avLst/>
+          </a:prstGeom>
+        </p:spPr>
+        <p:txBody>
+          <a:bodyPr wrap="square">
+            <a:spAutoFit/>
+          </a:bodyPr>
+          <a:lstStyle/>
+          <a:p>
+            <a:pPr fontAlgn="ctr"/>
+            <a:r>
+              <a:rPr lang="en-US" altLang="ko-KR" sz="1200" dirty="0"/>
+              <a:t>2019</a:t>
+            </a:r>
+            <a:endParaRPr lang="ko-KR" altLang="ko-KR" sz="1200" dirty="0"/>
+          </a:p>
+        </p:txBody>
+      </p:sp>
+      <p:sp>
+        <p:nvSpPr>
+          <p:cNvPr id="36" name="직사각형 35">
+            <a:extLst>
+              <a:ext uri="{FF2B5EF4-FFF2-40B4-BE49-F238E27FC236}">
+                <a16:creationId xmlns:a16="http://schemas.microsoft.com/office/drawing/2014/main" id="{F15E46D8-D6D3-428B-8C6C-EDE6070DCF18}"/>
+              </a:ext>
+            </a:extLst>
+          </p:cNvPr>
+          <p:cNvSpPr/>
+          <p:nvPr/>
+        </p:nvSpPr>
+        <p:spPr>
+          <a:xfrm>
+            <a:off x="2238276" y="3550747"/>
+            <a:ext cx="1352165" cy="276999"/>
+          </a:xfrm>
+          <a:prstGeom prst="rect">
+            <a:avLst/>
+          </a:prstGeom>
+        </p:spPr>
+        <p:txBody>
+          <a:bodyPr wrap="none">
+            <a:spAutoFit/>
+          </a:bodyPr>
+          <a:lstStyle/>
+          <a:p>
+            <a:pPr algn="r" fontAlgn="ctr"/>
+            <a:r>
+              <a:rPr lang="en-US" altLang="ko-KR" sz="1200" dirty="0">
+                <a:effectLst>
+                  <a:outerShdw blurRad="38100" dist="38100" dir="2700000" algn="tl">
+                    <a:srgbClr val="000000">
+                      <a:alpha val="43137"/>
+                    </a:srgbClr>
+                  </a:outerShdw>
+                </a:effectLst>
+              </a:rPr>
+              <a:t>TensorFlow 2015</a:t>
+            </a:r>
+            <a:endParaRPr lang="ko-KR" altLang="ko-KR" sz="1200" dirty="0">
+              <a:effectLst>
+                <a:outerShdw blurRad="38100" dist="38100" dir="2700000" algn="tl">
+                  <a:srgbClr val="000000">
+                    <a:alpha val="43137"/>
+                  </a:srgbClr>
+                </a:outerShdw>
+              </a:effectLst>
+            </a:endParaRPr>
+          </a:p>
+        </p:txBody>
+      </p:sp>
+      <p:sp>
+        <p:nvSpPr>
+          <p:cNvPr id="43" name="직사각형 42">
+            <a:extLst>
+              <a:ext uri="{FF2B5EF4-FFF2-40B4-BE49-F238E27FC236}">
+                <a16:creationId xmlns:a16="http://schemas.microsoft.com/office/drawing/2014/main" id="{5B47F0F9-5A22-4381-A238-6C4747582A2D}"/>
+              </a:ext>
+            </a:extLst>
+          </p:cNvPr>
+          <p:cNvSpPr/>
+          <p:nvPr/>
+        </p:nvSpPr>
+        <p:spPr>
+          <a:xfrm>
+            <a:off x="10903341" y="4169402"/>
+            <a:ext cx="595489" cy="276999"/>
+          </a:xfrm>
+          <a:prstGeom prst="rect">
+            <a:avLst/>
+          </a:prstGeom>
+        </p:spPr>
+        <p:txBody>
+          <a:bodyPr wrap="square">
+            <a:spAutoFit/>
+          </a:bodyPr>
+          <a:lstStyle/>
+          <a:p>
+            <a:pPr fontAlgn="ctr"/>
+            <a:r>
+              <a:rPr lang="en-US" altLang="ko-KR" sz="1200" dirty="0"/>
+              <a:t>2021</a:t>
+            </a:r>
+            <a:endParaRPr lang="ko-KR" altLang="ko-KR" sz="1200" dirty="0"/>
+          </a:p>
+        </p:txBody>
+      </p:sp>
+      <p:sp>
+        <p:nvSpPr>
+          <p:cNvPr id="44" name="직사각형 43">
+            <a:extLst>
+              <a:ext uri="{FF2B5EF4-FFF2-40B4-BE49-F238E27FC236}">
+                <a16:creationId xmlns:a16="http://schemas.microsoft.com/office/drawing/2014/main" id="{AC19CD2C-CC17-49C6-9F88-D16CF4F93BD6}"/>
+              </a:ext>
+            </a:extLst>
+          </p:cNvPr>
+          <p:cNvSpPr/>
+          <p:nvPr/>
+        </p:nvSpPr>
+        <p:spPr>
+          <a:xfrm>
+            <a:off x="10980846" y="6025617"/>
+            <a:ext cx="595489" cy="277000"/>
+          </a:xfrm>
+          <a:prstGeom prst="rect">
+            <a:avLst/>
+          </a:prstGeom>
+        </p:spPr>
+        <p:txBody>
+          <a:bodyPr wrap="square">
+            <a:spAutoFit/>
+          </a:bodyPr>
+          <a:lstStyle/>
+          <a:p>
+            <a:pPr fontAlgn="ctr"/>
+            <a:r>
+              <a:rPr lang="en-US" altLang="ko-KR" sz="1200" dirty="0"/>
+              <a:t>2023</a:t>
+            </a:r>
+            <a:endParaRPr lang="ko-KR" altLang="ko-KR" sz="1200" dirty="0"/>
+          </a:p>
+        </p:txBody>
+      </p:sp>
+      <p:sp>
+        <p:nvSpPr>
+          <p:cNvPr id="45" name="직사각형 44">
+            <a:extLst>
+              <a:ext uri="{FF2B5EF4-FFF2-40B4-BE49-F238E27FC236}">
+                <a16:creationId xmlns:a16="http://schemas.microsoft.com/office/drawing/2014/main" id="{1A57F181-8FB9-4176-A058-C6F4E09C78B9}"/>
+              </a:ext>
+            </a:extLst>
+          </p:cNvPr>
+          <p:cNvSpPr/>
+          <p:nvPr/>
+        </p:nvSpPr>
+        <p:spPr>
+          <a:xfrm>
+            <a:off x="6933453" y="6025617"/>
+            <a:ext cx="2089638" cy="276999"/>
+          </a:xfrm>
+          <a:prstGeom prst="rect">
+            <a:avLst/>
+          </a:prstGeom>
+        </p:spPr>
+        <p:txBody>
+          <a:bodyPr wrap="square">
+            <a:spAutoFit/>
+          </a:bodyPr>
+          <a:lstStyle/>
+          <a:p>
+            <a:pPr fontAlgn="ctr"/>
+            <a:r>
+              <a:rPr lang="en-US" altLang="ko-KR" sz="1200" dirty="0"/>
+              <a:t>2018~</a:t>
+            </a:r>
+            <a:endParaRPr lang="ko-KR" altLang="ko-KR" sz="1200" dirty="0"/>
+          </a:p>
+        </p:txBody>
+      </p:sp>
       <p:cxnSp>
         <p:nvCxnSpPr>
           <p:cNvPr id="29" name="직선 화살표 연결선 28">
             <a:extLst>
               <a:ext uri="{FF2B5EF4-FFF2-40B4-BE49-F238E27FC236}">
-                <a16:creationId xmlns:a16="http://schemas.microsoft.com/office/drawing/2014/main" id="{2D1886C8-A7B0-4974-B3BA-0EF59F1A5614}"/>
+                <a16:creationId xmlns:a16="http://schemas.microsoft.com/office/drawing/2014/main" id="{E7B1D185-59CB-4F9F-AA9B-D807A7C14FEC}"/>
               </a:ext>
             </a:extLst>
           </p:cNvPr>
@@ -4627,9 +4741,9 @@
           <p:nvPr/>
         </p:nvCxnSpPr>
         <p:spPr>
-          <a:xfrm flipH="1">
-            <a:off x="6094930" y="2297028"/>
-            <a:ext cx="31649" cy="1154964"/>
+          <a:xfrm>
+            <a:off x="5144966" y="2145185"/>
+            <a:ext cx="1570339" cy="1283815"/>
           </a:xfrm>
           <a:prstGeom prst="straightConnector1">
             <a:avLst/>
@@ -4637,8 +4751,8 @@
           <a:ln>
             <a:gradFill>
               <a:gsLst>
-                <a:gs pos="26566">
-                  <a:srgbClr val="DBE4F3"/>
+                <a:gs pos="41000">
+                  <a:srgbClr val="DAE3F3"/>
                 </a:gs>
                 <a:gs pos="0">
                   <a:schemeClr val="accent1">
@@ -4646,7 +4760,7 @@
                     <a:lumOff val="95000"/>
                   </a:schemeClr>
                 </a:gs>
-                <a:gs pos="61000">
+                <a:gs pos="74000">
                   <a:schemeClr val="accent1">
                     <a:lumMod val="45000"/>
                     <a:lumOff val="55000"/>
@@ -4715,2193 +4829,6 @@
           <a:chExt cx="0" cy="0"/>
         </a:xfrm>
       </p:grpSpPr>
-      <p:sp>
-        <p:nvSpPr>
-          <p:cNvPr id="3" name="내용 개체 틀 2">
-            <a:extLst>
-              <a:ext uri="{FF2B5EF4-FFF2-40B4-BE49-F238E27FC236}">
-                <a16:creationId xmlns:a16="http://schemas.microsoft.com/office/drawing/2014/main" id="{80628268-3A1F-45BF-80F8-82F91504C284}"/>
-              </a:ext>
-            </a:extLst>
-          </p:cNvPr>
-          <p:cNvSpPr>
-            <a:spLocks noGrp="1"/>
-          </p:cNvSpPr>
-          <p:nvPr>
-            <p:ph idx="1"/>
-          </p:nvPr>
-        </p:nvSpPr>
-        <p:spPr>
-          <a:xfrm>
-            <a:off x="707572" y="681135"/>
-            <a:ext cx="10955694" cy="4030922"/>
-          </a:xfrm>
-        </p:spPr>
-        <p:txBody>
-          <a:bodyPr>
-            <a:normAutofit/>
-          </a:bodyPr>
-          <a:lstStyle/>
-          <a:p>
-            <a:r>
-              <a:rPr lang="en-US" altLang="ko-KR" dirty="0"/>
-              <a:t>Conventional Search Engine:</a:t>
-            </a:r>
-          </a:p>
-          <a:p>
-            <a:pPr lvl="1"/>
-            <a:r>
-              <a:rPr lang="en-US" altLang="ko-KR" sz="1000" dirty="0"/>
-              <a:t>Relies on keyword matching and indexing.</a:t>
-            </a:r>
-          </a:p>
-          <a:p>
-            <a:pPr lvl="1"/>
-            <a:r>
-              <a:rPr lang="en-US" altLang="ko-KR" sz="1000" dirty="0"/>
-              <a:t>Results are based on factors like keyword density and page rankings.</a:t>
-            </a:r>
-          </a:p>
-          <a:p>
-            <a:pPr lvl="1"/>
-            <a:r>
-              <a:rPr lang="en-US" altLang="ko-KR" sz="1000" dirty="0"/>
-              <a:t>Provides a list of relevant web pages.</a:t>
-            </a:r>
-          </a:p>
-          <a:p>
-            <a:pPr lvl="1"/>
-            <a:r>
-              <a:rPr lang="en-US" altLang="ko-KR" sz="1000" dirty="0"/>
-              <a:t>Emphasizes popularity and authority of web pages.</a:t>
-            </a:r>
-          </a:p>
-          <a:p>
-            <a:pPr lvl="1"/>
-            <a:r>
-              <a:rPr lang="en-US" altLang="ko-KR" sz="1600" dirty="0"/>
-              <a:t>Does not focus on understanding the meaning or context of the search query.</a:t>
-            </a:r>
-          </a:p>
-          <a:p>
-            <a:r>
-              <a:rPr lang="en-US" altLang="ko-KR" dirty="0"/>
-              <a:t>Semantic Search Engine:</a:t>
-            </a:r>
-          </a:p>
-          <a:p>
-            <a:pPr lvl="1"/>
-            <a:r>
-              <a:rPr lang="en-US" altLang="ko-KR" sz="900" dirty="0"/>
-              <a:t>Analyzes the meaning and context of the search query.</a:t>
-            </a:r>
-          </a:p>
-          <a:p>
-            <a:pPr lvl="1"/>
-            <a:r>
-              <a:rPr lang="en-US" altLang="ko-KR" sz="900" dirty="0"/>
-              <a:t>Considers user's location, search history, and other factors.</a:t>
-            </a:r>
-          </a:p>
-          <a:p>
-            <a:pPr lvl="1"/>
-            <a:r>
-              <a:rPr lang="en-US" altLang="ko-KR" sz="900" dirty="0"/>
-              <a:t>Provides more personalized and context-aware results.</a:t>
-            </a:r>
-          </a:p>
-          <a:p>
-            <a:pPr lvl="1"/>
-            <a:r>
-              <a:rPr lang="en-US" altLang="ko-KR" sz="900" dirty="0"/>
-              <a:t>Understands relationships between words and concepts.</a:t>
-            </a:r>
-          </a:p>
-          <a:p>
-            <a:pPr lvl="1"/>
-            <a:r>
-              <a:rPr lang="en-US" altLang="ko-KR" sz="900" dirty="0"/>
-              <a:t>Uses natural language processing (NLP) techniques.</a:t>
-            </a:r>
-          </a:p>
-          <a:p>
-            <a:pPr lvl="1"/>
-            <a:r>
-              <a:rPr lang="en-US" altLang="ko-KR" sz="900" dirty="0"/>
-              <a:t>Presents rich snippets and leverages knowledge graphs for additional context.</a:t>
-            </a:r>
-          </a:p>
-          <a:p>
-            <a:pPr lvl="1"/>
-            <a:r>
-              <a:rPr lang="en-US" altLang="ko-KR" sz="1600" dirty="0"/>
-              <a:t>Aims to deliver more accurate and meaningful search results.</a:t>
-            </a:r>
-          </a:p>
-          <a:p>
-            <a:endParaRPr lang="ko-KR" altLang="en-US" dirty="0"/>
-          </a:p>
-        </p:txBody>
-      </p:sp>
-      <p:sp>
-        <p:nvSpPr>
-          <p:cNvPr id="6" name="Rectangle 1">
-            <a:extLst>
-              <a:ext uri="{FF2B5EF4-FFF2-40B4-BE49-F238E27FC236}">
-                <a16:creationId xmlns:a16="http://schemas.microsoft.com/office/drawing/2014/main" id="{7ADBA410-52DB-427C-8FE6-B9C2D7581F2F}"/>
-              </a:ext>
-            </a:extLst>
-          </p:cNvPr>
-          <p:cNvSpPr>
-            <a:spLocks noChangeArrowheads="1"/>
-          </p:cNvSpPr>
-          <p:nvPr/>
-        </p:nvSpPr>
-        <p:spPr bwMode="auto">
-          <a:xfrm>
-            <a:off x="528734" y="4591406"/>
-            <a:ext cx="11199846" cy="1938992"/>
-          </a:xfrm>
-          <a:prstGeom prst="rect">
-            <a:avLst/>
-          </a:prstGeom>
-          <a:noFill/>
-          <a:ln>
-            <a:noFill/>
-          </a:ln>
-          <a:effectLst/>
-          <a:extLst>
-            <a:ext uri="{909E8E84-426E-40DD-AFC4-6F175D3DCCD1}">
-              <a14:hiddenFill xmlns:a14="http://schemas.microsoft.com/office/drawing/2010/main">
-                <a:solidFill>
-                  <a:schemeClr val="accent1"/>
-                </a:solidFill>
-              </a14:hiddenFill>
-            </a:ext>
-            <a:ext uri="{91240B29-F687-4F45-9708-019B960494DF}">
-              <a14:hiddenLine xmlns:a14="http://schemas.microsoft.com/office/drawing/2010/main" w="9525">
-                <a:solidFill>
-                  <a:schemeClr val="tx1"/>
-                </a:solidFill>
-                <a:miter lim="800000"/>
-                <a:headEnd/>
-                <a:tailEnd/>
-              </a14:hiddenLine>
-            </a:ext>
-            <a:ext uri="{AF507438-7753-43E0-B8FC-AC1667EBCBE1}">
-              <a14:hiddenEffects xmlns:a14="http://schemas.microsoft.com/office/drawing/2010/main">
-                <a:effectLst>
-                  <a:outerShdw dist="35921" dir="2700000" algn="ctr" rotWithShape="0">
-                    <a:schemeClr val="bg2"/>
-                  </a:outerShdw>
-                </a:effectLst>
-              </a14:hiddenEffects>
-            </a:ext>
-          </a:extLst>
-        </p:spPr>
-        <p:txBody>
-          <a:bodyPr vert="horz" wrap="square" lIns="91440" tIns="45720" rIns="91440" bIns="45720" numCol="1" anchor="ctr" anchorCtr="0" compatLnSpc="1">
-            <a:prstTxWarp prst="textNoShape">
-              <a:avLst/>
-            </a:prstTxWarp>
-            <a:spAutoFit/>
-          </a:bodyPr>
-          <a:lstStyle>
-            <a:lvl1pPr eaLnBrk="0" fontAlgn="base" hangingPunct="0">
-              <a:spcBef>
-                <a:spcPct val="0"/>
-              </a:spcBef>
-              <a:spcAft>
-                <a:spcPct val="0"/>
-              </a:spcAft>
-              <a:defRPr>
-                <a:solidFill>
-                  <a:schemeClr val="tx1"/>
-                </a:solidFill>
-                <a:latin typeface="Arial" panose="020B0604020202020204" pitchFamily="34" charset="0"/>
-              </a:defRPr>
-            </a:lvl1pPr>
-            <a:lvl2pPr eaLnBrk="0" fontAlgn="base" hangingPunct="0">
-              <a:spcBef>
-                <a:spcPct val="0"/>
-              </a:spcBef>
-              <a:spcAft>
-                <a:spcPct val="0"/>
-              </a:spcAft>
-              <a:defRPr>
-                <a:solidFill>
-                  <a:schemeClr val="tx1"/>
-                </a:solidFill>
-                <a:latin typeface="Arial" panose="020B0604020202020204" pitchFamily="34" charset="0"/>
-              </a:defRPr>
-            </a:lvl2pPr>
-            <a:lvl3pPr eaLnBrk="0" fontAlgn="base" hangingPunct="0">
-              <a:spcBef>
-                <a:spcPct val="0"/>
-              </a:spcBef>
-              <a:spcAft>
-                <a:spcPct val="0"/>
-              </a:spcAft>
-              <a:defRPr>
-                <a:solidFill>
-                  <a:schemeClr val="tx1"/>
-                </a:solidFill>
-                <a:latin typeface="Arial" panose="020B0604020202020204" pitchFamily="34" charset="0"/>
-              </a:defRPr>
-            </a:lvl3pPr>
-            <a:lvl4pPr eaLnBrk="0" fontAlgn="base" hangingPunct="0">
-              <a:spcBef>
-                <a:spcPct val="0"/>
-              </a:spcBef>
-              <a:spcAft>
-                <a:spcPct val="0"/>
-              </a:spcAft>
-              <a:defRPr>
-                <a:solidFill>
-                  <a:schemeClr val="tx1"/>
-                </a:solidFill>
-                <a:latin typeface="Arial" panose="020B0604020202020204" pitchFamily="34" charset="0"/>
-              </a:defRPr>
-            </a:lvl4pPr>
-            <a:lvl5pPr eaLnBrk="0" fontAlgn="base" hangingPunct="0">
-              <a:spcBef>
-                <a:spcPct val="0"/>
-              </a:spcBef>
-              <a:spcAft>
-                <a:spcPct val="0"/>
-              </a:spcAft>
-              <a:defRPr>
-                <a:solidFill>
-                  <a:schemeClr val="tx1"/>
-                </a:solidFill>
-                <a:latin typeface="Arial" panose="020B0604020202020204" pitchFamily="34" charset="0"/>
-              </a:defRPr>
-            </a:lvl5pPr>
-            <a:lvl6pPr eaLnBrk="0" fontAlgn="base" hangingPunct="0">
-              <a:spcBef>
-                <a:spcPct val="0"/>
-              </a:spcBef>
-              <a:spcAft>
-                <a:spcPct val="0"/>
-              </a:spcAft>
-              <a:defRPr>
-                <a:solidFill>
-                  <a:schemeClr val="tx1"/>
-                </a:solidFill>
-                <a:latin typeface="Arial" panose="020B0604020202020204" pitchFamily="34" charset="0"/>
-              </a:defRPr>
-            </a:lvl6pPr>
-            <a:lvl7pPr eaLnBrk="0" fontAlgn="base" hangingPunct="0">
-              <a:spcBef>
-                <a:spcPct val="0"/>
-              </a:spcBef>
-              <a:spcAft>
-                <a:spcPct val="0"/>
-              </a:spcAft>
-              <a:defRPr>
-                <a:solidFill>
-                  <a:schemeClr val="tx1"/>
-                </a:solidFill>
-                <a:latin typeface="Arial" panose="020B0604020202020204" pitchFamily="34" charset="0"/>
-              </a:defRPr>
-            </a:lvl7pPr>
-            <a:lvl8pPr eaLnBrk="0" fontAlgn="base" hangingPunct="0">
-              <a:spcBef>
-                <a:spcPct val="0"/>
-              </a:spcBef>
-              <a:spcAft>
-                <a:spcPct val="0"/>
-              </a:spcAft>
-              <a:defRPr>
-                <a:solidFill>
-                  <a:schemeClr val="tx1"/>
-                </a:solidFill>
-                <a:latin typeface="Arial" panose="020B0604020202020204" pitchFamily="34" charset="0"/>
-              </a:defRPr>
-            </a:lvl8pPr>
-            <a:lvl9pPr eaLnBrk="0" fontAlgn="base" hangingPunct="0">
-              <a:spcBef>
-                <a:spcPct val="0"/>
-              </a:spcBef>
-              <a:spcAft>
-                <a:spcPct val="0"/>
-              </a:spcAft>
-              <a:defRPr>
-                <a:solidFill>
-                  <a:schemeClr val="tx1"/>
-                </a:solidFill>
-                <a:latin typeface="Arial" panose="020B0604020202020204" pitchFamily="34" charset="0"/>
-              </a:defRPr>
-            </a:lvl9pPr>
-          </a:lstStyle>
-          <a:p>
-            <a:pPr marL="0" marR="0" lvl="0" indent="0" algn="l" defTabSz="914400" rtl="0" eaLnBrk="0" fontAlgn="base" latinLnBrk="0" hangingPunct="0">
-              <a:lnSpc>
-                <a:spcPct val="100000"/>
-              </a:lnSpc>
-              <a:spcBef>
-                <a:spcPct val="0"/>
-              </a:spcBef>
-              <a:spcAft>
-                <a:spcPct val="0"/>
-              </a:spcAft>
-              <a:buClrTx/>
-              <a:buSzTx/>
-              <a:buFontTx/>
-              <a:buNone/>
-              <a:tabLst/>
-            </a:pPr>
-            <a:r>
-              <a:rPr kumimoji="0" lang="ko-KR" altLang="ko-KR" sz="2400" b="0" i="0" u="none" strike="noStrike" cap="none" normalizeH="0" baseline="0" dirty="0" err="1">
-                <a:ln>
-                  <a:noFill/>
-                </a:ln>
-                <a:solidFill>
-                  <a:schemeClr val="tx1"/>
-                </a:solidFill>
-                <a:effectLst/>
-                <a:highlight>
-                  <a:srgbClr val="FFFF00"/>
-                </a:highlight>
-                <a:latin typeface="Arial" panose="020B0604020202020204" pitchFamily="34" charset="0"/>
-                <a:ea typeface="Söhne"/>
-              </a:rPr>
-              <a:t>In</a:t>
-            </a:r>
-            <a:r>
-              <a:rPr kumimoji="0" lang="ko-KR" altLang="ko-KR" sz="2400" b="0" i="0" u="none" strike="noStrike" cap="none" normalizeH="0" baseline="0" dirty="0">
-                <a:ln>
-                  <a:noFill/>
-                </a:ln>
-                <a:solidFill>
-                  <a:schemeClr val="tx1"/>
-                </a:solidFill>
-                <a:effectLst/>
-                <a:highlight>
-                  <a:srgbClr val="FFFF00"/>
-                </a:highlight>
-                <a:latin typeface="Arial" panose="020B0604020202020204" pitchFamily="34" charset="0"/>
-                <a:ea typeface="Söhne"/>
-              </a:rPr>
-              <a:t> </a:t>
-            </a:r>
-            <a:r>
-              <a:rPr kumimoji="0" lang="ko-KR" altLang="ko-KR" sz="2400" b="0" i="0" u="none" strike="noStrike" cap="none" normalizeH="0" baseline="0" dirty="0" err="1">
-                <a:ln>
-                  <a:noFill/>
-                </a:ln>
-                <a:solidFill>
-                  <a:schemeClr val="tx1"/>
-                </a:solidFill>
-                <a:effectLst/>
-                <a:highlight>
-                  <a:srgbClr val="FFFF00"/>
-                </a:highlight>
-                <a:latin typeface="Arial" panose="020B0604020202020204" pitchFamily="34" charset="0"/>
-                <a:ea typeface="Söhne"/>
-              </a:rPr>
-              <a:t>summary</a:t>
-            </a:r>
-            <a:r>
-              <a:rPr kumimoji="0" lang="ko-KR" altLang="ko-KR" sz="2400" b="0" i="0" u="none" strike="noStrike" cap="none" normalizeH="0" baseline="0" dirty="0">
-                <a:ln>
-                  <a:noFill/>
-                </a:ln>
-                <a:solidFill>
-                  <a:schemeClr val="tx1"/>
-                </a:solidFill>
-                <a:effectLst/>
-                <a:highlight>
-                  <a:srgbClr val="FFFF00"/>
-                </a:highlight>
-                <a:latin typeface="Arial" panose="020B0604020202020204" pitchFamily="34" charset="0"/>
-                <a:ea typeface="Söhne"/>
-              </a:rPr>
-              <a:t>, </a:t>
-            </a:r>
-            <a:r>
-              <a:rPr kumimoji="0" lang="ko-KR" altLang="ko-KR" sz="2400" b="0" i="0" u="none" strike="noStrike" cap="none" normalizeH="0" baseline="0" dirty="0" err="1">
-                <a:ln>
-                  <a:noFill/>
-                </a:ln>
-                <a:solidFill>
-                  <a:schemeClr val="tx1"/>
-                </a:solidFill>
-                <a:effectLst/>
-                <a:highlight>
-                  <a:srgbClr val="FFFF00"/>
-                </a:highlight>
-                <a:latin typeface="Arial" panose="020B0604020202020204" pitchFamily="34" charset="0"/>
-                <a:ea typeface="Söhne"/>
-              </a:rPr>
-              <a:t>conventional</a:t>
-            </a:r>
-            <a:r>
-              <a:rPr kumimoji="0" lang="ko-KR" altLang="ko-KR" sz="2400" b="0" i="0" u="none" strike="noStrike" cap="none" normalizeH="0" baseline="0" dirty="0">
-                <a:ln>
-                  <a:noFill/>
-                </a:ln>
-                <a:solidFill>
-                  <a:schemeClr val="tx1"/>
-                </a:solidFill>
-                <a:effectLst/>
-                <a:highlight>
-                  <a:srgbClr val="FFFF00"/>
-                </a:highlight>
-                <a:latin typeface="Arial" panose="020B0604020202020204" pitchFamily="34" charset="0"/>
-                <a:ea typeface="Söhne"/>
-              </a:rPr>
-              <a:t> </a:t>
-            </a:r>
-            <a:r>
-              <a:rPr kumimoji="0" lang="ko-KR" altLang="ko-KR" sz="2400" b="0" i="0" u="none" strike="noStrike" cap="none" normalizeH="0" baseline="0" dirty="0" err="1">
-                <a:ln>
-                  <a:noFill/>
-                </a:ln>
-                <a:solidFill>
-                  <a:schemeClr val="tx1"/>
-                </a:solidFill>
-                <a:effectLst/>
-                <a:highlight>
-                  <a:srgbClr val="FFFF00"/>
-                </a:highlight>
-                <a:latin typeface="Arial" panose="020B0604020202020204" pitchFamily="34" charset="0"/>
-                <a:ea typeface="Söhne"/>
-              </a:rPr>
-              <a:t>search</a:t>
-            </a:r>
-            <a:r>
-              <a:rPr kumimoji="0" lang="ko-KR" altLang="ko-KR" sz="2400" b="0" i="0" u="none" strike="noStrike" cap="none" normalizeH="0" baseline="0" dirty="0">
-                <a:ln>
-                  <a:noFill/>
-                </a:ln>
-                <a:solidFill>
-                  <a:schemeClr val="tx1"/>
-                </a:solidFill>
-                <a:effectLst/>
-                <a:highlight>
-                  <a:srgbClr val="FFFF00"/>
-                </a:highlight>
-                <a:latin typeface="Arial" panose="020B0604020202020204" pitchFamily="34" charset="0"/>
-                <a:ea typeface="Söhne"/>
-              </a:rPr>
-              <a:t> </a:t>
-            </a:r>
-            <a:r>
-              <a:rPr kumimoji="0" lang="ko-KR" altLang="ko-KR" sz="2400" b="0" i="0" u="none" strike="noStrike" cap="none" normalizeH="0" baseline="0" dirty="0" err="1">
-                <a:ln>
-                  <a:noFill/>
-                </a:ln>
-                <a:solidFill>
-                  <a:schemeClr val="tx1"/>
-                </a:solidFill>
-                <a:effectLst/>
-                <a:highlight>
-                  <a:srgbClr val="FFFF00"/>
-                </a:highlight>
-                <a:latin typeface="Arial" panose="020B0604020202020204" pitchFamily="34" charset="0"/>
-                <a:ea typeface="Söhne"/>
-              </a:rPr>
-              <a:t>engines</a:t>
-            </a:r>
-            <a:r>
-              <a:rPr kumimoji="0" lang="ko-KR" altLang="ko-KR" sz="2400" b="0" i="0" u="none" strike="noStrike" cap="none" normalizeH="0" baseline="0" dirty="0">
-                <a:ln>
-                  <a:noFill/>
-                </a:ln>
-                <a:solidFill>
-                  <a:schemeClr val="tx1"/>
-                </a:solidFill>
-                <a:effectLst/>
-                <a:highlight>
-                  <a:srgbClr val="FFFF00"/>
-                </a:highlight>
-                <a:latin typeface="Arial" panose="020B0604020202020204" pitchFamily="34" charset="0"/>
-                <a:ea typeface="Söhne"/>
-              </a:rPr>
-              <a:t> </a:t>
-            </a:r>
-            <a:r>
-              <a:rPr kumimoji="0" lang="ko-KR" altLang="ko-KR" sz="2400" b="0" i="0" u="none" strike="noStrike" cap="none" normalizeH="0" baseline="0" dirty="0" err="1">
-                <a:ln>
-                  <a:noFill/>
-                </a:ln>
-                <a:solidFill>
-                  <a:schemeClr val="tx1"/>
-                </a:solidFill>
-                <a:effectLst/>
-                <a:highlight>
-                  <a:srgbClr val="FFFF00"/>
-                </a:highlight>
-                <a:latin typeface="Arial" panose="020B0604020202020204" pitchFamily="34" charset="0"/>
-                <a:ea typeface="Söhne"/>
-              </a:rPr>
-              <a:t>primarily</a:t>
-            </a:r>
-            <a:r>
-              <a:rPr kumimoji="0" lang="ko-KR" altLang="ko-KR" sz="2400" b="0" i="0" u="none" strike="noStrike" cap="none" normalizeH="0" baseline="0" dirty="0">
-                <a:ln>
-                  <a:noFill/>
-                </a:ln>
-                <a:solidFill>
-                  <a:schemeClr val="tx1"/>
-                </a:solidFill>
-                <a:effectLst/>
-                <a:highlight>
-                  <a:srgbClr val="FFFF00"/>
-                </a:highlight>
-                <a:latin typeface="Arial" panose="020B0604020202020204" pitchFamily="34" charset="0"/>
-                <a:ea typeface="Söhne"/>
-              </a:rPr>
-              <a:t> </a:t>
-            </a:r>
-            <a:r>
-              <a:rPr kumimoji="0" lang="ko-KR" altLang="ko-KR" sz="2400" b="0" i="0" u="none" strike="noStrike" cap="none" normalizeH="0" baseline="0" dirty="0" err="1">
-                <a:ln>
-                  <a:noFill/>
-                </a:ln>
-                <a:solidFill>
-                  <a:schemeClr val="tx1"/>
-                </a:solidFill>
-                <a:effectLst/>
-                <a:highlight>
-                  <a:srgbClr val="FFFF00"/>
-                </a:highlight>
-                <a:latin typeface="Arial" panose="020B0604020202020204" pitchFamily="34" charset="0"/>
-                <a:ea typeface="Söhne"/>
-              </a:rPr>
-              <a:t>rely</a:t>
-            </a:r>
-            <a:r>
-              <a:rPr kumimoji="0" lang="ko-KR" altLang="ko-KR" sz="2400" b="0" i="0" u="none" strike="noStrike" cap="none" normalizeH="0" baseline="0" dirty="0">
-                <a:ln>
-                  <a:noFill/>
-                </a:ln>
-                <a:solidFill>
-                  <a:schemeClr val="tx1"/>
-                </a:solidFill>
-                <a:effectLst/>
-                <a:highlight>
-                  <a:srgbClr val="FFFF00"/>
-                </a:highlight>
-                <a:latin typeface="Arial" panose="020B0604020202020204" pitchFamily="34" charset="0"/>
-                <a:ea typeface="Söhne"/>
-              </a:rPr>
-              <a:t> </a:t>
-            </a:r>
-            <a:r>
-              <a:rPr kumimoji="0" lang="ko-KR" altLang="ko-KR" sz="2400" b="0" i="0" u="none" strike="noStrike" cap="none" normalizeH="0" baseline="0" dirty="0" err="1">
-                <a:ln>
-                  <a:noFill/>
-                </a:ln>
-                <a:solidFill>
-                  <a:schemeClr val="tx1"/>
-                </a:solidFill>
-                <a:effectLst/>
-                <a:highlight>
-                  <a:srgbClr val="FFFF00"/>
-                </a:highlight>
-                <a:latin typeface="Arial" panose="020B0604020202020204" pitchFamily="34" charset="0"/>
-                <a:ea typeface="Söhne"/>
-              </a:rPr>
-              <a:t>on</a:t>
-            </a:r>
-            <a:r>
-              <a:rPr kumimoji="0" lang="ko-KR" altLang="ko-KR" sz="2400" b="0" i="0" u="none" strike="noStrike" cap="none" normalizeH="0" baseline="0" dirty="0">
-                <a:ln>
-                  <a:noFill/>
-                </a:ln>
-                <a:solidFill>
-                  <a:schemeClr val="tx1"/>
-                </a:solidFill>
-                <a:effectLst/>
-                <a:highlight>
-                  <a:srgbClr val="FFFF00"/>
-                </a:highlight>
-                <a:latin typeface="Arial" panose="020B0604020202020204" pitchFamily="34" charset="0"/>
-                <a:ea typeface="Söhne"/>
-              </a:rPr>
-              <a:t> </a:t>
-            </a:r>
-            <a:r>
-              <a:rPr kumimoji="0" lang="ko-KR" altLang="ko-KR" sz="2400" b="0" i="0" u="none" strike="noStrike" cap="none" normalizeH="0" baseline="0" dirty="0" err="1">
-                <a:ln>
-                  <a:noFill/>
-                </a:ln>
-                <a:solidFill>
-                  <a:schemeClr val="tx1"/>
-                </a:solidFill>
-                <a:effectLst/>
-                <a:highlight>
-                  <a:srgbClr val="FFFF00"/>
-                </a:highlight>
-                <a:latin typeface="Arial" panose="020B0604020202020204" pitchFamily="34" charset="0"/>
-                <a:ea typeface="Söhne"/>
-              </a:rPr>
-              <a:t>keyword</a:t>
-            </a:r>
-            <a:r>
-              <a:rPr kumimoji="0" lang="ko-KR" altLang="ko-KR" sz="2400" b="0" i="0" u="none" strike="noStrike" cap="none" normalizeH="0" baseline="0" dirty="0">
-                <a:ln>
-                  <a:noFill/>
-                </a:ln>
-                <a:solidFill>
-                  <a:schemeClr val="tx1"/>
-                </a:solidFill>
-                <a:effectLst/>
-                <a:highlight>
-                  <a:srgbClr val="FFFF00"/>
-                </a:highlight>
-                <a:latin typeface="Arial" panose="020B0604020202020204" pitchFamily="34" charset="0"/>
-                <a:ea typeface="Söhne"/>
-              </a:rPr>
-              <a:t> </a:t>
-            </a:r>
-            <a:r>
-              <a:rPr kumimoji="0" lang="ko-KR" altLang="ko-KR" sz="2400" b="0" i="0" u="none" strike="noStrike" cap="none" normalizeH="0" baseline="0" dirty="0" err="1">
-                <a:ln>
-                  <a:noFill/>
-                </a:ln>
-                <a:solidFill>
-                  <a:schemeClr val="tx1"/>
-                </a:solidFill>
-                <a:effectLst/>
-                <a:highlight>
-                  <a:srgbClr val="FFFF00"/>
-                </a:highlight>
-                <a:latin typeface="Arial" panose="020B0604020202020204" pitchFamily="34" charset="0"/>
-                <a:ea typeface="Söhne"/>
-              </a:rPr>
-              <a:t>matching</a:t>
-            </a:r>
-            <a:r>
-              <a:rPr kumimoji="0" lang="ko-KR" altLang="ko-KR" sz="2400" b="0" i="0" u="none" strike="noStrike" cap="none" normalizeH="0" baseline="0" dirty="0">
-                <a:ln>
-                  <a:noFill/>
-                </a:ln>
-                <a:solidFill>
-                  <a:schemeClr val="tx1"/>
-                </a:solidFill>
-                <a:effectLst/>
-                <a:highlight>
-                  <a:srgbClr val="FFFF00"/>
-                </a:highlight>
-                <a:latin typeface="Arial" panose="020B0604020202020204" pitchFamily="34" charset="0"/>
-                <a:ea typeface="Söhne"/>
-              </a:rPr>
-              <a:t>, </a:t>
-            </a:r>
-            <a:r>
-              <a:rPr kumimoji="0" lang="ko-KR" altLang="ko-KR" sz="2400" b="0" i="0" u="none" strike="noStrike" cap="none" normalizeH="0" baseline="0" dirty="0" err="1">
-                <a:ln>
-                  <a:noFill/>
-                </a:ln>
-                <a:solidFill>
-                  <a:schemeClr val="tx1"/>
-                </a:solidFill>
-                <a:effectLst/>
-                <a:highlight>
-                  <a:srgbClr val="FFFF00"/>
-                </a:highlight>
-                <a:latin typeface="Arial" panose="020B0604020202020204" pitchFamily="34" charset="0"/>
-                <a:ea typeface="Söhne"/>
-              </a:rPr>
-              <a:t>while</a:t>
-            </a:r>
-            <a:r>
-              <a:rPr kumimoji="0" lang="ko-KR" altLang="ko-KR" sz="2400" b="0" i="0" u="none" strike="noStrike" cap="none" normalizeH="0" baseline="0" dirty="0">
-                <a:ln>
-                  <a:noFill/>
-                </a:ln>
-                <a:solidFill>
-                  <a:schemeClr val="tx1"/>
-                </a:solidFill>
-                <a:effectLst/>
-                <a:highlight>
-                  <a:srgbClr val="FFFF00"/>
-                </a:highlight>
-                <a:latin typeface="Arial" panose="020B0604020202020204" pitchFamily="34" charset="0"/>
-                <a:ea typeface="Söhne"/>
-              </a:rPr>
-              <a:t> </a:t>
-            </a:r>
-            <a:r>
-              <a:rPr kumimoji="0" lang="ko-KR" altLang="ko-KR" sz="2400" b="0" i="0" u="none" strike="noStrike" cap="none" normalizeH="0" baseline="0" dirty="0" err="1">
-                <a:ln>
-                  <a:noFill/>
-                </a:ln>
-                <a:solidFill>
-                  <a:schemeClr val="tx1"/>
-                </a:solidFill>
-                <a:effectLst/>
-                <a:highlight>
-                  <a:srgbClr val="FFFF00"/>
-                </a:highlight>
-                <a:latin typeface="Arial" panose="020B0604020202020204" pitchFamily="34" charset="0"/>
-                <a:ea typeface="Söhne"/>
-              </a:rPr>
-              <a:t>semantic</a:t>
-            </a:r>
-            <a:r>
-              <a:rPr kumimoji="0" lang="ko-KR" altLang="ko-KR" sz="2400" b="0" i="0" u="none" strike="noStrike" cap="none" normalizeH="0" baseline="0" dirty="0">
-                <a:ln>
-                  <a:noFill/>
-                </a:ln>
-                <a:solidFill>
-                  <a:schemeClr val="tx1"/>
-                </a:solidFill>
-                <a:effectLst/>
-                <a:highlight>
-                  <a:srgbClr val="FFFF00"/>
-                </a:highlight>
-                <a:latin typeface="Arial" panose="020B0604020202020204" pitchFamily="34" charset="0"/>
-                <a:ea typeface="Söhne"/>
-              </a:rPr>
-              <a:t> </a:t>
-            </a:r>
-            <a:r>
-              <a:rPr kumimoji="0" lang="ko-KR" altLang="ko-KR" sz="2400" b="0" i="0" u="none" strike="noStrike" cap="none" normalizeH="0" baseline="0" dirty="0" err="1">
-                <a:ln>
-                  <a:noFill/>
-                </a:ln>
-                <a:solidFill>
-                  <a:schemeClr val="tx1"/>
-                </a:solidFill>
-                <a:effectLst/>
-                <a:highlight>
-                  <a:srgbClr val="FFFF00"/>
-                </a:highlight>
-                <a:latin typeface="Arial" panose="020B0604020202020204" pitchFamily="34" charset="0"/>
-                <a:ea typeface="Söhne"/>
-              </a:rPr>
-              <a:t>search</a:t>
-            </a:r>
-            <a:r>
-              <a:rPr kumimoji="0" lang="ko-KR" altLang="ko-KR" sz="2400" b="0" i="0" u="none" strike="noStrike" cap="none" normalizeH="0" baseline="0" dirty="0">
-                <a:ln>
-                  <a:noFill/>
-                </a:ln>
-                <a:solidFill>
-                  <a:schemeClr val="tx1"/>
-                </a:solidFill>
-                <a:effectLst/>
-                <a:highlight>
-                  <a:srgbClr val="FFFF00"/>
-                </a:highlight>
-                <a:latin typeface="Arial" panose="020B0604020202020204" pitchFamily="34" charset="0"/>
-                <a:ea typeface="Söhne"/>
-              </a:rPr>
-              <a:t> </a:t>
-            </a:r>
-            <a:r>
-              <a:rPr kumimoji="0" lang="ko-KR" altLang="ko-KR" sz="2400" b="0" i="0" u="none" strike="noStrike" cap="none" normalizeH="0" baseline="0" dirty="0" err="1">
-                <a:ln>
-                  <a:noFill/>
-                </a:ln>
-                <a:solidFill>
-                  <a:schemeClr val="tx1"/>
-                </a:solidFill>
-                <a:effectLst/>
-                <a:highlight>
-                  <a:srgbClr val="FFFF00"/>
-                </a:highlight>
-                <a:latin typeface="Arial" panose="020B0604020202020204" pitchFamily="34" charset="0"/>
-                <a:ea typeface="Söhne"/>
-              </a:rPr>
-              <a:t>engines</a:t>
-            </a:r>
-            <a:r>
-              <a:rPr kumimoji="0" lang="ko-KR" altLang="ko-KR" sz="2400" b="0" i="0" u="none" strike="noStrike" cap="none" normalizeH="0" baseline="0" dirty="0">
-                <a:ln>
-                  <a:noFill/>
-                </a:ln>
-                <a:solidFill>
-                  <a:schemeClr val="tx1"/>
-                </a:solidFill>
-                <a:effectLst/>
-                <a:highlight>
-                  <a:srgbClr val="FFFF00"/>
-                </a:highlight>
-                <a:latin typeface="Arial" panose="020B0604020202020204" pitchFamily="34" charset="0"/>
-                <a:ea typeface="Söhne"/>
-              </a:rPr>
-              <a:t> </a:t>
-            </a:r>
-            <a:r>
-              <a:rPr kumimoji="0" lang="ko-KR" altLang="ko-KR" sz="2400" b="0" i="0" u="none" strike="noStrike" cap="none" normalizeH="0" baseline="0" dirty="0" err="1">
-                <a:ln>
-                  <a:noFill/>
-                </a:ln>
-                <a:solidFill>
-                  <a:schemeClr val="tx1"/>
-                </a:solidFill>
-                <a:effectLst/>
-                <a:highlight>
-                  <a:srgbClr val="FFFF00"/>
-                </a:highlight>
-                <a:latin typeface="Arial" panose="020B0604020202020204" pitchFamily="34" charset="0"/>
-                <a:ea typeface="Söhne"/>
-              </a:rPr>
-              <a:t>aim</a:t>
-            </a:r>
-            <a:r>
-              <a:rPr kumimoji="0" lang="ko-KR" altLang="ko-KR" sz="2400" b="0" i="0" u="none" strike="noStrike" cap="none" normalizeH="0" baseline="0" dirty="0">
-                <a:ln>
-                  <a:noFill/>
-                </a:ln>
-                <a:solidFill>
-                  <a:schemeClr val="tx1"/>
-                </a:solidFill>
-                <a:effectLst/>
-                <a:highlight>
-                  <a:srgbClr val="FFFF00"/>
-                </a:highlight>
-                <a:latin typeface="Arial" panose="020B0604020202020204" pitchFamily="34" charset="0"/>
-                <a:ea typeface="Söhne"/>
-              </a:rPr>
-              <a:t> </a:t>
-            </a:r>
-            <a:r>
-              <a:rPr kumimoji="0" lang="ko-KR" altLang="ko-KR" sz="2400" b="0" i="0" u="none" strike="noStrike" cap="none" normalizeH="0" baseline="0" dirty="0" err="1">
-                <a:ln>
-                  <a:noFill/>
-                </a:ln>
-                <a:solidFill>
-                  <a:schemeClr val="tx1"/>
-                </a:solidFill>
-                <a:effectLst/>
-                <a:highlight>
-                  <a:srgbClr val="FFFF00"/>
-                </a:highlight>
-                <a:latin typeface="Arial" panose="020B0604020202020204" pitchFamily="34" charset="0"/>
-                <a:ea typeface="Söhne"/>
-              </a:rPr>
-              <a:t>to</a:t>
-            </a:r>
-            <a:r>
-              <a:rPr kumimoji="0" lang="ko-KR" altLang="ko-KR" sz="2400" b="0" i="0" u="none" strike="noStrike" cap="none" normalizeH="0" baseline="0" dirty="0">
-                <a:ln>
-                  <a:noFill/>
-                </a:ln>
-                <a:solidFill>
-                  <a:schemeClr val="tx1"/>
-                </a:solidFill>
-                <a:effectLst/>
-                <a:highlight>
-                  <a:srgbClr val="FFFF00"/>
-                </a:highlight>
-                <a:latin typeface="Arial" panose="020B0604020202020204" pitchFamily="34" charset="0"/>
-                <a:ea typeface="Söhne"/>
-              </a:rPr>
-              <a:t> </a:t>
-            </a:r>
-            <a:r>
-              <a:rPr kumimoji="0" lang="ko-KR" altLang="ko-KR" sz="2400" b="0" i="0" u="none" strike="noStrike" cap="none" normalizeH="0" baseline="0" dirty="0" err="1">
-                <a:ln>
-                  <a:noFill/>
-                </a:ln>
-                <a:solidFill>
-                  <a:schemeClr val="tx1"/>
-                </a:solidFill>
-                <a:effectLst/>
-                <a:highlight>
-                  <a:srgbClr val="FFFF00"/>
-                </a:highlight>
-                <a:latin typeface="Arial" panose="020B0604020202020204" pitchFamily="34" charset="0"/>
-                <a:ea typeface="Söhne"/>
-              </a:rPr>
-              <a:t>understand</a:t>
-            </a:r>
-            <a:r>
-              <a:rPr kumimoji="0" lang="ko-KR" altLang="ko-KR" sz="2400" b="0" i="0" u="none" strike="noStrike" cap="none" normalizeH="0" baseline="0" dirty="0">
-                <a:ln>
-                  <a:noFill/>
-                </a:ln>
-                <a:solidFill>
-                  <a:schemeClr val="tx1"/>
-                </a:solidFill>
-                <a:effectLst/>
-                <a:highlight>
-                  <a:srgbClr val="FFFF00"/>
-                </a:highlight>
-                <a:latin typeface="Arial" panose="020B0604020202020204" pitchFamily="34" charset="0"/>
-                <a:ea typeface="Söhne"/>
-              </a:rPr>
-              <a:t> </a:t>
-            </a:r>
-            <a:r>
-              <a:rPr kumimoji="0" lang="ko-KR" altLang="ko-KR" sz="2400" b="0" i="0" u="none" strike="noStrike" cap="none" normalizeH="0" baseline="0" dirty="0" err="1">
-                <a:ln>
-                  <a:noFill/>
-                </a:ln>
-                <a:solidFill>
-                  <a:schemeClr val="tx1"/>
-                </a:solidFill>
-                <a:effectLst/>
-                <a:highlight>
-                  <a:srgbClr val="FFFF00"/>
-                </a:highlight>
-                <a:latin typeface="Arial" panose="020B0604020202020204" pitchFamily="34" charset="0"/>
-                <a:ea typeface="Söhne"/>
-              </a:rPr>
-              <a:t>the</a:t>
-            </a:r>
-            <a:r>
-              <a:rPr kumimoji="0" lang="ko-KR" altLang="ko-KR" sz="2400" b="0" i="0" u="none" strike="noStrike" cap="none" normalizeH="0" baseline="0" dirty="0">
-                <a:ln>
-                  <a:noFill/>
-                </a:ln>
-                <a:solidFill>
-                  <a:schemeClr val="tx1"/>
-                </a:solidFill>
-                <a:effectLst/>
-                <a:highlight>
-                  <a:srgbClr val="FFFF00"/>
-                </a:highlight>
-                <a:latin typeface="Arial" panose="020B0604020202020204" pitchFamily="34" charset="0"/>
-                <a:ea typeface="Söhne"/>
-              </a:rPr>
-              <a:t> </a:t>
-            </a:r>
-            <a:r>
-              <a:rPr kumimoji="0" lang="ko-KR" altLang="ko-KR" sz="2400" b="0" i="0" u="none" strike="noStrike" cap="none" normalizeH="0" baseline="0" dirty="0" err="1">
-                <a:ln>
-                  <a:noFill/>
-                </a:ln>
-                <a:solidFill>
-                  <a:schemeClr val="tx1"/>
-                </a:solidFill>
-                <a:effectLst/>
-                <a:highlight>
-                  <a:srgbClr val="FFFF00"/>
-                </a:highlight>
-                <a:latin typeface="Arial" panose="020B0604020202020204" pitchFamily="34" charset="0"/>
-                <a:ea typeface="Söhne"/>
-              </a:rPr>
-              <a:t>meaning</a:t>
-            </a:r>
-            <a:r>
-              <a:rPr kumimoji="0" lang="ko-KR" altLang="ko-KR" sz="2400" b="0" i="0" u="none" strike="noStrike" cap="none" normalizeH="0" baseline="0" dirty="0">
-                <a:ln>
-                  <a:noFill/>
-                </a:ln>
-                <a:solidFill>
-                  <a:schemeClr val="tx1"/>
-                </a:solidFill>
-                <a:effectLst/>
-                <a:highlight>
-                  <a:srgbClr val="FFFF00"/>
-                </a:highlight>
-                <a:latin typeface="Arial" panose="020B0604020202020204" pitchFamily="34" charset="0"/>
-                <a:ea typeface="Söhne"/>
-              </a:rPr>
-              <a:t> and </a:t>
-            </a:r>
-            <a:r>
-              <a:rPr kumimoji="0" lang="ko-KR" altLang="ko-KR" sz="2400" b="0" i="0" u="none" strike="noStrike" cap="none" normalizeH="0" baseline="0" dirty="0" err="1">
-                <a:ln>
-                  <a:noFill/>
-                </a:ln>
-                <a:solidFill>
-                  <a:schemeClr val="tx1"/>
-                </a:solidFill>
-                <a:effectLst/>
-                <a:highlight>
-                  <a:srgbClr val="FFFF00"/>
-                </a:highlight>
-                <a:latin typeface="Arial" panose="020B0604020202020204" pitchFamily="34" charset="0"/>
-                <a:ea typeface="Söhne"/>
-              </a:rPr>
-              <a:t>intent</a:t>
-            </a:r>
-            <a:r>
-              <a:rPr kumimoji="0" lang="ko-KR" altLang="ko-KR" sz="2400" b="0" i="0" u="none" strike="noStrike" cap="none" normalizeH="0" baseline="0" dirty="0">
-                <a:ln>
-                  <a:noFill/>
-                </a:ln>
-                <a:solidFill>
-                  <a:schemeClr val="tx1"/>
-                </a:solidFill>
-                <a:effectLst/>
-                <a:highlight>
-                  <a:srgbClr val="FFFF00"/>
-                </a:highlight>
-                <a:latin typeface="Arial" panose="020B0604020202020204" pitchFamily="34" charset="0"/>
-                <a:ea typeface="Söhne"/>
-              </a:rPr>
-              <a:t> </a:t>
-            </a:r>
-            <a:r>
-              <a:rPr kumimoji="0" lang="ko-KR" altLang="ko-KR" sz="2400" b="0" i="0" u="none" strike="noStrike" cap="none" normalizeH="0" baseline="0" dirty="0" err="1">
-                <a:ln>
-                  <a:noFill/>
-                </a:ln>
-                <a:solidFill>
-                  <a:schemeClr val="tx1"/>
-                </a:solidFill>
-                <a:effectLst/>
-                <a:highlight>
-                  <a:srgbClr val="FFFF00"/>
-                </a:highlight>
-                <a:latin typeface="Arial" panose="020B0604020202020204" pitchFamily="34" charset="0"/>
-                <a:ea typeface="Söhne"/>
-              </a:rPr>
-              <a:t>behind</a:t>
-            </a:r>
-            <a:r>
-              <a:rPr kumimoji="0" lang="ko-KR" altLang="ko-KR" sz="2400" b="0" i="0" u="none" strike="noStrike" cap="none" normalizeH="0" baseline="0" dirty="0">
-                <a:ln>
-                  <a:noFill/>
-                </a:ln>
-                <a:solidFill>
-                  <a:schemeClr val="tx1"/>
-                </a:solidFill>
-                <a:effectLst/>
-                <a:highlight>
-                  <a:srgbClr val="FFFF00"/>
-                </a:highlight>
-                <a:latin typeface="Arial" panose="020B0604020202020204" pitchFamily="34" charset="0"/>
-                <a:ea typeface="Söhne"/>
-              </a:rPr>
-              <a:t> </a:t>
-            </a:r>
-            <a:r>
-              <a:rPr kumimoji="0" lang="ko-KR" altLang="ko-KR" sz="2400" b="0" i="0" u="none" strike="noStrike" cap="none" normalizeH="0" baseline="0" dirty="0" err="1">
-                <a:ln>
-                  <a:noFill/>
-                </a:ln>
-                <a:solidFill>
-                  <a:schemeClr val="tx1"/>
-                </a:solidFill>
-                <a:effectLst/>
-                <a:highlight>
-                  <a:srgbClr val="FFFF00"/>
-                </a:highlight>
-                <a:latin typeface="Arial" panose="020B0604020202020204" pitchFamily="34" charset="0"/>
-                <a:ea typeface="Söhne"/>
-              </a:rPr>
-              <a:t>search</a:t>
-            </a:r>
-            <a:r>
-              <a:rPr kumimoji="0" lang="ko-KR" altLang="ko-KR" sz="2400" b="0" i="0" u="none" strike="noStrike" cap="none" normalizeH="0" baseline="0" dirty="0">
-                <a:ln>
-                  <a:noFill/>
-                </a:ln>
-                <a:solidFill>
-                  <a:schemeClr val="tx1"/>
-                </a:solidFill>
-                <a:effectLst/>
-                <a:highlight>
-                  <a:srgbClr val="FFFF00"/>
-                </a:highlight>
-                <a:latin typeface="Arial" panose="020B0604020202020204" pitchFamily="34" charset="0"/>
-                <a:ea typeface="Söhne"/>
-              </a:rPr>
-              <a:t> </a:t>
-            </a:r>
-            <a:r>
-              <a:rPr kumimoji="0" lang="ko-KR" altLang="ko-KR" sz="2400" b="0" i="0" u="none" strike="noStrike" cap="none" normalizeH="0" baseline="0" dirty="0" err="1">
-                <a:ln>
-                  <a:noFill/>
-                </a:ln>
-                <a:solidFill>
-                  <a:schemeClr val="tx1"/>
-                </a:solidFill>
-                <a:effectLst/>
-                <a:highlight>
-                  <a:srgbClr val="FFFF00"/>
-                </a:highlight>
-                <a:latin typeface="Arial" panose="020B0604020202020204" pitchFamily="34" charset="0"/>
-                <a:ea typeface="Söhne"/>
-              </a:rPr>
-              <a:t>queries</a:t>
-            </a:r>
-            <a:r>
-              <a:rPr kumimoji="0" lang="ko-KR" altLang="ko-KR" sz="2400" b="0" i="0" u="none" strike="noStrike" cap="none" normalizeH="0" baseline="0" dirty="0">
-                <a:ln>
-                  <a:noFill/>
-                </a:ln>
-                <a:solidFill>
-                  <a:schemeClr val="tx1"/>
-                </a:solidFill>
-                <a:effectLst/>
-                <a:highlight>
-                  <a:srgbClr val="FFFF00"/>
-                </a:highlight>
-                <a:latin typeface="Arial" panose="020B0604020202020204" pitchFamily="34" charset="0"/>
-                <a:ea typeface="Söhne"/>
-              </a:rPr>
-              <a:t>, </a:t>
-            </a:r>
-            <a:r>
-              <a:rPr kumimoji="0" lang="ko-KR" altLang="ko-KR" sz="2400" b="0" i="0" u="none" strike="noStrike" cap="none" normalizeH="0" baseline="0" dirty="0" err="1">
-                <a:ln>
-                  <a:noFill/>
-                </a:ln>
-                <a:solidFill>
-                  <a:schemeClr val="tx1"/>
-                </a:solidFill>
-                <a:effectLst/>
-                <a:highlight>
-                  <a:srgbClr val="FFFF00"/>
-                </a:highlight>
-                <a:latin typeface="Arial" panose="020B0604020202020204" pitchFamily="34" charset="0"/>
-                <a:ea typeface="Söhne"/>
-              </a:rPr>
-              <a:t>providing</a:t>
-            </a:r>
-            <a:r>
-              <a:rPr kumimoji="0" lang="ko-KR" altLang="ko-KR" sz="2400" b="0" i="0" u="none" strike="noStrike" cap="none" normalizeH="0" baseline="0" dirty="0">
-                <a:ln>
-                  <a:noFill/>
-                </a:ln>
-                <a:solidFill>
-                  <a:schemeClr val="tx1"/>
-                </a:solidFill>
-                <a:effectLst/>
-                <a:highlight>
-                  <a:srgbClr val="FFFF00"/>
-                </a:highlight>
-                <a:latin typeface="Arial" panose="020B0604020202020204" pitchFamily="34" charset="0"/>
-                <a:ea typeface="Söhne"/>
-              </a:rPr>
-              <a:t> </a:t>
-            </a:r>
-            <a:r>
-              <a:rPr kumimoji="0" lang="ko-KR" altLang="ko-KR" sz="2400" b="0" i="0" u="none" strike="noStrike" cap="none" normalizeH="0" baseline="0" dirty="0" err="1">
-                <a:ln>
-                  <a:noFill/>
-                </a:ln>
-                <a:solidFill>
-                  <a:schemeClr val="tx1"/>
-                </a:solidFill>
-                <a:effectLst/>
-                <a:highlight>
-                  <a:srgbClr val="FFFF00"/>
-                </a:highlight>
-                <a:latin typeface="Arial" panose="020B0604020202020204" pitchFamily="34" charset="0"/>
-                <a:ea typeface="Söhne"/>
-              </a:rPr>
-              <a:t>more</a:t>
-            </a:r>
-            <a:r>
-              <a:rPr kumimoji="0" lang="ko-KR" altLang="ko-KR" sz="2400" b="0" i="0" u="none" strike="noStrike" cap="none" normalizeH="0" baseline="0" dirty="0">
-                <a:ln>
-                  <a:noFill/>
-                </a:ln>
-                <a:solidFill>
-                  <a:schemeClr val="tx1"/>
-                </a:solidFill>
-                <a:effectLst/>
-                <a:highlight>
-                  <a:srgbClr val="FFFF00"/>
-                </a:highlight>
-                <a:latin typeface="Arial" panose="020B0604020202020204" pitchFamily="34" charset="0"/>
-                <a:ea typeface="Söhne"/>
-              </a:rPr>
-              <a:t> </a:t>
-            </a:r>
-            <a:r>
-              <a:rPr kumimoji="0" lang="ko-KR" altLang="ko-KR" sz="2400" b="0" i="0" u="none" strike="noStrike" cap="none" normalizeH="0" baseline="0" dirty="0" err="1">
-                <a:ln>
-                  <a:noFill/>
-                </a:ln>
-                <a:solidFill>
-                  <a:schemeClr val="tx1"/>
-                </a:solidFill>
-                <a:effectLst/>
-                <a:highlight>
-                  <a:srgbClr val="FFFF00"/>
-                </a:highlight>
-                <a:latin typeface="Arial" panose="020B0604020202020204" pitchFamily="34" charset="0"/>
-                <a:ea typeface="Söhne"/>
-              </a:rPr>
-              <a:t>contextually</a:t>
-            </a:r>
-            <a:r>
-              <a:rPr kumimoji="0" lang="ko-KR" altLang="ko-KR" sz="2400" b="0" i="0" u="none" strike="noStrike" cap="none" normalizeH="0" baseline="0" dirty="0">
-                <a:ln>
-                  <a:noFill/>
-                </a:ln>
-                <a:solidFill>
-                  <a:schemeClr val="tx1"/>
-                </a:solidFill>
-                <a:effectLst/>
-                <a:highlight>
-                  <a:srgbClr val="FFFF00"/>
-                </a:highlight>
-                <a:latin typeface="Arial" panose="020B0604020202020204" pitchFamily="34" charset="0"/>
-                <a:ea typeface="Söhne"/>
-              </a:rPr>
-              <a:t> </a:t>
-            </a:r>
-            <a:r>
-              <a:rPr kumimoji="0" lang="ko-KR" altLang="ko-KR" sz="2400" b="0" i="0" u="none" strike="noStrike" cap="none" normalizeH="0" baseline="0" dirty="0" err="1">
-                <a:ln>
-                  <a:noFill/>
-                </a:ln>
-                <a:solidFill>
-                  <a:schemeClr val="tx1"/>
-                </a:solidFill>
-                <a:effectLst/>
-                <a:highlight>
-                  <a:srgbClr val="FFFF00"/>
-                </a:highlight>
-                <a:latin typeface="Arial" panose="020B0604020202020204" pitchFamily="34" charset="0"/>
-                <a:ea typeface="Söhne"/>
-              </a:rPr>
-              <a:t>relevant</a:t>
-            </a:r>
-            <a:r>
-              <a:rPr kumimoji="0" lang="ko-KR" altLang="ko-KR" sz="2400" b="0" i="0" u="none" strike="noStrike" cap="none" normalizeH="0" baseline="0" dirty="0">
-                <a:ln>
-                  <a:noFill/>
-                </a:ln>
-                <a:solidFill>
-                  <a:schemeClr val="tx1"/>
-                </a:solidFill>
-                <a:effectLst/>
-                <a:highlight>
-                  <a:srgbClr val="FFFF00"/>
-                </a:highlight>
-                <a:latin typeface="Arial" panose="020B0604020202020204" pitchFamily="34" charset="0"/>
-                <a:ea typeface="Söhne"/>
-              </a:rPr>
-              <a:t> </a:t>
-            </a:r>
-            <a:r>
-              <a:rPr kumimoji="0" lang="ko-KR" altLang="ko-KR" sz="2400" b="0" i="0" u="none" strike="noStrike" cap="none" normalizeH="0" baseline="0" dirty="0" err="1">
-                <a:ln>
-                  <a:noFill/>
-                </a:ln>
-                <a:solidFill>
-                  <a:schemeClr val="tx1"/>
-                </a:solidFill>
-                <a:effectLst/>
-                <a:highlight>
-                  <a:srgbClr val="FFFF00"/>
-                </a:highlight>
-                <a:latin typeface="Arial" panose="020B0604020202020204" pitchFamily="34" charset="0"/>
-                <a:ea typeface="Söhne"/>
-              </a:rPr>
-              <a:t>results</a:t>
-            </a:r>
-            <a:r>
-              <a:rPr kumimoji="0" lang="ko-KR" altLang="ko-KR" sz="2400" b="0" i="0" u="none" strike="noStrike" cap="none" normalizeH="0" baseline="0" dirty="0">
-                <a:ln>
-                  <a:noFill/>
-                </a:ln>
-                <a:solidFill>
-                  <a:schemeClr val="tx1"/>
-                </a:solidFill>
-                <a:effectLst/>
-                <a:highlight>
-                  <a:srgbClr val="FFFF00"/>
-                </a:highlight>
-                <a:latin typeface="Arial" panose="020B0604020202020204" pitchFamily="34" charset="0"/>
-                <a:ea typeface="Söhne"/>
-              </a:rPr>
-              <a:t>.</a:t>
-            </a:r>
-          </a:p>
-          <a:p>
-            <a:pPr marL="0" marR="0" lvl="0" indent="0" algn="l" defTabSz="914400" rtl="0" eaLnBrk="0" fontAlgn="base" latinLnBrk="0" hangingPunct="0">
-              <a:lnSpc>
-                <a:spcPct val="100000"/>
-              </a:lnSpc>
-              <a:spcBef>
-                <a:spcPct val="0"/>
-              </a:spcBef>
-              <a:spcAft>
-                <a:spcPct val="0"/>
-              </a:spcAft>
-              <a:buClrTx/>
-              <a:buSzTx/>
-              <a:buFontTx/>
-              <a:buNone/>
-              <a:tabLst/>
-            </a:pPr>
-            <a:br>
-              <a:rPr kumimoji="0" lang="ko-KR" altLang="ko-KR" sz="2400" b="0" i="0" u="none" strike="noStrike" cap="none" normalizeH="0" baseline="0" dirty="0">
-                <a:ln>
-                  <a:noFill/>
-                </a:ln>
-                <a:solidFill>
-                  <a:schemeClr val="tx1"/>
-                </a:solidFill>
-                <a:effectLst/>
-                <a:latin typeface="Arial" panose="020B0604020202020204" pitchFamily="34" charset="0"/>
-                <a:ea typeface="Söhne"/>
-              </a:rPr>
-            </a:br>
-            <a:endParaRPr kumimoji="0" lang="ko-KR" altLang="ko-KR" sz="2400" b="0" i="0" u="none" strike="noStrike" cap="none" normalizeH="0" baseline="0" dirty="0">
-              <a:ln>
-                <a:noFill/>
-              </a:ln>
-              <a:solidFill>
-                <a:schemeClr val="tx1"/>
-              </a:solidFill>
-              <a:effectLst/>
-              <a:latin typeface="Arial" panose="020B0604020202020204" pitchFamily="34" charset="0"/>
-            </a:endParaRPr>
-          </a:p>
-        </p:txBody>
-      </p:sp>
-    </p:spTree>
-    <p:extLst>
-      <p:ext uri="{BB962C8B-B14F-4D97-AF65-F5344CB8AC3E}">
-        <p14:creationId xmlns:p14="http://schemas.microsoft.com/office/powerpoint/2010/main" val="3584030007"/>
-      </p:ext>
-    </p:extLst>
-  </p:cSld>
-  <p:clrMapOvr>
-    <a:masterClrMapping/>
-  </p:clrMapOvr>
-</p:sld>
-</file>
-
-<file path=ppt/slides/slide11.xml><?xml version="1.0" encoding="utf-8"?>
-<p:sld xmlns:a="http://schemas.openxmlformats.org/drawingml/2006/main" xmlns:r="http://schemas.openxmlformats.org/officeDocument/2006/relationships" xmlns:p="http://schemas.openxmlformats.org/presentationml/2006/main">
-  <p:cSld>
-    <p:spTree>
-      <p:nvGrpSpPr>
-        <p:cNvPr id="1" name=""/>
-        <p:cNvGrpSpPr/>
-        <p:nvPr/>
-      </p:nvGrpSpPr>
-      <p:grpSpPr>
-        <a:xfrm>
-          <a:off x="0" y="0"/>
-          <a:ext cx="0" cy="0"/>
-          <a:chOff x="0" y="0"/>
-          <a:chExt cx="0" cy="0"/>
-        </a:xfrm>
-      </p:grpSpPr>
-      <p:sp>
-        <p:nvSpPr>
-          <p:cNvPr id="2" name="제목 1">
-            <a:extLst>
-              <a:ext uri="{FF2B5EF4-FFF2-40B4-BE49-F238E27FC236}">
-                <a16:creationId xmlns:a16="http://schemas.microsoft.com/office/drawing/2014/main" id="{BB4525D2-F44A-4AC0-B26F-C1CF3B774CBF}"/>
-              </a:ext>
-            </a:extLst>
-          </p:cNvPr>
-          <p:cNvSpPr>
-            <a:spLocks noGrp="1"/>
-          </p:cNvSpPr>
-          <p:nvPr>
-            <p:ph type="title"/>
-          </p:nvPr>
-        </p:nvSpPr>
-        <p:spPr/>
-        <p:txBody>
-          <a:bodyPr/>
-          <a:lstStyle/>
-          <a:p>
-            <a:r>
-              <a:rPr lang="en-US" altLang="ko-KR" dirty="0"/>
-              <a:t>chat GPT</a:t>
-            </a:r>
-            <a:endParaRPr lang="ko-KR" altLang="en-US" dirty="0"/>
-          </a:p>
-        </p:txBody>
-      </p:sp>
-      <p:sp>
-        <p:nvSpPr>
-          <p:cNvPr id="3" name="내용 개체 틀 2">
-            <a:extLst>
-              <a:ext uri="{FF2B5EF4-FFF2-40B4-BE49-F238E27FC236}">
-                <a16:creationId xmlns:a16="http://schemas.microsoft.com/office/drawing/2014/main" id="{E4BE8763-09BB-462A-8B96-E8A3DE4DF49F}"/>
-              </a:ext>
-            </a:extLst>
-          </p:cNvPr>
-          <p:cNvSpPr>
-            <a:spLocks noGrp="1"/>
-          </p:cNvSpPr>
-          <p:nvPr>
-            <p:ph idx="1"/>
-          </p:nvPr>
-        </p:nvSpPr>
-        <p:spPr/>
-        <p:txBody>
-          <a:bodyPr>
-            <a:normAutofit/>
-          </a:bodyPr>
-          <a:lstStyle/>
-          <a:p>
-            <a:r>
-              <a:rPr lang="ko-KR" altLang="ko-KR" b="1" i="1" dirty="0" err="1"/>
-              <a:t>Generative</a:t>
-            </a:r>
-            <a:r>
-              <a:rPr lang="ko-KR" altLang="ko-KR" b="1" i="1" dirty="0"/>
-              <a:t> </a:t>
-            </a:r>
-            <a:r>
-              <a:rPr lang="ko-KR" altLang="ko-KR" b="1" i="1" dirty="0" err="1"/>
-              <a:t>Pre-trained</a:t>
-            </a:r>
-            <a:r>
-              <a:rPr lang="ko-KR" altLang="ko-KR" b="1" i="1" dirty="0"/>
-              <a:t> </a:t>
-            </a:r>
-            <a:r>
-              <a:rPr lang="ko-KR" altLang="ko-KR" b="1" i="1" dirty="0" err="1"/>
-              <a:t>Transformer</a:t>
-            </a:r>
-            <a:endParaRPr lang="en-US" altLang="ko-KR" b="1" i="1" dirty="0"/>
-          </a:p>
-          <a:p>
-            <a:endParaRPr lang="en-US" altLang="ko-KR" b="1" i="1" dirty="0"/>
-          </a:p>
-          <a:p>
-            <a:r>
-              <a:rPr lang="ko-KR" altLang="ko-KR" sz="2400" dirty="0" err="1"/>
-              <a:t>In</a:t>
-            </a:r>
-            <a:r>
-              <a:rPr lang="ko-KR" altLang="ko-KR" sz="2400" dirty="0"/>
-              <a:t> </a:t>
-            </a:r>
-            <a:r>
-              <a:rPr lang="ko-KR" altLang="ko-KR" sz="2400" dirty="0" err="1"/>
-              <a:t>a</a:t>
-            </a:r>
-            <a:r>
-              <a:rPr lang="ko-KR" altLang="ko-KR" sz="2400" dirty="0"/>
-              <a:t> </a:t>
-            </a:r>
-            <a:r>
-              <a:rPr lang="ko-KR" altLang="ko-KR" sz="2400" dirty="0" err="1"/>
-              <a:t>nutshell</a:t>
-            </a:r>
-            <a:r>
-              <a:rPr lang="ko-KR" altLang="ko-KR" sz="2400" dirty="0"/>
-              <a:t>, </a:t>
-            </a:r>
-            <a:r>
-              <a:rPr lang="ko-KR" altLang="ko-KR" sz="2400" dirty="0" err="1"/>
-              <a:t>Chat</a:t>
-            </a:r>
-            <a:r>
-              <a:rPr lang="ko-KR" altLang="ko-KR" sz="2400" dirty="0"/>
-              <a:t> GPT </a:t>
-            </a:r>
-            <a:r>
-              <a:rPr lang="ko-KR" altLang="ko-KR" sz="2400" dirty="0" err="1"/>
-              <a:t>is</a:t>
-            </a:r>
-            <a:r>
-              <a:rPr lang="ko-KR" altLang="ko-KR" sz="2400" dirty="0"/>
-              <a:t> </a:t>
-            </a:r>
-            <a:r>
-              <a:rPr lang="ko-KR" altLang="ko-KR" sz="2400" dirty="0" err="1"/>
-              <a:t>an</a:t>
-            </a:r>
-            <a:r>
-              <a:rPr lang="ko-KR" altLang="ko-KR" sz="2400" dirty="0"/>
-              <a:t> </a:t>
-            </a:r>
-            <a:endParaRPr lang="en-US" altLang="ko-KR" sz="2400" dirty="0"/>
-          </a:p>
-          <a:p>
-            <a:endParaRPr lang="ko-KR" altLang="ko-KR" sz="2400" dirty="0"/>
-          </a:p>
-          <a:p>
-            <a:pPr marL="457200" lvl="1" indent="0">
-              <a:buNone/>
-            </a:pPr>
-            <a:r>
-              <a:rPr lang="ko-KR" altLang="ko-KR" dirty="0" err="1"/>
-              <a:t>artificial</a:t>
-            </a:r>
-            <a:r>
-              <a:rPr lang="ko-KR" altLang="ko-KR" dirty="0"/>
-              <a:t> </a:t>
-            </a:r>
-            <a:r>
-              <a:rPr lang="ko-KR" altLang="ko-KR" dirty="0" err="1"/>
-              <a:t>intelligence</a:t>
-            </a:r>
-            <a:r>
-              <a:rPr lang="ko-KR" altLang="ko-KR" dirty="0"/>
-              <a:t> (AI) </a:t>
-            </a:r>
-            <a:r>
-              <a:rPr lang="ko-KR" altLang="ko-KR" dirty="0" err="1"/>
-              <a:t>content</a:t>
-            </a:r>
-            <a:r>
-              <a:rPr lang="ko-KR" altLang="ko-KR" dirty="0"/>
-              <a:t> </a:t>
-            </a:r>
-            <a:r>
-              <a:rPr lang="ko-KR" altLang="ko-KR" dirty="0" err="1"/>
-              <a:t>generator</a:t>
-            </a:r>
-            <a:r>
-              <a:rPr lang="ko-KR" altLang="ko-KR" dirty="0"/>
-              <a:t> </a:t>
-            </a:r>
-            <a:endParaRPr lang="en-US" altLang="ko-KR" dirty="0"/>
-          </a:p>
-          <a:p>
-            <a:pPr marL="457200" lvl="1" indent="0">
-              <a:buNone/>
-            </a:pPr>
-            <a:endParaRPr lang="ko-KR" altLang="ko-KR" dirty="0"/>
-          </a:p>
-          <a:p>
-            <a:pPr marL="457200" lvl="1" indent="0">
-              <a:buNone/>
-            </a:pPr>
-            <a:r>
-              <a:rPr lang="ko-KR" altLang="ko-KR" dirty="0" err="1"/>
-              <a:t>that</a:t>
-            </a:r>
-            <a:r>
-              <a:rPr lang="ko-KR" altLang="ko-KR" dirty="0"/>
-              <a:t> </a:t>
-            </a:r>
-            <a:r>
-              <a:rPr lang="ko-KR" altLang="ko-KR" dirty="0" err="1"/>
-              <a:t>semi-autonomously</a:t>
-            </a:r>
-            <a:r>
-              <a:rPr lang="ko-KR" altLang="ko-KR" dirty="0"/>
-              <a:t> </a:t>
-            </a:r>
-            <a:r>
-              <a:rPr lang="ko-KR" altLang="ko-KR" dirty="0" err="1"/>
-              <a:t>creates</a:t>
-            </a:r>
-            <a:r>
-              <a:rPr lang="ko-KR" altLang="ko-KR" dirty="0"/>
-              <a:t> </a:t>
-            </a:r>
-            <a:r>
-              <a:rPr lang="ko-KR" altLang="ko-KR" dirty="0" err="1"/>
-              <a:t>phrases</a:t>
-            </a:r>
-            <a:r>
-              <a:rPr lang="ko-KR" altLang="ko-KR" dirty="0"/>
-              <a:t> and </a:t>
-            </a:r>
-            <a:r>
-              <a:rPr lang="ko-KR" altLang="ko-KR" dirty="0" err="1"/>
-              <a:t>articles</a:t>
-            </a:r>
-            <a:r>
-              <a:rPr lang="ko-KR" altLang="ko-KR" dirty="0"/>
-              <a:t> </a:t>
-            </a:r>
-            <a:endParaRPr lang="en-US" altLang="ko-KR" dirty="0"/>
-          </a:p>
-          <a:p>
-            <a:pPr marL="457200" lvl="1" indent="0">
-              <a:buNone/>
-            </a:pPr>
-            <a:endParaRPr lang="en-US" altLang="ko-KR" dirty="0"/>
-          </a:p>
-          <a:p>
-            <a:pPr marL="457200" lvl="1" indent="0">
-              <a:buNone/>
-            </a:pPr>
-            <a:r>
-              <a:rPr lang="ko-KR" altLang="ko-KR" sz="3600" dirty="0" err="1">
-                <a:solidFill>
-                  <a:schemeClr val="accent5">
-                    <a:lumMod val="75000"/>
-                  </a:schemeClr>
-                </a:solidFill>
-                <a:highlight>
-                  <a:srgbClr val="C0C0C0"/>
-                </a:highlight>
-              </a:rPr>
-              <a:t>based</a:t>
-            </a:r>
-            <a:r>
-              <a:rPr lang="ko-KR" altLang="ko-KR" sz="3600" dirty="0">
-                <a:solidFill>
-                  <a:schemeClr val="accent5">
-                    <a:lumMod val="75000"/>
-                  </a:schemeClr>
-                </a:solidFill>
-                <a:highlight>
-                  <a:srgbClr val="C0C0C0"/>
-                </a:highlight>
-              </a:rPr>
-              <a:t> </a:t>
-            </a:r>
-            <a:r>
-              <a:rPr lang="ko-KR" altLang="ko-KR" sz="3600" dirty="0" err="1">
-                <a:solidFill>
-                  <a:schemeClr val="accent5">
-                    <a:lumMod val="75000"/>
-                  </a:schemeClr>
-                </a:solidFill>
-                <a:highlight>
-                  <a:srgbClr val="C0C0C0"/>
-                </a:highlight>
-              </a:rPr>
-              <a:t>on</a:t>
-            </a:r>
-            <a:r>
-              <a:rPr lang="ko-KR" altLang="ko-KR" sz="3600" dirty="0">
-                <a:solidFill>
-                  <a:schemeClr val="accent5">
-                    <a:lumMod val="75000"/>
-                  </a:schemeClr>
-                </a:solidFill>
-                <a:highlight>
-                  <a:srgbClr val="C0C0C0"/>
-                </a:highlight>
-              </a:rPr>
-              <a:t> </a:t>
-            </a:r>
-            <a:r>
-              <a:rPr lang="ko-KR" altLang="ko-KR" sz="3600" dirty="0" err="1">
-                <a:solidFill>
-                  <a:schemeClr val="accent5">
-                    <a:lumMod val="75000"/>
-                  </a:schemeClr>
-                </a:solidFill>
-                <a:highlight>
-                  <a:srgbClr val="C0C0C0"/>
-                </a:highlight>
-              </a:rPr>
-              <a:t>user</a:t>
-            </a:r>
-            <a:r>
-              <a:rPr lang="ko-KR" altLang="ko-KR" sz="3600" dirty="0">
-                <a:solidFill>
-                  <a:schemeClr val="accent5">
-                    <a:lumMod val="75000"/>
-                  </a:schemeClr>
-                </a:solidFill>
-                <a:highlight>
-                  <a:srgbClr val="C0C0C0"/>
-                </a:highlight>
-              </a:rPr>
-              <a:t> </a:t>
-            </a:r>
-            <a:r>
-              <a:rPr lang="ko-KR" altLang="ko-KR" sz="3600" dirty="0" err="1">
-                <a:solidFill>
-                  <a:schemeClr val="accent5">
-                    <a:lumMod val="75000"/>
-                  </a:schemeClr>
-                </a:solidFill>
-                <a:highlight>
-                  <a:srgbClr val="C0C0C0"/>
-                </a:highlight>
-              </a:rPr>
-              <a:t>input</a:t>
-            </a:r>
-            <a:r>
-              <a:rPr lang="ko-KR" altLang="ko-KR" sz="3600" dirty="0">
-                <a:solidFill>
-                  <a:schemeClr val="accent5">
-                    <a:lumMod val="75000"/>
-                  </a:schemeClr>
-                </a:solidFill>
-                <a:highlight>
-                  <a:srgbClr val="C0C0C0"/>
-                </a:highlight>
-              </a:rPr>
-              <a:t>.</a:t>
-            </a:r>
-            <a:r>
-              <a:rPr lang="en-US" altLang="ko-KR" sz="3600" dirty="0">
-                <a:solidFill>
-                  <a:schemeClr val="accent5">
-                    <a:lumMod val="75000"/>
-                  </a:schemeClr>
-                </a:solidFill>
-                <a:highlight>
-                  <a:srgbClr val="C0C0C0"/>
-                </a:highlight>
-              </a:rPr>
-              <a:t> </a:t>
-            </a:r>
-          </a:p>
-          <a:p>
-            <a:endParaRPr lang="ko-KR" altLang="en-US" dirty="0"/>
-          </a:p>
-        </p:txBody>
-      </p:sp>
-    </p:spTree>
-    <p:extLst>
-      <p:ext uri="{BB962C8B-B14F-4D97-AF65-F5344CB8AC3E}">
-        <p14:creationId xmlns:p14="http://schemas.microsoft.com/office/powerpoint/2010/main" val="1556132469"/>
-      </p:ext>
-    </p:extLst>
-  </p:cSld>
-  <p:clrMapOvr>
-    <a:masterClrMapping/>
-  </p:clrMapOvr>
-</p:sld>
-</file>
-
-<file path=ppt/slides/slide12.xml><?xml version="1.0" encoding="utf-8"?>
-<p:sld xmlns:a="http://schemas.openxmlformats.org/drawingml/2006/main" xmlns:r="http://schemas.openxmlformats.org/officeDocument/2006/relationships" xmlns:p="http://schemas.openxmlformats.org/presentationml/2006/main">
-  <p:cSld>
-    <p:spTree>
-      <p:nvGrpSpPr>
-        <p:cNvPr id="1" name=""/>
-        <p:cNvGrpSpPr/>
-        <p:nvPr/>
-      </p:nvGrpSpPr>
-      <p:grpSpPr>
-        <a:xfrm>
-          <a:off x="0" y="0"/>
-          <a:ext cx="0" cy="0"/>
-          <a:chOff x="0" y="0"/>
-          <a:chExt cx="0" cy="0"/>
-        </a:xfrm>
-      </p:grpSpPr>
-      <p:sp>
-        <p:nvSpPr>
-          <p:cNvPr id="2" name="제목 1">
-            <a:extLst>
-              <a:ext uri="{FF2B5EF4-FFF2-40B4-BE49-F238E27FC236}">
-                <a16:creationId xmlns:a16="http://schemas.microsoft.com/office/drawing/2014/main" id="{42977001-2C0D-46C0-80FA-B66D7627B73E}"/>
-              </a:ext>
-            </a:extLst>
-          </p:cNvPr>
-          <p:cNvSpPr>
-            <a:spLocks noGrp="1"/>
-          </p:cNvSpPr>
-          <p:nvPr>
-            <p:ph type="title"/>
-          </p:nvPr>
-        </p:nvSpPr>
-        <p:spPr/>
-        <p:txBody>
-          <a:bodyPr>
-            <a:normAutofit fontScale="90000"/>
-          </a:bodyPr>
-          <a:lstStyle/>
-          <a:p>
-            <a:pPr algn="ctr"/>
-            <a:r>
-              <a:rPr lang="en-US" altLang="ko-KR" sz="2200" b="1" dirty="0"/>
-              <a:t>NVIDIA</a:t>
-            </a:r>
-            <a:r>
-              <a:rPr lang="ko-KR" altLang="en-US" sz="2200" b="1" dirty="0"/>
-              <a:t>의 과학시간 </a:t>
-            </a:r>
-            <a:r>
-              <a:rPr lang="en-US" altLang="ko-KR" sz="2200" b="1" dirty="0"/>
-              <a:t>- GPU</a:t>
-            </a:r>
-            <a:r>
-              <a:rPr lang="ko-KR" altLang="en-US" sz="2200" b="1" dirty="0"/>
-              <a:t>와 </a:t>
-            </a:r>
-            <a:r>
-              <a:rPr lang="en-US" altLang="ko-KR" sz="2200" b="1" dirty="0"/>
-              <a:t>CPU</a:t>
-            </a:r>
-            <a:r>
-              <a:rPr lang="ko-KR" altLang="en-US" sz="2200" b="1" dirty="0"/>
-              <a:t>의 차이</a:t>
-            </a:r>
-            <a:br>
-              <a:rPr lang="en-US" altLang="ko-KR" sz="2200" b="1" dirty="0"/>
-            </a:br>
-            <a:r>
-              <a:rPr lang="en-US" altLang="ko-KR" sz="2200" dirty="0"/>
-              <a:t>Https://www.youtube.com/watch?v=1BAZf3PsjWA</a:t>
-            </a:r>
-            <a:br>
-              <a:rPr lang="ko-KR" altLang="en-US" sz="2200" dirty="0"/>
-            </a:br>
-            <a:br>
-              <a:rPr lang="ko-KR" altLang="en-US" b="1" dirty="0"/>
-            </a:br>
-            <a:endParaRPr lang="ko-KR" altLang="en-US" dirty="0"/>
-          </a:p>
-        </p:txBody>
-      </p:sp>
-      <p:sp>
-        <p:nvSpPr>
-          <p:cNvPr id="5" name="직사각형 4">
-            <a:extLst>
-              <a:ext uri="{FF2B5EF4-FFF2-40B4-BE49-F238E27FC236}">
-                <a16:creationId xmlns:a16="http://schemas.microsoft.com/office/drawing/2014/main" id="{C6782B65-F149-436B-BCB2-D17746E51E50}"/>
-              </a:ext>
-            </a:extLst>
-          </p:cNvPr>
-          <p:cNvSpPr/>
-          <p:nvPr/>
-        </p:nvSpPr>
-        <p:spPr>
-          <a:xfrm>
-            <a:off x="9428470" y="1100189"/>
-            <a:ext cx="2307042" cy="646331"/>
-          </a:xfrm>
-          <a:prstGeom prst="rect">
-            <a:avLst/>
-          </a:prstGeom>
-        </p:spPr>
-        <p:txBody>
-          <a:bodyPr wrap="none">
-            <a:spAutoFit/>
-          </a:bodyPr>
-          <a:lstStyle/>
-          <a:p>
-            <a:r>
-              <a:rPr lang="ko-KR" altLang="en-US" dirty="0">
-                <a:solidFill>
-                  <a:srgbClr val="080E14"/>
-                </a:solidFill>
-                <a:latin typeface="Nanum Gothic"/>
-              </a:rPr>
-              <a:t> </a:t>
-            </a:r>
-            <a:r>
-              <a:rPr lang="en-US" altLang="ko-KR" dirty="0">
-                <a:solidFill>
-                  <a:srgbClr val="080E14"/>
-                </a:solidFill>
-                <a:latin typeface="Nanum Gothic"/>
-              </a:rPr>
-              <a:t>chat GPT </a:t>
-            </a:r>
-            <a:r>
-              <a:rPr lang="ko-KR" altLang="en-US" dirty="0">
-                <a:solidFill>
-                  <a:srgbClr val="080E14"/>
-                </a:solidFill>
-                <a:latin typeface="Nanum Gothic"/>
-              </a:rPr>
-              <a:t>월간 활성 </a:t>
-            </a:r>
-            <a:endParaRPr lang="en-US" altLang="ko-KR" dirty="0">
-              <a:solidFill>
-                <a:srgbClr val="080E14"/>
-              </a:solidFill>
-              <a:latin typeface="Nanum Gothic"/>
-            </a:endParaRPr>
-          </a:p>
-          <a:p>
-            <a:r>
-              <a:rPr lang="ko-KR" altLang="en-US" dirty="0">
-                <a:solidFill>
-                  <a:srgbClr val="080E14"/>
-                </a:solidFill>
-                <a:latin typeface="Nanum Gothic"/>
-              </a:rPr>
-              <a:t>사용자 수</a:t>
-            </a:r>
-            <a:r>
-              <a:rPr lang="en-US" altLang="ko-KR" dirty="0">
-                <a:solidFill>
-                  <a:srgbClr val="080E14"/>
-                </a:solidFill>
-                <a:latin typeface="Nanum Gothic"/>
-              </a:rPr>
-              <a:t> 1</a:t>
-            </a:r>
-            <a:r>
-              <a:rPr lang="ko-KR" altLang="en-US" dirty="0" err="1">
-                <a:solidFill>
-                  <a:srgbClr val="080E14"/>
-                </a:solidFill>
-                <a:latin typeface="Nanum Gothic"/>
-              </a:rPr>
-              <a:t>억명</a:t>
-            </a:r>
-            <a:r>
-              <a:rPr lang="ko-KR" altLang="en-US" dirty="0">
-                <a:solidFill>
-                  <a:srgbClr val="080E14"/>
-                </a:solidFill>
-                <a:latin typeface="Nanum Gothic"/>
-              </a:rPr>
-              <a:t> 돌파</a:t>
-            </a:r>
-            <a:endParaRPr lang="ko-KR" altLang="en-US" dirty="0"/>
-          </a:p>
-        </p:txBody>
-      </p:sp>
-      <p:pic>
-        <p:nvPicPr>
-          <p:cNvPr id="7" name="그림 6">
-            <a:extLst>
-              <a:ext uri="{FF2B5EF4-FFF2-40B4-BE49-F238E27FC236}">
-                <a16:creationId xmlns:a16="http://schemas.microsoft.com/office/drawing/2014/main" id="{E357E8CE-E643-4E15-92E6-48AB78266F1C}"/>
-              </a:ext>
-            </a:extLst>
-          </p:cNvPr>
-          <p:cNvPicPr>
-            <a:picLocks noChangeAspect="1"/>
-          </p:cNvPicPr>
-          <p:nvPr/>
-        </p:nvPicPr>
-        <p:blipFill>
-          <a:blip r:embed="rId2"/>
-          <a:stretch>
-            <a:fillRect/>
-          </a:stretch>
-        </p:blipFill>
-        <p:spPr>
-          <a:xfrm>
-            <a:off x="228906" y="1737754"/>
-            <a:ext cx="11332666" cy="4368458"/>
-          </a:xfrm>
-          <a:prstGeom prst="rect">
-            <a:avLst/>
-          </a:prstGeom>
-        </p:spPr>
-      </p:pic>
-      <p:sp>
-        <p:nvSpPr>
-          <p:cNvPr id="6" name="화살표: 아래쪽 5">
-            <a:extLst>
-              <a:ext uri="{FF2B5EF4-FFF2-40B4-BE49-F238E27FC236}">
-                <a16:creationId xmlns:a16="http://schemas.microsoft.com/office/drawing/2014/main" id="{D46B626F-FE7D-45B9-925E-E15DD5A06220}"/>
-              </a:ext>
-            </a:extLst>
-          </p:cNvPr>
-          <p:cNvSpPr/>
-          <p:nvPr/>
-        </p:nvSpPr>
-        <p:spPr>
-          <a:xfrm>
-            <a:off x="10581991" y="1746520"/>
-            <a:ext cx="136343" cy="1953164"/>
-          </a:xfrm>
-          <a:prstGeom prst="downArrow">
-            <a:avLst/>
-          </a:prstGeom>
-        </p:spPr>
-        <p:style>
-          <a:lnRef idx="2">
-            <a:schemeClr val="accent1">
-              <a:shade val="50000"/>
-            </a:schemeClr>
-          </a:lnRef>
-          <a:fillRef idx="1">
-            <a:schemeClr val="accent1"/>
-          </a:fillRef>
-          <a:effectRef idx="0">
-            <a:schemeClr val="accent1"/>
-          </a:effectRef>
-          <a:fontRef idx="minor">
-            <a:schemeClr val="lt1"/>
-          </a:fontRef>
-        </p:style>
-        <p:txBody>
-          <a:bodyPr rtlCol="0" anchor="ctr"/>
-          <a:lstStyle/>
-          <a:p>
-            <a:pPr algn="ctr"/>
-            <a:endParaRPr lang="ko-KR" altLang="en-US"/>
-          </a:p>
-        </p:txBody>
-      </p:sp>
-    </p:spTree>
-    <p:extLst>
-      <p:ext uri="{BB962C8B-B14F-4D97-AF65-F5344CB8AC3E}">
-        <p14:creationId xmlns:p14="http://schemas.microsoft.com/office/powerpoint/2010/main" val="893666001"/>
-      </p:ext>
-    </p:extLst>
-  </p:cSld>
-  <p:clrMapOvr>
-    <a:masterClrMapping/>
-  </p:clrMapOvr>
-</p:sld>
-</file>
-
-<file path=ppt/slides/slide13.xml><?xml version="1.0" encoding="utf-8"?>
-<p:sld xmlns:a="http://schemas.openxmlformats.org/drawingml/2006/main" xmlns:r="http://schemas.openxmlformats.org/officeDocument/2006/relationships" xmlns:p="http://schemas.openxmlformats.org/presentationml/2006/main">
-  <p:cSld>
-    <p:spTree>
-      <p:nvGrpSpPr>
-        <p:cNvPr id="1" name=""/>
-        <p:cNvGrpSpPr/>
-        <p:nvPr/>
-      </p:nvGrpSpPr>
-      <p:grpSpPr>
-        <a:xfrm>
-          <a:off x="0" y="0"/>
-          <a:ext cx="0" cy="0"/>
-          <a:chOff x="0" y="0"/>
-          <a:chExt cx="0" cy="0"/>
-        </a:xfrm>
-      </p:grpSpPr>
-      <p:sp>
-        <p:nvSpPr>
-          <p:cNvPr id="2" name="제목 1">
-            <a:extLst>
-              <a:ext uri="{FF2B5EF4-FFF2-40B4-BE49-F238E27FC236}">
-                <a16:creationId xmlns:a16="http://schemas.microsoft.com/office/drawing/2014/main" id="{22E6C03B-93BD-4C81-9629-DE6D3FDEC005}"/>
-              </a:ext>
-            </a:extLst>
-          </p:cNvPr>
-          <p:cNvSpPr>
-            <a:spLocks noGrp="1"/>
-          </p:cNvSpPr>
-          <p:nvPr>
-            <p:ph type="title"/>
-          </p:nvPr>
-        </p:nvSpPr>
-        <p:spPr/>
-        <p:txBody>
-          <a:bodyPr/>
-          <a:lstStyle/>
-          <a:p>
-            <a:r>
-              <a:rPr lang="en-US" altLang="ko-KR" dirty="0"/>
-              <a:t>CPU  vs GPU</a:t>
-            </a:r>
-            <a:endParaRPr lang="ko-KR" altLang="en-US" dirty="0"/>
-          </a:p>
-        </p:txBody>
-      </p:sp>
-      <p:pic>
-        <p:nvPicPr>
-          <p:cNvPr id="1026" name="Picture 2" descr="목 &#10;정 &#10;의 &#10;역 &#10;할 &#10;작 &#10;동 &#10;방 &#10;식 &#10;코 &#10;이 &#10;적 &#10;용 &#10;문 &#10;야 &#10;CPU &#10;CPU는 Central Processing unit의 약자로. 컴 &#10;퓨터의 중앙 지리 장치입니다. CP니는 컴퓨터 &#10;의 작동을 제어하며 모든 프로세스를 관리합 &#10;니다 巳] &#10;CPU는 컴퓨터 내의 모든 프로세스를 관리하 &#10;고 자허하는 역할을 합니다- 이에는 입력한 &#10;기의 등록부터 장 관리. 파일 시스템 듬 다양 &#10;한 작업이 포함됩니다- 21 &#10;CPU는 식별 저리 방식으로 동작하며. 한 번 &#10;에 하나의 작업을 서리합니ch 각 코어는 독 &#10;립적으로 작업을 수행하며, 이는 대우 빠른 &#10;속도로 전환팀니다. !회 &#10;대부분의 프로세서는 4개에서 8개의 코어를 &#10;가지고 있지만, 고성능 CPU는 최대 64거의 &#10;코어를 가진 수 있습니다. [11 &#10;CPL-IE 컴퓨터의 일반석인 작동에 사용되몌 &#10;직렬 치리가 필요한 대부분의 작업에 사용된 &#10;니다. 예를 들에 웹 브라우저를 실행하거나 &#10;문서를 작성하는 테 사용됩니다| 口 &#10;GP니는 Graphical Processing unit의 약자로, 그래 &#10;픽 카드라고도 불립니다. GPU는 회면에 표시되는 &#10;그래픽을 저리8卜는 역할을 합니다, 田 &#10;GP니는 그래픽을 처리하고. 특히 30 그래픽에 적 &#10;합하며. 효율석인 병렬 저리를 가능하게 합니다, &#10;대량의 데이터를 빠르게 처리할 수 았에 더 &#10;신 러닝이나 그립토 마이닝에도 사용됩니다. [11 &#10;GPI-I는 병렬 저리 방식을 사용하며 한 번에 수전 &#10;개의 작업을 동시에 저리합니다- 이리한 특상 때문 &#10;에 GPI.JE 대량의 작은 부분으로 이루어진 큰 작업 &#10;을 치리하는 테 더 적합합니다. 口 &#10;CPU는 수백에서 수전 개의 코어를 가지고 있으며, &#10;이를 통해 대량의 병별 저리를 수행합니다, 21 &#10;GPI.J는 그래픽이 중요한 게임. 고급 그래픽 소프트 &#10;-입어. 30 모텔링 등에 사용됩니다. 또한 대량의 병 &#10;맇 지리가 필요한 작업. 대신 러닝. 크립토 마이닝 &#10;등에도 적용됩니다. 田 ">
-            <a:extLst>
-              <a:ext uri="{FF2B5EF4-FFF2-40B4-BE49-F238E27FC236}">
-                <a16:creationId xmlns:a16="http://schemas.microsoft.com/office/drawing/2014/main" id="{BCDCBB26-09E8-4878-81F0-E577AA8BC28B}"/>
-              </a:ext>
-            </a:extLst>
-          </p:cNvPr>
-          <p:cNvPicPr>
-            <a:picLocks noChangeAspect="1" noChangeArrowheads="1"/>
-          </p:cNvPicPr>
-          <p:nvPr/>
-        </p:nvPicPr>
-        <p:blipFill>
-          <a:blip r:embed="rId2">
-            <a:extLst>
-              <a:ext uri="{28A0092B-C50C-407E-A947-70E740481C1C}">
-                <a14:useLocalDpi xmlns:a14="http://schemas.microsoft.com/office/drawing/2010/main" val="0"/>
-              </a:ext>
-            </a:extLst>
-          </a:blip>
-          <a:srcRect/>
-          <a:stretch>
-            <a:fillRect/>
-          </a:stretch>
-        </p:blipFill>
-        <p:spPr bwMode="auto">
-          <a:xfrm>
-            <a:off x="3138488" y="1266573"/>
-            <a:ext cx="6903134" cy="5591427"/>
-          </a:xfrm>
-          <a:prstGeom prst="rect">
-            <a:avLst/>
-          </a:prstGeom>
-          <a:noFill/>
-          <a:extLst>
-            <a:ext uri="{909E8E84-426E-40DD-AFC4-6F175D3DCCD1}">
-              <a14:hiddenFill xmlns:a14="http://schemas.microsoft.com/office/drawing/2010/main">
-                <a:solidFill>
-                  <a:srgbClr val="FFFFFF"/>
-                </a:solidFill>
-              </a14:hiddenFill>
-            </a:ext>
-          </a:extLst>
-        </p:spPr>
-      </p:pic>
-    </p:spTree>
-    <p:extLst>
-      <p:ext uri="{BB962C8B-B14F-4D97-AF65-F5344CB8AC3E}">
-        <p14:creationId xmlns:p14="http://schemas.microsoft.com/office/powerpoint/2010/main" val="1782597896"/>
-      </p:ext>
-    </p:extLst>
-  </p:cSld>
-  <p:clrMapOvr>
-    <a:masterClrMapping/>
-  </p:clrMapOvr>
-</p:sld>
-</file>
-
-<file path=ppt/slides/slide14.xml><?xml version="1.0" encoding="utf-8"?>
-<p:sld xmlns:a="http://schemas.openxmlformats.org/drawingml/2006/main" xmlns:r="http://schemas.openxmlformats.org/officeDocument/2006/relationships" xmlns:p="http://schemas.openxmlformats.org/presentationml/2006/main">
-  <p:cSld>
-    <p:spTree>
-      <p:nvGrpSpPr>
-        <p:cNvPr id="1" name=""/>
-        <p:cNvGrpSpPr/>
-        <p:nvPr/>
-      </p:nvGrpSpPr>
-      <p:grpSpPr>
-        <a:xfrm>
-          <a:off x="0" y="0"/>
-          <a:ext cx="0" cy="0"/>
-          <a:chOff x="0" y="0"/>
-          <a:chExt cx="0" cy="0"/>
-        </a:xfrm>
-      </p:grpSpPr>
-      <p:pic>
-        <p:nvPicPr>
-          <p:cNvPr id="4" name="내용 개체 틀 3">
-            <a:extLst>
-              <a:ext uri="{FF2B5EF4-FFF2-40B4-BE49-F238E27FC236}">
-                <a16:creationId xmlns:a16="http://schemas.microsoft.com/office/drawing/2014/main" id="{CE8C638C-F1D8-4581-92F7-F37B103F725B}"/>
-              </a:ext>
-            </a:extLst>
-          </p:cNvPr>
-          <p:cNvPicPr>
-            <a:picLocks noGrp="1" noChangeAspect="1"/>
-          </p:cNvPicPr>
-          <p:nvPr>
-            <p:ph idx="1"/>
-          </p:nvPr>
-        </p:nvPicPr>
-        <p:blipFill>
-          <a:blip r:embed="rId2"/>
-          <a:stretch>
-            <a:fillRect/>
-          </a:stretch>
-        </p:blipFill>
-        <p:spPr>
-          <a:xfrm>
-            <a:off x="3053593" y="364594"/>
-            <a:ext cx="5913301" cy="6357653"/>
-          </a:xfrm>
-          <a:prstGeom prst="rect">
-            <a:avLst/>
-          </a:prstGeom>
-        </p:spPr>
-      </p:pic>
-    </p:spTree>
-    <p:extLst>
-      <p:ext uri="{BB962C8B-B14F-4D97-AF65-F5344CB8AC3E}">
-        <p14:creationId xmlns:p14="http://schemas.microsoft.com/office/powerpoint/2010/main" val="821028738"/>
-      </p:ext>
-    </p:extLst>
-  </p:cSld>
-  <p:clrMapOvr>
-    <a:masterClrMapping/>
-  </p:clrMapOvr>
-</p:sld>
-</file>
-
-<file path=ppt/slides/slide15.xml><?xml version="1.0" encoding="utf-8"?>
-<p:sld xmlns:a="http://schemas.openxmlformats.org/drawingml/2006/main" xmlns:r="http://schemas.openxmlformats.org/officeDocument/2006/relationships" xmlns:p="http://schemas.openxmlformats.org/presentationml/2006/main">
-  <p:cSld>
-    <p:spTree>
-      <p:nvGrpSpPr>
-        <p:cNvPr id="1" name=""/>
-        <p:cNvGrpSpPr/>
-        <p:nvPr/>
-      </p:nvGrpSpPr>
-      <p:grpSpPr>
-        <a:xfrm>
-          <a:off x="0" y="0"/>
-          <a:ext cx="0" cy="0"/>
-          <a:chOff x="0" y="0"/>
-          <a:chExt cx="0" cy="0"/>
-        </a:xfrm>
-      </p:grpSpPr>
       <p:pic>
         <p:nvPicPr>
           <p:cNvPr id="4" name="그림 3">
@@ -7152,7 +5079,7 @@
           <p:cNvPr id="2" name="제목 1">
             <a:extLst>
               <a:ext uri="{FF2B5EF4-FFF2-40B4-BE49-F238E27FC236}">
-                <a16:creationId xmlns:a16="http://schemas.microsoft.com/office/drawing/2014/main" id="{12583335-4B5A-428E-90FC-174D2BEED0B5}"/>
+                <a16:creationId xmlns:a16="http://schemas.microsoft.com/office/drawing/2014/main" id="{2D519A7D-D7F1-4736-B840-FEFC10711E32}"/>
               </a:ext>
             </a:extLst>
           </p:cNvPr>
@@ -7165,102 +5092,35 @@
         </p:nvSpPr>
         <p:spPr/>
         <p:txBody>
-          <a:bodyPr>
-            <a:normAutofit fontScale="90000"/>
-          </a:bodyPr>
-          <a:lstStyle/>
-          <a:p>
-            <a:pPr algn="ctr"/>
+          <a:bodyPr/>
+          <a:lstStyle/>
+          <a:p>
             <a:r>
               <a:rPr lang="en-US" altLang="ko-KR" dirty="0"/>
-              <a:t>Leonhard Euler</a:t>
-            </a:r>
-            <a:br>
-              <a:rPr lang="en-US" altLang="ko-KR" dirty="0"/>
-            </a:br>
-            <a:r>
-              <a:rPr lang="en-US" altLang="ko-KR" sz="3200" i="1" dirty="0"/>
-              <a:t> </a:t>
-            </a:r>
-            <a:r>
-              <a:rPr lang="en-US" altLang="ko-KR" sz="3200" i="1" dirty="0" err="1"/>
-              <a:t>Introductio</a:t>
-            </a:r>
-            <a:r>
-              <a:rPr lang="en-US" altLang="ko-KR" sz="3200" i="1" dirty="0"/>
-              <a:t> in </a:t>
-            </a:r>
-            <a:r>
-              <a:rPr lang="en-US" altLang="ko-KR" sz="3200" i="1" dirty="0" err="1"/>
-              <a:t>Analysin</a:t>
-            </a:r>
-            <a:r>
-              <a:rPr lang="en-US" altLang="ko-KR" sz="3200" i="1" dirty="0"/>
-              <a:t> </a:t>
-            </a:r>
-            <a:r>
-              <a:rPr lang="en-US" altLang="ko-KR" sz="3200" i="1" dirty="0" err="1"/>
-              <a:t>Infinitorum</a:t>
-            </a:r>
-            <a:r>
-              <a:rPr lang="en-US" altLang="ko-KR" sz="3200" i="1" dirty="0"/>
-              <a:t>. 1748</a:t>
-            </a:r>
-            <a:br>
-              <a:rPr lang="en-US" altLang="ko-KR" sz="3200" dirty="0"/>
-            </a:br>
-            <a:endParaRPr lang="ko-KR" altLang="en-US" sz="3200" dirty="0"/>
+              <a:t>Function</a:t>
+            </a:r>
+            <a:endParaRPr lang="ko-KR" altLang="en-US" dirty="0"/>
           </a:p>
         </p:txBody>
       </p:sp>
       <p:pic>
         <p:nvPicPr>
-          <p:cNvPr id="4" name="내용 개체 틀 3">
-            <a:extLst>
-              <a:ext uri="{FF2B5EF4-FFF2-40B4-BE49-F238E27FC236}">
-                <a16:creationId xmlns:a16="http://schemas.microsoft.com/office/drawing/2014/main" id="{870CCDD9-40F3-4B0B-8ECC-6D048EB9FCB8}"/>
+          <p:cNvPr id="1026" name="Picture 2" descr="함수는 입력값에 따라 출력값을 만들어 내는 ‘블랙 박스’와 같다.">
+            <a:extLst>
+              <a:ext uri="{FF2B5EF4-FFF2-40B4-BE49-F238E27FC236}">
+                <a16:creationId xmlns:a16="http://schemas.microsoft.com/office/drawing/2014/main" id="{0A812A7D-1D47-4D93-AB71-151A64A9A0BE}"/>
               </a:ext>
             </a:extLst>
           </p:cNvPr>
           <p:cNvPicPr>
-            <a:picLocks noGrp="1" noChangeAspect="1"/>
+            <a:picLocks noGrp="1" noChangeAspect="1" noChangeArrowheads="1"/>
           </p:cNvPicPr>
           <p:nvPr>
             <p:ph idx="1"/>
           </p:nvPr>
         </p:nvPicPr>
         <p:blipFill>
-          <a:blip r:embed="rId2"/>
-          <a:stretch>
-            <a:fillRect/>
-          </a:stretch>
-        </p:blipFill>
-        <p:spPr>
-          <a:xfrm>
-            <a:off x="78144" y="2142461"/>
-            <a:ext cx="6362700" cy="3400425"/>
-          </a:xfrm>
-          <a:prstGeom prst="rect">
-            <a:avLst/>
-          </a:prstGeom>
-        </p:spPr>
-      </p:pic>
-      <p:pic>
-        <p:nvPicPr>
-          <p:cNvPr id="6148" name="Picture 4">
-            <a:extLst>
-              <a:ext uri="{FF2B5EF4-FFF2-40B4-BE49-F238E27FC236}">
-                <a16:creationId xmlns:a16="http://schemas.microsoft.com/office/drawing/2014/main" id="{AD20EB6F-87D4-4AE8-B628-8157E99C3D94}"/>
-              </a:ext>
-            </a:extLst>
-          </p:cNvPr>
-          <p:cNvPicPr>
-            <a:picLocks noChangeAspect="1" noChangeArrowheads="1"/>
-          </p:cNvPicPr>
-          <p:nvPr/>
-        </p:nvPicPr>
-        <p:blipFill>
-          <a:blip r:embed="rId3">
+          <a:blip r:embed="rId2">
             <a:extLst>
               <a:ext uri="{28A0092B-C50C-407E-A947-70E740481C1C}">
                 <a14:useLocalDpi xmlns:a14="http://schemas.microsoft.com/office/drawing/2010/main" val="0"/>
@@ -7274,8 +5134,8 @@
         </p:blipFill>
         <p:spPr bwMode="auto">
           <a:xfrm>
-            <a:off x="7651101" y="1690688"/>
-            <a:ext cx="3537857" cy="4574815"/>
+            <a:off x="3896960" y="1825625"/>
+            <a:ext cx="4398080" cy="4351338"/>
           </a:xfrm>
           <a:prstGeom prst="rect">
             <a:avLst/>
@@ -7295,7 +5155,7 @@
     </p:spTree>
     <p:extLst>
       <p:ext uri="{BB962C8B-B14F-4D97-AF65-F5344CB8AC3E}">
-        <p14:creationId xmlns:p14="http://schemas.microsoft.com/office/powerpoint/2010/main" val="1524171881"/>
+        <p14:creationId xmlns:p14="http://schemas.microsoft.com/office/powerpoint/2010/main" val="3746780308"/>
       </p:ext>
     </p:extLst>
   </p:cSld>
@@ -7322,114 +5182,6 @@
           <a:chExt cx="0" cy="0"/>
         </a:xfrm>
       </p:grpSpPr>
-      <p:sp>
-        <p:nvSpPr>
-          <p:cNvPr id="2" name="제목 1">
-            <a:extLst>
-              <a:ext uri="{FF2B5EF4-FFF2-40B4-BE49-F238E27FC236}">
-                <a16:creationId xmlns:a16="http://schemas.microsoft.com/office/drawing/2014/main" id="{2D519A7D-D7F1-4736-B840-FEFC10711E32}"/>
-              </a:ext>
-            </a:extLst>
-          </p:cNvPr>
-          <p:cNvSpPr>
-            <a:spLocks noGrp="1"/>
-          </p:cNvSpPr>
-          <p:nvPr>
-            <p:ph type="title"/>
-          </p:nvPr>
-        </p:nvSpPr>
-        <p:spPr/>
-        <p:txBody>
-          <a:bodyPr/>
-          <a:lstStyle/>
-          <a:p>
-            <a:r>
-              <a:rPr lang="en-US" altLang="ko-KR" dirty="0"/>
-              <a:t>Function</a:t>
-            </a:r>
-            <a:endParaRPr lang="ko-KR" altLang="en-US" dirty="0"/>
-          </a:p>
-        </p:txBody>
-      </p:sp>
-      <p:pic>
-        <p:nvPicPr>
-          <p:cNvPr id="1026" name="Picture 2" descr="함수는 입력값에 따라 출력값을 만들어 내는 ‘블랙 박스’와 같다.">
-            <a:extLst>
-              <a:ext uri="{FF2B5EF4-FFF2-40B4-BE49-F238E27FC236}">
-                <a16:creationId xmlns:a16="http://schemas.microsoft.com/office/drawing/2014/main" id="{0A812A7D-1D47-4D93-AB71-151A64A9A0BE}"/>
-              </a:ext>
-            </a:extLst>
-          </p:cNvPr>
-          <p:cNvPicPr>
-            <a:picLocks noGrp="1" noChangeAspect="1" noChangeArrowheads="1"/>
-          </p:cNvPicPr>
-          <p:nvPr>
-            <p:ph idx="1"/>
-          </p:nvPr>
-        </p:nvPicPr>
-        <p:blipFill>
-          <a:blip r:embed="rId2">
-            <a:extLst>
-              <a:ext uri="{28A0092B-C50C-407E-A947-70E740481C1C}">
-                <a14:useLocalDpi xmlns:a14="http://schemas.microsoft.com/office/drawing/2010/main" val="0"/>
-              </a:ext>
-            </a:extLst>
-          </a:blip>
-          <a:srcRect/>
-          <a:stretch>
-            <a:fillRect/>
-          </a:stretch>
-        </p:blipFill>
-        <p:spPr bwMode="auto">
-          <a:xfrm>
-            <a:off x="3896960" y="1825625"/>
-            <a:ext cx="4398080" cy="4351338"/>
-          </a:xfrm>
-          <a:prstGeom prst="rect">
-            <a:avLst/>
-          </a:prstGeom>
-          <a:noFill/>
-          <a:extLst>
-            <a:ext uri="{909E8E84-426E-40DD-AFC4-6F175D3DCCD1}">
-              <a14:hiddenFill xmlns:a14="http://schemas.microsoft.com/office/drawing/2010/main">
-                <a:solidFill>
-                  <a:srgbClr val="FFFFFF"/>
-                </a:solidFill>
-              </a14:hiddenFill>
-            </a:ext>
-          </a:extLst>
-        </p:spPr>
-      </p:pic>
-    </p:spTree>
-    <p:extLst>
-      <p:ext uri="{BB962C8B-B14F-4D97-AF65-F5344CB8AC3E}">
-        <p14:creationId xmlns:p14="http://schemas.microsoft.com/office/powerpoint/2010/main" val="3746780308"/>
-      </p:ext>
-    </p:extLst>
-  </p:cSld>
-  <p:clrMapOvr>
-    <a:masterClrMapping/>
-  </p:clrMapOvr>
-</p:sld>
-</file>
-
-<file path=ppt/slides/slide5.xml><?xml version="1.0" encoding="utf-8"?>
-<p:sld xmlns:a="http://schemas.openxmlformats.org/drawingml/2006/main" xmlns:r="http://schemas.openxmlformats.org/officeDocument/2006/relationships" xmlns:p="http://schemas.openxmlformats.org/presentationml/2006/main">
-  <p:cSld>
-    <p:spTree>
-      <p:nvGrpSpPr>
-        <p:cNvPr id="1" name=""/>
-        <p:cNvGrpSpPr/>
-        <p:nvPr/>
-      </p:nvGrpSpPr>
-      <p:grpSpPr>
-        <a:xfrm>
-          <a:off x="0" y="0"/>
-          <a:ext cx="0" cy="0"/>
-          <a:chOff x="0" y="0"/>
-          <a:chExt cx="0" cy="0"/>
-        </a:xfrm>
-      </p:grpSpPr>
       <p:pic>
         <p:nvPicPr>
           <p:cNvPr id="6" name="Picture 2" descr="What is a Function 1">
@@ -7492,7 +5244,7 @@
 </p:sld>
 </file>
 
-<file path=ppt/slides/slide6.xml><?xml version="1.0" encoding="utf-8"?>
+<file path=ppt/slides/slide5.xml><?xml version="1.0" encoding="utf-8"?>
 <p:sld xmlns:a="http://schemas.openxmlformats.org/drawingml/2006/main" xmlns:r="http://schemas.openxmlformats.org/officeDocument/2006/relationships" xmlns:p="http://schemas.openxmlformats.org/presentationml/2006/main">
   <p:cSld>
     <p:spTree>
@@ -8141,6 +5893,225 @@
 </p:sld>
 </file>
 
+<file path=ppt/slides/slide6.xml><?xml version="1.0" encoding="utf-8"?>
+<p:sld xmlns:a="http://schemas.openxmlformats.org/drawingml/2006/main" xmlns:r="http://schemas.openxmlformats.org/officeDocument/2006/relationships" xmlns:p="http://schemas.openxmlformats.org/presentationml/2006/main">
+  <p:cSld>
+    <p:spTree>
+      <p:nvGrpSpPr>
+        <p:cNvPr id="1" name=""/>
+        <p:cNvGrpSpPr/>
+        <p:nvPr/>
+      </p:nvGrpSpPr>
+      <p:grpSpPr>
+        <a:xfrm>
+          <a:off x="0" y="0"/>
+          <a:ext cx="0" cy="0"/>
+          <a:chOff x="0" y="0"/>
+          <a:chExt cx="0" cy="0"/>
+        </a:xfrm>
+      </p:grpSpPr>
+      <p:sp>
+        <p:nvSpPr>
+          <p:cNvPr id="4" name="직사각형 3">
+            <a:extLst>
+              <a:ext uri="{FF2B5EF4-FFF2-40B4-BE49-F238E27FC236}">
+                <a16:creationId xmlns:a16="http://schemas.microsoft.com/office/drawing/2014/main" id="{03F59AD1-E915-41E7-9087-F06DC837BA48}"/>
+              </a:ext>
+            </a:extLst>
+          </p:cNvPr>
+          <p:cNvSpPr/>
+          <p:nvPr/>
+        </p:nvSpPr>
+        <p:spPr>
+          <a:xfrm>
+            <a:off x="1173760" y="1136629"/>
+            <a:ext cx="10663106" cy="1107996"/>
+          </a:xfrm>
+          <a:prstGeom prst="rect">
+            <a:avLst/>
+          </a:prstGeom>
+        </p:spPr>
+        <p:txBody>
+          <a:bodyPr wrap="square">
+            <a:spAutoFit/>
+          </a:bodyPr>
+          <a:lstStyle/>
+          <a:p>
+            <a:r>
+              <a:rPr lang="en-US" altLang="ko-KR" sz="6600" dirty="0">
+                <a:solidFill>
+                  <a:srgbClr val="DADDE2"/>
+                </a:solidFill>
+                <a:highlight>
+                  <a:srgbClr val="0000FF"/>
+                </a:highlight>
+                <a:ea typeface="Söhne"/>
+              </a:rPr>
+              <a:t>U</a:t>
+            </a:r>
+            <a:r>
+              <a:rPr lang="ko-KR" altLang="ko-KR" sz="6600" dirty="0" err="1">
+                <a:solidFill>
+                  <a:srgbClr val="DADDE2"/>
+                </a:solidFill>
+                <a:highlight>
+                  <a:srgbClr val="0000FF"/>
+                </a:highlight>
+                <a:ea typeface="Söhne"/>
+              </a:rPr>
+              <a:t>nconscious</a:t>
+            </a:r>
+            <a:r>
+              <a:rPr lang="en-US" altLang="ko-KR" sz="6600" dirty="0">
+                <a:solidFill>
+                  <a:srgbClr val="DADDE2"/>
+                </a:solidFill>
+                <a:highlight>
+                  <a:srgbClr val="0000FF"/>
+                </a:highlight>
+                <a:ea typeface="Söhne"/>
+              </a:rPr>
+              <a:t>ness</a:t>
+            </a:r>
+            <a:endParaRPr lang="ko-KR" altLang="en-US" sz="6600" dirty="0">
+              <a:highlight>
+                <a:srgbClr val="0000FF"/>
+              </a:highlight>
+            </a:endParaRPr>
+          </a:p>
+        </p:txBody>
+      </p:sp>
+      <p:sp>
+        <p:nvSpPr>
+          <p:cNvPr id="5" name="직사각형 4">
+            <a:extLst>
+              <a:ext uri="{FF2B5EF4-FFF2-40B4-BE49-F238E27FC236}">
+                <a16:creationId xmlns:a16="http://schemas.microsoft.com/office/drawing/2014/main" id="{A33742E8-3B92-406A-B86E-45D6CA06986F}"/>
+              </a:ext>
+            </a:extLst>
+          </p:cNvPr>
+          <p:cNvSpPr/>
+          <p:nvPr/>
+        </p:nvSpPr>
+        <p:spPr>
+          <a:xfrm>
+            <a:off x="1173760" y="3162130"/>
+            <a:ext cx="8503325" cy="1107996"/>
+          </a:xfrm>
+          <a:prstGeom prst="rect">
+            <a:avLst/>
+          </a:prstGeom>
+        </p:spPr>
+        <p:txBody>
+          <a:bodyPr wrap="square">
+            <a:spAutoFit/>
+          </a:bodyPr>
+          <a:lstStyle/>
+          <a:p>
+            <a:r>
+              <a:rPr lang="en-US" altLang="ko-KR" sz="6600" dirty="0">
+                <a:solidFill>
+                  <a:schemeClr val="bg1"/>
+                </a:solidFill>
+                <a:highlight>
+                  <a:srgbClr val="0000FF"/>
+                </a:highlight>
+                <a:latin typeface="Malgun Gothic Semilight" panose="020B0502040204020203" pitchFamily="50" charset="-127"/>
+                <a:ea typeface="Malgun Gothic Semilight" panose="020B0502040204020203" pitchFamily="50" charset="-127"/>
+                <a:cs typeface="Malgun Gothic Semilight" panose="020B0502040204020203" pitchFamily="50" charset="-127"/>
+              </a:rPr>
+              <a:t>Human </a:t>
+            </a:r>
+            <a:r>
+              <a:rPr lang="en-US" altLang="ko-KR" sz="6600" b="1" dirty="0">
+                <a:solidFill>
+                  <a:schemeClr val="bg1"/>
+                </a:solidFill>
+                <a:highlight>
+                  <a:srgbClr val="0000FF"/>
+                </a:highlight>
+                <a:latin typeface="Malgun Gothic Semilight" panose="020B0502040204020203" pitchFamily="50" charset="-127"/>
+                <a:ea typeface="Malgun Gothic Semilight" panose="020B0502040204020203" pitchFamily="50" charset="-127"/>
+                <a:cs typeface="Malgun Gothic Semilight" panose="020B0502040204020203" pitchFamily="50" charset="-127"/>
+              </a:rPr>
+              <a:t>forgetting</a:t>
+            </a:r>
+            <a:endParaRPr lang="ko-KR" altLang="en-US" sz="6600" b="1" dirty="0">
+              <a:solidFill>
+                <a:schemeClr val="bg1"/>
+              </a:solidFill>
+              <a:highlight>
+                <a:srgbClr val="0000FF"/>
+              </a:highlight>
+              <a:latin typeface="Malgun Gothic Semilight" panose="020B0502040204020203" pitchFamily="50" charset="-127"/>
+              <a:ea typeface="Malgun Gothic Semilight" panose="020B0502040204020203" pitchFamily="50" charset="-127"/>
+              <a:cs typeface="Malgun Gothic Semilight" panose="020B0502040204020203" pitchFamily="50" charset="-127"/>
+            </a:endParaRPr>
+          </a:p>
+        </p:txBody>
+      </p:sp>
+      <p:sp>
+        <p:nvSpPr>
+          <p:cNvPr id="6" name="직사각형 5">
+            <a:extLst>
+              <a:ext uri="{FF2B5EF4-FFF2-40B4-BE49-F238E27FC236}">
+                <a16:creationId xmlns:a16="http://schemas.microsoft.com/office/drawing/2014/main" id="{426EBE73-4DD2-4F1B-A6B1-0A1FDDF51666}"/>
+              </a:ext>
+            </a:extLst>
+          </p:cNvPr>
+          <p:cNvSpPr/>
+          <p:nvPr/>
+        </p:nvSpPr>
+        <p:spPr>
+          <a:xfrm>
+            <a:off x="1106647" y="5187631"/>
+            <a:ext cx="10515600" cy="1107996"/>
+          </a:xfrm>
+          <a:prstGeom prst="rect">
+            <a:avLst/>
+          </a:prstGeom>
+        </p:spPr>
+        <p:txBody>
+          <a:bodyPr wrap="square">
+            <a:spAutoFit/>
+          </a:bodyPr>
+          <a:lstStyle/>
+          <a:p>
+            <a:r>
+              <a:rPr lang="en-US" altLang="ko-KR" sz="6600" dirty="0">
+                <a:solidFill>
+                  <a:schemeClr val="bg1"/>
+                </a:solidFill>
+                <a:highlight>
+                  <a:srgbClr val="0000FF"/>
+                </a:highlight>
+              </a:rPr>
+              <a:t>Nonverbal communication</a:t>
+            </a:r>
+            <a:endParaRPr lang="ko-KR" altLang="en-US" sz="6600" dirty="0">
+              <a:solidFill>
+                <a:schemeClr val="bg1"/>
+              </a:solidFill>
+              <a:highlight>
+                <a:srgbClr val="0000FF"/>
+              </a:highlight>
+            </a:endParaRPr>
+          </a:p>
+        </p:txBody>
+      </p:sp>
+    </p:spTree>
+    <p:extLst>
+      <p:ext uri="{BB962C8B-B14F-4D97-AF65-F5344CB8AC3E}">
+        <p14:creationId xmlns:p14="http://schemas.microsoft.com/office/powerpoint/2010/main" val="4125209932"/>
+      </p:ext>
+    </p:extLst>
+  </p:cSld>
+  <p:clrMapOvr>
+    <a:masterClrMapping/>
+  </p:clrMapOvr>
+</p:sld>
+</file>
+
 <file path=ppt/slides/slide7.xml><?xml version="1.0" encoding="utf-8"?>
 <p:sld xmlns:a="http://schemas.openxmlformats.org/drawingml/2006/main" xmlns:r="http://schemas.openxmlformats.org/officeDocument/2006/relationships" xmlns:p="http://schemas.openxmlformats.org/presentationml/2006/main">
   <p:cSld>
@@ -8158,83 +6129,59 @@
           <a:chExt cx="0" cy="0"/>
         </a:xfrm>
       </p:grpSpPr>
-      <p:sp>
-        <p:nvSpPr>
-          <p:cNvPr id="4" name="직사각형 3">
-            <a:extLst>
-              <a:ext uri="{FF2B5EF4-FFF2-40B4-BE49-F238E27FC236}">
-                <a16:creationId xmlns:a16="http://schemas.microsoft.com/office/drawing/2014/main" id="{03F59AD1-E915-41E7-9087-F06DC837BA48}"/>
-              </a:ext>
-            </a:extLst>
-          </p:cNvPr>
-          <p:cNvSpPr/>
+      <p:pic>
+        <p:nvPicPr>
+          <p:cNvPr id="2050" name="Picture 2">
+            <a:extLst>
+              <a:ext uri="{FF2B5EF4-FFF2-40B4-BE49-F238E27FC236}">
+                <a16:creationId xmlns:a16="http://schemas.microsoft.com/office/drawing/2014/main" id="{B331C87C-B74A-49A5-9862-E5403D394716}"/>
+              </a:ext>
+            </a:extLst>
+          </p:cNvPr>
+          <p:cNvPicPr>
+            <a:picLocks noChangeAspect="1" noChangeArrowheads="1"/>
+          </p:cNvPicPr>
           <p:nvPr/>
-        </p:nvSpPr>
-        <p:spPr>
+        </p:nvPicPr>
+        <p:blipFill>
+          <a:blip r:embed="rId2">
+            <a:extLst>
+              <a:ext uri="{28A0092B-C50C-407E-A947-70E740481C1C}">
+                <a14:useLocalDpi xmlns:a14="http://schemas.microsoft.com/office/drawing/2010/main" val="0"/>
+              </a:ext>
+            </a:extLst>
+          </a:blip>
+          <a:srcRect/>
+          <a:stretch>
+            <a:fillRect/>
+          </a:stretch>
+        </p:blipFill>
+        <p:spPr bwMode="auto">
           <a:xfrm>
-            <a:off x="1173760" y="1136629"/>
-            <a:ext cx="10663106" cy="1107996"/>
+            <a:off x="863619" y="691411"/>
+            <a:ext cx="4325933" cy="5475178"/>
           </a:xfrm>
           <a:prstGeom prst="rect">
             <a:avLst/>
           </a:prstGeom>
-        </p:spPr>
-        <p:txBody>
-          <a:bodyPr wrap="square">
-            <a:spAutoFit/>
-          </a:bodyPr>
-          <a:lstStyle/>
-          <a:p>
-            <a:r>
-              <a:rPr lang="en-US" altLang="ko-KR" sz="6600" dirty="0">
+          <a:noFill/>
+          <a:extLst>
+            <a:ext uri="{909E8E84-426E-40DD-AFC4-6F175D3DCCD1}">
+              <a14:hiddenFill xmlns:a14="http://schemas.microsoft.com/office/drawing/2010/main">
                 <a:solidFill>
-                  <a:srgbClr val="DADDE2"/>
+                  <a:srgbClr val="FFFFFF"/>
                 </a:solidFill>
-                <a:highlight>
-                  <a:srgbClr val="0000FF"/>
-                </a:highlight>
-                <a:ea typeface="Söhne"/>
-              </a:rPr>
-              <a:t>U</a:t>
-            </a:r>
-            <a:r>
-              <a:rPr lang="ko-KR" altLang="ko-KR" sz="6600" dirty="0" err="1">
-                <a:solidFill>
-                  <a:srgbClr val="DADDE2"/>
-                </a:solidFill>
-                <a:highlight>
-                  <a:srgbClr val="0000FF"/>
-                </a:highlight>
-                <a:ea typeface="Söhne"/>
-              </a:rPr>
-              <a:t>nconscious</a:t>
-            </a:r>
-            <a:r>
-              <a:rPr lang="en-US" altLang="ko-KR" sz="6600" dirty="0">
-                <a:solidFill>
-                  <a:srgbClr val="DADDE2"/>
-                </a:solidFill>
-                <a:highlight>
-                  <a:srgbClr val="0000FF"/>
-                </a:highlight>
-                <a:ea typeface="Söhne"/>
-              </a:rPr>
-              <a:t>ness</a:t>
-            </a:r>
-            <a:endParaRPr lang="ko-KR" altLang="en-US" sz="6600" dirty="0">
-              <a:highlight>
-                <a:srgbClr val="0000FF"/>
-              </a:highlight>
-            </a:endParaRPr>
-          </a:p>
-        </p:txBody>
-      </p:sp>
-      <p:sp>
-        <p:nvSpPr>
-          <p:cNvPr id="5" name="직사각형 4">
-            <a:extLst>
-              <a:ext uri="{FF2B5EF4-FFF2-40B4-BE49-F238E27FC236}">
-                <a16:creationId xmlns:a16="http://schemas.microsoft.com/office/drawing/2014/main" id="{A33742E8-3B92-406A-B86E-45D6CA06986F}"/>
+              </a14:hiddenFill>
+            </a:ext>
+          </a:extLst>
+        </p:spPr>
+      </p:pic>
+      <p:sp>
+        <p:nvSpPr>
+          <p:cNvPr id="4" name="직사각형 3">
+            <a:extLst>
+              <a:ext uri="{FF2B5EF4-FFF2-40B4-BE49-F238E27FC236}">
+                <a16:creationId xmlns:a16="http://schemas.microsoft.com/office/drawing/2014/main" id="{98E4D1C4-8942-475A-ACE8-D24DEF17036D}"/>
               </a:ext>
             </a:extLst>
           </p:cNvPr>
@@ -8243,67 +6190,42 @@
         </p:nvSpPr>
         <p:spPr>
           <a:xfrm>
-            <a:off x="1173760" y="3162130"/>
-            <a:ext cx="8503325" cy="1107996"/>
+            <a:off x="7494876" y="6291743"/>
+            <a:ext cx="1450975" cy="369332"/>
           </a:xfrm>
           <a:prstGeom prst="rect">
             <a:avLst/>
           </a:prstGeom>
         </p:spPr>
         <p:txBody>
-          <a:bodyPr wrap="square">
+          <a:bodyPr wrap="none">
             <a:spAutoFit/>
           </a:bodyPr>
           <a:lstStyle/>
           <a:p>
             <a:r>
-              <a:rPr lang="en-US" altLang="ko-KR" sz="6600" dirty="0">
+              <a:rPr lang="en-US" altLang="ko-KR" dirty="0">
                 <a:solidFill>
-                  <a:schemeClr val="bg1"/>
+                  <a:schemeClr val="accent1"/>
                 </a:solidFill>
-                <a:highlight>
-                  <a:srgbClr val="0000FF"/>
-                </a:highlight>
-                <a:latin typeface="Malgun Gothic Semilight" panose="020B0502040204020203" pitchFamily="50" charset="-127"/>
-                <a:ea typeface="Malgun Gothic Semilight" panose="020B0502040204020203" pitchFamily="50" charset="-127"/>
-                <a:cs typeface="Malgun Gothic Semilight" panose="020B0502040204020203" pitchFamily="50" charset="-127"/>
+                <a:latin typeface="Söhne"/>
               </a:rPr>
-              <a:t>Human </a:t>
-            </a:r>
-            <a:r>
-              <a:rPr lang="en-US" altLang="ko-KR" sz="6600" b="1" dirty="0">
-                <a:solidFill>
-                  <a:schemeClr val="bg1"/>
-                </a:solidFill>
-                <a:highlight>
-                  <a:srgbClr val="0000FF"/>
-                </a:highlight>
-                <a:latin typeface="Malgun Gothic Semilight" panose="020B0502040204020203" pitchFamily="50" charset="-127"/>
-                <a:ea typeface="Malgun Gothic Semilight" panose="020B0502040204020203" pitchFamily="50" charset="-127"/>
-                <a:cs typeface="Malgun Gothic Semilight" panose="020B0502040204020203" pitchFamily="50" charset="-127"/>
-              </a:rPr>
-              <a:t>forgetting</a:t>
-            </a:r>
-            <a:endParaRPr lang="ko-KR" altLang="en-US" sz="6600" b="1" dirty="0">
+              <a:t>Yayoi Kusama</a:t>
+            </a:r>
+            <a:endParaRPr lang="ko-KR" altLang="en-US" dirty="0">
               <a:solidFill>
-                <a:schemeClr val="bg1"/>
+                <a:schemeClr val="accent1"/>
               </a:solidFill>
-              <a:highlight>
-                <a:srgbClr val="0000FF"/>
-              </a:highlight>
-              <a:latin typeface="Malgun Gothic Semilight" panose="020B0502040204020203" pitchFamily="50" charset="-127"/>
-              <a:ea typeface="Malgun Gothic Semilight" panose="020B0502040204020203" pitchFamily="50" charset="-127"/>
-              <a:cs typeface="Malgun Gothic Semilight" panose="020B0502040204020203" pitchFamily="50" charset="-127"/>
             </a:endParaRPr>
           </a:p>
         </p:txBody>
       </p:sp>
       <p:sp>
         <p:nvSpPr>
-          <p:cNvPr id="6" name="직사각형 5">
-            <a:extLst>
-              <a:ext uri="{FF2B5EF4-FFF2-40B4-BE49-F238E27FC236}">
-                <a16:creationId xmlns:a16="http://schemas.microsoft.com/office/drawing/2014/main" id="{426EBE73-4DD2-4F1B-A6B1-0A1FDDF51666}"/>
+          <p:cNvPr id="7" name="직사각형 6">
+            <a:extLst>
+              <a:ext uri="{FF2B5EF4-FFF2-40B4-BE49-F238E27FC236}">
+                <a16:creationId xmlns:a16="http://schemas.microsoft.com/office/drawing/2014/main" id="{F9CA17BC-328F-4DAF-AF1B-7FAF779B63D8}"/>
               </a:ext>
             </a:extLst>
           </p:cNvPr>
@@ -8312,45 +6234,96 @@
         </p:nvSpPr>
         <p:spPr>
           <a:xfrm>
-            <a:off x="1106647" y="5187631"/>
-            <a:ext cx="10515600" cy="1107996"/>
+            <a:off x="2234767" y="6233023"/>
+            <a:ext cx="1311578" cy="369332"/>
           </a:xfrm>
           <a:prstGeom prst="rect">
             <a:avLst/>
           </a:prstGeom>
         </p:spPr>
         <p:txBody>
-          <a:bodyPr wrap="square">
+          <a:bodyPr wrap="none">
             <a:spAutoFit/>
           </a:bodyPr>
           <a:lstStyle/>
           <a:p>
             <a:r>
-              <a:rPr lang="en-US" altLang="ko-KR" sz="6600" dirty="0">
+              <a:rPr lang="en-US" altLang="ko-KR" dirty="0" err="1">
                 <a:solidFill>
-                  <a:schemeClr val="bg1"/>
+                  <a:schemeClr val="accent1"/>
                 </a:solidFill>
-                <a:highlight>
-                  <a:srgbClr val="0000FF"/>
-                </a:highlight>
+                <a:latin typeface="Söhne"/>
               </a:rPr>
-              <a:t>Nonverbal communication</a:t>
-            </a:r>
-            <a:endParaRPr lang="ko-KR" altLang="en-US" sz="6600" dirty="0">
+              <a:t>Whanki</a:t>
+            </a:r>
+            <a:r>
+              <a:rPr lang="en-US" altLang="ko-KR" dirty="0">
+                <a:solidFill>
+                  <a:schemeClr val="accent1"/>
+                </a:solidFill>
+                <a:latin typeface="Söhne"/>
+              </a:rPr>
+              <a:t> Kim</a:t>
+            </a:r>
+            <a:endParaRPr lang="ko-KR" altLang="en-US" dirty="0">
               <a:solidFill>
-                <a:schemeClr val="bg1"/>
+                <a:schemeClr val="accent1"/>
               </a:solidFill>
-              <a:highlight>
-                <a:srgbClr val="0000FF"/>
-              </a:highlight>
             </a:endParaRPr>
           </a:p>
         </p:txBody>
       </p:sp>
+      <p:pic>
+        <p:nvPicPr>
+          <p:cNvPr id="2054" name="Picture 6">
+            <a:extLst>
+              <a:ext uri="{FF2B5EF4-FFF2-40B4-BE49-F238E27FC236}">
+                <a16:creationId xmlns:a16="http://schemas.microsoft.com/office/drawing/2014/main" id="{55712CBA-2C51-4BB8-A79D-C7326ECBA8BA}"/>
+              </a:ext>
+            </a:extLst>
+          </p:cNvPr>
+          <p:cNvPicPr>
+            <a:picLocks noChangeAspect="1" noChangeArrowheads="1"/>
+          </p:cNvPicPr>
+          <p:nvPr/>
+        </p:nvPicPr>
+        <p:blipFill>
+          <a:blip r:embed="rId3">
+            <a:extLst>
+              <a:ext uri="{28A0092B-C50C-407E-A947-70E740481C1C}">
+                <a14:useLocalDpi xmlns:a14="http://schemas.microsoft.com/office/drawing/2010/main" val="0"/>
+              </a:ext>
+            </a:extLst>
+          </a:blip>
+          <a:srcRect/>
+          <a:stretch>
+            <a:fillRect/>
+          </a:stretch>
+        </p:blipFill>
+        <p:spPr bwMode="auto">
+          <a:xfrm>
+            <a:off x="3284565" y="691411"/>
+            <a:ext cx="10310929" cy="5356850"/>
+          </a:xfrm>
+          <a:prstGeom prst="rect">
+            <a:avLst/>
+          </a:prstGeom>
+          <a:noFill/>
+          <a:extLst>
+            <a:ext uri="{909E8E84-426E-40DD-AFC4-6F175D3DCCD1}">
+              <a14:hiddenFill xmlns:a14="http://schemas.microsoft.com/office/drawing/2010/main">
+                <a:solidFill>
+                  <a:srgbClr val="FFFFFF"/>
+                </a:solidFill>
+              </a14:hiddenFill>
+            </a:ext>
+          </a:extLst>
+        </p:spPr>
+      </p:pic>
     </p:spTree>
     <p:extLst>
       <p:ext uri="{BB962C8B-B14F-4D97-AF65-F5344CB8AC3E}">
-        <p14:creationId xmlns:p14="http://schemas.microsoft.com/office/powerpoint/2010/main" val="4125209932"/>
+        <p14:creationId xmlns:p14="http://schemas.microsoft.com/office/powerpoint/2010/main" val="1952610202"/>
       </p:ext>
     </p:extLst>
   </p:cSld>
@@ -8377,201 +6350,364 @@
           <a:chExt cx="0" cy="0"/>
         </a:xfrm>
       </p:grpSpPr>
-      <p:pic>
-        <p:nvPicPr>
-          <p:cNvPr id="2050" name="Picture 2">
-            <a:extLst>
-              <a:ext uri="{FF2B5EF4-FFF2-40B4-BE49-F238E27FC236}">
-                <a16:creationId xmlns:a16="http://schemas.microsoft.com/office/drawing/2014/main" id="{B331C87C-B74A-49A5-9862-E5403D394716}"/>
-              </a:ext>
-            </a:extLst>
-          </p:cNvPr>
-          <p:cNvPicPr>
-            <a:picLocks noChangeAspect="1" noChangeArrowheads="1"/>
-          </p:cNvPicPr>
-          <p:nvPr/>
-        </p:nvPicPr>
-        <p:blipFill>
-          <a:blip r:embed="rId2">
-            <a:extLst>
-              <a:ext uri="{28A0092B-C50C-407E-A947-70E740481C1C}">
-                <a14:useLocalDpi xmlns:a14="http://schemas.microsoft.com/office/drawing/2010/main" val="0"/>
-              </a:ext>
-            </a:extLst>
-          </a:blip>
-          <a:srcRect/>
-          <a:stretch>
-            <a:fillRect/>
-          </a:stretch>
-        </p:blipFill>
-        <p:spPr bwMode="auto">
-          <a:xfrm>
-            <a:off x="863619" y="691411"/>
-            <a:ext cx="4325933" cy="5475178"/>
-          </a:xfrm>
-          <a:prstGeom prst="rect">
-            <a:avLst/>
-          </a:prstGeom>
-          <a:noFill/>
-          <a:extLst>
-            <a:ext uri="{909E8E84-426E-40DD-AFC4-6F175D3DCCD1}">
-              <a14:hiddenFill xmlns:a14="http://schemas.microsoft.com/office/drawing/2010/main">
+      <p:sp>
+        <p:nvSpPr>
+          <p:cNvPr id="2" name="제목 1">
+            <a:extLst>
+              <a:ext uri="{FF2B5EF4-FFF2-40B4-BE49-F238E27FC236}">
+                <a16:creationId xmlns:a16="http://schemas.microsoft.com/office/drawing/2014/main" id="{BB4525D2-F44A-4AC0-B26F-C1CF3B774CBF}"/>
+              </a:ext>
+            </a:extLst>
+          </p:cNvPr>
+          <p:cNvSpPr>
+            <a:spLocks noGrp="1"/>
+          </p:cNvSpPr>
+          <p:nvPr>
+            <p:ph type="title"/>
+          </p:nvPr>
+        </p:nvSpPr>
+        <p:spPr/>
+        <p:txBody>
+          <a:bodyPr/>
+          <a:lstStyle/>
+          <a:p>
+            <a:r>
+              <a:rPr lang="en-US" altLang="ko-KR" dirty="0"/>
+              <a:t>chat GPT</a:t>
+            </a:r>
+            <a:endParaRPr lang="ko-KR" altLang="en-US" dirty="0"/>
+          </a:p>
+        </p:txBody>
+      </p:sp>
+      <p:sp>
+        <p:nvSpPr>
+          <p:cNvPr id="3" name="내용 개체 틀 2">
+            <a:extLst>
+              <a:ext uri="{FF2B5EF4-FFF2-40B4-BE49-F238E27FC236}">
+                <a16:creationId xmlns:a16="http://schemas.microsoft.com/office/drawing/2014/main" id="{E4BE8763-09BB-462A-8B96-E8A3DE4DF49F}"/>
+              </a:ext>
+            </a:extLst>
+          </p:cNvPr>
+          <p:cNvSpPr>
+            <a:spLocks noGrp="1"/>
+          </p:cNvSpPr>
+          <p:nvPr>
+            <p:ph idx="1"/>
+          </p:nvPr>
+        </p:nvSpPr>
+        <p:spPr/>
+        <p:txBody>
+          <a:bodyPr>
+            <a:normAutofit/>
+          </a:bodyPr>
+          <a:lstStyle/>
+          <a:p>
+            <a:r>
+              <a:rPr lang="ko-KR" altLang="ko-KR" b="1" i="1" dirty="0" err="1"/>
+              <a:t>Generative</a:t>
+            </a:r>
+            <a:r>
+              <a:rPr lang="ko-KR" altLang="ko-KR" b="1" i="1" dirty="0"/>
+              <a:t> </a:t>
+            </a:r>
+            <a:r>
+              <a:rPr lang="ko-KR" altLang="ko-KR" b="1" i="1" dirty="0" err="1"/>
+              <a:t>Pre-trained</a:t>
+            </a:r>
+            <a:r>
+              <a:rPr lang="ko-KR" altLang="ko-KR" b="1" i="1" dirty="0"/>
+              <a:t> </a:t>
+            </a:r>
+            <a:r>
+              <a:rPr lang="ko-KR" altLang="ko-KR" b="1" i="1" dirty="0" err="1"/>
+              <a:t>Transformer</a:t>
+            </a:r>
+            <a:endParaRPr lang="en-US" altLang="ko-KR" b="1" i="1" dirty="0"/>
+          </a:p>
+          <a:p>
+            <a:endParaRPr lang="en-US" altLang="ko-KR" b="1" i="1" dirty="0"/>
+          </a:p>
+          <a:p>
+            <a:r>
+              <a:rPr lang="ko-KR" altLang="ko-KR" sz="2400" dirty="0" err="1"/>
+              <a:t>In</a:t>
+            </a:r>
+            <a:r>
+              <a:rPr lang="ko-KR" altLang="ko-KR" sz="2400" dirty="0"/>
+              <a:t> </a:t>
+            </a:r>
+            <a:r>
+              <a:rPr lang="ko-KR" altLang="ko-KR" sz="2400" dirty="0" err="1"/>
+              <a:t>a</a:t>
+            </a:r>
+            <a:r>
+              <a:rPr lang="ko-KR" altLang="ko-KR" sz="2400" dirty="0"/>
+              <a:t> </a:t>
+            </a:r>
+            <a:r>
+              <a:rPr lang="ko-KR" altLang="ko-KR" sz="2400" dirty="0" err="1"/>
+              <a:t>nutshell</a:t>
+            </a:r>
+            <a:r>
+              <a:rPr lang="ko-KR" altLang="ko-KR" sz="2400" dirty="0"/>
+              <a:t>, </a:t>
+            </a:r>
+            <a:r>
+              <a:rPr lang="ko-KR" altLang="ko-KR" sz="2400" dirty="0" err="1"/>
+              <a:t>Chat</a:t>
+            </a:r>
+            <a:r>
+              <a:rPr lang="ko-KR" altLang="ko-KR" sz="2400" dirty="0"/>
+              <a:t> GPT </a:t>
+            </a:r>
+            <a:r>
+              <a:rPr lang="ko-KR" altLang="ko-KR" sz="2400" dirty="0" err="1"/>
+              <a:t>is</a:t>
+            </a:r>
+            <a:r>
+              <a:rPr lang="ko-KR" altLang="ko-KR" sz="2400" dirty="0"/>
+              <a:t> </a:t>
+            </a:r>
+            <a:r>
+              <a:rPr lang="ko-KR" altLang="ko-KR" sz="2400" dirty="0" err="1"/>
+              <a:t>an</a:t>
+            </a:r>
+            <a:r>
+              <a:rPr lang="ko-KR" altLang="ko-KR" sz="2400" dirty="0"/>
+              <a:t> </a:t>
+            </a:r>
+            <a:endParaRPr lang="en-US" altLang="ko-KR" sz="2400" dirty="0"/>
+          </a:p>
+          <a:p>
+            <a:endParaRPr lang="ko-KR" altLang="ko-KR" sz="2400" dirty="0"/>
+          </a:p>
+          <a:p>
+            <a:pPr marL="457200" lvl="1" indent="0">
+              <a:buNone/>
+            </a:pPr>
+            <a:r>
+              <a:rPr lang="ko-KR" altLang="ko-KR" dirty="0" err="1"/>
+              <a:t>artificial</a:t>
+            </a:r>
+            <a:r>
+              <a:rPr lang="ko-KR" altLang="ko-KR" dirty="0"/>
+              <a:t> </a:t>
+            </a:r>
+            <a:r>
+              <a:rPr lang="ko-KR" altLang="ko-KR" dirty="0" err="1"/>
+              <a:t>intelligence</a:t>
+            </a:r>
+            <a:r>
+              <a:rPr lang="ko-KR" altLang="ko-KR" dirty="0"/>
+              <a:t> (AI) </a:t>
+            </a:r>
+            <a:r>
+              <a:rPr lang="ko-KR" altLang="ko-KR" dirty="0" err="1"/>
+              <a:t>content</a:t>
+            </a:r>
+            <a:r>
+              <a:rPr lang="ko-KR" altLang="ko-KR" dirty="0"/>
+              <a:t> </a:t>
+            </a:r>
+            <a:r>
+              <a:rPr lang="ko-KR" altLang="ko-KR" dirty="0" err="1"/>
+              <a:t>generator</a:t>
+            </a:r>
+            <a:r>
+              <a:rPr lang="ko-KR" altLang="ko-KR" dirty="0"/>
+              <a:t> </a:t>
+            </a:r>
+            <a:endParaRPr lang="en-US" altLang="ko-KR" dirty="0"/>
+          </a:p>
+          <a:p>
+            <a:pPr marL="457200" lvl="1" indent="0">
+              <a:buNone/>
+            </a:pPr>
+            <a:endParaRPr lang="ko-KR" altLang="ko-KR" dirty="0"/>
+          </a:p>
+          <a:p>
+            <a:pPr marL="457200" lvl="1" indent="0">
+              <a:buNone/>
+            </a:pPr>
+            <a:r>
+              <a:rPr lang="ko-KR" altLang="ko-KR" dirty="0" err="1"/>
+              <a:t>that</a:t>
+            </a:r>
+            <a:r>
+              <a:rPr lang="ko-KR" altLang="ko-KR" dirty="0"/>
+              <a:t> </a:t>
+            </a:r>
+            <a:r>
+              <a:rPr lang="ko-KR" altLang="ko-KR" dirty="0" err="1"/>
+              <a:t>semi-autonomously</a:t>
+            </a:r>
+            <a:r>
+              <a:rPr lang="ko-KR" altLang="ko-KR" dirty="0"/>
+              <a:t> </a:t>
+            </a:r>
+            <a:r>
+              <a:rPr lang="ko-KR" altLang="ko-KR" dirty="0" err="1"/>
+              <a:t>creates</a:t>
+            </a:r>
+            <a:r>
+              <a:rPr lang="ko-KR" altLang="ko-KR" dirty="0"/>
+              <a:t> </a:t>
+            </a:r>
+            <a:r>
+              <a:rPr lang="ko-KR" altLang="ko-KR" dirty="0" err="1"/>
+              <a:t>phrases</a:t>
+            </a:r>
+            <a:r>
+              <a:rPr lang="ko-KR" altLang="ko-KR" dirty="0"/>
+              <a:t> and </a:t>
+            </a:r>
+            <a:r>
+              <a:rPr lang="ko-KR" altLang="ko-KR" dirty="0" err="1"/>
+              <a:t>articles</a:t>
+            </a:r>
+            <a:r>
+              <a:rPr lang="ko-KR" altLang="ko-KR" dirty="0"/>
+              <a:t> </a:t>
+            </a:r>
+            <a:endParaRPr lang="en-US" altLang="ko-KR" dirty="0"/>
+          </a:p>
+          <a:p>
+            <a:pPr marL="457200" lvl="1" indent="0">
+              <a:buNone/>
+            </a:pPr>
+            <a:endParaRPr lang="en-US" altLang="ko-KR" dirty="0"/>
+          </a:p>
+          <a:p>
+            <a:pPr marL="457200" lvl="1" indent="0">
+              <a:buNone/>
+            </a:pPr>
+            <a:r>
+              <a:rPr lang="ko-KR" altLang="ko-KR" sz="3600" dirty="0" err="1">
                 <a:solidFill>
-                  <a:srgbClr val="FFFFFF"/>
+                  <a:schemeClr val="accent5">
+                    <a:lumMod val="75000"/>
+                  </a:schemeClr>
                 </a:solidFill>
-              </a14:hiddenFill>
-            </a:ext>
-          </a:extLst>
-        </p:spPr>
-      </p:pic>
-      <p:sp>
-        <p:nvSpPr>
-          <p:cNvPr id="4" name="직사각형 3">
-            <a:extLst>
-              <a:ext uri="{FF2B5EF4-FFF2-40B4-BE49-F238E27FC236}">
-                <a16:creationId xmlns:a16="http://schemas.microsoft.com/office/drawing/2014/main" id="{98E4D1C4-8942-475A-ACE8-D24DEF17036D}"/>
-              </a:ext>
-            </a:extLst>
-          </p:cNvPr>
-          <p:cNvSpPr/>
-          <p:nvPr/>
-        </p:nvSpPr>
-        <p:spPr>
-          <a:xfrm>
-            <a:off x="7494876" y="6291743"/>
-            <a:ext cx="1450975" cy="369332"/>
-          </a:xfrm>
-          <a:prstGeom prst="rect">
-            <a:avLst/>
-          </a:prstGeom>
-        </p:spPr>
-        <p:txBody>
-          <a:bodyPr wrap="none">
-            <a:spAutoFit/>
-          </a:bodyPr>
-          <a:lstStyle/>
-          <a:p>
-            <a:r>
-              <a:rPr lang="en-US" altLang="ko-KR" dirty="0">
+                <a:highlight>
+                  <a:srgbClr val="C0C0C0"/>
+                </a:highlight>
+              </a:rPr>
+              <a:t>based</a:t>
+            </a:r>
+            <a:r>
+              <a:rPr lang="ko-KR" altLang="ko-KR" sz="3600" dirty="0">
                 <a:solidFill>
-                  <a:schemeClr val="accent1"/>
+                  <a:schemeClr val="accent5">
+                    <a:lumMod val="75000"/>
+                  </a:schemeClr>
                 </a:solidFill>
-                <a:latin typeface="Söhne"/>
+                <a:highlight>
+                  <a:srgbClr val="C0C0C0"/>
+                </a:highlight>
               </a:rPr>
-              <a:t>Yayoi Kusama</a:t>
-            </a:r>
-            <a:endParaRPr lang="ko-KR" altLang="en-US" dirty="0">
-              <a:solidFill>
-                <a:schemeClr val="accent1"/>
-              </a:solidFill>
-            </a:endParaRPr>
-          </a:p>
-        </p:txBody>
-      </p:sp>
-      <p:sp>
-        <p:nvSpPr>
-          <p:cNvPr id="7" name="직사각형 6">
-            <a:extLst>
-              <a:ext uri="{FF2B5EF4-FFF2-40B4-BE49-F238E27FC236}">
-                <a16:creationId xmlns:a16="http://schemas.microsoft.com/office/drawing/2014/main" id="{F9CA17BC-328F-4DAF-AF1B-7FAF779B63D8}"/>
-              </a:ext>
-            </a:extLst>
-          </p:cNvPr>
-          <p:cNvSpPr/>
-          <p:nvPr/>
-        </p:nvSpPr>
-        <p:spPr>
-          <a:xfrm>
-            <a:off x="2234767" y="6233023"/>
-            <a:ext cx="1311578" cy="369332"/>
-          </a:xfrm>
-          <a:prstGeom prst="rect">
-            <a:avLst/>
-          </a:prstGeom>
-        </p:spPr>
-        <p:txBody>
-          <a:bodyPr wrap="none">
-            <a:spAutoFit/>
-          </a:bodyPr>
-          <a:lstStyle/>
-          <a:p>
-            <a:r>
-              <a:rPr lang="en-US" altLang="ko-KR" dirty="0" err="1">
+              <a:t> </a:t>
+            </a:r>
+            <a:r>
+              <a:rPr lang="ko-KR" altLang="ko-KR" sz="3600" dirty="0" err="1">
                 <a:solidFill>
-                  <a:schemeClr val="accent1"/>
+                  <a:schemeClr val="accent5">
+                    <a:lumMod val="75000"/>
+                  </a:schemeClr>
                 </a:solidFill>
-                <a:latin typeface="Söhne"/>
+                <a:highlight>
+                  <a:srgbClr val="C0C0C0"/>
+                </a:highlight>
               </a:rPr>
-              <a:t>Whanki</a:t>
-            </a:r>
-            <a:r>
-              <a:rPr lang="en-US" altLang="ko-KR" dirty="0">
+              <a:t>on</a:t>
+            </a:r>
+            <a:r>
+              <a:rPr lang="ko-KR" altLang="ko-KR" sz="3600" dirty="0">
                 <a:solidFill>
-                  <a:schemeClr val="accent1"/>
+                  <a:schemeClr val="accent5">
+                    <a:lumMod val="75000"/>
+                  </a:schemeClr>
                 </a:solidFill>
-                <a:latin typeface="Söhne"/>
+                <a:highlight>
+                  <a:srgbClr val="C0C0C0"/>
+                </a:highlight>
               </a:rPr>
-              <a:t> Kim</a:t>
-            </a:r>
-            <a:endParaRPr lang="ko-KR" altLang="en-US" dirty="0">
-              <a:solidFill>
-                <a:schemeClr val="accent1"/>
-              </a:solidFill>
-            </a:endParaRPr>
-          </a:p>
-        </p:txBody>
-      </p:sp>
-      <p:pic>
-        <p:nvPicPr>
-          <p:cNvPr id="2054" name="Picture 6">
-            <a:extLst>
-              <a:ext uri="{FF2B5EF4-FFF2-40B4-BE49-F238E27FC236}">
-                <a16:creationId xmlns:a16="http://schemas.microsoft.com/office/drawing/2014/main" id="{55712CBA-2C51-4BB8-A79D-C7326ECBA8BA}"/>
-              </a:ext>
-            </a:extLst>
-          </p:cNvPr>
-          <p:cNvPicPr>
-            <a:picLocks noChangeAspect="1" noChangeArrowheads="1"/>
-          </p:cNvPicPr>
-          <p:nvPr/>
-        </p:nvPicPr>
-        <p:blipFill>
-          <a:blip r:embed="rId3">
-            <a:extLst>
-              <a:ext uri="{28A0092B-C50C-407E-A947-70E740481C1C}">
-                <a14:useLocalDpi xmlns:a14="http://schemas.microsoft.com/office/drawing/2010/main" val="0"/>
-              </a:ext>
-            </a:extLst>
-          </a:blip>
-          <a:srcRect/>
-          <a:stretch>
-            <a:fillRect/>
-          </a:stretch>
-        </p:blipFill>
-        <p:spPr bwMode="auto">
-          <a:xfrm>
-            <a:off x="3284565" y="691411"/>
-            <a:ext cx="10310929" cy="5356850"/>
-          </a:xfrm>
-          <a:prstGeom prst="rect">
-            <a:avLst/>
-          </a:prstGeom>
-          <a:noFill/>
-          <a:extLst>
-            <a:ext uri="{909E8E84-426E-40DD-AFC4-6F175D3DCCD1}">
-              <a14:hiddenFill xmlns:a14="http://schemas.microsoft.com/office/drawing/2010/main">
+              <a:t> </a:t>
+            </a:r>
+            <a:r>
+              <a:rPr lang="ko-KR" altLang="ko-KR" sz="3600" dirty="0" err="1">
                 <a:solidFill>
-                  <a:srgbClr val="FFFFFF"/>
+                  <a:schemeClr val="accent5">
+                    <a:lumMod val="75000"/>
+                  </a:schemeClr>
                 </a:solidFill>
-              </a14:hiddenFill>
-            </a:ext>
-          </a:extLst>
-        </p:spPr>
-      </p:pic>
+                <a:highlight>
+                  <a:srgbClr val="C0C0C0"/>
+                </a:highlight>
+              </a:rPr>
+              <a:t>user</a:t>
+            </a:r>
+            <a:r>
+              <a:rPr lang="ko-KR" altLang="ko-KR" sz="3600" dirty="0">
+                <a:solidFill>
+                  <a:schemeClr val="accent5">
+                    <a:lumMod val="75000"/>
+                  </a:schemeClr>
+                </a:solidFill>
+                <a:highlight>
+                  <a:srgbClr val="C0C0C0"/>
+                </a:highlight>
+              </a:rPr>
+              <a:t> </a:t>
+            </a:r>
+            <a:r>
+              <a:rPr lang="ko-KR" altLang="ko-KR" sz="3600" dirty="0" err="1">
+                <a:solidFill>
+                  <a:schemeClr val="accent5">
+                    <a:lumMod val="75000"/>
+                  </a:schemeClr>
+                </a:solidFill>
+                <a:highlight>
+                  <a:srgbClr val="C0C0C0"/>
+                </a:highlight>
+              </a:rPr>
+              <a:t>input</a:t>
+            </a:r>
+            <a:r>
+              <a:rPr lang="ko-KR" altLang="ko-KR" sz="3600" dirty="0">
+                <a:solidFill>
+                  <a:schemeClr val="accent5">
+                    <a:lumMod val="75000"/>
+                  </a:schemeClr>
+                </a:solidFill>
+                <a:highlight>
+                  <a:srgbClr val="C0C0C0"/>
+                </a:highlight>
+              </a:rPr>
+              <a:t>.</a:t>
+            </a:r>
+            <a:r>
+              <a:rPr lang="en-US" altLang="ko-KR" sz="3600" dirty="0">
+                <a:solidFill>
+                  <a:schemeClr val="accent5">
+                    <a:lumMod val="75000"/>
+                  </a:schemeClr>
+                </a:solidFill>
+                <a:highlight>
+                  <a:srgbClr val="C0C0C0"/>
+                </a:highlight>
+              </a:rPr>
+              <a:t> </a:t>
+            </a:r>
+          </a:p>
+          <a:p>
+            <a:endParaRPr lang="ko-KR" altLang="en-US" dirty="0"/>
+          </a:p>
+        </p:txBody>
+      </p:sp>
     </p:spTree>
     <p:extLst>
       <p:ext uri="{BB962C8B-B14F-4D97-AF65-F5344CB8AC3E}">
-        <p14:creationId xmlns:p14="http://schemas.microsoft.com/office/powerpoint/2010/main" val="1952610202"/>
+        <p14:creationId xmlns:p14="http://schemas.microsoft.com/office/powerpoint/2010/main" val="1556132469"/>
       </p:ext>
     </p:extLst>
   </p:cSld>
@@ -8603,7 +6739,7 @@
           <p:cNvPr id="2" name="제목 1">
             <a:extLst>
               <a:ext uri="{FF2B5EF4-FFF2-40B4-BE49-F238E27FC236}">
-                <a16:creationId xmlns:a16="http://schemas.microsoft.com/office/drawing/2014/main" id="{93D6B248-0092-41B9-B53E-7829EE3C9DA5}"/>
+                <a16:creationId xmlns:a16="http://schemas.microsoft.com/office/drawing/2014/main" id="{42977001-2C0D-46C0-80FA-B66D7627B73E}"/>
               </a:ext>
             </a:extLst>
           </p:cNvPr>
@@ -8616,44 +6752,161 @@
         </p:nvSpPr>
         <p:spPr/>
         <p:txBody>
-          <a:bodyPr/>
-          <a:lstStyle/>
-          <a:p>
-            <a:endParaRPr lang="ko-KR" altLang="en-US"/>
-          </a:p>
-        </p:txBody>
-      </p:sp>
-      <p:sp>
-        <p:nvSpPr>
-          <p:cNvPr id="3" name="내용 개체 틀 2">
-            <a:extLst>
-              <a:ext uri="{FF2B5EF4-FFF2-40B4-BE49-F238E27FC236}">
-                <a16:creationId xmlns:a16="http://schemas.microsoft.com/office/drawing/2014/main" id="{EAC7316B-DE68-4CDD-950B-E8A9D71CF314}"/>
-              </a:ext>
-            </a:extLst>
-          </p:cNvPr>
-          <p:cNvSpPr>
-            <a:spLocks noGrp="1"/>
-          </p:cNvSpPr>
-          <p:nvPr>
-            <p:ph idx="1"/>
-          </p:nvPr>
-        </p:nvSpPr>
-        <p:spPr/>
-        <p:txBody>
-          <a:bodyPr/>
-          <a:lstStyle/>
-          <a:p>
-            <a:endParaRPr lang="ko-KR" altLang="en-US"/>
+          <a:bodyPr>
+            <a:normAutofit fontScale="90000"/>
+          </a:bodyPr>
+          <a:lstStyle/>
+          <a:p>
+            <a:pPr algn="ctr"/>
+            <a:r>
+              <a:rPr lang="en-US" altLang="ko-KR" sz="2200" b="1" dirty="0"/>
+              <a:t>NVIDIA</a:t>
+            </a:r>
+            <a:r>
+              <a:rPr lang="ko-KR" altLang="en-US" sz="2200" b="1" dirty="0"/>
+              <a:t>의 과학시간 </a:t>
+            </a:r>
+            <a:r>
+              <a:rPr lang="en-US" altLang="ko-KR" sz="2200" b="1" dirty="0"/>
+              <a:t>- GPU</a:t>
+            </a:r>
+            <a:r>
+              <a:rPr lang="ko-KR" altLang="en-US" sz="2200" b="1" dirty="0"/>
+              <a:t>와 </a:t>
+            </a:r>
+            <a:r>
+              <a:rPr lang="en-US" altLang="ko-KR" sz="2200" b="1" dirty="0"/>
+              <a:t>CPU</a:t>
+            </a:r>
+            <a:r>
+              <a:rPr lang="ko-KR" altLang="en-US" sz="2200" b="1" dirty="0"/>
+              <a:t>의 차이</a:t>
+            </a:r>
+            <a:br>
+              <a:rPr lang="en-US" altLang="ko-KR" sz="2200" b="1" dirty="0"/>
+            </a:br>
+            <a:r>
+              <a:rPr lang="en-US" altLang="ko-KR" sz="2200" dirty="0"/>
+              <a:t>Https://www.youtube.com/watch?v=1BAZf3PsjWA</a:t>
+            </a:r>
+            <a:br>
+              <a:rPr lang="ko-KR" altLang="en-US" sz="2200" dirty="0"/>
+            </a:br>
+            <a:br>
+              <a:rPr lang="ko-KR" altLang="en-US" b="1" dirty="0"/>
+            </a:br>
+            <a:endParaRPr lang="ko-KR" altLang="en-US" dirty="0"/>
+          </a:p>
+        </p:txBody>
+      </p:sp>
+      <p:sp>
+        <p:nvSpPr>
+          <p:cNvPr id="5" name="직사각형 4">
+            <a:extLst>
+              <a:ext uri="{FF2B5EF4-FFF2-40B4-BE49-F238E27FC236}">
+                <a16:creationId xmlns:a16="http://schemas.microsoft.com/office/drawing/2014/main" id="{C6782B65-F149-436B-BCB2-D17746E51E50}"/>
+              </a:ext>
+            </a:extLst>
+          </p:cNvPr>
+          <p:cNvSpPr/>
+          <p:nvPr/>
+        </p:nvSpPr>
+        <p:spPr>
+          <a:xfrm>
+            <a:off x="9428470" y="1100189"/>
+            <a:ext cx="2307042" cy="646331"/>
+          </a:xfrm>
+          <a:prstGeom prst="rect">
+            <a:avLst/>
+          </a:prstGeom>
+        </p:spPr>
+        <p:txBody>
+          <a:bodyPr wrap="none">
+            <a:spAutoFit/>
+          </a:bodyPr>
+          <a:lstStyle/>
+          <a:p>
+            <a:r>
+              <a:rPr lang="ko-KR" altLang="en-US" dirty="0">
+                <a:solidFill>
+                  <a:srgbClr val="080E14"/>
+                </a:solidFill>
+                <a:latin typeface="Nanum Gothic"/>
+              </a:rPr>
+              <a:t> </a:t>
+            </a:r>
+            <a:r>
+              <a:rPr lang="en-US" altLang="ko-KR" dirty="0">
+                <a:solidFill>
+                  <a:srgbClr val="080E14"/>
+                </a:solidFill>
+                <a:latin typeface="Nanum Gothic"/>
+              </a:rPr>
+              <a:t>chat GPT </a:t>
+            </a:r>
+            <a:r>
+              <a:rPr lang="ko-KR" altLang="en-US" dirty="0">
+                <a:solidFill>
+                  <a:srgbClr val="080E14"/>
+                </a:solidFill>
+                <a:latin typeface="Nanum Gothic"/>
+              </a:rPr>
+              <a:t>월간 활성 </a:t>
+            </a:r>
+            <a:endParaRPr lang="en-US" altLang="ko-KR" dirty="0">
+              <a:solidFill>
+                <a:srgbClr val="080E14"/>
+              </a:solidFill>
+              <a:latin typeface="Nanum Gothic"/>
+            </a:endParaRPr>
+          </a:p>
+          <a:p>
+            <a:r>
+              <a:rPr lang="ko-KR" altLang="en-US" dirty="0">
+                <a:solidFill>
+                  <a:srgbClr val="080E14"/>
+                </a:solidFill>
+                <a:latin typeface="Nanum Gothic"/>
+              </a:rPr>
+              <a:t>사용자 수</a:t>
+            </a:r>
+            <a:r>
+              <a:rPr lang="en-US" altLang="ko-KR" dirty="0">
+                <a:solidFill>
+                  <a:srgbClr val="080E14"/>
+                </a:solidFill>
+                <a:latin typeface="Nanum Gothic"/>
+              </a:rPr>
+              <a:t> 1</a:t>
+            </a:r>
+            <a:r>
+              <a:rPr lang="ko-KR" altLang="en-US" dirty="0" err="1">
+                <a:solidFill>
+                  <a:srgbClr val="080E14"/>
+                </a:solidFill>
+                <a:latin typeface="Nanum Gothic"/>
+              </a:rPr>
+              <a:t>억명</a:t>
+            </a:r>
+            <a:r>
+              <a:rPr lang="ko-KR" altLang="en-US" dirty="0">
+                <a:solidFill>
+                  <a:srgbClr val="080E14"/>
+                </a:solidFill>
+                <a:latin typeface="Nanum Gothic"/>
+              </a:rPr>
+              <a:t> 돌파</a:t>
+            </a:r>
+            <a:endParaRPr lang="ko-KR" altLang="en-US" dirty="0"/>
           </a:p>
         </p:txBody>
       </p:sp>
       <p:pic>
         <p:nvPicPr>
-          <p:cNvPr id="4" name="그림 3">
-            <a:extLst>
-              <a:ext uri="{FF2B5EF4-FFF2-40B4-BE49-F238E27FC236}">
-                <a16:creationId xmlns:a16="http://schemas.microsoft.com/office/drawing/2014/main" id="{C8F29F76-4600-43AD-AA48-CAD3EDCE7045}"/>
+          <p:cNvPr id="7" name="그림 6">
+            <a:extLst>
+              <a:ext uri="{FF2B5EF4-FFF2-40B4-BE49-F238E27FC236}">
+                <a16:creationId xmlns:a16="http://schemas.microsoft.com/office/drawing/2014/main" id="{E357E8CE-E643-4E15-92E6-48AB78266F1C}"/>
               </a:ext>
             </a:extLst>
           </p:cNvPr>
@@ -8670,8 +6923,8 @@
         </p:blipFill>
         <p:spPr>
           <a:xfrm>
-            <a:off x="469900" y="64609"/>
-            <a:ext cx="11061700" cy="6614864"/>
+            <a:off x="228906" y="1737754"/>
+            <a:ext cx="11332666" cy="4368458"/>
           </a:xfrm>
           <a:prstGeom prst="rect">
             <a:avLst/>
@@ -8680,10 +6933,10 @@
       </p:pic>
       <p:sp>
         <p:nvSpPr>
-          <p:cNvPr id="5" name="직사각형 4">
-            <a:extLst>
-              <a:ext uri="{FF2B5EF4-FFF2-40B4-BE49-F238E27FC236}">
-                <a16:creationId xmlns:a16="http://schemas.microsoft.com/office/drawing/2014/main" id="{3E3B8BC1-6270-4F1C-8F5E-4CE245E68679}"/>
+          <p:cNvPr id="6" name="화살표: 아래쪽 5">
+            <a:extLst>
+              <a:ext uri="{FF2B5EF4-FFF2-40B4-BE49-F238E27FC236}">
+                <a16:creationId xmlns:a16="http://schemas.microsoft.com/office/drawing/2014/main" id="{D46B626F-FE7D-45B9-925E-E15DD5A06220}"/>
               </a:ext>
             </a:extLst>
           </p:cNvPr>
@@ -8692,33 +6945,42 @@
         </p:nvSpPr>
         <p:spPr>
           <a:xfrm>
-            <a:off x="2590800" y="6123543"/>
-            <a:ext cx="8851900" cy="369332"/>
-          </a:xfrm>
-          <a:prstGeom prst="rect">
+            <a:off x="10581991" y="1746520"/>
+            <a:ext cx="136343" cy="1953164"/>
+          </a:xfrm>
+          <a:prstGeom prst="downArrow">
             <a:avLst/>
           </a:prstGeom>
         </p:spPr>
-        <p:txBody>
-          <a:bodyPr wrap="square">
-            <a:spAutoFit/>
-          </a:bodyPr>
-          <a:lstStyle/>
-          <a:p>
-            <a:r>
-              <a:rPr lang="en-US" altLang="ko-KR" dirty="0">
-                <a:hlinkClick r:id="rId3"/>
-              </a:rPr>
-              <a:t>https://contents.premium.naver.com/chatgpt/buff/contents/230622235641423mo</a:t>
-            </a:r>
-            <a:endParaRPr lang="ko-KR" altLang="en-US" dirty="0"/>
+        <p:style>
+          <a:lnRef idx="2">
+            <a:schemeClr val="accent1">
+              <a:shade val="50000"/>
+            </a:schemeClr>
+          </a:lnRef>
+          <a:fillRef idx="1">
+            <a:schemeClr val="accent1"/>
+          </a:fillRef>
+          <a:effectRef idx="0">
+            <a:schemeClr val="accent1"/>
+          </a:effectRef>
+          <a:fontRef idx="minor">
+            <a:schemeClr val="lt1"/>
+          </a:fontRef>
+        </p:style>
+        <p:txBody>
+          <a:bodyPr rtlCol="0" anchor="ctr"/>
+          <a:lstStyle/>
+          <a:p>
+            <a:pPr algn="ctr"/>
+            <a:endParaRPr lang="ko-KR" altLang="en-US"/>
           </a:p>
         </p:txBody>
       </p:sp>
     </p:spTree>
     <p:extLst>
       <p:ext uri="{BB962C8B-B14F-4D97-AF65-F5344CB8AC3E}">
-        <p14:creationId xmlns:p14="http://schemas.microsoft.com/office/powerpoint/2010/main" val="1103785561"/>
+        <p14:creationId xmlns:p14="http://schemas.microsoft.com/office/powerpoint/2010/main" val="893666001"/>
       </p:ext>
     </p:extLst>
   </p:cSld>
